--- a/MoLOverviewPoster2016.pptx
+++ b/MoLOverviewPoster2016.pptx
@@ -7,6 +7,9 @@
   <p:notesMasterIdLst>
     <p:notesMasterId r:id="rId3"/>
   </p:notesMasterIdLst>
+  <p:handoutMasterIdLst>
+    <p:handoutMasterId r:id="rId4"/>
+  </p:handoutMasterIdLst>
   <p:sldIdLst>
     <p:sldId id="257" r:id="rId2"/>
   </p:sldIdLst>
@@ -103,6 +106,171 @@
     </p:ext>
   </p:extLst>
 </p:presentation>
+</file>
+
+<file path=ppt/handoutMasters/handoutMaster1.xml><?xml version="1.0" encoding="utf-8"?>
+<p:handoutMaster xmlns:a="http://schemas.openxmlformats.org/drawingml/2006/main" xmlns:r="http://schemas.openxmlformats.org/officeDocument/2006/relationships" xmlns:p="http://schemas.openxmlformats.org/presentationml/2006/main">
+  <p:cSld>
+    <p:bg>
+      <p:bgRef idx="1001">
+        <a:schemeClr val="bg1"/>
+      </p:bgRef>
+    </p:bg>
+    <p:spTree>
+      <p:nvGrpSpPr>
+        <p:cNvPr id="1" name=""/>
+        <p:cNvGrpSpPr/>
+        <p:nvPr/>
+      </p:nvGrpSpPr>
+      <p:grpSpPr>
+        <a:xfrm>
+          <a:off x="0" y="0"/>
+          <a:ext cx="0" cy="0"/>
+          <a:chOff x="0" y="0"/>
+          <a:chExt cx="0" cy="0"/>
+        </a:xfrm>
+      </p:grpSpPr>
+      <p:sp>
+        <p:nvSpPr>
+          <p:cNvPr id="2" name="Header Placeholder 1"/>
+          <p:cNvSpPr>
+            <a:spLocks noGrp="1"/>
+          </p:cNvSpPr>
+          <p:nvPr>
+            <p:ph type="hdr" sz="quarter"/>
+          </p:nvPr>
+        </p:nvSpPr>
+        <p:spPr>
+          <a:xfrm>
+            <a:off x="0" y="0"/>
+            <a:ext cx="2881313" cy="490538"/>
+          </a:xfrm>
+          <a:prstGeom prst="rect">
+            <a:avLst/>
+          </a:prstGeom>
+        </p:spPr>
+        <p:txBody>
+          <a:bodyPr vert="horz" lIns="91440" tIns="45720" rIns="91440" bIns="45720" rtlCol="0"/>
+          <a:lstStyle>
+            <a:lvl1pPr algn="l">
+              <a:defRPr sz="1200"/>
+            </a:lvl1pPr>
+          </a:lstStyle>
+          <a:p>
+            <a:endParaRPr lang="en-US"/>
+          </a:p>
+        </p:txBody>
+      </p:sp>
+      <p:sp>
+        <p:nvSpPr>
+          <p:cNvPr id="3" name="Date Placeholder 2"/>
+          <p:cNvSpPr>
+            <a:spLocks noGrp="1"/>
+          </p:cNvSpPr>
+          <p:nvPr>
+            <p:ph type="dt" sz="quarter" idx="1"/>
+          </p:nvPr>
+        </p:nvSpPr>
+        <p:spPr>
+          <a:xfrm>
+            <a:off x="3765550" y="0"/>
+            <a:ext cx="2881313" cy="490538"/>
+          </a:xfrm>
+          <a:prstGeom prst="rect">
+            <a:avLst/>
+          </a:prstGeom>
+        </p:spPr>
+        <p:txBody>
+          <a:bodyPr vert="horz" lIns="91440" tIns="45720" rIns="91440" bIns="45720" rtlCol="0"/>
+          <a:lstStyle>
+            <a:lvl1pPr algn="r">
+              <a:defRPr sz="1200"/>
+            </a:lvl1pPr>
+          </a:lstStyle>
+          <a:p>
+            <a:fld id="{B179243D-0E3E-4D4F-90E9-F9F1DBB34143}" type="datetimeFigureOut">
+              <a:rPr lang="en-US" smtClean="0"/>
+              <a:t>7/13/16</a:t>
+            </a:fld>
+            <a:endParaRPr lang="en-US"/>
+          </a:p>
+        </p:txBody>
+      </p:sp>
+      <p:sp>
+        <p:nvSpPr>
+          <p:cNvPr id="4" name="Footer Placeholder 3"/>
+          <p:cNvSpPr>
+            <a:spLocks noGrp="1"/>
+          </p:cNvSpPr>
+          <p:nvPr>
+            <p:ph type="ftr" sz="quarter" idx="2"/>
+          </p:nvPr>
+        </p:nvSpPr>
+        <p:spPr>
+          <a:xfrm>
+            <a:off x="0" y="9283700"/>
+            <a:ext cx="2881313" cy="490538"/>
+          </a:xfrm>
+          <a:prstGeom prst="rect">
+            <a:avLst/>
+          </a:prstGeom>
+        </p:spPr>
+        <p:txBody>
+          <a:bodyPr vert="horz" lIns="91440" tIns="45720" rIns="91440" bIns="45720" rtlCol="0" anchor="b"/>
+          <a:lstStyle>
+            <a:lvl1pPr algn="l">
+              <a:defRPr sz="1200"/>
+            </a:lvl1pPr>
+          </a:lstStyle>
+          <a:p>
+            <a:endParaRPr lang="en-US"/>
+          </a:p>
+        </p:txBody>
+      </p:sp>
+      <p:sp>
+        <p:nvSpPr>
+          <p:cNvPr id="5" name="Slide Number Placeholder 4"/>
+          <p:cNvSpPr>
+            <a:spLocks noGrp="1"/>
+          </p:cNvSpPr>
+          <p:nvPr>
+            <p:ph type="sldNum" sz="quarter" idx="3"/>
+          </p:nvPr>
+        </p:nvSpPr>
+        <p:spPr>
+          <a:xfrm>
+            <a:off x="3765550" y="9283700"/>
+            <a:ext cx="2881313" cy="490538"/>
+          </a:xfrm>
+          <a:prstGeom prst="rect">
+            <a:avLst/>
+          </a:prstGeom>
+        </p:spPr>
+        <p:txBody>
+          <a:bodyPr vert="horz" lIns="91440" tIns="45720" rIns="91440" bIns="45720" rtlCol="0" anchor="b"/>
+          <a:lstStyle>
+            <a:lvl1pPr algn="r">
+              <a:defRPr sz="1200"/>
+            </a:lvl1pPr>
+          </a:lstStyle>
+          <a:p>
+            <a:fld id="{57F66809-BDDB-184B-A42F-900CB3A6749F}" type="slidenum">
+              <a:rPr lang="en-US" smtClean="0"/>
+              <a:t>‹#›</a:t>
+            </a:fld>
+            <a:endParaRPr lang="en-US"/>
+          </a:p>
+        </p:txBody>
+      </p:sp>
+    </p:spTree>
+    <p:extLst>
+      <p:ext uri="{BB962C8B-B14F-4D97-AF65-F5344CB8AC3E}">
+        <p14:creationId xmlns:p14="http://schemas.microsoft.com/office/powerpoint/2010/main" val="1375908621"/>
+      </p:ext>
+    </p:extLst>
+  </p:cSld>
+  <p:clrMap bg1="lt1" tx1="dk1" bg2="lt2" tx2="dk2" accent1="accent1" accent2="accent2" accent3="accent3" accent4="accent4" accent5="accent5" accent6="accent6" hlink="hlink" folHlink="folHlink"/>
+</p:handoutMaster>
 </file>
 
 <file path=ppt/notesMasters/notesMaster1.xml><?xml version="1.0" encoding="utf-8"?>
@@ -405,13 +573,21 @@
         </p:spPr>
         <p:txBody>
           <a:bodyPr/>
-          <a:lstStyle/>
+          <a:lstStyle>
+            <a:lvl1pPr>
+              <a:defRPr>
+                <a:latin typeface="Calibri" charset="0"/>
+                <a:ea typeface="Calibri" charset="0"/>
+                <a:cs typeface="Calibri" charset="0"/>
+              </a:defRPr>
+            </a:lvl1pPr>
+          </a:lstStyle>
           <a:p>
             <a:pPr lvl="0">
               <a:defRPr sz="1800"/>
             </a:pPr>
             <a:r>
-              <a:rPr sz="20200"/>
+              <a:rPr sz="20200" dirty="0"/>
               <a:t>Title Text</a:t>
             </a:r>
           </a:p>
@@ -499,7 +675,7 @@
               </a:defRPr>
             </a:pPr>
             <a:r>
-              <a:rPr sz="14700">
+              <a:rPr sz="14700" dirty="0">
                 <a:solidFill>
                   <a:srgbClr val="888888"/>
                 </a:solidFill>
@@ -516,7 +692,7 @@
               </a:defRPr>
             </a:pPr>
             <a:r>
-              <a:rPr sz="14700">
+              <a:rPr sz="14700" dirty="0">
                 <a:solidFill>
                   <a:srgbClr val="888888"/>
                 </a:solidFill>
@@ -533,7 +709,7 @@
               </a:defRPr>
             </a:pPr>
             <a:r>
-              <a:rPr sz="14700">
+              <a:rPr sz="14700" dirty="0">
                 <a:solidFill>
                   <a:srgbClr val="888888"/>
                 </a:solidFill>
@@ -550,7 +726,7 @@
               </a:defRPr>
             </a:pPr>
             <a:r>
-              <a:rPr sz="14700">
+              <a:rPr sz="14700" dirty="0">
                 <a:solidFill>
                   <a:srgbClr val="888888"/>
                 </a:solidFill>
@@ -567,7 +743,7 @@
               </a:defRPr>
             </a:pPr>
             <a:r>
-              <a:rPr sz="14700">
+              <a:rPr sz="14700" dirty="0">
                 <a:solidFill>
                   <a:srgbClr val="888888"/>
                 </a:solidFill>
@@ -600,7 +776,7 @@
             <a:fld id="{86CB4B4D-7CA3-9044-876B-883B54F8677D}" type="slidenum">
               <a:t>‹#›</a:t>
             </a:fld>
-            <a:endParaRPr/>
+            <a:endParaRPr dirty="0"/>
           </a:p>
         </p:txBody>
       </p:sp>
@@ -610,6 +786,13 @@
     <a:masterClrMapping/>
   </p:clrMapOvr>
   <p:transition spd="med"/>
+  <p:timing>
+    <p:tnLst>
+      <p:par>
+        <p:cTn id="1" dur="indefinite" restart="never" nodeType="tmRoot"/>
+      </p:par>
+    </p:tnLst>
+  </p:timing>
 </p:sldLayout>
 </file>
 
@@ -810,6 +993,91 @@
     <a:masterClrMapping/>
   </p:clrMapOvr>
   <p:transition spd="med"/>
+</p:sldLayout>
+</file>
+
+<file path=ppt/slideLayouts/slideLayout12.xml><?xml version="1.0" encoding="utf-8"?>
+<p:sldLayout xmlns:a="http://schemas.openxmlformats.org/drawingml/2006/main" xmlns:r="http://schemas.openxmlformats.org/officeDocument/2006/relationships" xmlns:p="http://schemas.openxmlformats.org/presentationml/2006/main" preserve="1" userDrawn="1">
+  <p:cSld name="Custom Layout">
+    <p:spTree>
+      <p:nvGrpSpPr>
+        <p:cNvPr id="1" name=""/>
+        <p:cNvGrpSpPr/>
+        <p:nvPr/>
+      </p:nvGrpSpPr>
+      <p:grpSpPr>
+        <a:xfrm>
+          <a:off x="0" y="0"/>
+          <a:ext cx="0" cy="0"/>
+          <a:chOff x="0" y="0"/>
+          <a:chExt cx="0" cy="0"/>
+        </a:xfrm>
+      </p:grpSpPr>
+      <p:sp>
+        <p:nvSpPr>
+          <p:cNvPr id="2" name="Title 1"/>
+          <p:cNvSpPr>
+            <a:spLocks noGrp="1"/>
+          </p:cNvSpPr>
+          <p:nvPr>
+            <p:ph type="title"/>
+          </p:nvPr>
+        </p:nvSpPr>
+        <p:spPr/>
+        <p:txBody>
+          <a:bodyPr/>
+          <a:lstStyle/>
+          <a:p>
+            <a:r>
+              <a:rPr lang="en-US" smtClean="0"/>
+              <a:t>Click to edit Master title style</a:t>
+            </a:r>
+            <a:endParaRPr lang="en-US"/>
+          </a:p>
+        </p:txBody>
+      </p:sp>
+      <p:sp>
+        <p:nvSpPr>
+          <p:cNvPr id="3" name="Slide Number Placeholder 2"/>
+          <p:cNvSpPr>
+            <a:spLocks noGrp="1"/>
+          </p:cNvSpPr>
+          <p:nvPr>
+            <p:ph type="sldNum" sz="quarter" idx="10"/>
+          </p:nvPr>
+        </p:nvSpPr>
+        <p:spPr/>
+        <p:txBody>
+          <a:bodyPr/>
+          <a:lstStyle/>
+          <a:p>
+            <a:pPr lvl="0"/>
+            <a:fld id="{86CB4B4D-7CA3-9044-876B-883B54F8677D}" type="slidenum">
+              <a:rPr lang="uk-UA" smtClean="0"/>
+              <a:t>‹#›</a:t>
+            </a:fld>
+            <a:endParaRPr lang="uk-UA"/>
+          </a:p>
+        </p:txBody>
+      </p:sp>
+    </p:spTree>
+    <p:extLst>
+      <p:ext uri="{BB962C8B-B14F-4D97-AF65-F5344CB8AC3E}">
+        <p14:creationId xmlns:p14="http://schemas.microsoft.com/office/powerpoint/2010/main" val="1489181157"/>
+      </p:ext>
+    </p:extLst>
+  </p:cSld>
+  <p:clrMapOvr>
+    <a:masterClrMapping/>
+  </p:clrMapOvr>
+  <p:transition spd="med"/>
+  <p:timing>
+    <p:tnLst>
+      <p:par>
+        <p:cTn id="1" dur="indefinite" restart="never" nodeType="tmRoot"/>
+      </p:par>
+    </p:tnLst>
+  </p:timing>
 </p:sldLayout>
 </file>
 
@@ -2221,8 +2489,16 @@
     <p:sldLayoutId id="2147483657" r:id="rId9"/>
     <p:sldLayoutId id="2147483658" r:id="rId10"/>
     <p:sldLayoutId id="2147483659" r:id="rId11"/>
+    <p:sldLayoutId id="2147483660" r:id="rId12"/>
   </p:sldLayoutIdLst>
   <p:transition spd="med"/>
+  <p:timing>
+    <p:tnLst>
+      <p:par>
+        <p:cTn id="1" dur="indefinite" restart="never" nodeType="tmRoot"/>
+      </p:par>
+    </p:tnLst>
+  </p:timing>
   <p:txStyles>
     <p:titleStyle>
       <a:lvl1pPr algn="ctr" defTabSz="2087574">
@@ -4292,7 +4568,7 @@
           <p:spPr>
             <a:xfrm>
               <a:off x="37382564" y="24452854"/>
-              <a:ext cx="3013179" cy="1659602"/>
+              <a:ext cx="3013179" cy="1792874"/>
             </a:xfrm>
             <a:prstGeom prst="roundRect">
               <a:avLst>
@@ -4368,35 +4644,22 @@
                 <a:gd name="adj" fmla="val 16667"/>
               </a:avLst>
             </a:prstGeom>
-            <a:gradFill flip="none" rotWithShape="1">
-              <a:gsLst>
-                <a:gs pos="0">
-                  <a:srgbClr val="FFD1BB"/>
-                </a:gs>
-                <a:gs pos="35000">
-                  <a:srgbClr val="FFDECF"/>
-                </a:gs>
-                <a:gs pos="100000">
-                  <a:srgbClr val="FFF2ED"/>
-                </a:gs>
-              </a:gsLst>
-              <a:lin ang="16200000" scaled="0"/>
-            </a:gradFill>
-            <a:ln w="9525" cap="flat">
-              <a:solidFill>
-                <a:srgbClr val="F69240"/>
-              </a:solidFill>
-              <a:prstDash val="solid"/>
-              <a:bevel/>
-            </a:ln>
-            <a:effectLst>
-              <a:outerShdw blurRad="38100" dist="20000" dir="5400000" rotWithShape="0">
-                <a:srgbClr val="000000">
-                  <a:alpha val="38000"/>
-                </a:srgbClr>
-              </a:outerShdw>
-            </a:effectLst>
+            <a:ln/>
           </p:spPr>
+          <p:style>
+            <a:lnRef idx="1">
+              <a:schemeClr val="accent4"/>
+            </a:lnRef>
+            <a:fillRef idx="2">
+              <a:schemeClr val="accent4"/>
+            </a:fillRef>
+            <a:effectRef idx="1">
+              <a:schemeClr val="accent4"/>
+            </a:effectRef>
+            <a:fontRef idx="minor">
+              <a:schemeClr val="dk1"/>
+            </a:fontRef>
+          </p:style>
           <p:txBody>
             <a:bodyPr wrap="square" lIns="0" tIns="0" rIns="0" bIns="0" numCol="1" anchor="ctr">
               <a:noAutofit/>
@@ -4407,17 +4670,97 @@
                 <a:defRPr sz="1800"/>
               </a:pPr>
               <a:r>
-                <a:rPr lang="en-US" sz="2900" dirty="0"/>
+                <a:rPr lang="en-US" sz="2900" dirty="0">
+                  <a:latin typeface="Calibri" charset="0"/>
+                  <a:ea typeface="Calibri" charset="0"/>
+                  <a:cs typeface="Calibri" charset="0"/>
+                </a:rPr>
                 <a:t>[</a:t>
               </a:r>
               <a:r>
-                <a:rPr lang="en-US" sz="2900" dirty="0" err="1"/>
+                <a:rPr lang="en-US" sz="2900" dirty="0" err="1">
+                  <a:latin typeface="Calibri" charset="0"/>
+                  <a:ea typeface="Calibri" charset="0"/>
+                  <a:cs typeface="Calibri" charset="0"/>
+                </a:rPr>
                 <a:t>MoL</a:t>
               </a:r>
               <a:r>
-                <a:rPr lang="en-US" sz="2900" dirty="0"/>
-                <a:t>-FNWI] Game Theory (TBD)</a:t>
-              </a:r>
+                <a:rPr lang="en-US" sz="2900" dirty="0">
+                  <a:latin typeface="Calibri" charset="0"/>
+                  <a:ea typeface="Calibri" charset="0"/>
+                  <a:cs typeface="Calibri" charset="0"/>
+                </a:rPr>
+                <a:t>-FNWI] </a:t>
+              </a:r>
+              <a:r>
+                <a:rPr lang="en-US" sz="2900" dirty="0" smtClean="0">
+                  <a:latin typeface="Calibri" charset="0"/>
+                  <a:ea typeface="Calibri" charset="0"/>
+                  <a:cs typeface="Calibri" charset="0"/>
+                </a:rPr>
+                <a:t/>
+              </a:r>
+              <a:br>
+                <a:rPr lang="en-US" sz="2900" dirty="0" smtClean="0">
+                  <a:latin typeface="Calibri" charset="0"/>
+                  <a:ea typeface="Calibri" charset="0"/>
+                  <a:cs typeface="Calibri" charset="0"/>
+                </a:rPr>
+              </a:br>
+              <a:r>
+                <a:rPr lang="en-US" sz="2900" dirty="0">
+                  <a:latin typeface="Calibri" charset="0"/>
+                  <a:ea typeface="Calibri" charset="0"/>
+                  <a:cs typeface="Calibri" charset="0"/>
+                </a:rPr>
+                <a:t>Game</a:t>
+              </a:r>
+              <a:r>
+                <a:rPr lang="en-US" sz="2900" dirty="0" smtClean="0">
+                  <a:latin typeface="Calibri" charset="0"/>
+                  <a:ea typeface="Calibri" charset="0"/>
+                  <a:cs typeface="Calibri" charset="0"/>
+                </a:rPr>
+                <a:t> </a:t>
+              </a:r>
+              <a:r>
+                <a:rPr lang="en-US" sz="2900" dirty="0">
+                  <a:latin typeface="Calibri" charset="0"/>
+                  <a:ea typeface="Calibri" charset="0"/>
+                  <a:cs typeface="Calibri" charset="0"/>
+                </a:rPr>
+                <a:t>Theory </a:t>
+              </a:r>
+              <a:r>
+                <a:rPr lang="en-US" sz="2900" dirty="0" smtClean="0">
+                  <a:latin typeface="Calibri" charset="0"/>
+                  <a:ea typeface="Calibri" charset="0"/>
+                  <a:cs typeface="Calibri" charset="0"/>
+                </a:rPr>
+                <a:t>(</a:t>
+              </a:r>
+              <a:r>
+                <a:rPr lang="en-US" sz="2900" dirty="0" err="1" smtClean="0">
+                  <a:latin typeface="Calibri" charset="0"/>
+                  <a:ea typeface="Calibri" charset="0"/>
+                  <a:cs typeface="Calibri" charset="0"/>
+                </a:rPr>
+                <a:t>Endriss</a:t>
+              </a:r>
+              <a:r>
+                <a:rPr lang="en-US" sz="2900" dirty="0" smtClean="0">
+                  <a:latin typeface="Calibri" charset="0"/>
+                  <a:ea typeface="Calibri" charset="0"/>
+                  <a:cs typeface="Calibri" charset="0"/>
+                </a:rPr>
+                <a:t>)</a:t>
+              </a:r>
+              <a:endParaRPr lang="en-US" sz="2900" dirty="0">
+                <a:latin typeface="Calibri" charset="0"/>
+                <a:ea typeface="Calibri" charset="0"/>
+                <a:cs typeface="Calibri" charset="0"/>
+              </a:endParaRPr>
             </a:p>
           </p:txBody>
         </p:sp>
@@ -4481,12 +4824,21 @@
               </a:r>
               <a:r>
                 <a:rPr lang="en-US" sz="2900" dirty="0" err="1"/>
-                <a:t>MScCS</a:t>
+                <a:t>MoL</a:t>
               </a:r>
               <a:r>
                 <a:rPr lang="en-US" sz="2900" dirty="0"/>
-                <a:t>-VU] Protocol Validation (Fokkink)</a:t>
-              </a:r>
+                <a:t>-FNWI] Computational Social Choice (</a:t>
+              </a:r>
+              <a:r>
+                <a:rPr lang="en-US" sz="2900" dirty="0" err="1"/>
+                <a:t>Endriss</a:t>
+              </a:r>
+              <a:r>
+                <a:rPr lang="en-US" sz="2900" dirty="0" smtClean="0"/>
+                <a:t>)</a:t>
+              </a:r>
+              <a:endParaRPr lang="en-US" sz="2900" dirty="0"/>
             </a:p>
           </p:txBody>
         </p:sp>
@@ -5110,35 +5462,26 @@
                   <a:gd name="adj" fmla="val 16667"/>
                 </a:avLst>
               </a:prstGeom>
-              <a:gradFill flip="none" rotWithShape="1">
-                <a:gsLst>
-                  <a:gs pos="0">
-                    <a:srgbClr val="FFD1BB"/>
-                  </a:gs>
-                  <a:gs pos="35000">
-                    <a:srgbClr val="FFDECF"/>
-                  </a:gs>
-                  <a:gs pos="100000">
-                    <a:srgbClr val="FFF2ED"/>
-                  </a:gs>
-                </a:gsLst>
-                <a:lin ang="16200000" scaled="0"/>
-              </a:gradFill>
-              <a:ln w="76200" cap="flat">
+              <a:ln w="76200">
                 <a:solidFill>
-                  <a:srgbClr val="000000"/>
+                  <a:schemeClr val="tx1"/>
                 </a:solidFill>
-                <a:prstDash val="solid"/>
-                <a:bevel/>
               </a:ln>
-              <a:effectLst>
-                <a:outerShdw blurRad="38100" dist="20000" dir="5400000" rotWithShape="0">
-                  <a:srgbClr val="000000">
-                    <a:alpha val="38000"/>
-                  </a:srgbClr>
-                </a:outerShdw>
-              </a:effectLst>
             </p:spPr>
+            <p:style>
+              <a:lnRef idx="1">
+                <a:schemeClr val="accent4"/>
+              </a:lnRef>
+              <a:fillRef idx="2">
+                <a:schemeClr val="accent4"/>
+              </a:fillRef>
+              <a:effectRef idx="1">
+                <a:schemeClr val="accent4"/>
+              </a:effectRef>
+              <a:fontRef idx="minor">
+                <a:schemeClr val="dk1"/>
+              </a:fontRef>
+            </p:style>
             <p:txBody>
               <a:bodyPr wrap="square" lIns="0" tIns="0" rIns="0" bIns="0" numCol="1" anchor="ctr">
                 <a:noAutofit/>
@@ -5149,23 +5492,43 @@
                   <a:defRPr sz="1800"/>
                 </a:pPr>
                 <a:r>
-                  <a:rPr lang="en-US" sz="2900" dirty="0"/>
+                  <a:rPr lang="en-US" sz="2900" dirty="0">
+                    <a:latin typeface="Calibri" charset="0"/>
+                    <a:ea typeface="Calibri" charset="0"/>
+                    <a:cs typeface="Calibri" charset="0"/>
+                  </a:rPr>
                   <a:t>[</a:t>
                 </a:r>
                 <a:r>
-                  <a:rPr lang="en-US" sz="2900" dirty="0" err="1"/>
+                  <a:rPr lang="en-US" sz="2900" dirty="0" err="1">
+                    <a:latin typeface="Calibri" charset="0"/>
+                    <a:ea typeface="Calibri" charset="0"/>
+                    <a:cs typeface="Calibri" charset="0"/>
+                  </a:rPr>
                   <a:t>MoL</a:t>
                 </a:r>
                 <a:r>
-                  <a:rPr lang="en-US" sz="2900" dirty="0"/>
+                  <a:rPr lang="en-US" sz="2900" dirty="0">
+                    <a:latin typeface="Calibri" charset="0"/>
+                    <a:ea typeface="Calibri" charset="0"/>
+                    <a:cs typeface="Calibri" charset="0"/>
+                  </a:rPr>
                   <a:t>-FGW] Structures for Semantics (</a:t>
                 </a:r>
                 <a:r>
-                  <a:rPr lang="en-US" sz="2900" dirty="0" err="1"/>
+                  <a:rPr lang="en-US" sz="2900" dirty="0" err="1">
+                    <a:latin typeface="Calibri" charset="0"/>
+                    <a:ea typeface="Calibri" charset="0"/>
+                    <a:cs typeface="Calibri" charset="0"/>
+                  </a:rPr>
                   <a:t>Aloni</a:t>
                 </a:r>
                 <a:r>
-                  <a:rPr lang="en-US" sz="2900" dirty="0"/>
+                  <a:rPr lang="en-US" sz="2900" dirty="0">
+                    <a:latin typeface="Calibri" charset="0"/>
+                    <a:ea typeface="Calibri" charset="0"/>
+                    <a:cs typeface="Calibri" charset="0"/>
+                  </a:rPr>
                   <a:t>)</a:t>
                 </a:r>
               </a:p>
@@ -5706,35 +6069,22 @@
                 <a:gd name="adj" fmla="val 16667"/>
               </a:avLst>
             </a:prstGeom>
-            <a:gradFill flip="none" rotWithShape="1">
-              <a:gsLst>
-                <a:gs pos="0">
-                  <a:srgbClr val="DAFEA4"/>
-                </a:gs>
-                <a:gs pos="35000">
-                  <a:srgbClr val="E4FDBF"/>
-                </a:gs>
-                <a:gs pos="100000">
-                  <a:srgbClr val="F5FFE6"/>
-                </a:gs>
-              </a:gsLst>
-              <a:lin ang="16200000" scaled="0"/>
-            </a:gradFill>
-            <a:ln w="9525" cap="flat">
-              <a:solidFill>
-                <a:srgbClr val="98B955"/>
-              </a:solidFill>
-              <a:prstDash val="solid"/>
-              <a:bevel/>
-            </a:ln>
-            <a:effectLst>
-              <a:outerShdw blurRad="38100" dist="20000" dir="5400000" rotWithShape="0">
-                <a:srgbClr val="000000">
-                  <a:alpha val="38000"/>
-                </a:srgbClr>
-              </a:outerShdw>
-            </a:effectLst>
+            <a:ln/>
           </p:spPr>
+          <p:style>
+            <a:lnRef idx="1">
+              <a:schemeClr val="accent4"/>
+            </a:lnRef>
+            <a:fillRef idx="2">
+              <a:schemeClr val="accent4"/>
+            </a:fillRef>
+            <a:effectRef idx="1">
+              <a:schemeClr val="accent4"/>
+            </a:effectRef>
+            <a:fontRef idx="minor">
+              <a:schemeClr val="dk1"/>
+            </a:fontRef>
+          </p:style>
           <p:txBody>
             <a:bodyPr wrap="square" lIns="0" tIns="0" rIns="0" bIns="0" numCol="1" anchor="ctr">
               <a:noAutofit/>
@@ -5745,15 +6095,27 @@
                 <a:defRPr sz="1800"/>
               </a:pPr>
               <a:r>
-                <a:rPr lang="en-US" sz="2900" dirty="0"/>
+                <a:rPr lang="en-US" sz="2900" dirty="0">
+                  <a:latin typeface="Calibri" charset="0"/>
+                  <a:ea typeface="Calibri" charset="0"/>
+                  <a:cs typeface="Calibri" charset="0"/>
+                </a:rPr>
                 <a:t>[</a:t>
               </a:r>
               <a:r>
-                <a:rPr lang="en-US" sz="2900" dirty="0" err="1"/>
+                <a:rPr lang="en-US" sz="2900" dirty="0" err="1">
+                  <a:latin typeface="Calibri" charset="0"/>
+                  <a:ea typeface="Calibri" charset="0"/>
+                  <a:cs typeface="Calibri" charset="0"/>
+                </a:rPr>
                 <a:t>MoL</a:t>
               </a:r>
               <a:r>
-                <a:rPr lang="en-US" sz="2900" dirty="0"/>
+                <a:rPr lang="en-US" sz="2900" dirty="0">
+                  <a:latin typeface="Calibri" charset="0"/>
+                  <a:ea typeface="Calibri" charset="0"/>
+                  <a:cs typeface="Calibri" charset="0"/>
+                </a:rPr>
                 <a:t>-FGW] Philosophy of Mathematics (Incurvati)</a:t>
               </a:r>
             </a:p>
@@ -6136,9 +6498,9 @@
         <p:grpSpPr>
           <a:xfrm>
             <a:off x="6313868" y="424711"/>
-            <a:ext cx="20086501" cy="9067854"/>
+            <a:ext cx="20086501" cy="11383457"/>
             <a:chOff x="6747000" y="328456"/>
-            <a:chExt cx="20086501" cy="9067855"/>
+            <a:chExt cx="20086501" cy="11383458"/>
           </a:xfrm>
         </p:grpSpPr>
         <p:sp>
@@ -6626,7 +6988,6 @@
                 <a:rPr lang="en-US" sz="2900" dirty="0"/>
                 <a:t>modern philosophy of language (Maat)</a:t>
               </a:r>
-              <a:endParaRPr lang="en-US" sz="2900" dirty="0"/>
             </a:p>
           </p:txBody>
         </p:sp>
@@ -6722,8 +7083,8 @@
           </p:nvSpPr>
           <p:spPr>
             <a:xfrm>
-              <a:off x="10504221" y="3660938"/>
-              <a:ext cx="3013179" cy="2429822"/>
+              <a:off x="10140755" y="3660938"/>
+              <a:ext cx="3376646" cy="2429822"/>
             </a:xfrm>
             <a:prstGeom prst="roundRect">
               <a:avLst>
@@ -6778,7 +7139,15 @@
               </a:r>
               <a:r>
                 <a:rPr lang="en-US" sz="2900" dirty="0"/>
-                <a:t>-FGW] Wittgenstein's Relevance: Sources (Stokhof)</a:t>
+                <a:t>-FGW] </a:t>
+              </a:r>
+              <a:r>
+                <a:rPr lang="en-US" sz="2900" dirty="0"/>
+                <a:t>Ethics, Ontology, Life: Wittgenstein's Later Work </a:t>
+              </a:r>
+              <a:r>
+                <a:rPr lang="en-US" sz="2900" dirty="0"/>
+                <a:t>(Stokhof)</a:t>
               </a:r>
             </a:p>
           </p:txBody>
@@ -6912,12 +7281,33 @@
               </a:r>
               <a:r>
                 <a:rPr lang="en-US" sz="2900" dirty="0" err="1"/>
-                <a:t>MAPhil</a:t>
+                <a:t>MoL</a:t>
               </a:r>
               <a:r>
                 <a:rPr lang="en-US" sz="2900" dirty="0"/>
-                <a:t>] Early Modern Philosophy of Language (Maat)</a:t>
-              </a:r>
+                <a:t>-FNWI] Intuitionistic Logic (</a:t>
+              </a:r>
+              <a:r>
+                <a:rPr lang="en-US" sz="2900" dirty="0" smtClean="0"/>
+                <a:t>de </a:t>
+              </a:r>
+              <a:r>
+                <a:rPr lang="en-US" sz="2900" dirty="0" err="1" smtClean="0"/>
+                <a:t>Jongh</a:t>
+              </a:r>
+              <a:r>
+                <a:rPr lang="en-US" sz="2900" dirty="0" smtClean="0"/>
+                <a:t> </a:t>
+              </a:r>
+              <a:r>
+                <a:rPr lang="en-US" sz="2900" dirty="0"/>
+                <a:t>and Ciardelli</a:t>
+              </a:r>
+              <a:r>
+                <a:rPr lang="en-US" sz="2900" dirty="0" smtClean="0"/>
+                <a:t>)</a:t>
+              </a:r>
+              <a:endParaRPr lang="en-US" sz="2900" dirty="0"/>
             </a:p>
           </p:txBody>
         </p:sp>
@@ -6998,7 +7388,7 @@
           </p:nvSpPr>
           <p:spPr>
             <a:xfrm>
-              <a:off x="11994692" y="6948298"/>
+              <a:off x="13152991" y="7140257"/>
               <a:ext cx="3013179" cy="2429822"/>
             </a:xfrm>
             <a:prstGeom prst="roundRect">
@@ -7067,7 +7457,7 @@
           </p:nvSpPr>
           <p:spPr>
             <a:xfrm>
-              <a:off x="13541463" y="3660938"/>
+              <a:off x="14320563" y="9282092"/>
               <a:ext cx="3013179" cy="2429822"/>
             </a:xfrm>
             <a:prstGeom prst="roundRect">
@@ -7572,35 +7962,22 @@
                 <a:gd name="adj" fmla="val 16667"/>
               </a:avLst>
             </a:prstGeom>
-            <a:gradFill flip="none" rotWithShape="1">
-              <a:gsLst>
-                <a:gs pos="0">
-                  <a:srgbClr val="C8B2E9"/>
-                </a:gs>
-                <a:gs pos="35000">
-                  <a:srgbClr val="D8C9EE"/>
-                </a:gs>
-                <a:gs pos="100000">
-                  <a:srgbClr val="FFD1BB"/>
-                </a:gs>
-              </a:gsLst>
-              <a:lin ang="5400000" scaled="0"/>
-            </a:gradFill>
-            <a:ln w="12700" cap="flat" cmpd="sng">
-              <a:solidFill>
-                <a:srgbClr val="000000"/>
-              </a:solidFill>
-              <a:prstDash val="solid"/>
-              <a:bevel/>
-            </a:ln>
-            <a:effectLst>
-              <a:outerShdw blurRad="38100" dist="20000" dir="5400000" rotWithShape="0">
-                <a:srgbClr val="000000">
-                  <a:alpha val="38000"/>
-                </a:srgbClr>
-              </a:outerShdw>
-            </a:effectLst>
+            <a:ln/>
           </p:spPr>
+          <p:style>
+            <a:lnRef idx="1">
+              <a:schemeClr val="accent2"/>
+            </a:lnRef>
+            <a:fillRef idx="2">
+              <a:schemeClr val="accent2"/>
+            </a:fillRef>
+            <a:effectRef idx="1">
+              <a:schemeClr val="accent2"/>
+            </a:effectRef>
+            <a:fontRef idx="minor">
+              <a:schemeClr val="dk1"/>
+            </a:fontRef>
+          </p:style>
           <p:txBody>
             <a:bodyPr wrap="square" lIns="0" tIns="0" rIns="0" bIns="0" numCol="1" anchor="ctr">
               <a:noAutofit/>
@@ -7609,17 +7986,50 @@
             <a:p>
               <a:pPr algn="ctr"/>
               <a:r>
-                <a:rPr lang="en-US" sz="2900" dirty="0"/>
+                <a:rPr lang="en-US" sz="2900" dirty="0">
+                  <a:latin typeface="Calibri" charset="0"/>
+                  <a:ea typeface="Calibri" charset="0"/>
+                  <a:cs typeface="Calibri" charset="0"/>
+                </a:rPr>
                 <a:t>[</a:t>
               </a:r>
               <a:r>
-                <a:rPr lang="en-US" sz="2900" dirty="0" err="1"/>
-                <a:t>MastMath</a:t>
-              </a:r>
-              <a:r>
-                <a:rPr lang="en-US" sz="2900" dirty="0"/>
-                <a:t>] Category Theory and Topos Theory (vOosten) [8EC]</a:t>
-              </a:r>
+                <a:rPr lang="en-US" sz="2900" dirty="0" err="1">
+                  <a:latin typeface="Calibri" charset="0"/>
+                  <a:ea typeface="Calibri" charset="0"/>
+                  <a:cs typeface="Calibri" charset="0"/>
+                </a:rPr>
+                <a:t>MoL</a:t>
+              </a:r>
+              <a:r>
+                <a:rPr lang="en-US" sz="2900" dirty="0">
+                  <a:latin typeface="Calibri" charset="0"/>
+                  <a:ea typeface="Calibri" charset="0"/>
+                  <a:cs typeface="Calibri" charset="0"/>
+                </a:rPr>
+                <a:t>-FNWI] Category Theory (</a:t>
+              </a:r>
+              <a:r>
+                <a:rPr lang="en-US" sz="2900" dirty="0" err="1">
+                  <a:latin typeface="Calibri" charset="0"/>
+                  <a:ea typeface="Calibri" charset="0"/>
+                  <a:cs typeface="Calibri" charset="0"/>
+                </a:rPr>
+                <a:t>vdBerg</a:t>
+              </a:r>
+              <a:r>
+                <a:rPr lang="en-US" sz="2900" dirty="0">
+                  <a:latin typeface="Calibri" charset="0"/>
+                  <a:ea typeface="Calibri" charset="0"/>
+                  <a:cs typeface="Calibri" charset="0"/>
+                </a:rPr>
+                <a:t>)</a:t>
+              </a:r>
+              <a:endParaRPr lang="en-US" sz="2900" dirty="0">
+                <a:latin typeface="Calibri" charset="0"/>
+                <a:ea typeface="Calibri" charset="0"/>
+                <a:cs typeface="Calibri" charset="0"/>
+              </a:endParaRPr>
             </a:p>
           </p:txBody>
         </p:sp>
@@ -7830,11 +8240,7 @@
               </a:r>
               <a:r>
                 <a:rPr lang="en-US" sz="2900" dirty="0"/>
-                <a:t>] </a:t>
-              </a:r>
-              <a:r>
-                <a:rPr lang="en-US" sz="2900" dirty="0"/>
-                <a:t>Mathematical Structures in Logic (Bezhanishvili)</a:t>
+                <a:t>] Mathematical Structures in Logic (Bezhanishvili)</a:t>
               </a:r>
             </a:p>
           </p:txBody>
@@ -8772,7 +9178,6 @@
                 <a:rPr lang="en-US" sz="2900" dirty="0"/>
                 <a:t>)</a:t>
               </a:r>
-              <a:endParaRPr lang="en-US" sz="2900" dirty="0"/>
             </a:p>
           </p:txBody>
         </p:sp>
@@ -8861,35 +9266,22 @@
                 <a:gd name="adj" fmla="val 16667"/>
               </a:avLst>
             </a:prstGeom>
-            <a:gradFill flip="none" rotWithShape="1">
-              <a:gsLst>
-                <a:gs pos="0">
-                  <a:srgbClr val="C8B2E9"/>
-                </a:gs>
-                <a:gs pos="35000">
-                  <a:srgbClr val="D8C9EE"/>
-                </a:gs>
-                <a:gs pos="100000">
-                  <a:srgbClr val="F0EAF9"/>
-                </a:gs>
-              </a:gsLst>
-              <a:lin ang="16200000" scaled="0"/>
-            </a:gradFill>
-            <a:ln w="9525" cap="flat">
-              <a:solidFill>
-                <a:srgbClr val="7D60A0"/>
-              </a:solidFill>
-              <a:prstDash val="solid"/>
-              <a:bevel/>
-            </a:ln>
-            <a:effectLst>
-              <a:outerShdw blurRad="38100" dist="20000" dir="5400000" rotWithShape="0">
-                <a:srgbClr val="000000">
-                  <a:alpha val="38000"/>
-                </a:srgbClr>
-              </a:outerShdw>
-            </a:effectLst>
+            <a:ln/>
           </p:spPr>
+          <p:style>
+            <a:lnRef idx="1">
+              <a:schemeClr val="accent6"/>
+            </a:lnRef>
+            <a:fillRef idx="2">
+              <a:schemeClr val="accent6"/>
+            </a:fillRef>
+            <a:effectRef idx="1">
+              <a:schemeClr val="accent6"/>
+            </a:effectRef>
+            <a:fontRef idx="minor">
+              <a:schemeClr val="dk1"/>
+            </a:fontRef>
+          </p:style>
           <p:txBody>
             <a:bodyPr wrap="square" lIns="0" tIns="0" rIns="0" bIns="0" numCol="1" anchor="ctr">
               <a:noAutofit/>
@@ -8900,15 +9292,27 @@
                 <a:defRPr sz="1800"/>
               </a:pPr>
               <a:r>
-                <a:rPr lang="en-US" sz="2900" dirty="0"/>
+                <a:rPr lang="en-US" sz="2900" dirty="0">
+                  <a:latin typeface="Calibri" charset="0"/>
+                  <a:ea typeface="Calibri" charset="0"/>
+                  <a:cs typeface="Calibri" charset="0"/>
+                </a:rPr>
                 <a:t>[</a:t>
               </a:r>
               <a:r>
-                <a:rPr lang="en-US" sz="2900" dirty="0" err="1"/>
+                <a:rPr lang="en-US" sz="2900" dirty="0" err="1">
+                  <a:latin typeface="Calibri" charset="0"/>
+                  <a:ea typeface="Calibri" charset="0"/>
+                  <a:cs typeface="Calibri" charset="0"/>
+                </a:rPr>
                 <a:t>MoL</a:t>
               </a:r>
               <a:r>
-                <a:rPr lang="en-US" sz="2900" dirty="0"/>
+                <a:rPr lang="en-US" sz="2900" dirty="0">
+                  <a:latin typeface="Calibri" charset="0"/>
+                  <a:ea typeface="Calibri" charset="0"/>
+                  <a:cs typeface="Calibri" charset="0"/>
+                </a:rPr>
                 <a:t>-FNWI] Logical Methods in Cognitive Science (Szymanik)</a:t>
               </a:r>
             </a:p>
@@ -10019,15 +10423,7 @@
             </a:r>
             <a:r>
               <a:rPr lang="en-US" sz="2900" dirty="0"/>
-              <a:t>-FNWI] Basic </a:t>
-            </a:r>
-            <a:r>
-              <a:rPr lang="en-US" sz="2900" dirty="0"/>
-              <a:t>Probability: Programming  </a:t>
-            </a:r>
-            <a:r>
-              <a:rPr lang="en-US" sz="2900" dirty="0"/>
-              <a:t>(</a:t>
+              <a:t>-FNWI] Basic Probability: Programming  (</a:t>
             </a:r>
             <a:r>
               <a:rPr lang="en-US" sz="2900" dirty="0" err="1"/>
@@ -10035,11 +10431,7 @@
             </a:r>
             <a:r>
               <a:rPr lang="en-US" sz="2900" dirty="0"/>
-              <a:t>, Schulz) </a:t>
-            </a:r>
-            <a:r>
-              <a:rPr lang="en-US" sz="2900" dirty="0"/>
-              <a:t>[3EC]</a:t>
+              <a:t>, Schulz) [3EC]</a:t>
             </a:r>
           </a:p>
         </p:txBody>
@@ -10422,7 +10814,6 @@
               <a:rPr lang="en-US" sz="2900" dirty="0"/>
               <a:t>inference: philosophical theory and modern practice (Schulz)</a:t>
             </a:r>
-            <a:endParaRPr lang="en-US" sz="2900" dirty="0"/>
           </a:p>
         </p:txBody>
       </p:sp>
@@ -10491,6 +10882,89 @@
             <a:r>
               <a:rPr lang="en-US" sz="2900" dirty="0"/>
               <a:t>]  Cognition and Language Development (Schaeffer)</a:t>
+            </a:r>
+          </a:p>
+        </p:txBody>
+      </p:sp>
+      <p:sp>
+        <p:nvSpPr>
+          <p:cNvPr id="137" name="Shape 139"/>
+          <p:cNvSpPr/>
+          <p:nvPr/>
+        </p:nvSpPr>
+        <p:spPr>
+          <a:xfrm>
+            <a:off x="9576377" y="7164688"/>
+            <a:ext cx="3013179" cy="2429822"/>
+          </a:xfrm>
+          <a:prstGeom prst="roundRect">
+            <a:avLst>
+              <a:gd name="adj" fmla="val 16667"/>
+            </a:avLst>
+          </a:prstGeom>
+          <a:gradFill flip="none" rotWithShape="1">
+            <a:gsLst>
+              <a:gs pos="0">
+                <a:srgbClr val="C8B2E9"/>
+              </a:gs>
+              <a:gs pos="35000">
+                <a:srgbClr val="D8C9EE"/>
+              </a:gs>
+              <a:gs pos="100000">
+                <a:srgbClr val="F0EAF9"/>
+              </a:gs>
+            </a:gsLst>
+            <a:lin ang="16200000" scaled="0"/>
+          </a:gradFill>
+          <a:ln w="9525" cap="flat">
+            <a:solidFill>
+              <a:srgbClr val="7D60A0"/>
+            </a:solidFill>
+            <a:prstDash val="solid"/>
+            <a:bevel/>
+          </a:ln>
+          <a:effectLst>
+            <a:outerShdw blurRad="38100" dist="20000" dir="5400000" rotWithShape="0">
+              <a:srgbClr val="000000">
+                <a:alpha val="38000"/>
+              </a:srgbClr>
+            </a:outerShdw>
+          </a:effectLst>
+        </p:spPr>
+        <p:txBody>
+          <a:bodyPr wrap="square" lIns="0" tIns="0" rIns="0" bIns="0" numCol="1" anchor="ctr">
+            <a:noAutofit/>
+          </a:bodyPr>
+          <a:lstStyle/>
+          <a:p>
+            <a:pPr lvl="0" algn="ctr">
+              <a:defRPr sz="1800"/>
+            </a:pPr>
+            <a:r>
+              <a:rPr lang="en-US" sz="2900" dirty="0" smtClean="0"/>
+              <a:t>[</a:t>
+            </a:r>
+            <a:r>
+              <a:rPr lang="en-US" sz="2900" dirty="0" err="1" smtClean="0"/>
+              <a:t>MAPhil</a:t>
+            </a:r>
+            <a:r>
+              <a:rPr lang="en-US" sz="2900" dirty="0"/>
+              <a:t>] </a:t>
+            </a:r>
+            <a:endParaRPr lang="en-US" sz="2900" dirty="0" smtClean="0"/>
+          </a:p>
+          <a:p>
+            <a:pPr lvl="0" algn="ctr">
+              <a:defRPr sz="1800"/>
+            </a:pPr>
+            <a:r>
+              <a:rPr lang="en-US" sz="2900" dirty="0" smtClean="0"/>
+              <a:t>Techno-science </a:t>
+            </a:r>
+            <a:r>
+              <a:rPr lang="en-US" sz="2900" dirty="0"/>
+              <a:t>and epistemology (Russo) </a:t>
             </a:r>
             <a:endParaRPr lang="en-US" sz="2900" dirty="0"/>
           </a:p>
@@ -12461,4 +12935,265 @@
   </a:objectDefaults>
   <a:extraClrSchemeLst/>
 </a:theme>
+</file>
+
+<file path=ppt/theme/theme3.xml><?xml version="1.0" encoding="utf-8"?>
+<a:theme xmlns:a="http://schemas.openxmlformats.org/drawingml/2006/main" name="Office Theme">
+  <a:themeElements>
+    <a:clrScheme name="Office">
+      <a:dk1>
+        <a:sysClr val="windowText" lastClr="000000"/>
+      </a:dk1>
+      <a:lt1>
+        <a:sysClr val="window" lastClr="FFFFFF"/>
+      </a:lt1>
+      <a:dk2>
+        <a:srgbClr val="44546A"/>
+      </a:dk2>
+      <a:lt2>
+        <a:srgbClr val="E7E6E6"/>
+      </a:lt2>
+      <a:accent1>
+        <a:srgbClr val="5B9BD5"/>
+      </a:accent1>
+      <a:accent2>
+        <a:srgbClr val="ED7D31"/>
+      </a:accent2>
+      <a:accent3>
+        <a:srgbClr val="A5A5A5"/>
+      </a:accent3>
+      <a:accent4>
+        <a:srgbClr val="FFC000"/>
+      </a:accent4>
+      <a:accent5>
+        <a:srgbClr val="4472C4"/>
+      </a:accent5>
+      <a:accent6>
+        <a:srgbClr val="70AD47"/>
+      </a:accent6>
+      <a:hlink>
+        <a:srgbClr val="0563C1"/>
+      </a:hlink>
+      <a:folHlink>
+        <a:srgbClr val="954F72"/>
+      </a:folHlink>
+    </a:clrScheme>
+    <a:fontScheme name="Office">
+      <a:majorFont>
+        <a:latin typeface="Calibri Light" panose="020F0302020204030204"/>
+        <a:ea typeface=""/>
+        <a:cs typeface=""/>
+        <a:font script="Jpan" typeface="Yu Gothic Light"/>
+        <a:font script="Hang" typeface="맑은 고딕"/>
+        <a:font script="Hans" typeface="DengXian Light"/>
+        <a:font script="Hant" typeface="新細明體"/>
+        <a:font script="Arab" typeface="Times New Roman"/>
+        <a:font script="Hebr" typeface="Times New Roman"/>
+        <a:font script="Thai" typeface="Angsana New"/>
+        <a:font script="Ethi" typeface="Nyala"/>
+        <a:font script="Beng" typeface="Vrinda"/>
+        <a:font script="Gujr" typeface="Shruti"/>
+        <a:font script="Khmr" typeface="MoolBoran"/>
+        <a:font script="Knda" typeface="Tunga"/>
+        <a:font script="Guru" typeface="Raavi"/>
+        <a:font script="Cans" typeface="Euphemia"/>
+        <a:font script="Cher" typeface="Plantagenet Cherokee"/>
+        <a:font script="Yiii" typeface="Microsoft Yi Baiti"/>
+        <a:font script="Tibt" typeface="Microsoft Himalaya"/>
+        <a:font script="Thaa" typeface="MV Boli"/>
+        <a:font script="Deva" typeface="Mangal"/>
+        <a:font script="Telu" typeface="Gautami"/>
+        <a:font script="Taml" typeface="Latha"/>
+        <a:font script="Syrc" typeface="Estrangelo Edessa"/>
+        <a:font script="Orya" typeface="Kalinga"/>
+        <a:font script="Mlym" typeface="Kartika"/>
+        <a:font script="Laoo" typeface="DokChampa"/>
+        <a:font script="Sinh" typeface="Iskoola Pota"/>
+        <a:font script="Mong" typeface="Mongolian Baiti"/>
+        <a:font script="Viet" typeface="Times New Roman"/>
+        <a:font script="Uigh" typeface="Microsoft Uighur"/>
+        <a:font script="Geor" typeface="Sylfaen"/>
+      </a:majorFont>
+      <a:minorFont>
+        <a:latin typeface="Calibri" panose="020F0502020204030204"/>
+        <a:ea typeface=""/>
+        <a:cs typeface=""/>
+        <a:font script="Jpan" typeface="Yu Gothic"/>
+        <a:font script="Hang" typeface="맑은 고딕"/>
+        <a:font script="Hans" typeface="DengXian"/>
+        <a:font script="Hant" typeface="新細明體"/>
+        <a:font script="Arab" typeface="Arial"/>
+        <a:font script="Hebr" typeface="Arial"/>
+        <a:font script="Thai" typeface="Cordia New"/>
+        <a:font script="Ethi" typeface="Nyala"/>
+        <a:font script="Beng" typeface="Vrinda"/>
+        <a:font script="Gujr" typeface="Shruti"/>
+        <a:font script="Khmr" typeface="DaunPenh"/>
+        <a:font script="Knda" typeface="Tunga"/>
+        <a:font script="Guru" typeface="Raavi"/>
+        <a:font script="Cans" typeface="Euphemia"/>
+        <a:font script="Cher" typeface="Plantagenet Cherokee"/>
+        <a:font script="Yiii" typeface="Microsoft Yi Baiti"/>
+        <a:font script="Tibt" typeface="Microsoft Himalaya"/>
+        <a:font script="Thaa" typeface="MV Boli"/>
+        <a:font script="Deva" typeface="Mangal"/>
+        <a:font script="Telu" typeface="Gautami"/>
+        <a:font script="Taml" typeface="Latha"/>
+        <a:font script="Syrc" typeface="Estrangelo Edessa"/>
+        <a:font script="Orya" typeface="Kalinga"/>
+        <a:font script="Mlym" typeface="Kartika"/>
+        <a:font script="Laoo" typeface="DokChampa"/>
+        <a:font script="Sinh" typeface="Iskoola Pota"/>
+        <a:font script="Mong" typeface="Mongolian Baiti"/>
+        <a:font script="Viet" typeface="Arial"/>
+        <a:font script="Uigh" typeface="Microsoft Uighur"/>
+        <a:font script="Geor" typeface="Sylfaen"/>
+      </a:minorFont>
+    </a:fontScheme>
+    <a:fmtScheme name="Office">
+      <a:fillStyleLst>
+        <a:solidFill>
+          <a:schemeClr val="phClr"/>
+        </a:solidFill>
+        <a:gradFill rotWithShape="1">
+          <a:gsLst>
+            <a:gs pos="0">
+              <a:schemeClr val="phClr">
+                <a:lumMod val="110000"/>
+                <a:satMod val="105000"/>
+                <a:tint val="67000"/>
+              </a:schemeClr>
+            </a:gs>
+            <a:gs pos="50000">
+              <a:schemeClr val="phClr">
+                <a:lumMod val="105000"/>
+                <a:satMod val="103000"/>
+                <a:tint val="73000"/>
+              </a:schemeClr>
+            </a:gs>
+            <a:gs pos="100000">
+              <a:schemeClr val="phClr">
+                <a:lumMod val="105000"/>
+                <a:satMod val="109000"/>
+                <a:tint val="81000"/>
+              </a:schemeClr>
+            </a:gs>
+          </a:gsLst>
+          <a:lin ang="5400000" scaled="0"/>
+        </a:gradFill>
+        <a:gradFill rotWithShape="1">
+          <a:gsLst>
+            <a:gs pos="0">
+              <a:schemeClr val="phClr">
+                <a:satMod val="103000"/>
+                <a:lumMod val="102000"/>
+                <a:tint val="94000"/>
+              </a:schemeClr>
+            </a:gs>
+            <a:gs pos="50000">
+              <a:schemeClr val="phClr">
+                <a:satMod val="110000"/>
+                <a:lumMod val="100000"/>
+                <a:shade val="100000"/>
+              </a:schemeClr>
+            </a:gs>
+            <a:gs pos="100000">
+              <a:schemeClr val="phClr">
+                <a:lumMod val="99000"/>
+                <a:satMod val="120000"/>
+                <a:shade val="78000"/>
+              </a:schemeClr>
+            </a:gs>
+          </a:gsLst>
+          <a:lin ang="5400000" scaled="0"/>
+        </a:gradFill>
+      </a:fillStyleLst>
+      <a:lnStyleLst>
+        <a:ln w="6350" cap="flat" cmpd="sng" algn="ctr">
+          <a:solidFill>
+            <a:schemeClr val="phClr"/>
+          </a:solidFill>
+          <a:prstDash val="solid"/>
+          <a:miter lim="800000"/>
+        </a:ln>
+        <a:ln w="12700" cap="flat" cmpd="sng" algn="ctr">
+          <a:solidFill>
+            <a:schemeClr val="phClr"/>
+          </a:solidFill>
+          <a:prstDash val="solid"/>
+          <a:miter lim="800000"/>
+        </a:ln>
+        <a:ln w="19050" cap="flat" cmpd="sng" algn="ctr">
+          <a:solidFill>
+            <a:schemeClr val="phClr"/>
+          </a:solidFill>
+          <a:prstDash val="solid"/>
+          <a:miter lim="800000"/>
+        </a:ln>
+      </a:lnStyleLst>
+      <a:effectStyleLst>
+        <a:effectStyle>
+          <a:effectLst/>
+        </a:effectStyle>
+        <a:effectStyle>
+          <a:effectLst/>
+        </a:effectStyle>
+        <a:effectStyle>
+          <a:effectLst>
+            <a:outerShdw blurRad="57150" dist="19050" dir="5400000" algn="ctr" rotWithShape="0">
+              <a:srgbClr val="000000">
+                <a:alpha val="63000"/>
+              </a:srgbClr>
+            </a:outerShdw>
+          </a:effectLst>
+        </a:effectStyle>
+      </a:effectStyleLst>
+      <a:bgFillStyleLst>
+        <a:solidFill>
+          <a:schemeClr val="phClr"/>
+        </a:solidFill>
+        <a:solidFill>
+          <a:schemeClr val="phClr">
+            <a:tint val="95000"/>
+            <a:satMod val="170000"/>
+          </a:schemeClr>
+        </a:solidFill>
+        <a:gradFill rotWithShape="1">
+          <a:gsLst>
+            <a:gs pos="0">
+              <a:schemeClr val="phClr">
+                <a:tint val="93000"/>
+                <a:satMod val="150000"/>
+                <a:shade val="98000"/>
+                <a:lumMod val="102000"/>
+              </a:schemeClr>
+            </a:gs>
+            <a:gs pos="50000">
+              <a:schemeClr val="phClr">
+                <a:tint val="98000"/>
+                <a:satMod val="130000"/>
+                <a:shade val="90000"/>
+                <a:lumMod val="103000"/>
+              </a:schemeClr>
+            </a:gs>
+            <a:gs pos="100000">
+              <a:schemeClr val="phClr">
+                <a:shade val="63000"/>
+                <a:satMod val="120000"/>
+              </a:schemeClr>
+            </a:gs>
+          </a:gsLst>
+          <a:lin ang="5400000" scaled="0"/>
+        </a:gradFill>
+      </a:bgFillStyleLst>
+    </a:fmtScheme>
+  </a:themeElements>
+  <a:objectDefaults/>
+  <a:extraClrSchemeLst/>
+  <a:extLst>
+    <a:ext uri="{05A4C25C-085E-4340-85A3-A5531E510DB2}">
+      <thm15:themeFamily xmlns:thm15="http://schemas.microsoft.com/office/thememl/2012/main" name="Office Theme" id="{62F939B6-93AF-4DB8-9C6B-D6C7DFDC589F}" vid="{4A3C46E8-61CC-4603-A589-7422A47A8E4A}"/>
+    </a:ext>
+  </a:extLst>
+</a:theme>
 </file>
--- a/MoLOverviewPoster2016.pptx
+++ b/MoLOverviewPoster2016.pptx
@@ -103,6 +103,9 @@
           </p15:clr>
         </p15:guide>
       </p15:sldGuideLst>
+    </p:ext>
+    <p:ext uri="{2D200454-40CA-4A62-9FC3-DE9A4176ACB9}">
+      <p15:notesGuideLst xmlns:p15="http://schemas.microsoft.com/office/powerpoint/2012/main"/>
     </p:ext>
   </p:extLst>
 </p:presentation>
@@ -3241,216 +3244,6 @@
       </p:grpSp>
       <p:sp>
         <p:nvSpPr>
-          <p:cNvPr id="162" name="Shape 248"/>
-          <p:cNvSpPr/>
-          <p:nvPr/>
-        </p:nvSpPr>
-        <p:spPr>
-          <a:xfrm flipV="1">
-            <a:off x="39371544" y="22368505"/>
-            <a:ext cx="1082680" cy="2003517"/>
-          </a:xfrm>
-          <a:prstGeom prst="line">
-            <a:avLst/>
-          </a:prstGeom>
-          <a:ln w="76200">
-            <a:solidFill/>
-            <a:headEnd type="triangle"/>
-          </a:ln>
-          <a:effectLst>
-            <a:outerShdw blurRad="38100" dist="20000" dir="5400000" rotWithShape="0">
-              <a:srgbClr val="000000">
-                <a:alpha val="38000"/>
-              </a:srgbClr>
-            </a:outerShdw>
-          </a:effectLst>
-        </p:spPr>
-        <p:txBody>
-          <a:bodyPr lIns="0" tIns="0" rIns="0" bIns="0"/>
-          <a:lstStyle/>
-          <a:p>
-            <a:pPr algn="ctr" defTabSz="457097">
-              <a:defRPr sz="1200">
-                <a:latin typeface="+mn-lt"/>
-                <a:ea typeface="+mn-ea"/>
-                <a:cs typeface="+mn-cs"/>
-                <a:sym typeface="Helvetica"/>
-              </a:defRPr>
-            </a:pPr>
-            <a:endParaRPr/>
-          </a:p>
-        </p:txBody>
-      </p:sp>
-      <p:sp>
-        <p:nvSpPr>
-          <p:cNvPr id="164" name="Shape 248"/>
-          <p:cNvSpPr/>
-          <p:nvPr/>
-        </p:nvSpPr>
-        <p:spPr>
-          <a:xfrm flipV="1">
-            <a:off x="38633377" y="21648208"/>
-            <a:ext cx="708382" cy="477290"/>
-          </a:xfrm>
-          <a:prstGeom prst="line">
-            <a:avLst/>
-          </a:prstGeom>
-          <a:ln w="76200">
-            <a:solidFill/>
-            <a:headEnd type="triangle"/>
-          </a:ln>
-          <a:effectLst>
-            <a:outerShdw blurRad="38100" dist="20000" dir="5400000" rotWithShape="0">
-              <a:srgbClr val="000000">
-                <a:alpha val="38000"/>
-              </a:srgbClr>
-            </a:outerShdw>
-          </a:effectLst>
-        </p:spPr>
-        <p:txBody>
-          <a:bodyPr lIns="0" tIns="0" rIns="0" bIns="0"/>
-          <a:lstStyle/>
-          <a:p>
-            <a:pPr algn="ctr" defTabSz="457097">
-              <a:defRPr sz="1200">
-                <a:latin typeface="+mn-lt"/>
-                <a:ea typeface="+mn-ea"/>
-                <a:cs typeface="+mn-cs"/>
-                <a:sym typeface="Helvetica"/>
-              </a:defRPr>
-            </a:pPr>
-            <a:endParaRPr/>
-          </a:p>
-        </p:txBody>
-      </p:sp>
-      <p:sp>
-        <p:nvSpPr>
-          <p:cNvPr id="165" name="Shape 248"/>
-          <p:cNvSpPr/>
-          <p:nvPr/>
-        </p:nvSpPr>
-        <p:spPr>
-          <a:xfrm flipV="1">
-            <a:off x="34014342" y="20984857"/>
-            <a:ext cx="4937769" cy="1502232"/>
-          </a:xfrm>
-          <a:prstGeom prst="line">
-            <a:avLst/>
-          </a:prstGeom>
-          <a:ln w="76200">
-            <a:solidFill/>
-            <a:headEnd type="triangle"/>
-          </a:ln>
-          <a:effectLst>
-            <a:outerShdw blurRad="38100" dist="20000" dir="5400000" rotWithShape="0">
-              <a:srgbClr val="000000">
-                <a:alpha val="38000"/>
-              </a:srgbClr>
-            </a:outerShdw>
-          </a:effectLst>
-        </p:spPr>
-        <p:txBody>
-          <a:bodyPr lIns="0" tIns="0" rIns="0" bIns="0"/>
-          <a:lstStyle/>
-          <a:p>
-            <a:pPr algn="ctr" defTabSz="457097">
-              <a:defRPr sz="1200">
-                <a:latin typeface="+mn-lt"/>
-                <a:ea typeface="+mn-ea"/>
-                <a:cs typeface="+mn-cs"/>
-                <a:sym typeface="Helvetica"/>
-              </a:defRPr>
-            </a:pPr>
-            <a:endParaRPr/>
-          </a:p>
-        </p:txBody>
-      </p:sp>
-      <p:sp>
-        <p:nvSpPr>
-          <p:cNvPr id="168" name="Shape 248"/>
-          <p:cNvSpPr/>
-          <p:nvPr/>
-        </p:nvSpPr>
-        <p:spPr>
-          <a:xfrm flipV="1">
-            <a:off x="40750534" y="22655874"/>
-            <a:ext cx="399591" cy="3991027"/>
-          </a:xfrm>
-          <a:prstGeom prst="line">
-            <a:avLst/>
-          </a:prstGeom>
-          <a:ln w="76200">
-            <a:solidFill/>
-            <a:headEnd type="triangle"/>
-          </a:ln>
-          <a:effectLst>
-            <a:outerShdw blurRad="38100" dist="20000" dir="5400000" rotWithShape="0">
-              <a:srgbClr val="000000">
-                <a:alpha val="38000"/>
-              </a:srgbClr>
-            </a:outerShdw>
-          </a:effectLst>
-        </p:spPr>
-        <p:txBody>
-          <a:bodyPr lIns="0" tIns="0" rIns="0" bIns="0"/>
-          <a:lstStyle/>
-          <a:p>
-            <a:pPr algn="ctr" defTabSz="457097">
-              <a:defRPr sz="1200">
-                <a:latin typeface="+mn-lt"/>
-                <a:ea typeface="+mn-ea"/>
-                <a:cs typeface="+mn-cs"/>
-                <a:sym typeface="Helvetica"/>
-              </a:defRPr>
-            </a:pPr>
-            <a:endParaRPr/>
-          </a:p>
-        </p:txBody>
-      </p:sp>
-      <p:sp>
-        <p:nvSpPr>
-          <p:cNvPr id="170" name="Shape 248"/>
-          <p:cNvSpPr/>
-          <p:nvPr/>
-        </p:nvSpPr>
-        <p:spPr>
-          <a:xfrm flipV="1">
-            <a:off x="36053265" y="22246681"/>
-            <a:ext cx="3909347" cy="4682396"/>
-          </a:xfrm>
-          <a:prstGeom prst="line">
-            <a:avLst/>
-          </a:prstGeom>
-          <a:ln w="76200">
-            <a:solidFill/>
-            <a:headEnd type="triangle"/>
-          </a:ln>
-          <a:effectLst>
-            <a:outerShdw blurRad="38100" dist="20000" dir="5400000" rotWithShape="0">
-              <a:srgbClr val="000000">
-                <a:alpha val="38000"/>
-              </a:srgbClr>
-            </a:outerShdw>
-          </a:effectLst>
-        </p:spPr>
-        <p:txBody>
-          <a:bodyPr lIns="0" tIns="0" rIns="0" bIns="0"/>
-          <a:lstStyle/>
-          <a:p>
-            <a:pPr algn="ctr" defTabSz="457097">
-              <a:defRPr sz="1200">
-                <a:latin typeface="+mn-lt"/>
-                <a:ea typeface="+mn-ea"/>
-                <a:cs typeface="+mn-cs"/>
-                <a:sym typeface="Helvetica"/>
-              </a:defRPr>
-            </a:pPr>
-            <a:endParaRPr/>
-          </a:p>
-        </p:txBody>
-      </p:sp>
-      <p:sp>
-        <p:nvSpPr>
           <p:cNvPr id="48" name="Shape 48"/>
           <p:cNvSpPr>
             <a:spLocks noGrp="1"/>
@@ -3973,10 +3766,10 @@
         </p:nvGrpSpPr>
         <p:grpSpPr>
           <a:xfrm>
-            <a:off x="22673961" y="18977270"/>
-            <a:ext cx="19852568" cy="10644552"/>
-            <a:chOff x="23107094" y="18881018"/>
-            <a:chExt cx="19852567" cy="10644553"/>
+            <a:off x="22673961" y="19036439"/>
+            <a:ext cx="19976646" cy="10583450"/>
+            <a:chOff x="23107094" y="18940187"/>
+            <a:chExt cx="19976645" cy="10583451"/>
           </a:xfrm>
         </p:grpSpPr>
         <p:sp>
@@ -3989,7 +3782,7 @@
           </p:nvSpPr>
           <p:spPr>
             <a:xfrm>
-              <a:off x="39577749" y="18881018"/>
+              <a:off x="39701827" y="18940187"/>
               <a:ext cx="3381912" cy="3383662"/>
             </a:xfrm>
             <a:prstGeom prst="ellipse">
@@ -4109,7 +3902,7 @@
           </p:nvSpPr>
           <p:spPr>
             <a:xfrm>
-              <a:off x="26912397" y="26633405"/>
+              <a:off x="26832124" y="26764576"/>
               <a:ext cx="2778806" cy="2427776"/>
             </a:xfrm>
             <a:prstGeom prst="roundRect">
@@ -4289,7 +4082,7 @@
           </p:nvSpPr>
           <p:spPr>
             <a:xfrm>
-              <a:off x="26912397" y="23630460"/>
+              <a:off x="26860518" y="24624515"/>
               <a:ext cx="2778806" cy="1887863"/>
             </a:xfrm>
             <a:prstGeom prst="roundRect">
@@ -4442,14 +4235,14 @@
                   <a:srgbClr val="D8C9EE"/>
                 </a:gs>
                 <a:gs pos="100000">
-                  <a:srgbClr val="F0EAF9"/>
+                  <a:srgbClr val="FFD1BB"/>
                 </a:gs>
               </a:gsLst>
-              <a:lin ang="16200000" scaled="0"/>
+              <a:lin ang="5400000" scaled="0"/>
             </a:gradFill>
             <a:ln w="9525" cap="flat">
               <a:solidFill>
-                <a:srgbClr val="7D60A0"/>
+                <a:schemeClr val="tx1"/>
               </a:solidFill>
               <a:prstDash val="solid"/>
               <a:bevel/>
@@ -4477,16 +4270,38 @@
               </a:r>
               <a:r>
                 <a:rPr lang="en-US" sz="2900" dirty="0" err="1" smtClean="0"/>
-                <a:t>MastMath</a:t>
+                <a:t>MastMath-UvA</a:t>
               </a:r>
               <a:r>
                 <a:rPr lang="en-US" sz="2900" dirty="0" smtClean="0"/>
-                <a:t>] Quantum computing </a:t>
+                <a:t>] </a:t>
+              </a:r>
+              <a:r>
+                <a:rPr lang="en-US" sz="2900" dirty="0" smtClean="0"/>
+                <a:t>Quantum computing </a:t>
               </a:r>
               <a:r>
                 <a:rPr lang="en-US" sz="2900" dirty="0"/>
-                <a:t>(dWolf)</a:t>
-              </a:r>
+                <a:t>(</a:t>
+              </a:r>
+              <a:r>
+                <a:rPr lang="en-US" sz="2900" dirty="0" err="1"/>
+                <a:t>dWolf</a:t>
+              </a:r>
+              <a:r>
+                <a:rPr lang="en-US" sz="2900" dirty="0" smtClean="0"/>
+                <a:t>)</a:t>
+              </a:r>
+            </a:p>
+            <a:p>
+              <a:pPr lvl="0" algn="ctr">
+                <a:defRPr sz="1800"/>
+              </a:pPr>
+              <a:r>
+                <a:rPr lang="en-US" sz="2900" dirty="0" smtClean="0"/>
+                <a:t>[8EC]</a:t>
+              </a:r>
+              <a:endParaRPr lang="en-US" sz="2900" dirty="0"/>
             </a:p>
           </p:txBody>
         </p:sp>
@@ -4567,7 +4382,7 @@
           </p:nvSpPr>
           <p:spPr>
             <a:xfrm>
-              <a:off x="37382564" y="24452854"/>
+              <a:off x="35292465" y="25323297"/>
               <a:ext cx="3013179" cy="1792874"/>
             </a:xfrm>
             <a:prstGeom prst="roundRect">
@@ -4636,8 +4451,8 @@
           </p:nvSpPr>
           <p:spPr>
             <a:xfrm>
-              <a:off x="33796605" y="24881719"/>
-              <a:ext cx="3013179" cy="1371571"/>
+              <a:off x="34516994" y="27673861"/>
+              <a:ext cx="3013179" cy="1630659"/>
             </a:xfrm>
             <a:prstGeom prst="roundRect">
               <a:avLst>
@@ -4842,75 +4657,6 @@
             </a:p>
           </p:txBody>
         </p:sp>
-        <p:sp>
-          <p:nvSpPr>
-            <p:cNvPr id="217" name="Shape 217"/>
-            <p:cNvSpPr/>
-            <p:nvPr/>
-          </p:nvSpPr>
-          <p:spPr>
-            <a:xfrm>
-              <a:off x="34938094" y="27316641"/>
-              <a:ext cx="3013179" cy="2208930"/>
-            </a:xfrm>
-            <a:prstGeom prst="roundRect">
-              <a:avLst>
-                <a:gd name="adj" fmla="val 16667"/>
-              </a:avLst>
-            </a:prstGeom>
-            <a:gradFill flip="none" rotWithShape="1">
-              <a:gsLst>
-                <a:gs pos="0">
-                  <a:srgbClr val="C8B2E9"/>
-                </a:gs>
-                <a:gs pos="35000">
-                  <a:srgbClr val="D8C9EE"/>
-                </a:gs>
-                <a:gs pos="100000">
-                  <a:srgbClr val="F0EAF9"/>
-                </a:gs>
-              </a:gsLst>
-              <a:lin ang="16200000" scaled="0"/>
-            </a:gradFill>
-            <a:ln w="9525" cap="flat">
-              <a:solidFill>
-                <a:srgbClr val="7D60A0"/>
-              </a:solidFill>
-              <a:prstDash val="solid"/>
-              <a:bevel/>
-            </a:ln>
-            <a:effectLst>
-              <a:outerShdw blurRad="38100" dist="20000" dir="5400000" rotWithShape="0">
-                <a:srgbClr val="000000">
-                  <a:alpha val="38000"/>
-                </a:srgbClr>
-              </a:outerShdw>
-            </a:effectLst>
-          </p:spPr>
-          <p:txBody>
-            <a:bodyPr wrap="square" lIns="0" tIns="0" rIns="0" bIns="0" numCol="1" anchor="ctr">
-              <a:noAutofit/>
-            </a:bodyPr>
-            <a:lstStyle/>
-            <a:p>
-              <a:pPr lvl="0" algn="ctr">
-                <a:defRPr sz="1800"/>
-              </a:pPr>
-              <a:r>
-                <a:rPr lang="en-US" sz="2900" dirty="0"/>
-                <a:t>[</a:t>
-              </a:r>
-              <a:r>
-                <a:rPr lang="en-US" sz="2900" dirty="0" err="1"/>
-                <a:t>MoL</a:t>
-              </a:r>
-              <a:r>
-                <a:rPr lang="en-US" sz="2900" dirty="0"/>
-                <a:t>-FNWI] Introduction to Modern Cryptography (Schaffner)</a:t>
-              </a:r>
-            </a:p>
-          </p:txBody>
-        </p:sp>
         <p:grpSp>
           <p:nvGrpSpPr>
             <p:cNvPr id="18" name="Group 17"/>
@@ -4919,10 +4665,10 @@
           </p:nvGrpSpPr>
           <p:grpSpPr>
             <a:xfrm>
-              <a:off x="35557954" y="21377532"/>
-              <a:ext cx="3243920" cy="2304682"/>
-              <a:chOff x="35643220" y="21347528"/>
-              <a:chExt cx="3243919" cy="2304682"/>
+              <a:off x="34907951" y="22364702"/>
+              <a:ext cx="3243920" cy="2306232"/>
+              <a:chOff x="34993217" y="22334698"/>
+              <a:chExt cx="3243919" cy="2306232"/>
             </a:xfrm>
           </p:grpSpPr>
           <p:sp>
@@ -4933,7 +4679,7 @@
             </p:nvSpPr>
             <p:spPr>
               <a:xfrm>
-                <a:off x="35643220" y="21642815"/>
+                <a:off x="34993217" y="22631535"/>
                 <a:ext cx="3243919" cy="2009395"/>
               </a:xfrm>
               <a:prstGeom prst="roundRect">
@@ -5008,7 +4754,7 @@
             </p:nvSpPr>
             <p:spPr>
               <a:xfrm>
-                <a:off x="36597052" y="21347528"/>
+                <a:off x="35918118" y="22334698"/>
                 <a:ext cx="1497972" cy="1204325"/>
               </a:xfrm>
               <a:prstGeom prst="rect">
@@ -5053,10 +4799,10 @@
           </p:nvGrpSpPr>
           <p:grpSpPr>
             <a:xfrm>
-              <a:off x="30976658" y="22104801"/>
-              <a:ext cx="3470816" cy="2512227"/>
-              <a:chOff x="38861986" y="28460007"/>
-              <a:chExt cx="3470816" cy="2512227"/>
+              <a:off x="38778738" y="22507527"/>
+              <a:ext cx="3470816" cy="2487779"/>
+              <a:chOff x="46664066" y="28862733"/>
+              <a:chExt cx="3470816" cy="2487779"/>
             </a:xfrm>
           </p:grpSpPr>
           <p:sp>
@@ -5067,7 +4813,7 @@
             </p:nvSpPr>
             <p:spPr>
               <a:xfrm>
-                <a:off x="38861986" y="28809107"/>
+                <a:off x="46664066" y="29187385"/>
                 <a:ext cx="3470816" cy="2163127"/>
               </a:xfrm>
               <a:prstGeom prst="roundRect">
@@ -5166,7 +4912,7 @@
             </p:nvSpPr>
             <p:spPr>
               <a:xfrm>
-                <a:off x="39918656" y="28460007"/>
+                <a:off x="47626918" y="28862733"/>
                 <a:ext cx="1497972" cy="1204325"/>
               </a:xfrm>
               <a:prstGeom prst="rect">
@@ -5220,10 +4966,10 @@
         </p:nvGrpSpPr>
         <p:grpSpPr>
           <a:xfrm>
-            <a:off x="11597914" y="10471919"/>
-            <a:ext cx="13900897" cy="9840734"/>
+            <a:off x="11597914" y="10471920"/>
+            <a:ext cx="13900897" cy="6267091"/>
             <a:chOff x="12031048" y="10375666"/>
-            <a:chExt cx="13900896" cy="9840733"/>
+            <a:chExt cx="13900896" cy="6267090"/>
           </a:xfrm>
         </p:grpSpPr>
         <p:sp>
@@ -5289,145 +5035,38 @@
                   <a:ea typeface="Calibri" charset="0"/>
                   <a:cs typeface="Calibri" charset="0"/>
                 </a:rPr>
-                <a:t>-FNWI] Logic and Conversation (Roelofsen)</a:t>
-              </a:r>
-            </a:p>
-          </p:txBody>
-        </p:sp>
-        <p:sp>
-          <p:nvSpPr>
-            <p:cNvPr id="148" name="Shape 148"/>
-            <p:cNvSpPr/>
-            <p:nvPr/>
-          </p:nvSpPr>
-          <p:spPr>
-            <a:xfrm>
-              <a:off x="20154682" y="17586755"/>
-              <a:ext cx="4465896" cy="2629644"/>
-            </a:xfrm>
-            <a:prstGeom prst="roundRect">
-              <a:avLst>
-                <a:gd name="adj" fmla="val 16667"/>
-              </a:avLst>
-            </a:prstGeom>
-            <a:gradFill flip="none" rotWithShape="1">
-              <a:gsLst>
-                <a:gs pos="0">
-                  <a:srgbClr val="C8B2E9"/>
-                </a:gs>
-                <a:gs pos="35000">
-                  <a:srgbClr val="D8C9EE"/>
-                </a:gs>
-                <a:gs pos="100000">
-                  <a:srgbClr val="F0EAF9"/>
-                </a:gs>
-              </a:gsLst>
-              <a:lin ang="16200000" scaled="0"/>
-            </a:gradFill>
-            <a:ln w="9525" cap="flat">
-              <a:solidFill>
-                <a:srgbClr val="7D60A0"/>
-              </a:solidFill>
-              <a:prstDash val="solid"/>
-              <a:bevel/>
-            </a:ln>
-            <a:effectLst>
-              <a:outerShdw blurRad="38100" dist="20000" dir="5400000" rotWithShape="0">
-                <a:srgbClr val="000000">
-                  <a:alpha val="38000"/>
-                </a:srgbClr>
-              </a:outerShdw>
-            </a:effectLst>
-          </p:spPr>
-          <p:txBody>
-            <a:bodyPr wrap="square" lIns="0" tIns="0" rIns="0" bIns="0" numCol="1" anchor="ctr">
-              <a:noAutofit/>
-            </a:bodyPr>
-            <a:lstStyle/>
-            <a:p>
-              <a:pPr lvl="0" algn="ctr">
-                <a:defRPr sz="1800"/>
-              </a:pPr>
-              <a:r>
-                <a:rPr lang="en-US" sz="2900" dirty="0"/>
-                <a:t>[</a:t>
-              </a:r>
-              <a:r>
-                <a:rPr lang="en-US" sz="2900" dirty="0" err="1"/>
-                <a:t>MoL</a:t>
-              </a:r>
-              <a:r>
-                <a:rPr lang="en-US" sz="2900" dirty="0"/>
-                <a:t>-FNWI] Semantics and Pragmatics in Bayesian Interpretation (Zeevat)</a:t>
-              </a:r>
-            </a:p>
-          </p:txBody>
-        </p:sp>
-        <p:sp>
-          <p:nvSpPr>
-            <p:cNvPr id="175" name="Shape 175"/>
-            <p:cNvSpPr/>
-            <p:nvPr/>
-          </p:nvSpPr>
-          <p:spPr>
-            <a:xfrm>
-              <a:off x="19551788" y="10807238"/>
-              <a:ext cx="3013179" cy="2078461"/>
-            </a:xfrm>
-            <a:prstGeom prst="roundRect">
-              <a:avLst>
-                <a:gd name="adj" fmla="val 16667"/>
-              </a:avLst>
-            </a:prstGeom>
-            <a:gradFill flip="none" rotWithShape="1">
-              <a:gsLst>
-                <a:gs pos="0">
-                  <a:srgbClr val="C8B2E9"/>
-                </a:gs>
-                <a:gs pos="35000">
-                  <a:srgbClr val="D8C9EE"/>
-                </a:gs>
-                <a:gs pos="100000">
-                  <a:srgbClr val="F0EAF9"/>
-                </a:gs>
-              </a:gsLst>
-              <a:lin ang="16200000" scaled="0"/>
-            </a:gradFill>
-            <a:ln w="9525" cap="flat">
-              <a:solidFill>
-                <a:srgbClr val="7D60A0"/>
-              </a:solidFill>
-              <a:prstDash val="solid"/>
-              <a:bevel/>
-            </a:ln>
-            <a:effectLst>
-              <a:outerShdw blurRad="38100" dist="20000" dir="5400000" rotWithShape="0">
-                <a:srgbClr val="000000">
-                  <a:alpha val="38000"/>
-                </a:srgbClr>
-              </a:outerShdw>
-            </a:effectLst>
-          </p:spPr>
-          <p:txBody>
-            <a:bodyPr wrap="square" lIns="0" tIns="0" rIns="0" bIns="0" numCol="1" anchor="ctr">
-              <a:noAutofit/>
-            </a:bodyPr>
-            <a:lstStyle/>
-            <a:p>
-              <a:pPr lvl="0" algn="ctr">
-                <a:defRPr sz="1800"/>
-              </a:pPr>
-              <a:r>
-                <a:rPr lang="en-US" sz="2900" dirty="0"/>
-                <a:t>[</a:t>
-              </a:r>
-              <a:r>
-                <a:rPr lang="en-US" sz="2900" dirty="0" err="1"/>
-                <a:t>MAPhil</a:t>
-              </a:r>
-              <a:r>
-                <a:rPr lang="en-US" sz="2900" dirty="0"/>
-                <a:t>] Causality and Explanation (Schulz)</a:t>
+                <a:t>-FNWI] </a:t>
+              </a:r>
+              <a:r>
+                <a:rPr lang="en-US" sz="2900" dirty="0" smtClean="0">
+                  <a:latin typeface="Calibri" charset="0"/>
+                  <a:ea typeface="Calibri" charset="0"/>
+                  <a:cs typeface="Calibri" charset="0"/>
+                </a:rPr>
+                <a:t/>
+              </a:r>
+              <a:br>
+                <a:rPr lang="en-US" sz="2900" dirty="0" smtClean="0">
+                  <a:latin typeface="Calibri" charset="0"/>
+                  <a:ea typeface="Calibri" charset="0"/>
+                  <a:cs typeface="Calibri" charset="0"/>
+                </a:rPr>
+              </a:br>
+              <a:r>
+                <a:rPr lang="en-US" sz="2900" dirty="0" smtClean="0">
+                  <a:latin typeface="Calibri" charset="0"/>
+                  <a:ea typeface="Calibri" charset="0"/>
+                  <a:cs typeface="Calibri" charset="0"/>
+                </a:rPr>
+                <a:t>Logic </a:t>
+              </a:r>
+              <a:r>
+                <a:rPr lang="en-US" sz="2900" dirty="0">
+                  <a:latin typeface="Calibri" charset="0"/>
+                  <a:ea typeface="Calibri" charset="0"/>
+                  <a:cs typeface="Calibri" charset="0"/>
+                </a:rPr>
+                <a:t>and Conversation (Roelofsen)</a:t>
               </a:r>
             </a:p>
           </p:txBody>
@@ -5587,10 +5226,10 @@
           </p:nvGrpSpPr>
           <p:grpSpPr>
             <a:xfrm>
-              <a:off x="15629091" y="10416234"/>
-              <a:ext cx="3611034" cy="2669857"/>
+              <a:off x="15629091" y="10416233"/>
+              <a:ext cx="3611034" cy="2593755"/>
               <a:chOff x="17473539" y="10282648"/>
-              <a:chExt cx="3611033" cy="2936813"/>
+              <a:chExt cx="3611033" cy="2853102"/>
             </a:xfrm>
           </p:grpSpPr>
           <p:sp>
@@ -5602,7 +5241,7 @@
             <p:spPr>
               <a:xfrm>
                 <a:off x="17570571" y="10470963"/>
-                <a:ext cx="3405438" cy="2748498"/>
+                <a:ext cx="3405438" cy="2664787"/>
               </a:xfrm>
               <a:prstGeom prst="roundRect">
                 <a:avLst>
@@ -5649,7 +5288,28 @@
                   </a:defRPr>
                 </a:pPr>
                 <a:r>
-                  <a:rPr lang="en-US" sz="2800" dirty="0">
+                  <a:rPr lang="en-US" sz="2800" dirty="0" smtClean="0">
+                    <a:solidFill>
+                      <a:srgbClr val="FFFFFF"/>
+                    </a:solidFill>
+                    <a:latin typeface="Calibri" charset="0"/>
+                    <a:ea typeface="Calibri" charset="0"/>
+                    <a:cs typeface="Calibri" charset="0"/>
+                  </a:rPr>
+                  <a:t/>
+                </a:r>
+                <a:br>
+                  <a:rPr lang="en-US" sz="2800" dirty="0" smtClean="0">
+                    <a:solidFill>
+                      <a:srgbClr val="FFFFFF"/>
+                    </a:solidFill>
+                    <a:latin typeface="Calibri" charset="0"/>
+                    <a:ea typeface="Calibri" charset="0"/>
+                    <a:cs typeface="Calibri" charset="0"/>
+                  </a:rPr>
+                </a:br>
+                <a:r>
+                  <a:rPr lang="en-US" sz="2800" dirty="0" smtClean="0">
                     <a:solidFill>
                       <a:srgbClr val="FFFFFF"/>
                     </a:solidFill>
@@ -5679,7 +5339,50 @@
                     <a:ea typeface="Calibri" charset="0"/>
                     <a:cs typeface="Calibri" charset="0"/>
                   </a:rPr>
-                  <a:t>-FGW] Meaning, Reference and Modality (Dekker)</a:t>
+                  <a:t>-FGW] </a:t>
+                </a:r>
+                <a:r>
+                  <a:rPr lang="en-US" sz="2800" dirty="0" smtClean="0">
+                    <a:solidFill>
+                      <a:srgbClr val="FFFFFF"/>
+                    </a:solidFill>
+                    <a:latin typeface="Calibri" charset="0"/>
+                    <a:ea typeface="Calibri" charset="0"/>
+                    <a:cs typeface="Calibri" charset="0"/>
+                  </a:rPr>
+                  <a:t/>
+                </a:r>
+                <a:br>
+                  <a:rPr lang="en-US" sz="2800" dirty="0" smtClean="0">
+                    <a:solidFill>
+                      <a:srgbClr val="FFFFFF"/>
+                    </a:solidFill>
+                    <a:latin typeface="Calibri" charset="0"/>
+                    <a:ea typeface="Calibri" charset="0"/>
+                    <a:cs typeface="Calibri" charset="0"/>
+                  </a:rPr>
+                </a:br>
+                <a:r>
+                  <a:rPr lang="en-US" sz="2800" dirty="0" smtClean="0">
+                    <a:solidFill>
+                      <a:srgbClr val="FFFFFF"/>
+                    </a:solidFill>
+                    <a:latin typeface="Calibri" charset="0"/>
+                    <a:ea typeface="Calibri" charset="0"/>
+                    <a:cs typeface="Calibri" charset="0"/>
+                  </a:rPr>
+                  <a:t>Meaning</a:t>
+                </a:r>
+                <a:r>
+                  <a:rPr lang="en-US" sz="2800" dirty="0">
+                    <a:solidFill>
+                      <a:srgbClr val="FFFFFF"/>
+                    </a:solidFill>
+                    <a:latin typeface="Calibri" charset="0"/>
+                    <a:ea typeface="Calibri" charset="0"/>
+                    <a:cs typeface="Calibri" charset="0"/>
+                  </a:rPr>
+                  <a:t>, Reference and Modality (Dekker)</a:t>
                 </a:r>
               </a:p>
             </p:txBody>
@@ -6498,9 +6201,9 @@
         <p:grpSpPr>
           <a:xfrm>
             <a:off x="6313868" y="424711"/>
-            <a:ext cx="20086501" cy="11383457"/>
+            <a:ext cx="20086501" cy="11495826"/>
             <a:chOff x="6747000" y="328456"/>
-            <a:chExt cx="20086501" cy="11383458"/>
+            <a:chExt cx="20086501" cy="11495827"/>
           </a:xfrm>
         </p:grpSpPr>
         <p:sp>
@@ -6749,88 +6452,6 @@
         </p:sp>
         <p:sp>
           <p:nvSpPr>
-            <p:cNvPr id="88" name="Shape 88"/>
-            <p:cNvSpPr/>
-            <p:nvPr/>
-          </p:nvSpPr>
-          <p:spPr>
-            <a:xfrm>
-              <a:off x="6791071" y="1050292"/>
-              <a:ext cx="3013179" cy="1887863"/>
-            </a:xfrm>
-            <a:prstGeom prst="roundRect">
-              <a:avLst>
-                <a:gd name="adj" fmla="val 16667"/>
-              </a:avLst>
-            </a:prstGeom>
-            <a:gradFill flip="none" rotWithShape="1">
-              <a:gsLst>
-                <a:gs pos="0">
-                  <a:srgbClr val="3F80CE"/>
-                </a:gs>
-                <a:gs pos="100000">
-                  <a:srgbClr val="A2C3FF"/>
-                </a:gs>
-              </a:gsLst>
-              <a:lin ang="16200000" scaled="0"/>
-            </a:gradFill>
-            <a:ln w="9525" cap="flat">
-              <a:solidFill>
-                <a:srgbClr val="4A7EBB"/>
-              </a:solidFill>
-              <a:prstDash val="solid"/>
-              <a:bevel/>
-            </a:ln>
-            <a:effectLst>
-              <a:outerShdw blurRad="38100" dist="23000" dir="5400000" rotWithShape="0">
-                <a:srgbClr val="000000">
-                  <a:alpha val="35000"/>
-                </a:srgbClr>
-              </a:outerShdw>
-            </a:effectLst>
-          </p:spPr>
-          <p:txBody>
-            <a:bodyPr wrap="square" lIns="0" tIns="0" rIns="0" bIns="0" numCol="1" anchor="ctr">
-              <a:noAutofit/>
-            </a:bodyPr>
-            <a:lstStyle/>
-            <a:p>
-              <a:pPr lvl="0" algn="ctr">
-                <a:defRPr sz="1800">
-                  <a:solidFill>
-                    <a:srgbClr val="000000"/>
-                  </a:solidFill>
-                </a:defRPr>
-              </a:pPr>
-              <a:r>
-                <a:rPr lang="en-US" sz="2900" dirty="0">
-                  <a:solidFill>
-                    <a:srgbClr val="FFFFFF"/>
-                  </a:solidFill>
-                </a:rPr>
-                <a:t>[</a:t>
-              </a:r>
-              <a:r>
-                <a:rPr lang="en-US" sz="2900" dirty="0" err="1">
-                  <a:solidFill>
-                    <a:srgbClr val="FFFFFF"/>
-                  </a:solidFill>
-                </a:rPr>
-                <a:t>MScPhys</a:t>
-              </a:r>
-              <a:r>
-                <a:rPr lang="en-US" sz="2900" dirty="0">
-                  <a:solidFill>
-                    <a:srgbClr val="FFFFFF"/>
-                  </a:solidFill>
-                </a:rPr>
-                <a:t>] Philosophy of Science (van Dongen)</a:t>
-              </a:r>
-            </a:p>
-          </p:txBody>
-        </p:sp>
-        <p:sp>
-          <p:nvSpPr>
             <p:cNvPr id="118" name="Shape 118"/>
             <p:cNvSpPr/>
             <p:nvPr/>
@@ -7139,15 +6760,7 @@
               </a:r>
               <a:r>
                 <a:rPr lang="en-US" sz="2900" dirty="0"/>
-                <a:t>-FGW] </a:t>
-              </a:r>
-              <a:r>
-                <a:rPr lang="en-US" sz="2900" dirty="0"/>
-                <a:t>Ethics, Ontology, Life: Wittgenstein's Later Work </a:t>
-              </a:r>
-              <a:r>
-                <a:rPr lang="en-US" sz="2900" dirty="0"/>
-                <a:t>(Stokhof)</a:t>
+                <a:t>-FGW] Ethics, Ontology, Life: Wittgenstein's Later Work (Stokhof)</a:t>
               </a:r>
             </a:p>
           </p:txBody>
@@ -7457,7 +7070,7 @@
           </p:nvSpPr>
           <p:spPr>
             <a:xfrm>
-              <a:off x="14320563" y="9282092"/>
+              <a:off x="23189591" y="9394461"/>
               <a:ext cx="3013179" cy="2429822"/>
             </a:xfrm>
             <a:prstGeom prst="roundRect">
@@ -7513,8 +7126,17 @@
               </a:r>
               <a:r>
                 <a:rPr lang="en-US" sz="2900" dirty="0"/>
-                <a:t>-FGW] Wittgenstein's Relevance: Perspectives (Stokhof)</a:t>
-              </a:r>
+                <a:t>-FGW] Advanced topics in Philosophy of Language (</a:t>
+              </a:r>
+              <a:r>
+                <a:rPr lang="en-US" sz="2900" dirty="0" err="1"/>
+                <a:t>Betti</a:t>
+              </a:r>
+              <a:r>
+                <a:rPr lang="en-US" sz="2900" dirty="0"/>
+                <a:t>)</a:t>
+              </a:r>
+              <a:endParaRPr lang="en-US" sz="2900" dirty="0"/>
             </a:p>
           </p:txBody>
         </p:sp>
@@ -7568,38 +7190,81 @@
             <a:pPr lvl="0" algn="ctr">
               <a:defRPr sz="1800"/>
             </a:pPr>
-            <a:endParaRPr lang="en-US" sz="2900" dirty="0">
-              <a:solidFill>
-                <a:srgbClr val="FFFFFF"/>
-              </a:solidFill>
-            </a:endParaRPr>
+            <a:r>
+              <a:rPr lang="en-US" sz="2900" dirty="0" smtClean="0">
+                <a:solidFill>
+                  <a:srgbClr val="FFFFFF"/>
+                </a:solidFill>
+              </a:rPr>
+              <a:t> </a:t>
+            </a:r>
           </a:p>
           <a:p>
             <a:pPr lvl="0" algn="ctr">
               <a:defRPr sz="1800"/>
             </a:pPr>
             <a:r>
+              <a:rPr lang="en-US" sz="2900" dirty="0" smtClean="0">
+                <a:solidFill>
+                  <a:srgbClr val="FFFFFF"/>
+                </a:solidFill>
+              </a:rPr>
+              <a:t>Logic</a:t>
+            </a:r>
+            <a:r>
               <a:rPr lang="en-US" sz="2900" dirty="0">
                 <a:solidFill>
                   <a:srgbClr val="FFFFFF"/>
                 </a:solidFill>
               </a:rPr>
-              <a:t>Sept-Dec: </a:t>
-            </a:r>
-            <a:br>
+              <a:t>, Language </a:t>
+            </a:r>
+            <a:r>
+              <a:rPr lang="en-US" sz="2900" dirty="0" smtClean="0">
+                <a:solidFill>
+                  <a:srgbClr val="FFFFFF"/>
+                </a:solidFill>
+              </a:rPr>
+              <a:t>and Computation </a:t>
+            </a:r>
+            <a:r>
               <a:rPr lang="en-US" sz="2900" dirty="0">
                 <a:solidFill>
                   <a:srgbClr val="FFFFFF"/>
                 </a:solidFill>
               </a:rPr>
+              <a:t>(Aloni) </a:t>
+            </a:r>
+            <a:r>
+              <a:rPr lang="en-US" sz="2900" dirty="0" smtClean="0">
+                <a:solidFill>
+                  <a:srgbClr val="FFFFFF"/>
+                </a:solidFill>
+              </a:rPr>
+              <a:t/>
+            </a:r>
+            <a:br>
+              <a:rPr lang="en-US" sz="2900" dirty="0" smtClean="0">
+                <a:solidFill>
+                  <a:srgbClr val="FFFFFF"/>
+                </a:solidFill>
+              </a:rPr>
             </a:br>
+            <a:r>
+              <a:rPr lang="en-US" sz="2900" dirty="0" smtClean="0">
+                <a:solidFill>
+                  <a:srgbClr val="FFFFFF"/>
+                </a:solidFill>
+              </a:rPr>
+              <a:t>[</a:t>
+            </a:r>
             <a:r>
               <a:rPr lang="en-US" sz="2900" dirty="0">
                 <a:solidFill>
                   <a:srgbClr val="FFFFFF"/>
                 </a:solidFill>
               </a:rPr>
-              <a:t>Logic, Language and Computation (Aloni) [3EC]</a:t>
+              <a:t>3EC]</a:t>
             </a:r>
           </a:p>
         </p:txBody>
@@ -7897,7 +7562,18 @@
               </a:r>
               <a:r>
                 <a:rPr lang="en-US" sz="2900" dirty="0"/>
-                <a:t>-FNWI] Capita </a:t>
+                <a:t>-FNWI] </a:t>
+              </a:r>
+              <a:r>
+                <a:rPr lang="en-US" sz="2900" dirty="0" smtClean="0"/>
+                <a:t/>
+              </a:r>
+              <a:br>
+                <a:rPr lang="en-US" sz="2900" dirty="0" smtClean="0"/>
+              </a:br>
+              <a:r>
+                <a:rPr lang="en-US" sz="2900" dirty="0" smtClean="0"/>
+                <a:t>Capita </a:t>
               </a:r>
               <a:r>
                 <a:rPr lang="en-US" sz="2900" dirty="0" smtClean="0"/>
@@ -8025,11 +7701,6 @@
                 </a:rPr>
                 <a:t>)</a:t>
               </a:r>
-              <a:endParaRPr lang="en-US" sz="2900" dirty="0">
-                <a:latin typeface="Calibri" charset="0"/>
-                <a:ea typeface="Calibri" charset="0"/>
-                <a:cs typeface="Calibri" charset="0"/>
-              </a:endParaRPr>
             </a:p>
           </p:txBody>
         </p:sp>
@@ -8106,7 +7777,38 @@
                     <a:srgbClr val="FFFFFF"/>
                   </a:solidFill>
                 </a:rPr>
-                <a:t>-VU] Set Theory (Hart) [8EC]</a:t>
+                <a:t>-VU] Set Theory </a:t>
+              </a:r>
+              <a:r>
+                <a:rPr lang="en-US" sz="2900" dirty="0" smtClean="0">
+                  <a:solidFill>
+                    <a:srgbClr val="FFFFFF"/>
+                  </a:solidFill>
+                </a:rPr>
+                <a:t/>
+              </a:r>
+              <a:br>
+                <a:rPr lang="en-US" sz="2900" dirty="0" smtClean="0">
+                  <a:solidFill>
+                    <a:srgbClr val="FFFFFF"/>
+                  </a:solidFill>
+                </a:rPr>
+              </a:br>
+              <a:r>
+                <a:rPr lang="en-US" sz="2900" dirty="0" smtClean="0">
+                  <a:solidFill>
+                    <a:srgbClr val="FFFFFF"/>
+                  </a:solidFill>
+                </a:rPr>
+                <a:t>(</a:t>
+              </a:r>
+              <a:r>
+                <a:rPr lang="en-US" sz="2900" dirty="0">
+                  <a:solidFill>
+                    <a:srgbClr val="FFFFFF"/>
+                  </a:solidFill>
+                </a:rPr>
+                <a:t>Hart) [8EC]</a:t>
               </a:r>
             </a:p>
           </p:txBody>
@@ -8241,144 +7943,6 @@
               <a:r>
                 <a:rPr lang="en-US" sz="2900" dirty="0"/>
                 <a:t>] Mathematical Structures in Logic (Bezhanishvili)</a:t>
-              </a:r>
-            </a:p>
-          </p:txBody>
-        </p:sp>
-        <p:sp>
-          <p:nvSpPr>
-            <p:cNvPr id="184" name="Shape 184"/>
-            <p:cNvSpPr/>
-            <p:nvPr/>
-          </p:nvSpPr>
-          <p:spPr>
-            <a:xfrm>
-              <a:off x="13215507" y="23123920"/>
-              <a:ext cx="3013179" cy="2429822"/>
-            </a:xfrm>
-            <a:prstGeom prst="roundRect">
-              <a:avLst>
-                <a:gd name="adj" fmla="val 16667"/>
-              </a:avLst>
-            </a:prstGeom>
-            <a:gradFill flip="none" rotWithShape="1">
-              <a:gsLst>
-                <a:gs pos="0">
-                  <a:srgbClr val="FFD1BB"/>
-                </a:gs>
-                <a:gs pos="35000">
-                  <a:srgbClr val="FFDECF"/>
-                </a:gs>
-                <a:gs pos="100000">
-                  <a:srgbClr val="FFF2ED"/>
-                </a:gs>
-              </a:gsLst>
-              <a:lin ang="16200000" scaled="0"/>
-            </a:gradFill>
-            <a:ln w="9525" cap="flat">
-              <a:solidFill>
-                <a:srgbClr val="F69240"/>
-              </a:solidFill>
-              <a:prstDash val="solid"/>
-              <a:bevel/>
-            </a:ln>
-            <a:effectLst>
-              <a:outerShdw blurRad="38100" dist="20000" dir="5400000" rotWithShape="0">
-                <a:srgbClr val="000000">
-                  <a:alpha val="38000"/>
-                </a:srgbClr>
-              </a:outerShdw>
-            </a:effectLst>
-          </p:spPr>
-          <p:txBody>
-            <a:bodyPr wrap="square" lIns="0" tIns="0" rIns="0" bIns="0" numCol="1" anchor="ctr">
-              <a:noAutofit/>
-            </a:bodyPr>
-            <a:lstStyle/>
-            <a:p>
-              <a:pPr lvl="0" algn="ctr">
-                <a:defRPr sz="1800"/>
-              </a:pPr>
-              <a:r>
-                <a:rPr lang="en-US" sz="2900" dirty="0"/>
-                <a:t>[</a:t>
-              </a:r>
-              <a:r>
-                <a:rPr lang="en-US" sz="2900" dirty="0" err="1"/>
-                <a:t>MoL</a:t>
-              </a:r>
-              <a:r>
-                <a:rPr lang="en-US" sz="2900" dirty="0"/>
-                <a:t>-FNWI] Studies of Mathematical and Logical Practice (Loewe)</a:t>
-              </a:r>
-            </a:p>
-          </p:txBody>
-        </p:sp>
-        <p:sp>
-          <p:nvSpPr>
-            <p:cNvPr id="190" name="Shape 190"/>
-            <p:cNvSpPr/>
-            <p:nvPr/>
-          </p:nvSpPr>
-          <p:spPr>
-            <a:xfrm>
-              <a:off x="17094429" y="23155451"/>
-              <a:ext cx="3013179" cy="2429822"/>
-            </a:xfrm>
-            <a:prstGeom prst="roundRect">
-              <a:avLst>
-                <a:gd name="adj" fmla="val 16667"/>
-              </a:avLst>
-            </a:prstGeom>
-            <a:gradFill flip="none" rotWithShape="1">
-              <a:gsLst>
-                <a:gs pos="0">
-                  <a:srgbClr val="FFD1BB"/>
-                </a:gs>
-                <a:gs pos="35000">
-                  <a:srgbClr val="FFDECF"/>
-                </a:gs>
-                <a:gs pos="100000">
-                  <a:srgbClr val="FFF2ED"/>
-                </a:gs>
-              </a:gsLst>
-              <a:lin ang="16200000" scaled="0"/>
-            </a:gradFill>
-            <a:ln w="9525" cap="flat">
-              <a:solidFill>
-                <a:srgbClr val="F69240"/>
-              </a:solidFill>
-              <a:prstDash val="solid"/>
-              <a:bevel/>
-            </a:ln>
-            <a:effectLst>
-              <a:outerShdw blurRad="38100" dist="20000" dir="5400000" rotWithShape="0">
-                <a:srgbClr val="000000">
-                  <a:alpha val="38000"/>
-                </a:srgbClr>
-              </a:outerShdw>
-            </a:effectLst>
-          </p:spPr>
-          <p:txBody>
-            <a:bodyPr wrap="square" lIns="0" tIns="0" rIns="0" bIns="0" numCol="1" anchor="ctr">
-              <a:noAutofit/>
-            </a:bodyPr>
-            <a:lstStyle/>
-            <a:p>
-              <a:pPr lvl="0" algn="ctr">
-                <a:defRPr sz="1800"/>
-              </a:pPr>
-              <a:r>
-                <a:rPr lang="en-US" sz="2900" dirty="0"/>
-                <a:t>[</a:t>
-              </a:r>
-              <a:r>
-                <a:rPr lang="en-US" sz="2900" dirty="0" err="1"/>
-                <a:t>MoL</a:t>
-              </a:r>
-              <a:r>
-                <a:rPr lang="en-US" sz="2900" dirty="0"/>
-                <a:t>-FNWI] Homotopy Type Theory (vdBerg)</a:t>
               </a:r>
             </a:p>
           </p:txBody>
@@ -8451,8 +8015,14 @@
                 <a:pPr lvl="0" algn="ctr">
                   <a:defRPr sz="1800"/>
                 </a:pPr>
+                <a:endParaRPr lang="en-US" sz="2900" dirty="0" smtClean="0"/>
+              </a:p>
+              <a:p>
+                <a:pPr lvl="0" algn="ctr">
+                  <a:defRPr sz="1800"/>
+                </a:pPr>
                 <a:r>
-                  <a:rPr lang="en-US" sz="2900" dirty="0"/>
+                  <a:rPr lang="en-US" sz="2900" dirty="0" smtClean="0"/>
                   <a:t>[</a:t>
                 </a:r>
                 <a:r>
@@ -8461,7 +8031,22 @@
                 </a:r>
                 <a:r>
                   <a:rPr lang="en-US" sz="2900" dirty="0"/>
-                  <a:t>-FNWI] Proof Theory (vdBerg)</a:t>
+                  <a:t>-FNWI] </a:t>
+                </a:r>
+                <a:r>
+                  <a:rPr lang="en-US" sz="2900" dirty="0" smtClean="0"/>
+                  <a:t/>
+                </a:r>
+                <a:br>
+                  <a:rPr lang="en-US" sz="2900" dirty="0" smtClean="0"/>
+                </a:br>
+                <a:r>
+                  <a:rPr lang="en-US" sz="2900" dirty="0" smtClean="0"/>
+                  <a:t>Proof </a:t>
+                </a:r>
+                <a:r>
+                  <a:rPr lang="en-US" sz="2900" dirty="0"/>
+                  <a:t>Theory (vdBerg)</a:t>
                 </a:r>
               </a:p>
             </p:txBody>
@@ -8566,6 +8151,14 @@
                 <a:noAutofit/>
               </a:bodyPr>
               <a:lstStyle/>
+              <a:p>
+                <a:pPr algn="ctr"/>
+                <a:endParaRPr lang="en-US" sz="2900" dirty="0" smtClean="0">
+                  <a:latin typeface="Calibri" charset="0"/>
+                  <a:ea typeface="Calibri" charset="0"/>
+                  <a:cs typeface="Calibri" charset="0"/>
+                </a:endParaRPr>
+              </a:p>
               <a:p>
                 <a:pPr algn="ctr"/>
                 <a:r>
@@ -8863,90 +8456,6 @@
           </p:txBody>
         </p:sp>
       </p:grpSp>
-      <p:sp>
-        <p:nvSpPr>
-          <p:cNvPr id="123" name="Shape 248"/>
-          <p:cNvSpPr/>
-          <p:nvPr/>
-        </p:nvSpPr>
-        <p:spPr>
-          <a:xfrm>
-            <a:off x="41749032" y="9624336"/>
-            <a:ext cx="0" cy="9040412"/>
-          </a:xfrm>
-          <a:prstGeom prst="line">
-            <a:avLst/>
-          </a:prstGeom>
-          <a:ln w="76200">
-            <a:solidFill/>
-            <a:headEnd type="triangle"/>
-          </a:ln>
-          <a:effectLst>
-            <a:outerShdw blurRad="38100" dist="20000" dir="5400000" rotWithShape="0">
-              <a:srgbClr val="000000">
-                <a:alpha val="38000"/>
-              </a:srgbClr>
-            </a:outerShdw>
-          </a:effectLst>
-        </p:spPr>
-        <p:txBody>
-          <a:bodyPr lIns="0" tIns="0" rIns="0" bIns="0"/>
-          <a:lstStyle/>
-          <a:p>
-            <a:pPr algn="ctr" defTabSz="457097">
-              <a:defRPr sz="1200">
-                <a:latin typeface="+mn-lt"/>
-                <a:ea typeface="+mn-ea"/>
-                <a:cs typeface="+mn-cs"/>
-                <a:sym typeface="Helvetica"/>
-              </a:defRPr>
-            </a:pPr>
-            <a:endParaRPr/>
-          </a:p>
-        </p:txBody>
-      </p:sp>
-      <p:sp>
-        <p:nvSpPr>
-          <p:cNvPr id="125" name="Shape 248"/>
-          <p:cNvSpPr/>
-          <p:nvPr/>
-        </p:nvSpPr>
-        <p:spPr>
-          <a:xfrm>
-            <a:off x="41100172" y="15349875"/>
-            <a:ext cx="49950" cy="3418335"/>
-          </a:xfrm>
-          <a:prstGeom prst="line">
-            <a:avLst/>
-          </a:prstGeom>
-          <a:ln w="76200">
-            <a:solidFill/>
-            <a:headEnd type="triangle"/>
-          </a:ln>
-          <a:effectLst>
-            <a:outerShdw blurRad="38100" dist="20000" dir="5400000" rotWithShape="0">
-              <a:srgbClr val="000000">
-                <a:alpha val="38000"/>
-              </a:srgbClr>
-            </a:outerShdw>
-          </a:effectLst>
-        </p:spPr>
-        <p:txBody>
-          <a:bodyPr lIns="0" tIns="0" rIns="0" bIns="0"/>
-          <a:lstStyle/>
-          <a:p>
-            <a:pPr algn="ctr" defTabSz="457097">
-              <a:defRPr sz="1200">
-                <a:latin typeface="+mn-lt"/>
-                <a:ea typeface="+mn-ea"/>
-                <a:cs typeface="+mn-cs"/>
-                <a:sym typeface="Helvetica"/>
-              </a:defRPr>
-            </a:pPr>
-            <a:endParaRPr/>
-          </a:p>
-        </p:txBody>
-      </p:sp>
       <p:grpSp>
         <p:nvGrpSpPr>
           <p:cNvPr id="24" name="Group 23"/>
@@ -8969,8 +8478,8 @@
           </p:nvSpPr>
           <p:spPr>
             <a:xfrm>
-              <a:off x="34274772" y="17158452"/>
-              <a:ext cx="3128147" cy="1887863"/>
+              <a:off x="34274398" y="16756034"/>
+              <a:ext cx="3128147" cy="2138462"/>
             </a:xfrm>
             <a:prstGeom prst="roundRect">
               <a:avLst>
@@ -9038,7 +8547,38 @@
                     <a:srgbClr val="FFFFFF"/>
                   </a:solidFill>
                 </a:rPr>
-                <a:t>] Knowledge Representation (vHarmelen)</a:t>
+                <a:t>] </a:t>
+              </a:r>
+              <a:r>
+                <a:rPr lang="en-US" sz="2900" dirty="0" smtClean="0">
+                  <a:solidFill>
+                    <a:srgbClr val="FFFFFF"/>
+                  </a:solidFill>
+                </a:rPr>
+                <a:t/>
+              </a:r>
+              <a:br>
+                <a:rPr lang="en-US" sz="2900" dirty="0" smtClean="0">
+                  <a:solidFill>
+                    <a:srgbClr val="FFFFFF"/>
+                  </a:solidFill>
+                </a:rPr>
+              </a:br>
+              <a:r>
+                <a:rPr lang="en-US" sz="2900" dirty="0" smtClean="0">
+                  <a:solidFill>
+                    <a:srgbClr val="FFFFFF"/>
+                  </a:solidFill>
+                </a:rPr>
+                <a:t>Knowledge </a:t>
+              </a:r>
+              <a:r>
+                <a:rPr lang="en-US" sz="2900" dirty="0">
+                  <a:solidFill>
+                    <a:srgbClr val="FFFFFF"/>
+                  </a:solidFill>
+                </a:rPr>
+                <a:t>Representation (vHarmelen)</a:t>
               </a:r>
             </a:p>
           </p:txBody>
@@ -9106,8 +8646,19 @@
                 <a:t>MScAI</a:t>
               </a:r>
               <a:r>
+                <a:rPr lang="en-US" sz="2900" dirty="0" smtClean="0"/>
+                <a:t>]</a:t>
+              </a:r>
+              <a:br>
+                <a:rPr lang="en-US" sz="2900" dirty="0" smtClean="0"/>
+              </a:br>
+              <a:r>
+                <a:rPr lang="en-US" sz="2900" dirty="0" smtClean="0"/>
+                <a:t>Natural </a:t>
+              </a:r>
+              <a:r>
                 <a:rPr lang="en-US" sz="2900" dirty="0"/>
-                <a:t>] Natural Language Processing 1 (Titov)</a:t>
+                <a:t>Language Processing 1 (Titov)</a:t>
               </a:r>
             </a:p>
           </p:txBody>
@@ -9451,7 +9002,22 @@
               </a:r>
               <a:r>
                 <a:rPr lang="en-US" sz="2900" dirty="0"/>
-                <a:t>] Music Cognition (Honing)</a:t>
+                <a:t>] </a:t>
+              </a:r>
+              <a:r>
+                <a:rPr lang="en-US" sz="2900" dirty="0" smtClean="0"/>
+                <a:t/>
+              </a:r>
+              <a:br>
+                <a:rPr lang="en-US" sz="2900" dirty="0" smtClean="0"/>
+              </a:br>
+              <a:r>
+                <a:rPr lang="en-US" sz="2900" dirty="0" smtClean="0"/>
+                <a:t>Music </a:t>
+              </a:r>
+              <a:r>
+                <a:rPr lang="en-US" sz="2900" dirty="0"/>
+                <a:t>Cognition (Honing)</a:t>
               </a:r>
             </a:p>
           </p:txBody>
@@ -9681,8 +9247,21 @@
               </a:r>
               <a:r>
                 <a:rPr lang="en-US" sz="2900" dirty="0"/>
-                <a:t>] Unsupervised Language Learning (Titov)</a:t>
-              </a:r>
+                <a:t>] Unsupervised Language Learning </a:t>
+              </a:r>
+              <a:r>
+                <a:rPr lang="en-US" sz="2900" dirty="0" smtClean="0"/>
+                <a:t>(</a:t>
+              </a:r>
+              <a:r>
+                <a:rPr lang="en-US" sz="2900" dirty="0" err="1" smtClean="0"/>
+                <a:t>Zuidema</a:t>
+              </a:r>
+              <a:r>
+                <a:rPr lang="en-US" sz="2900" dirty="0" smtClean="0"/>
+                <a:t>)</a:t>
+              </a:r>
+              <a:endParaRPr lang="en-US" sz="2900" dirty="0"/>
             </a:p>
           </p:txBody>
         </p:sp>
@@ -10000,12 +9579,12 @@
               <a:defRPr sz="1800"/>
             </a:pPr>
             <a:r>
-              <a:rPr lang="en-US" sz="2000" dirty="0"/>
+              <a:rPr lang="en-US" sz="2000"/>
               <a:t>   </a:t>
             </a:r>
             <a:r>
-              <a:rPr lang="en-US" sz="2000" dirty="0" smtClean="0"/>
-              <a:t>v3: </a:t>
+              <a:rPr lang="en-US" sz="2000" smtClean="0"/>
+              <a:t>v0.5: </a:t>
             </a:r>
             <a:r>
               <a:rPr lang="en-US" sz="2000" dirty="0">
@@ -10371,7 +9950,7 @@
         </p:nvSpPr>
         <p:spPr>
           <a:xfrm>
-            <a:off x="36044321" y="18536354"/>
+            <a:off x="35612112" y="19102520"/>
             <a:ext cx="3381912" cy="3383662"/>
           </a:xfrm>
           <a:prstGeom prst="ellipse">
@@ -10444,7 +10023,7 @@
         </p:nvSpPr>
         <p:spPr>
           <a:xfrm>
-            <a:off x="10305462" y="20186826"/>
+            <a:off x="17902428" y="23222216"/>
             <a:ext cx="2778806" cy="2427776"/>
           </a:xfrm>
           <a:prstGeom prst="roundRect">
@@ -10555,7 +10134,7 @@
         </p:nvSpPr>
         <p:spPr>
           <a:xfrm>
-            <a:off x="30241470" y="25032521"/>
+            <a:off x="30568187" y="24739150"/>
             <a:ext cx="2778806" cy="1887864"/>
           </a:xfrm>
           <a:prstGeom prst="roundRect">
@@ -10745,7 +10324,7 @@
         </p:nvSpPr>
         <p:spPr>
           <a:xfrm>
-            <a:off x="16552200" y="283047"/>
+            <a:off x="18867688" y="10716901"/>
             <a:ext cx="3484398" cy="2429822"/>
           </a:xfrm>
           <a:prstGeom prst="roundRect">
@@ -10966,7 +10545,183 @@
               <a:rPr lang="en-US" sz="2900" dirty="0"/>
               <a:t>and epistemology (Russo) </a:t>
             </a:r>
+          </a:p>
+        </p:txBody>
+      </p:sp>
+      <p:sp>
+        <p:nvSpPr>
+          <p:cNvPr id="138" name="Shape 211"/>
+          <p:cNvSpPr/>
+          <p:nvPr/>
+        </p:nvSpPr>
+        <p:spPr>
+          <a:xfrm>
+            <a:off x="26242283" y="22442771"/>
+            <a:ext cx="3013179" cy="2107808"/>
+          </a:xfrm>
+          <a:prstGeom prst="roundRect">
+            <a:avLst>
+              <a:gd name="adj" fmla="val 16667"/>
+            </a:avLst>
+          </a:prstGeom>
+          <a:gradFill flip="none" rotWithShape="1">
+            <a:gsLst>
+              <a:gs pos="0">
+                <a:srgbClr val="FFD1BB"/>
+              </a:gs>
+              <a:gs pos="35000">
+                <a:srgbClr val="FFDECF"/>
+              </a:gs>
+              <a:gs pos="100000">
+                <a:srgbClr val="FFF2ED"/>
+              </a:gs>
+            </a:gsLst>
+            <a:lin ang="16200000" scaled="0"/>
+          </a:gradFill>
+          <a:ln w="9525" cap="flat">
+            <a:solidFill>
+              <a:srgbClr val="F69240"/>
+            </a:solidFill>
+            <a:prstDash val="solid"/>
+            <a:bevel/>
+          </a:ln>
+          <a:effectLst>
+            <a:outerShdw blurRad="38100" dist="20000" dir="5400000" rotWithShape="0">
+              <a:srgbClr val="000000">
+                <a:alpha val="38000"/>
+              </a:srgbClr>
+            </a:outerShdw>
+          </a:effectLst>
+        </p:spPr>
+        <p:txBody>
+          <a:bodyPr wrap="square" lIns="0" tIns="0" rIns="0" bIns="0" numCol="1" anchor="ctr">
+            <a:noAutofit/>
+          </a:bodyPr>
+          <a:lstStyle/>
+          <a:p>
+            <a:pPr lvl="0" algn="ctr">
+              <a:defRPr sz="1800"/>
+            </a:pPr>
+            <a:r>
+              <a:rPr lang="en-US" sz="2900" dirty="0"/>
+              <a:t>[</a:t>
+            </a:r>
+            <a:r>
+              <a:rPr lang="en-US" sz="2900" dirty="0" err="1"/>
+              <a:t>MScCS</a:t>
+            </a:r>
+            <a:r>
+              <a:rPr lang="en-US" sz="2900" dirty="0"/>
+              <a:t>-VU] Logical Verification (</a:t>
+            </a:r>
+            <a:r>
+              <a:rPr lang="en-US" sz="2900" dirty="0" err="1"/>
+              <a:t>vRaamsdonk</a:t>
+            </a:r>
+            <a:r>
+              <a:rPr lang="en-US" sz="2900" dirty="0"/>
+              <a:t>)</a:t>
+            </a:r>
             <a:endParaRPr lang="en-US" sz="2900" dirty="0"/>
+          </a:p>
+        </p:txBody>
+      </p:sp>
+      <p:sp>
+        <p:nvSpPr>
+          <p:cNvPr id="156" name="Shape 136"/>
+          <p:cNvSpPr/>
+          <p:nvPr/>
+        </p:nvSpPr>
+        <p:spPr>
+          <a:xfrm>
+            <a:off x="13879257" y="23369687"/>
+            <a:ext cx="3013179" cy="2398291"/>
+          </a:xfrm>
+          <a:prstGeom prst="roundRect">
+            <a:avLst>
+              <a:gd name="adj" fmla="val 16667"/>
+            </a:avLst>
+          </a:prstGeom>
+          <a:gradFill flip="none" rotWithShape="1">
+            <a:gsLst>
+              <a:gs pos="0">
+                <a:schemeClr val="accent3"/>
+              </a:gs>
+              <a:gs pos="100000">
+                <a:schemeClr val="accent1">
+                  <a:lumMod val="75000"/>
+                </a:schemeClr>
+              </a:gs>
+            </a:gsLst>
+            <a:lin ang="16200000" scaled="0"/>
+          </a:gradFill>
+          <a:ln w="9525" cap="flat">
+            <a:solidFill>
+              <a:schemeClr val="tx1"/>
+            </a:solidFill>
+            <a:prstDash val="solid"/>
+            <a:bevel/>
+          </a:ln>
+          <a:effectLst>
+            <a:outerShdw blurRad="38100" dist="23000" dir="5400000" rotWithShape="0">
+              <a:srgbClr val="000000">
+                <a:alpha val="35000"/>
+              </a:srgbClr>
+            </a:outerShdw>
+          </a:effectLst>
+        </p:spPr>
+        <p:txBody>
+          <a:bodyPr wrap="square" lIns="0" tIns="0" rIns="0" bIns="0" numCol="1" anchor="ctr">
+            <a:noAutofit/>
+          </a:bodyPr>
+          <a:lstStyle/>
+          <a:p>
+            <a:pPr algn="ctr"/>
+            <a:r>
+              <a:rPr lang="en-US" sz="2900" dirty="0">
+                <a:solidFill>
+                  <a:srgbClr val="FFFFFF"/>
+                </a:solidFill>
+              </a:rPr>
+              <a:t>[</a:t>
+            </a:r>
+            <a:r>
+              <a:rPr lang="en-US" sz="2900" dirty="0" err="1">
+                <a:solidFill>
+                  <a:srgbClr val="FFFFFF"/>
+                </a:solidFill>
+              </a:rPr>
+              <a:t>MastMath</a:t>
+            </a:r>
+            <a:r>
+              <a:rPr lang="en-US" sz="2900" dirty="0">
+                <a:solidFill>
+                  <a:srgbClr val="FFFFFF"/>
+                </a:solidFill>
+              </a:rPr>
+              <a:t>] Intuitionistic Mathematics (</a:t>
+            </a:r>
+            <a:r>
+              <a:rPr lang="en-US" sz="2900" dirty="0" err="1">
+                <a:solidFill>
+                  <a:srgbClr val="FFFFFF"/>
+                </a:solidFill>
+              </a:rPr>
+              <a:t>Veldman</a:t>
+            </a:r>
+            <a:r>
+              <a:rPr lang="en-US" sz="2900" dirty="0">
+                <a:solidFill>
+                  <a:srgbClr val="FFFFFF"/>
+                </a:solidFill>
+              </a:rPr>
+              <a:t>) [8EC]</a:t>
+            </a:r>
+            <a:endParaRPr lang="en-US" sz="2900" dirty="0">
+              <a:solidFill>
+                <a:srgbClr val="FFFFFF"/>
+              </a:solidFill>
+            </a:endParaRPr>
           </a:p>
         </p:txBody>
       </p:sp>

--- a/MoLOverviewPoster2016.pptx
+++ b/MoLOverviewPoster2016.pptx
@@ -2850,7 +2850,7 @@
           <p:spPr>
             <a:xfrm>
               <a:off x="6123360" y="-35115"/>
-              <a:ext cx="21220423" cy="13854968"/>
+              <a:ext cx="20865993" cy="13854968"/>
             </a:xfrm>
             <a:prstGeom prst="roundRect">
               <a:avLst>
@@ -2965,13 +2965,13 @@
           </p:nvSpPr>
           <p:spPr>
             <a:xfrm rot="10800000">
-              <a:off x="17223226" y="2555249"/>
-              <a:ext cx="21329322" cy="13435575"/>
+              <a:off x="17223225" y="2555248"/>
+              <a:ext cx="21329322" cy="13750589"/>
             </a:xfrm>
             <a:prstGeom prst="corner">
               <a:avLst>
                 <a:gd name="adj1" fmla="val 52163"/>
-                <a:gd name="adj2" fmla="val 76015"/>
+                <a:gd name="adj2" fmla="val 81296"/>
               </a:avLst>
             </a:prstGeom>
             <a:solidFill>
@@ -3192,13 +3192,13 @@
           </p:nvSpPr>
           <p:spPr>
             <a:xfrm rot="16200000">
-              <a:off x="29300993" y="6256422"/>
-              <a:ext cx="14943205" cy="12459722"/>
+              <a:off x="29277655" y="6279762"/>
+              <a:ext cx="14989885" cy="12459721"/>
             </a:xfrm>
             <a:prstGeom prst="corner">
               <a:avLst>
                 <a:gd name="adj1" fmla="val 65315"/>
-                <a:gd name="adj2" fmla="val 27568"/>
+                <a:gd name="adj2" fmla="val 54333"/>
               </a:avLst>
             </a:prstGeom>
             <a:solidFill>
@@ -3767,9 +3767,9 @@
         <p:grpSpPr>
           <a:xfrm>
             <a:off x="22673961" y="19036439"/>
-            <a:ext cx="19976646" cy="10583450"/>
+            <a:ext cx="19976646" cy="10252164"/>
             <a:chOff x="23107094" y="18940187"/>
-            <a:chExt cx="19976645" cy="10583451"/>
+            <a:chExt cx="19976645" cy="10252165"/>
           </a:xfrm>
         </p:grpSpPr>
         <p:sp>
@@ -4218,7 +4218,7 @@
           </p:nvSpPr>
           <p:spPr>
             <a:xfrm>
-              <a:off x="39066509" y="26729543"/>
+              <a:off x="38720840" y="25724304"/>
               <a:ext cx="3013177" cy="2794095"/>
             </a:xfrm>
             <a:prstGeom prst="roundRect">
@@ -4274,11 +4274,7 @@
               </a:r>
               <a:r>
                 <a:rPr lang="en-US" sz="2900" dirty="0" smtClean="0"/>
-                <a:t>] </a:t>
-              </a:r>
-              <a:r>
-                <a:rPr lang="en-US" sz="2900" dirty="0" smtClean="0"/>
-                <a:t>Quantum computing </a:t>
+                <a:t>] Quantum computing </a:t>
               </a:r>
               <a:r>
                 <a:rPr lang="en-US" sz="2900" dirty="0"/>
@@ -4382,7 +4378,7 @@
           </p:nvSpPr>
           <p:spPr>
             <a:xfrm>
-              <a:off x="35292465" y="25323297"/>
+              <a:off x="34805233" y="25303392"/>
               <a:ext cx="3013179" cy="1792874"/>
             </a:xfrm>
             <a:prstGeom prst="roundRect">
@@ -4451,7 +4447,7 @@
           </p:nvSpPr>
           <p:spPr>
             <a:xfrm>
-              <a:off x="34516994" y="27673861"/>
+              <a:off x="34868677" y="27493006"/>
               <a:ext cx="3013179" cy="1630659"/>
             </a:xfrm>
             <a:prstGeom prst="roundRect">
@@ -4665,10 +4661,10 @@
           </p:nvGrpSpPr>
           <p:grpSpPr>
             <a:xfrm>
-              <a:off x="34907951" y="22364702"/>
-              <a:ext cx="3243920" cy="2306232"/>
-              <a:chOff x="34993217" y="22334698"/>
-              <a:chExt cx="3243919" cy="2306232"/>
+              <a:off x="34637936" y="22635739"/>
+              <a:ext cx="3243920" cy="2359567"/>
+              <a:chOff x="34723202" y="22605735"/>
+              <a:chExt cx="3243919" cy="2359567"/>
             </a:xfrm>
           </p:grpSpPr>
           <p:sp>
@@ -4679,8 +4675,8 @@
             </p:nvSpPr>
             <p:spPr>
               <a:xfrm>
-                <a:off x="34993217" y="22631535"/>
-                <a:ext cx="3243919" cy="2009395"/>
+                <a:off x="34723202" y="22902572"/>
+                <a:ext cx="3243919" cy="2062730"/>
               </a:xfrm>
               <a:prstGeom prst="roundRect">
                 <a:avLst>
@@ -4754,7 +4750,7 @@
             </p:nvSpPr>
             <p:spPr>
               <a:xfrm>
-                <a:off x="35918118" y="22334698"/>
+                <a:off x="35648103" y="22605735"/>
                 <a:ext cx="1497972" cy="1204325"/>
               </a:xfrm>
               <a:prstGeom prst="rect">
@@ -4799,9 +4795,9 @@
           </p:nvGrpSpPr>
           <p:grpSpPr>
             <a:xfrm>
-              <a:off x="38778738" y="22507527"/>
+              <a:off x="38517722" y="22479171"/>
               <a:ext cx="3470816" cy="2487779"/>
-              <a:chOff x="46664066" y="28862733"/>
+              <a:chOff x="46403050" y="28834377"/>
               <a:chExt cx="3470816" cy="2487779"/>
             </a:xfrm>
           </p:grpSpPr>
@@ -4813,7 +4809,7 @@
             </p:nvSpPr>
             <p:spPr>
               <a:xfrm>
-                <a:off x="46664066" y="29187385"/>
+                <a:off x="46403050" y="29159029"/>
                 <a:ext cx="3470816" cy="2163127"/>
               </a:xfrm>
               <a:prstGeom prst="roundRect">
@@ -4912,7 +4908,7 @@
             </p:nvSpPr>
             <p:spPr>
               <a:xfrm>
-                <a:off x="47626918" y="28862733"/>
+                <a:off x="47365902" y="28834377"/>
                 <a:ext cx="1497972" cy="1204325"/>
               </a:xfrm>
               <a:prstGeom prst="rect">
@@ -4967,9 +4963,9 @@
         <p:grpSpPr>
           <a:xfrm>
             <a:off x="11597914" y="10471920"/>
-            <a:ext cx="13900897" cy="6267091"/>
+            <a:ext cx="13546889" cy="6429370"/>
             <a:chOff x="12031048" y="10375666"/>
-            <a:chExt cx="13900896" cy="6267090"/>
+            <a:chExt cx="13546888" cy="6429369"/>
           </a:xfrm>
         </p:grpSpPr>
         <p:sp>
@@ -4980,7 +4976,7 @@
           </p:nvSpPr>
           <p:spPr>
             <a:xfrm>
-              <a:off x="18561834" y="14212934"/>
+              <a:off x="17241824" y="14375213"/>
               <a:ext cx="3013179" cy="2429822"/>
             </a:xfrm>
             <a:prstGeom prst="roundRect">
@@ -5079,10 +5075,10 @@
           </p:nvGrpSpPr>
           <p:grpSpPr>
             <a:xfrm>
-              <a:off x="22918765" y="11601135"/>
-              <a:ext cx="3013179" cy="2712883"/>
-              <a:chOff x="25241365" y="11391108"/>
-              <a:chExt cx="3013179" cy="2712883"/>
+              <a:off x="22564757" y="14102369"/>
+              <a:ext cx="3013179" cy="2685916"/>
+              <a:chOff x="24887357" y="13892342"/>
+              <a:chExt cx="3013179" cy="2685916"/>
             </a:xfrm>
           </p:grpSpPr>
           <p:sp>
@@ -5093,7 +5089,7 @@
             </p:nvSpPr>
             <p:spPr>
               <a:xfrm>
-                <a:off x="25241365" y="11674169"/>
+                <a:off x="24887357" y="14148436"/>
                 <a:ext cx="3013179" cy="2429822"/>
               </a:xfrm>
               <a:prstGeom prst="roundRect">
@@ -5130,8 +5126,18 @@
                 <a:pPr lvl="0" algn="ctr">
                   <a:defRPr sz="1800"/>
                 </a:pPr>
+                <a:endParaRPr lang="en-US" sz="2900" dirty="0" smtClean="0">
+                  <a:latin typeface="Calibri" charset="0"/>
+                  <a:ea typeface="Calibri" charset="0"/>
+                  <a:cs typeface="Calibri" charset="0"/>
+                </a:endParaRPr>
+              </a:p>
+              <a:p>
+                <a:pPr lvl="0" algn="ctr">
+                  <a:defRPr sz="1800"/>
+                </a:pPr>
                 <a:r>
-                  <a:rPr lang="en-US" sz="2900" dirty="0">
+                  <a:rPr lang="en-US" sz="2900" dirty="0" smtClean="0">
                     <a:latin typeface="Calibri" charset="0"/>
                     <a:ea typeface="Calibri" charset="0"/>
                     <a:cs typeface="Calibri" charset="0"/>
@@ -5181,7 +5187,7 @@
             </p:nvSpPr>
             <p:spPr>
               <a:xfrm>
-                <a:off x="25529434" y="11391108"/>
+                <a:off x="25130626" y="13892342"/>
                 <a:ext cx="2449136" cy="1204325"/>
               </a:xfrm>
               <a:prstGeom prst="rect">
@@ -5560,8 +5566,14 @@
                 <a:pPr lvl="0" algn="ctr">
                   <a:defRPr sz="1800"/>
                 </a:pPr>
+                <a:endParaRPr lang="en-US" sz="2900" dirty="0" smtClean="0"/>
+              </a:p>
+              <a:p>
+                <a:pPr lvl="0" algn="ctr">
+                  <a:defRPr sz="1800"/>
+                </a:pPr>
                 <a:r>
-                  <a:rPr lang="en-US" sz="2900" dirty="0"/>
+                  <a:rPr lang="en-US" sz="2900" dirty="0" smtClean="0"/>
                   <a:t>[</a:t>
                 </a:r>
                 <a:r>
@@ -5674,9 +5686,9 @@
         <p:grpSpPr>
           <a:xfrm>
             <a:off x="2008955" y="8576769"/>
-            <a:ext cx="7369200" cy="8173775"/>
+            <a:ext cx="7369200" cy="8309884"/>
             <a:chOff x="2442088" y="8480516"/>
-            <a:chExt cx="7369201" cy="8173775"/>
+            <a:chExt cx="7369201" cy="8309884"/>
           </a:xfrm>
         </p:grpSpPr>
         <p:sp>
@@ -5687,7 +5699,7 @@
           </p:nvSpPr>
           <p:spPr>
             <a:xfrm>
-              <a:off x="4663438" y="14224469"/>
+              <a:off x="6387433" y="14360578"/>
               <a:ext cx="3013179" cy="2429822"/>
             </a:xfrm>
             <a:prstGeom prst="roundRect">
@@ -6200,10 +6212,10 @@
         </p:nvGrpSpPr>
         <p:grpSpPr>
           <a:xfrm>
-            <a:off x="6313868" y="424711"/>
-            <a:ext cx="20086501" cy="11495826"/>
-            <a:chOff x="6747000" y="328456"/>
-            <a:chExt cx="20086501" cy="11495827"/>
+            <a:off x="6258075" y="424711"/>
+            <a:ext cx="19227520" cy="12672225"/>
+            <a:chOff x="6691207" y="328456"/>
+            <a:chExt cx="19227520" cy="12672226"/>
           </a:xfrm>
         </p:grpSpPr>
         <p:sp>
@@ -6290,88 +6302,6 @@
         </p:sp>
         <p:sp>
           <p:nvSpPr>
-            <p:cNvPr id="76" name="Shape 76"/>
-            <p:cNvSpPr/>
-            <p:nvPr/>
-          </p:nvSpPr>
-          <p:spPr>
-            <a:xfrm>
-              <a:off x="23939418" y="3085520"/>
-              <a:ext cx="2894083" cy="1887863"/>
-            </a:xfrm>
-            <a:prstGeom prst="roundRect">
-              <a:avLst>
-                <a:gd name="adj" fmla="val 16667"/>
-              </a:avLst>
-            </a:prstGeom>
-            <a:gradFill flip="none" rotWithShape="1">
-              <a:gsLst>
-                <a:gs pos="0">
-                  <a:srgbClr val="3F80CE"/>
-                </a:gs>
-                <a:gs pos="100000">
-                  <a:srgbClr val="A2C3FF"/>
-                </a:gs>
-              </a:gsLst>
-              <a:lin ang="16200000" scaled="0"/>
-            </a:gradFill>
-            <a:ln w="9525" cap="flat">
-              <a:solidFill>
-                <a:srgbClr val="4A7EBB"/>
-              </a:solidFill>
-              <a:prstDash val="solid"/>
-              <a:bevel/>
-            </a:ln>
-            <a:effectLst>
-              <a:outerShdw blurRad="38100" dist="23000" dir="5400000" rotWithShape="0">
-                <a:srgbClr val="000000">
-                  <a:alpha val="35000"/>
-                </a:srgbClr>
-              </a:outerShdw>
-            </a:effectLst>
-          </p:spPr>
-          <p:txBody>
-            <a:bodyPr wrap="square" lIns="0" tIns="0" rIns="0" bIns="0" numCol="1" anchor="ctr">
-              <a:noAutofit/>
-            </a:bodyPr>
-            <a:lstStyle/>
-            <a:p>
-              <a:pPr lvl="0" algn="ctr">
-                <a:defRPr sz="1800">
-                  <a:solidFill>
-                    <a:srgbClr val="000000"/>
-                  </a:solidFill>
-                </a:defRPr>
-              </a:pPr>
-              <a:r>
-                <a:rPr lang="en-US" sz="2900" dirty="0">
-                  <a:solidFill>
-                    <a:srgbClr val="FFFFFF"/>
-                  </a:solidFill>
-                </a:rPr>
-                <a:t>[</a:t>
-              </a:r>
-              <a:r>
-                <a:rPr lang="en-US" sz="2900" dirty="0" err="1">
-                  <a:solidFill>
-                    <a:srgbClr val="FFFFFF"/>
-                  </a:solidFill>
-                </a:rPr>
-                <a:t>MoL</a:t>
-              </a:r>
-              <a:r>
-                <a:rPr lang="en-US" sz="2900" dirty="0">
-                  <a:solidFill>
-                    <a:srgbClr val="FFFFFF"/>
-                  </a:solidFill>
-                </a:rPr>
-                <a:t>-FGW] Neurophilosophy of the Self (Kiverstein)</a:t>
-              </a:r>
-            </a:p>
-          </p:txBody>
-        </p:sp>
-        <p:sp>
-          <p:nvSpPr>
             <p:cNvPr id="79" name="Shape 79"/>
             <p:cNvSpPr/>
             <p:nvPr/>
@@ -6458,7 +6388,7 @@
           </p:nvSpPr>
           <p:spPr>
             <a:xfrm>
-              <a:off x="20721153" y="3012172"/>
+              <a:off x="21129977" y="3306475"/>
               <a:ext cx="3013177" cy="2429822"/>
             </a:xfrm>
             <a:prstGeom prst="roundRect">
@@ -6773,8 +6703,8 @@
           </p:nvSpPr>
           <p:spPr>
             <a:xfrm>
-              <a:off x="22579209" y="7267328"/>
-              <a:ext cx="2756622" cy="1872025"/>
+              <a:off x="23162105" y="10653976"/>
+              <a:ext cx="2756622" cy="2346706"/>
             </a:xfrm>
             <a:prstGeom prst="roundRect">
               <a:avLst>
@@ -6829,98 +6759,22 @@
               </a:r>
               <a:r>
                 <a:rPr lang="en-US" sz="2900" dirty="0"/>
-                <a:t>] Time (vLambalgen)</a:t>
-              </a:r>
+                <a:t>] </a:t>
+              </a:r>
+              <a:endParaRPr lang="en-US" sz="2900" dirty="0" smtClean="0"/>
             </a:p>
-          </p:txBody>
-        </p:sp>
-        <p:sp>
-          <p:nvSpPr>
-            <p:cNvPr id="172" name="Shape 172"/>
-            <p:cNvSpPr/>
-            <p:nvPr/>
-          </p:nvSpPr>
-          <p:spPr>
-            <a:xfrm>
-              <a:off x="6747000" y="3660938"/>
-              <a:ext cx="3013179" cy="2429822"/>
-            </a:xfrm>
-            <a:prstGeom prst="roundRect">
-              <a:avLst>
-                <a:gd name="adj" fmla="val 16667"/>
-              </a:avLst>
-            </a:prstGeom>
-            <a:gradFill flip="none" rotWithShape="1">
-              <a:gsLst>
-                <a:gs pos="0">
-                  <a:srgbClr val="C8B2E9"/>
-                </a:gs>
-                <a:gs pos="35000">
-                  <a:srgbClr val="D8C9EE"/>
-                </a:gs>
-                <a:gs pos="100000">
-                  <a:srgbClr val="F0EAF9"/>
-                </a:gs>
-              </a:gsLst>
-              <a:lin ang="16200000" scaled="0"/>
-            </a:gradFill>
-            <a:ln w="9525" cap="flat">
-              <a:solidFill>
-                <a:srgbClr val="7D60A0"/>
-              </a:solidFill>
-              <a:prstDash val="solid"/>
-              <a:bevel/>
-            </a:ln>
-            <a:effectLst>
-              <a:outerShdw blurRad="38100" dist="20000" dir="5400000" rotWithShape="0">
-                <a:srgbClr val="000000">
-                  <a:alpha val="38000"/>
-                </a:srgbClr>
-              </a:outerShdw>
-            </a:effectLst>
-          </p:spPr>
-          <p:txBody>
-            <a:bodyPr wrap="square" lIns="0" tIns="0" rIns="0" bIns="0" numCol="1" anchor="ctr">
-              <a:noAutofit/>
-            </a:bodyPr>
-            <a:lstStyle/>
             <a:p>
               <a:pPr lvl="0" algn="ctr">
                 <a:defRPr sz="1800"/>
               </a:pPr>
               <a:r>
+                <a:rPr lang="en-US" sz="2900" dirty="0" smtClean="0"/>
+                <a:t>Time </a:t>
+              </a:r>
+              <a:r>
                 <a:rPr lang="en-US" sz="2900" dirty="0"/>
-                <a:t>[</a:t>
-              </a:r>
-              <a:r>
-                <a:rPr lang="en-US" sz="2900" dirty="0" err="1"/>
-                <a:t>MoL</a:t>
-              </a:r>
-              <a:r>
-                <a:rPr lang="en-US" sz="2900" dirty="0"/>
-                <a:t>-FNWI] Intuitionistic Logic (</a:t>
-              </a:r>
-              <a:r>
-                <a:rPr lang="en-US" sz="2900" dirty="0" smtClean="0"/>
-                <a:t>de </a:t>
-              </a:r>
-              <a:r>
-                <a:rPr lang="en-US" sz="2900" dirty="0" err="1" smtClean="0"/>
-                <a:t>Jongh</a:t>
-              </a:r>
-              <a:r>
-                <a:rPr lang="en-US" sz="2900" dirty="0" smtClean="0"/>
-                <a:t> </a:t>
-              </a:r>
-              <a:r>
-                <a:rPr lang="en-US" sz="2900" dirty="0"/>
-                <a:t>and Ciardelli</a:t>
-              </a:r>
-              <a:r>
-                <a:rPr lang="en-US" sz="2900" dirty="0" smtClean="0"/>
-                <a:t>)</a:t>
-              </a:r>
-              <a:endParaRPr lang="en-US" sz="2900" dirty="0"/>
+                <a:t>(vLambalgen)</a:t>
+              </a:r>
             </a:p>
           </p:txBody>
         </p:sp>
@@ -6932,7 +6786,7 @@
           </p:nvSpPr>
           <p:spPr>
             <a:xfrm>
-              <a:off x="18667447" y="6889436"/>
+              <a:off x="18660266" y="7078911"/>
               <a:ext cx="3013179" cy="2429822"/>
             </a:xfrm>
             <a:prstGeom prst="roundRect">
@@ -7070,7 +6924,7 @@
           </p:nvSpPr>
           <p:spPr>
             <a:xfrm>
-              <a:off x="23189591" y="9394461"/>
+              <a:off x="6691207" y="710399"/>
               <a:ext cx="3013179" cy="2429822"/>
             </a:xfrm>
             <a:prstGeom prst="roundRect">
@@ -7136,7 +6990,6 @@
                 <a:rPr lang="en-US" sz="2900" dirty="0"/>
                 <a:t>)</a:t>
               </a:r>
-              <a:endParaRPr lang="en-US" sz="2900" dirty="0"/>
             </a:p>
           </p:txBody>
         </p:sp>
@@ -7451,12 +7304,20 @@
                 </a:defRPr>
               </a:pPr>
               <a:r>
+                <a:rPr lang="en-US" sz="2900" dirty="0" smtClean="0">
+                  <a:solidFill>
+                    <a:srgbClr val="FFFFFF"/>
+                  </a:solidFill>
+                </a:rPr>
+                <a:t> </a:t>
+              </a:r>
+              <a:r>
                 <a:rPr lang="en-US" sz="2900" dirty="0">
                   <a:solidFill>
                     <a:srgbClr val="FFFFFF"/>
                   </a:solidFill>
                 </a:rPr>
-                <a:t>Sep-Dec: [BScWisk] Introduction to Modal Logic (</a:t>
+                <a:t>[BScWisk] Introduction to Modal Logic (</a:t>
               </a:r>
               <a:r>
                 <a:rPr lang="en-US" sz="2900" dirty="0" err="1" smtClean="0">
@@ -7573,11 +7434,7 @@
               </a:br>
               <a:r>
                 <a:rPr lang="en-US" sz="2900" dirty="0" smtClean="0"/>
-                <a:t>Capita </a:t>
-              </a:r>
-              <a:r>
-                <a:rPr lang="en-US" sz="2900" dirty="0" smtClean="0"/>
-                <a:t>Selecta: </a:t>
+                <a:t>Capita Selecta: </a:t>
               </a:r>
               <a:r>
                 <a:rPr lang="en-US" sz="2900" dirty="0"/>
@@ -7821,7 +7678,7 @@
           </p:nvSpPr>
           <p:spPr>
             <a:xfrm>
-              <a:off x="5299283" y="26610326"/>
+              <a:off x="16915424" y="23322255"/>
               <a:ext cx="3013179" cy="2429822"/>
             </a:xfrm>
             <a:prstGeom prst="roundRect">
@@ -7937,12 +7794,16 @@
                 <a:t>[</a:t>
               </a:r>
               <a:r>
-                <a:rPr lang="en-US" sz="2900" dirty="0" err="1"/>
-                <a:t>MastMath</a:t>
+                <a:rPr lang="en-US" sz="2900" dirty="0" err="1" smtClean="0"/>
+                <a:t>MastMath-UvA</a:t>
+              </a:r>
+              <a:r>
+                <a:rPr lang="en-US" sz="2900" dirty="0" smtClean="0"/>
+                <a:t>] </a:t>
               </a:r>
               <a:r>
                 <a:rPr lang="en-US" sz="2900" dirty="0"/>
-                <a:t>] Mathematical Structures in Logic (Bezhanishvili)</a:t>
+                <a:t>Mathematical Structures in Logic (Bezhanishvili)</a:t>
               </a:r>
             </a:p>
           </p:txBody>
@@ -8464,10 +8325,10 @@
         </p:nvGrpSpPr>
         <p:grpSpPr>
           <a:xfrm>
-            <a:off x="29121822" y="6242935"/>
-            <a:ext cx="12875213" cy="13468375"/>
-            <a:chOff x="29554955" y="6109844"/>
-            <a:chExt cx="12875212" cy="13468374"/>
+            <a:off x="30202390" y="6242935"/>
+            <a:ext cx="11794642" cy="13332822"/>
+            <a:chOff x="30635525" y="6109844"/>
+            <a:chExt cx="11794642" cy="13332821"/>
           </a:xfrm>
         </p:grpSpPr>
         <p:sp>
@@ -8665,75 +8526,6 @@
         </p:sp>
         <p:sp>
           <p:nvSpPr>
-            <p:cNvPr id="112" name="Shape 112"/>
-            <p:cNvSpPr/>
-            <p:nvPr/>
-          </p:nvSpPr>
-          <p:spPr>
-            <a:xfrm>
-              <a:off x="29554955" y="13544626"/>
-              <a:ext cx="3605207" cy="1862146"/>
-            </a:xfrm>
-            <a:prstGeom prst="roundRect">
-              <a:avLst>
-                <a:gd name="adj" fmla="val 16667"/>
-              </a:avLst>
-            </a:prstGeom>
-            <a:gradFill flip="none" rotWithShape="1">
-              <a:gsLst>
-                <a:gs pos="0">
-                  <a:srgbClr val="DAFEA4"/>
-                </a:gs>
-                <a:gs pos="35000">
-                  <a:srgbClr val="E4FDBF"/>
-                </a:gs>
-                <a:gs pos="100000">
-                  <a:srgbClr val="F5FFE6"/>
-                </a:gs>
-              </a:gsLst>
-              <a:lin ang="16200000" scaled="0"/>
-            </a:gradFill>
-            <a:ln w="9525" cap="flat">
-              <a:solidFill>
-                <a:srgbClr val="98B955"/>
-              </a:solidFill>
-              <a:prstDash val="solid"/>
-              <a:bevel/>
-            </a:ln>
-            <a:effectLst>
-              <a:outerShdw blurRad="38100" dist="20000" dir="5400000" rotWithShape="0">
-                <a:srgbClr val="000000">
-                  <a:alpha val="38000"/>
-                </a:srgbClr>
-              </a:outerShdw>
-            </a:effectLst>
-          </p:spPr>
-          <p:txBody>
-            <a:bodyPr wrap="square" lIns="0" tIns="0" rIns="0" bIns="0" numCol="1" anchor="ctr">
-              <a:noAutofit/>
-            </a:bodyPr>
-            <a:lstStyle/>
-            <a:p>
-              <a:pPr lvl="0" algn="ctr">
-                <a:defRPr sz="1800"/>
-              </a:pPr>
-              <a:r>
-                <a:rPr lang="en-US" sz="2900" dirty="0"/>
-                <a:t>[RM-Ling]  Functional Discourse Grammar (</a:t>
-              </a:r>
-              <a:r>
-                <a:rPr lang="en-US" sz="2900" dirty="0" err="1"/>
-                <a:t>Hengeveld</a:t>
-              </a:r>
-              <a:r>
-                <a:rPr lang="en-US" sz="2900" dirty="0"/>
-                <a:t>)</a:t>
-              </a:r>
-            </a:p>
-          </p:txBody>
-        </p:sp>
-        <p:sp>
-          <p:nvSpPr>
             <p:cNvPr id="127" name="Shape 127"/>
             <p:cNvSpPr/>
             <p:nvPr/>
@@ -8809,7 +8601,7 @@
           </p:nvSpPr>
           <p:spPr>
             <a:xfrm>
-              <a:off x="29586487" y="10583810"/>
+              <a:off x="30635525" y="10387655"/>
               <a:ext cx="3013179" cy="2429822"/>
             </a:xfrm>
             <a:prstGeom prst="roundRect">
@@ -8877,7 +8669,7 @@
           </p:nvSpPr>
           <p:spPr>
             <a:xfrm>
-              <a:off x="34979808" y="12588673"/>
+              <a:off x="30690325" y="13520160"/>
               <a:ext cx="3013179" cy="2429822"/>
             </a:xfrm>
             <a:prstGeom prst="roundRect">
@@ -9030,7 +8822,7 @@
           </p:nvSpPr>
           <p:spPr>
             <a:xfrm>
-              <a:off x="38266559" y="16146959"/>
+              <a:off x="38863678" y="16125713"/>
               <a:ext cx="3013179" cy="2429822"/>
             </a:xfrm>
             <a:prstGeom prst="roundRect">
@@ -9099,7 +8891,7 @@
           </p:nvSpPr>
           <p:spPr>
             <a:xfrm>
-              <a:off x="30680193" y="16990047"/>
+              <a:off x="30759171" y="16854494"/>
               <a:ext cx="2778806" cy="2588171"/>
             </a:xfrm>
             <a:prstGeom prst="roundRect">
@@ -9579,12 +9371,12 @@
               <a:defRPr sz="1800"/>
             </a:pPr>
             <a:r>
-              <a:rPr lang="en-US" sz="2000"/>
+              <a:rPr lang="en-US" sz="2000" dirty="0"/>
               <a:t>   </a:t>
             </a:r>
             <a:r>
-              <a:rPr lang="en-US" sz="2000" smtClean="0"/>
-              <a:t>v0.5: </a:t>
+              <a:rPr lang="en-US" sz="2000" dirty="0" smtClean="0"/>
+              <a:t>v0.6: </a:t>
             </a:r>
             <a:r>
               <a:rPr lang="en-US" sz="2000" dirty="0">
@@ -9607,8 +9399,8 @@
         </p:nvSpPr>
         <p:spPr>
           <a:xfrm flipV="1">
-            <a:off x="21367104" y="14358743"/>
-            <a:ext cx="1118530" cy="763610"/>
+            <a:off x="20116800" y="15592521"/>
+            <a:ext cx="1742784" cy="6067"/>
           </a:xfrm>
           <a:prstGeom prst="line">
             <a:avLst/>
@@ -10023,8 +9815,8 @@
         </p:nvSpPr>
         <p:spPr>
           <a:xfrm>
-            <a:off x="17902428" y="23222216"/>
-            <a:ext cx="2778806" cy="2427776"/>
+            <a:off x="6052152" y="26608629"/>
+            <a:ext cx="3149557" cy="2427776"/>
           </a:xfrm>
           <a:prstGeom prst="roundRect">
             <a:avLst>
@@ -10094,13 +9886,90 @@
               </a:rPr>
               <a:t>-FNWI] </a:t>
             </a:r>
+            <a:endParaRPr lang="en-US" sz="2900" dirty="0" smtClean="0">
+              <a:solidFill>
+                <a:srgbClr val="FFFFFF"/>
+              </a:solidFill>
+            </a:endParaRPr>
+          </a:p>
+          <a:p>
+            <a:pPr lvl="0" algn="ctr">
+              <a:defRPr sz="1800">
+                <a:solidFill>
+                  <a:srgbClr val="000000"/>
+                </a:solidFill>
+              </a:defRPr>
+            </a:pPr>
             <a:r>
               <a:rPr lang="en-US" sz="2900" dirty="0" smtClean="0">
                 <a:solidFill>
                   <a:srgbClr val="FFFFFF"/>
                 </a:solidFill>
               </a:rPr>
-              <a:t>Capita Selecta: Set Theory (</a:t>
+              <a:t>Capita </a:t>
+            </a:r>
+            <a:r>
+              <a:rPr lang="en-US" sz="2900" dirty="0" smtClean="0">
+                <a:solidFill>
+                  <a:srgbClr val="FFFFFF"/>
+                </a:solidFill>
+              </a:rPr>
+              <a:t>Selecta</a:t>
+            </a:r>
+            <a:r>
+              <a:rPr lang="en-US" sz="2900" dirty="0" smtClean="0">
+                <a:solidFill>
+                  <a:srgbClr val="FFFFFF"/>
+                </a:solidFill>
+              </a:rPr>
+              <a:t>:</a:t>
+            </a:r>
+          </a:p>
+          <a:p>
+            <a:pPr lvl="0" algn="ctr">
+              <a:defRPr sz="1800">
+                <a:solidFill>
+                  <a:srgbClr val="000000"/>
+                </a:solidFill>
+              </a:defRPr>
+            </a:pPr>
+            <a:r>
+              <a:rPr lang="en-US" sz="2900" dirty="0" smtClean="0">
+                <a:solidFill>
+                  <a:srgbClr val="FFFFFF"/>
+                </a:solidFill>
+              </a:rPr>
+              <a:t> </a:t>
+            </a:r>
+            <a:r>
+              <a:rPr lang="en-US" sz="2900" dirty="0" smtClean="0">
+                <a:solidFill>
+                  <a:srgbClr val="FFFFFF"/>
+                </a:solidFill>
+              </a:rPr>
+              <a:t>Set Theory </a:t>
+            </a:r>
+            <a:endParaRPr lang="en-US" sz="2900" dirty="0" smtClean="0">
+              <a:solidFill>
+                <a:srgbClr val="FFFFFF"/>
+              </a:solidFill>
+            </a:endParaRPr>
+          </a:p>
+          <a:p>
+            <a:pPr lvl="0" algn="ctr">
+              <a:defRPr sz="1800">
+                <a:solidFill>
+                  <a:srgbClr val="000000"/>
+                </a:solidFill>
+              </a:defRPr>
+            </a:pPr>
+            <a:r>
+              <a:rPr lang="en-US" sz="2900" dirty="0" smtClean="0">
+                <a:solidFill>
+                  <a:srgbClr val="FFFFFF"/>
+                </a:solidFill>
+              </a:rPr>
+              <a:t>(</a:t>
             </a:r>
             <a:r>
               <a:rPr lang="en-US" sz="2900" dirty="0" err="1" smtClean="0">
@@ -10237,7 +10106,7 @@
         </p:nvSpPr>
         <p:spPr>
           <a:xfrm>
-            <a:off x="24984468" y="17952138"/>
+            <a:off x="22145948" y="18034431"/>
             <a:ext cx="3128147" cy="1887863"/>
           </a:xfrm>
           <a:prstGeom prst="roundRect">
@@ -10324,7 +10193,7 @@
         </p:nvSpPr>
         <p:spPr>
           <a:xfrm>
-            <a:off x="18867688" y="10716901"/>
+            <a:off x="18949076" y="10690304"/>
             <a:ext cx="3484398" cy="2429822"/>
           </a:xfrm>
           <a:prstGeom prst="roundRect">
@@ -10404,8 +10273,8 @@
         </p:nvSpPr>
         <p:spPr>
           <a:xfrm>
-            <a:off x="31491783" y="7204044"/>
-            <a:ext cx="3013179" cy="2706210"/>
+            <a:off x="26956462" y="10495741"/>
+            <a:ext cx="3059300" cy="2468661"/>
           </a:xfrm>
           <a:prstGeom prst="roundRect">
             <a:avLst>
@@ -10473,7 +10342,7 @@
         </p:nvSpPr>
         <p:spPr>
           <a:xfrm>
-            <a:off x="9576377" y="7164688"/>
+            <a:off x="6095971" y="3753123"/>
             <a:ext cx="3013179" cy="2429822"/>
           </a:xfrm>
           <a:prstGeom prst="roundRect">
@@ -10622,7 +10491,6 @@
               <a:rPr lang="en-US" sz="2900" dirty="0"/>
               <a:t>)</a:t>
             </a:r>
-            <a:endParaRPr lang="en-US" sz="2900" dirty="0"/>
           </a:p>
         </p:txBody>
       </p:sp>
@@ -10686,12 +10554,20 @@
               <a:t>[</a:t>
             </a:r>
             <a:r>
-              <a:rPr lang="en-US" sz="2900" dirty="0" err="1">
+              <a:rPr lang="en-US" sz="2900" dirty="0" err="1" smtClean="0">
                 <a:solidFill>
                   <a:srgbClr val="FFFFFF"/>
                 </a:solidFill>
               </a:rPr>
-              <a:t>MastMath</a:t>
+              <a:t>MastMath-UvA</a:t>
+            </a:r>
+            <a:r>
+              <a:rPr lang="en-US" sz="2900" dirty="0" smtClean="0">
+                <a:solidFill>
+                  <a:srgbClr val="FFFFFF"/>
+                </a:solidFill>
+              </a:rPr>
+              <a:t>] </a:t>
             </a:r>
             <a:r>
               <a:rPr lang="en-US" sz="2900" dirty="0">
@@ -10699,7 +10575,7 @@
                   <a:srgbClr val="FFFFFF"/>
                 </a:solidFill>
               </a:rPr>
-              <a:t>] Intuitionistic Mathematics (</a:t>
+              <a:t>Intuitionistic Mathematics (</a:t>
             </a:r>
             <a:r>
               <a:rPr lang="en-US" sz="2900" dirty="0" err="1">
@@ -10717,11 +10593,165 @@
               </a:rPr>
               <a:t>) [8EC]</a:t>
             </a:r>
-            <a:endParaRPr lang="en-US" sz="2900" dirty="0">
-              <a:solidFill>
-                <a:srgbClr val="FFFFFF"/>
-              </a:solidFill>
-            </a:endParaRPr>
+          </a:p>
+        </p:txBody>
+      </p:sp>
+      <p:sp>
+        <p:nvSpPr>
+          <p:cNvPr id="128" name="Shape 172"/>
+          <p:cNvSpPr/>
+          <p:nvPr/>
+        </p:nvSpPr>
+        <p:spPr>
+          <a:xfrm>
+            <a:off x="2323645" y="14458299"/>
+            <a:ext cx="3013179" cy="2429822"/>
+          </a:xfrm>
+          <a:prstGeom prst="roundRect">
+            <a:avLst>
+              <a:gd name="adj" fmla="val 16667"/>
+            </a:avLst>
+          </a:prstGeom>
+          <a:gradFill flip="none" rotWithShape="1">
+            <a:gsLst>
+              <a:gs pos="0">
+                <a:srgbClr val="C8B2E9"/>
+              </a:gs>
+              <a:gs pos="35000">
+                <a:srgbClr val="D8C9EE"/>
+              </a:gs>
+              <a:gs pos="100000">
+                <a:srgbClr val="F0EAF9"/>
+              </a:gs>
+            </a:gsLst>
+            <a:lin ang="16200000" scaled="0"/>
+          </a:gradFill>
+          <a:ln w="9525" cap="flat">
+            <a:solidFill>
+              <a:srgbClr val="7D60A0"/>
+            </a:solidFill>
+            <a:prstDash val="solid"/>
+            <a:bevel/>
+          </a:ln>
+          <a:effectLst>
+            <a:outerShdw blurRad="38100" dist="20000" dir="5400000" rotWithShape="0">
+              <a:srgbClr val="000000">
+                <a:alpha val="38000"/>
+              </a:srgbClr>
+            </a:outerShdw>
+          </a:effectLst>
+        </p:spPr>
+        <p:txBody>
+          <a:bodyPr wrap="square" lIns="0" tIns="0" rIns="0" bIns="0" numCol="1" anchor="ctr">
+            <a:noAutofit/>
+          </a:bodyPr>
+          <a:lstStyle/>
+          <a:p>
+            <a:pPr lvl="0" algn="ctr">
+              <a:defRPr sz="1800"/>
+            </a:pPr>
+            <a:r>
+              <a:rPr lang="en-US" sz="2900" dirty="0"/>
+              <a:t>[</a:t>
+            </a:r>
+            <a:r>
+              <a:rPr lang="en-US" sz="2900" dirty="0" err="1"/>
+              <a:t>MoL</a:t>
+            </a:r>
+            <a:r>
+              <a:rPr lang="en-US" sz="2900" dirty="0"/>
+              <a:t>-FNWI] Intuitionistic Logic (</a:t>
+            </a:r>
+            <a:r>
+              <a:rPr lang="en-US" sz="2900" dirty="0" smtClean="0"/>
+              <a:t>de </a:t>
+            </a:r>
+            <a:r>
+              <a:rPr lang="en-US" sz="2900" dirty="0" err="1" smtClean="0"/>
+              <a:t>Jongh</a:t>
+            </a:r>
+            <a:r>
+              <a:rPr lang="en-US" sz="2900" dirty="0" smtClean="0"/>
+              <a:t> </a:t>
+            </a:r>
+            <a:r>
+              <a:rPr lang="en-US" sz="2900" dirty="0"/>
+              <a:t>and Ciardelli</a:t>
+            </a:r>
+            <a:r>
+              <a:rPr lang="en-US" sz="2900" dirty="0" smtClean="0"/>
+              <a:t>)</a:t>
+            </a:r>
+            <a:endParaRPr lang="en-US" sz="2900" dirty="0"/>
+          </a:p>
+        </p:txBody>
+      </p:sp>
+      <p:sp>
+        <p:nvSpPr>
+          <p:cNvPr id="129" name="Shape 112"/>
+          <p:cNvSpPr/>
+          <p:nvPr/>
+        </p:nvSpPr>
+        <p:spPr>
+          <a:xfrm>
+            <a:off x="16892436" y="17725583"/>
+            <a:ext cx="3119923" cy="2509068"/>
+          </a:xfrm>
+          <a:prstGeom prst="roundRect">
+            <a:avLst>
+              <a:gd name="adj" fmla="val 16667"/>
+            </a:avLst>
+          </a:prstGeom>
+          <a:gradFill flip="none" rotWithShape="1">
+            <a:gsLst>
+              <a:gs pos="0">
+                <a:srgbClr val="DAFEA4"/>
+              </a:gs>
+              <a:gs pos="35000">
+                <a:srgbClr val="E4FDBF"/>
+              </a:gs>
+              <a:gs pos="100000">
+                <a:srgbClr val="F5FFE6"/>
+              </a:gs>
+            </a:gsLst>
+            <a:lin ang="16200000" scaled="0"/>
+          </a:gradFill>
+          <a:ln w="9525" cap="flat">
+            <a:solidFill>
+              <a:srgbClr val="98B955"/>
+            </a:solidFill>
+            <a:prstDash val="solid"/>
+            <a:bevel/>
+          </a:ln>
+          <a:effectLst>
+            <a:outerShdw blurRad="38100" dist="20000" dir="5400000" rotWithShape="0">
+              <a:srgbClr val="000000">
+                <a:alpha val="38000"/>
+              </a:srgbClr>
+            </a:outerShdw>
+          </a:effectLst>
+        </p:spPr>
+        <p:txBody>
+          <a:bodyPr wrap="square" lIns="0" tIns="0" rIns="0" bIns="0" numCol="1" anchor="ctr">
+            <a:noAutofit/>
+          </a:bodyPr>
+          <a:lstStyle/>
+          <a:p>
+            <a:pPr lvl="0" algn="ctr">
+              <a:defRPr sz="1800"/>
+            </a:pPr>
+            <a:r>
+              <a:rPr lang="en-US" sz="2900" dirty="0"/>
+              <a:t>[RM-Ling]  Functional Discourse Grammar (</a:t>
+            </a:r>
+            <a:r>
+              <a:rPr lang="en-US" sz="2900" dirty="0" err="1"/>
+              <a:t>Hengeveld</a:t>
+            </a:r>
+            <a:r>
+              <a:rPr lang="en-US" sz="2900" dirty="0"/>
+              <a:t>)</a:t>
+            </a:r>
           </a:p>
         </p:txBody>
       </p:sp>

--- a/MoLOverviewPoster2016.pptx
+++ b/MoLOverviewPoster2016.pptx
@@ -2910,7 +2910,7 @@
             </a:xfrm>
             <a:prstGeom prst="corner">
               <a:avLst>
-                <a:gd name="adj1" fmla="val 38815"/>
+                <a:gd name="adj1" fmla="val 40899"/>
                 <a:gd name="adj2" fmla="val 48372"/>
               </a:avLst>
             </a:prstGeom>
@@ -3130,18 +3130,19 @@
         </p:sp>
         <p:sp>
           <p:nvSpPr>
-            <p:cNvPr id="117" name="Rounded Rectangle 116"/>
+            <p:cNvPr id="117" name="L-Shape 116"/>
             <p:cNvSpPr/>
             <p:nvPr/>
           </p:nvSpPr>
           <p:spPr>
-            <a:xfrm>
-              <a:off x="11843902" y="9976144"/>
-              <a:ext cx="22218305" cy="10478875"/>
+            <a:xfrm rot="10800000">
+              <a:off x="11843901" y="9976142"/>
+              <a:ext cx="22314864" cy="13269622"/>
             </a:xfrm>
-            <a:prstGeom prst="roundRect">
+            <a:prstGeom prst="corner">
               <a:avLst>
-                <a:gd name="adj" fmla="val 9410"/>
+                <a:gd name="adj1" fmla="val 78276"/>
+                <a:gd name="adj2" fmla="val 25315"/>
               </a:avLst>
             </a:prstGeom>
             <a:solidFill>
@@ -3298,6 +3299,62 @@
           </a:p>
         </p:txBody>
       </p:sp>
+      <p:sp>
+        <p:nvSpPr>
+          <p:cNvPr id="175" name="Rounded Rectangle 174"/>
+          <p:cNvSpPr/>
+          <p:nvPr/>
+        </p:nvSpPr>
+        <p:spPr>
+          <a:xfrm>
+            <a:off x="26233428" y="26484565"/>
+            <a:ext cx="8534034" cy="2879171"/>
+          </a:xfrm>
+          <a:prstGeom prst="roundRect">
+            <a:avLst>
+              <a:gd name="adj" fmla="val 9008"/>
+            </a:avLst>
+          </a:prstGeom>
+          <a:solidFill>
+            <a:srgbClr val="FF0000">
+              <a:alpha val="30196"/>
+            </a:srgbClr>
+          </a:solidFill>
+          <a:ln w="76200">
+            <a:solidFill>
+              <a:srgbClr val="FF0000"/>
+            </a:solidFill>
+          </a:ln>
+        </p:spPr>
+        <p:style>
+          <a:lnRef idx="2">
+            <a:schemeClr val="dk1"/>
+          </a:lnRef>
+          <a:fillRef idx="0">
+            <a:schemeClr val="dk1"/>
+          </a:fillRef>
+          <a:effectRef idx="1">
+            <a:schemeClr val="dk1"/>
+          </a:effectRef>
+          <a:fontRef idx="minor">
+            <a:schemeClr val="tx1"/>
+          </a:fontRef>
+        </p:style>
+        <p:txBody>
+          <a:bodyPr rot="0" spcFirstLastPara="1" vertOverflow="overflow" horzOverflow="overflow" vert="horz" wrap="square" lIns="91439" tIns="45719" rIns="91439" bIns="45719" numCol="1" spcCol="38100" rtlCol="0" anchor="t">
+            <a:noAutofit/>
+          </a:bodyPr>
+          <a:lstStyle/>
+          <a:p>
+            <a:pPr algn="l" defTabSz="914193" rtl="0" latinLnBrk="1" hangingPunct="0"/>
+            <a:endParaRPr lang="en-US" sz="2000">
+              <a:solidFill>
+                <a:srgbClr val="000000"/>
+              </a:solidFill>
+            </a:endParaRPr>
+          </a:p>
+        </p:txBody>
+      </p:sp>
       <p:grpSp>
         <p:nvGrpSpPr>
           <p:cNvPr id="4" name="Group 3"/>
@@ -3662,8 +3719,8 @@
         </p:nvSpPr>
         <p:spPr>
           <a:xfrm>
-            <a:off x="26824070" y="20961702"/>
-            <a:ext cx="6983033" cy="1163796"/>
+            <a:off x="37636616" y="28292711"/>
+            <a:ext cx="4556262" cy="1828311"/>
           </a:xfrm>
           <a:prstGeom prst="rect">
             <a:avLst/>
@@ -3687,7 +3744,7 @@
             </a:lvl1pPr>
           </a:lstStyle>
           <a:p>
-            <a:pPr lvl="0" algn="l">
+            <a:pPr lvl="0" algn="r">
               <a:defRPr sz="1800"/>
             </a:pPr>
             <a:r>
@@ -3766,10 +3823,10 @@
         </p:nvGrpSpPr>
         <p:grpSpPr>
           <a:xfrm>
-            <a:off x="22673961" y="19036439"/>
-            <a:ext cx="19976646" cy="10252164"/>
-            <a:chOff x="23107094" y="18940187"/>
-            <a:chExt cx="19976645" cy="10252165"/>
+            <a:off x="22680855" y="19036439"/>
+            <a:ext cx="19969752" cy="10167311"/>
+            <a:chOff x="23113988" y="18940187"/>
+            <a:chExt cx="19969751" cy="10167312"/>
           </a:xfrm>
         </p:grpSpPr>
         <p:sp>
@@ -3902,7 +3959,7 @@
           </p:nvSpPr>
           <p:spPr>
             <a:xfrm>
-              <a:off x="26832124" y="26764576"/>
+              <a:off x="23118387" y="21988828"/>
               <a:ext cx="2778806" cy="2427776"/>
             </a:xfrm>
             <a:prstGeom prst="roundRect">
@@ -3984,8 +4041,8 @@
           </p:nvSpPr>
           <p:spPr>
             <a:xfrm>
-              <a:off x="31058902" y="27188104"/>
-              <a:ext cx="2778806" cy="1887864"/>
+              <a:off x="26888746" y="24200436"/>
+              <a:ext cx="2751934" cy="1887864"/>
             </a:xfrm>
             <a:prstGeom prst="roundRect">
               <a:avLst>
@@ -4082,7 +4139,7 @@
           </p:nvSpPr>
           <p:spPr>
             <a:xfrm>
-              <a:off x="26860518" y="24624515"/>
+              <a:off x="26861874" y="22097462"/>
               <a:ext cx="2778806" cy="1887863"/>
             </a:xfrm>
             <a:prstGeom prst="roundRect">
@@ -4218,7 +4275,7 @@
           </p:nvSpPr>
           <p:spPr>
             <a:xfrm>
-              <a:off x="38720840" y="25724304"/>
+              <a:off x="39177159" y="25315775"/>
               <a:ext cx="3013177" cy="2794095"/>
             </a:xfrm>
             <a:prstGeom prst="roundRect">
@@ -4309,7 +4366,7 @@
           </p:nvSpPr>
           <p:spPr>
             <a:xfrm>
-              <a:off x="23107094" y="22407572"/>
+              <a:off x="30766947" y="21164787"/>
               <a:ext cx="3013179" cy="1825561"/>
             </a:xfrm>
             <a:prstGeom prst="roundRect">
@@ -4378,8 +4435,8 @@
           </p:nvSpPr>
           <p:spPr>
             <a:xfrm>
-              <a:off x="34805233" y="25303392"/>
-              <a:ext cx="3013179" cy="1792874"/>
+              <a:off x="35561128" y="25752077"/>
+              <a:ext cx="3013179" cy="1921870"/>
             </a:xfrm>
             <a:prstGeom prst="roundRect">
               <a:avLst>
@@ -4447,7 +4504,7 @@
           </p:nvSpPr>
           <p:spPr>
             <a:xfrm>
-              <a:off x="34868677" y="27493006"/>
+              <a:off x="31197684" y="27295832"/>
               <a:ext cx="3013179" cy="1630659"/>
             </a:xfrm>
             <a:prstGeom prst="roundRect">
@@ -4583,7 +4640,7 @@
           </p:nvSpPr>
           <p:spPr>
             <a:xfrm>
-              <a:off x="23113988" y="24532927"/>
+              <a:off x="27090553" y="26818683"/>
               <a:ext cx="3013179" cy="2107808"/>
             </a:xfrm>
             <a:prstGeom prst="roundRect">
@@ -4661,10 +4718,10 @@
           </p:nvGrpSpPr>
           <p:grpSpPr>
             <a:xfrm>
-              <a:off x="34637936" y="22635739"/>
-              <a:ext cx="3243920" cy="2359567"/>
-              <a:chOff x="34723202" y="22605735"/>
-              <a:chExt cx="3243919" cy="2359567"/>
+              <a:off x="35383216" y="22635739"/>
+              <a:ext cx="3243920" cy="2338546"/>
+              <a:chOff x="35468482" y="22605735"/>
+              <a:chExt cx="3243919" cy="2338546"/>
             </a:xfrm>
           </p:grpSpPr>
           <p:sp>
@@ -4675,7 +4732,7 @@
             </p:nvSpPr>
             <p:spPr>
               <a:xfrm>
-                <a:off x="34723202" y="22902572"/>
+                <a:off x="35468482" y="22881551"/>
                 <a:ext cx="3243919" cy="2062730"/>
               </a:xfrm>
               <a:prstGeom prst="roundRect">
@@ -4795,10 +4852,10 @@
           </p:nvGrpSpPr>
           <p:grpSpPr>
             <a:xfrm>
-              <a:off x="38517722" y="22479171"/>
-              <a:ext cx="3470816" cy="2487779"/>
-              <a:chOff x="46403050" y="28834377"/>
-              <a:chExt cx="3470816" cy="2487779"/>
+              <a:off x="38954600" y="22479171"/>
+              <a:ext cx="3580147" cy="2516135"/>
+              <a:chOff x="46839928" y="28834377"/>
+              <a:chExt cx="3580147" cy="2516135"/>
             </a:xfrm>
           </p:grpSpPr>
           <p:sp>
@@ -4809,8 +4866,8 @@
             </p:nvSpPr>
             <p:spPr>
               <a:xfrm>
-                <a:off x="46403050" y="29159029"/>
-                <a:ext cx="3470816" cy="2163127"/>
+                <a:off x="46839928" y="29187385"/>
+                <a:ext cx="3580147" cy="2163127"/>
               </a:xfrm>
               <a:prstGeom prst="roundRect">
                 <a:avLst>
@@ -4962,10 +5019,10 @@
         </p:nvGrpSpPr>
         <p:grpSpPr>
           <a:xfrm>
-            <a:off x="11597914" y="10471920"/>
-            <a:ext cx="13546889" cy="6429370"/>
-            <a:chOff x="12031048" y="10375666"/>
-            <a:chExt cx="13546888" cy="6429369"/>
+            <a:off x="12570639" y="10445640"/>
+            <a:ext cx="12893421" cy="6438900"/>
+            <a:chOff x="13003773" y="10349386"/>
+            <a:chExt cx="12893420" cy="6438899"/>
           </a:xfrm>
         </p:grpSpPr>
         <p:sp>
@@ -4976,8 +5033,8 @@
           </p:nvSpPr>
           <p:spPr>
             <a:xfrm>
-              <a:off x="17241824" y="14375213"/>
-              <a:ext cx="3013179" cy="2429822"/>
+              <a:off x="17668899" y="14347803"/>
+              <a:ext cx="3522617" cy="2429822"/>
             </a:xfrm>
             <a:prstGeom prst="roundRect">
               <a:avLst>
@@ -5076,9 +5133,9 @@
           <p:grpSpPr>
             <a:xfrm>
               <a:off x="22564757" y="14102369"/>
-              <a:ext cx="3013179" cy="2685916"/>
+              <a:ext cx="3332436" cy="2685916"/>
               <a:chOff x="24887357" y="13892342"/>
-              <a:chExt cx="3013179" cy="2685916"/>
+              <a:chExt cx="3332436" cy="2685916"/>
             </a:xfrm>
           </p:grpSpPr>
           <p:sp>
@@ -5090,7 +5147,7 @@
             <p:spPr>
               <a:xfrm>
                 <a:off x="24887357" y="14148436"/>
-                <a:ext cx="3013179" cy="2429822"/>
+                <a:ext cx="3332436" cy="2429822"/>
               </a:xfrm>
               <a:prstGeom prst="roundRect">
                 <a:avLst>
@@ -5232,10 +5289,10 @@
           </p:nvGrpSpPr>
           <p:grpSpPr>
             <a:xfrm>
-              <a:off x="15629091" y="10416233"/>
-              <a:ext cx="3611034" cy="2593755"/>
-              <a:chOff x="17473539" y="10282648"/>
-              <a:chExt cx="3611033" cy="2853102"/>
+              <a:off x="17571866" y="10492426"/>
+              <a:ext cx="3611033" cy="2593755"/>
+              <a:chOff x="19416312" y="10366458"/>
+              <a:chExt cx="3611032" cy="2853101"/>
             </a:xfrm>
           </p:grpSpPr>
           <p:sp>
@@ -5246,7 +5303,7 @@
             </p:nvSpPr>
             <p:spPr>
               <a:xfrm>
-                <a:off x="17570571" y="10470963"/>
+                <a:off x="19513345" y="10554772"/>
                 <a:ext cx="3405438" cy="2664787"/>
               </a:xfrm>
               <a:prstGeom prst="roundRect">
@@ -5401,7 +5458,7 @@
             </p:nvSpPr>
             <p:spPr>
               <a:xfrm>
-                <a:off x="19586600" y="10282648"/>
+                <a:off x="21529372" y="10366458"/>
                 <a:ext cx="1497972" cy="1204325"/>
               </a:xfrm>
               <a:prstGeom prst="rect">
@@ -5453,7 +5510,7 @@
             </p:nvSpPr>
             <p:spPr>
               <a:xfrm>
-                <a:off x="17473539" y="10284570"/>
+                <a:off x="19416312" y="10368380"/>
                 <a:ext cx="1497972" cy="1204325"/>
               </a:xfrm>
               <a:prstGeom prst="rect">
@@ -5506,9 +5563,9 @@
           </p:nvGrpSpPr>
           <p:grpSpPr>
             <a:xfrm>
-              <a:off x="12031048" y="10375666"/>
+              <a:off x="13003773" y="10349386"/>
               <a:ext cx="3314497" cy="2725061"/>
-              <a:chOff x="3293962" y="4950451"/>
+              <a:chOff x="4266687" y="4924171"/>
               <a:chExt cx="3314497" cy="2725061"/>
             </a:xfrm>
           </p:grpSpPr>
@@ -5520,7 +5577,7 @@
             </p:nvSpPr>
             <p:spPr>
               <a:xfrm>
-                <a:off x="3293962" y="5162216"/>
+                <a:off x="4266687" y="5135936"/>
                 <a:ext cx="3314497" cy="2513296"/>
               </a:xfrm>
               <a:prstGeom prst="roundRect">
@@ -5595,7 +5652,7 @@
             </p:nvSpPr>
             <p:spPr>
               <a:xfrm>
-                <a:off x="4244389" y="4950451"/>
+                <a:off x="5217114" y="4924171"/>
                 <a:ext cx="1497972" cy="1204325"/>
               </a:xfrm>
               <a:prstGeom prst="rect">
@@ -5686,9 +5743,9 @@
         <p:grpSpPr>
           <a:xfrm>
             <a:off x="2008955" y="8576769"/>
-            <a:ext cx="7369200" cy="8309884"/>
+            <a:ext cx="7185193" cy="8333904"/>
             <a:chOff x="2442088" y="8480516"/>
-            <a:chExt cx="7369201" cy="8309884"/>
+            <a:chExt cx="7185194" cy="8333904"/>
           </a:xfrm>
         </p:grpSpPr>
         <p:sp>
@@ -5699,7 +5756,7 @@
           </p:nvSpPr>
           <p:spPr>
             <a:xfrm>
-              <a:off x="6387433" y="14360578"/>
+              <a:off x="6473949" y="14384598"/>
               <a:ext cx="3013179" cy="2429822"/>
             </a:xfrm>
             <a:prstGeom prst="roundRect">
@@ -5776,7 +5833,7 @@
           </p:nvSpPr>
           <p:spPr>
             <a:xfrm>
-              <a:off x="6798110" y="10657444"/>
+              <a:off x="6614103" y="10629169"/>
               <a:ext cx="3013179" cy="2429822"/>
             </a:xfrm>
             <a:prstGeom prst="roundRect">
@@ -6212,10 +6269,10 @@
         </p:nvGrpSpPr>
         <p:grpSpPr>
           <a:xfrm>
-            <a:off x="6258075" y="424711"/>
-            <a:ext cx="19227520" cy="12672225"/>
-            <a:chOff x="6691207" y="328456"/>
-            <a:chExt cx="19227520" cy="12672226"/>
+            <a:off x="6109761" y="432692"/>
+            <a:ext cx="19354299" cy="12610176"/>
+            <a:chOff x="6542893" y="336437"/>
+            <a:chExt cx="19354299" cy="12610177"/>
           </a:xfrm>
         </p:grpSpPr>
         <p:sp>
@@ -6226,8 +6283,8 @@
           </p:nvSpPr>
           <p:spPr>
             <a:xfrm>
-              <a:off x="17413044" y="2936809"/>
-              <a:ext cx="3056686" cy="3040421"/>
+              <a:off x="17823109" y="3353595"/>
+              <a:ext cx="3362348" cy="2426557"/>
             </a:xfrm>
             <a:prstGeom prst="roundRect">
               <a:avLst>
@@ -6308,7 +6365,7 @@
           </p:nvSpPr>
           <p:spPr>
             <a:xfrm>
-              <a:off x="13622568" y="328456"/>
+              <a:off x="13654941" y="336437"/>
               <a:ext cx="3199763" cy="2970038"/>
             </a:xfrm>
             <a:prstGeom prst="ellipse">
@@ -6388,8 +6445,8 @@
           </p:nvSpPr>
           <p:spPr>
             <a:xfrm>
-              <a:off x="21129977" y="3306475"/>
-              <a:ext cx="3013177" cy="2429822"/>
+              <a:off x="22551596" y="3378930"/>
+              <a:ext cx="3345596" cy="2429822"/>
             </a:xfrm>
             <a:prstGeom prst="roundRect">
               <a:avLst>
@@ -6444,7 +6501,18 @@
               </a:r>
               <a:r>
                 <a:rPr lang="en-US" sz="2900" dirty="0"/>
-                <a:t>]   Philosophy of cognition (</a:t>
+                <a:t>]   Philosophy of </a:t>
+              </a:r>
+              <a:r>
+                <a:rPr lang="en-US" sz="2900" dirty="0" smtClean="0"/>
+                <a:t>Cognition </a:t>
+              </a:r>
+              <a:br>
+                <a:rPr lang="en-US" sz="2900" dirty="0" smtClean="0"/>
+              </a:br>
+              <a:r>
+                <a:rPr lang="en-US" sz="2900" dirty="0" smtClean="0"/>
+                <a:t>(</a:t>
               </a:r>
               <a:r>
                 <a:rPr lang="en-US" sz="2900" dirty="0" err="1"/>
@@ -6466,7 +6534,7 @@
           </p:nvSpPr>
           <p:spPr>
             <a:xfrm>
-              <a:off x="10259622" y="842726"/>
+              <a:off x="6542893" y="812779"/>
               <a:ext cx="3013179" cy="2429822"/>
             </a:xfrm>
             <a:prstGeom prst="roundRect">
@@ -6537,7 +6605,23 @@
               </a:r>
               <a:r>
                 <a:rPr lang="en-US" sz="2900" dirty="0"/>
-                <a:t>modern philosophy of language (Maat)</a:t>
+                <a:t>M</a:t>
+              </a:r>
+              <a:r>
+                <a:rPr lang="en-US" sz="2900" dirty="0" smtClean="0"/>
+                <a:t>odern </a:t>
+              </a:r>
+              <a:r>
+                <a:rPr lang="en-US" sz="2900" dirty="0"/>
+                <a:t>P</a:t>
+              </a:r>
+              <a:r>
+                <a:rPr lang="en-US" sz="2900" dirty="0" smtClean="0"/>
+                <a:t>hilosophy </a:t>
+              </a:r>
+              <a:r>
+                <a:rPr lang="en-US" sz="2900" dirty="0"/>
+                <a:t>of language (Maat)</a:t>
               </a:r>
             </a:p>
           </p:txBody>
@@ -6550,7 +6634,7 @@
           </p:nvSpPr>
           <p:spPr>
             <a:xfrm>
-              <a:off x="6791072" y="6966489"/>
+              <a:off x="6605298" y="7187371"/>
               <a:ext cx="3013179" cy="2429822"/>
             </a:xfrm>
             <a:prstGeom prst="roundRect">
@@ -6690,7 +6774,22 @@
               </a:r>
               <a:r>
                 <a:rPr lang="en-US" sz="2900" dirty="0"/>
-                <a:t>-FGW] Ethics, Ontology, Life: Wittgenstein's Later Work (Stokhof)</a:t>
+                <a:t>-FGW] </a:t>
+              </a:r>
+              <a:r>
+                <a:rPr lang="en-US" sz="2900" dirty="0" smtClean="0"/>
+                <a:t/>
+              </a:r>
+              <a:br>
+                <a:rPr lang="en-US" sz="2900" dirty="0" smtClean="0"/>
+              </a:br>
+              <a:r>
+                <a:rPr lang="en-US" sz="2900" dirty="0" smtClean="0"/>
+                <a:t>Ethics</a:t>
+              </a:r>
+              <a:r>
+                <a:rPr lang="en-US" sz="2900" dirty="0"/>
+                <a:t>, Ontology, Life: Wittgenstein's Later Work (Stokhof)</a:t>
               </a:r>
             </a:p>
           </p:txBody>
@@ -6703,8 +6802,8 @@
           </p:nvSpPr>
           <p:spPr>
             <a:xfrm>
-              <a:off x="23162105" y="10653976"/>
-              <a:ext cx="2756622" cy="2346706"/>
+              <a:off x="22596337" y="10599908"/>
+              <a:ext cx="3300855" cy="2346706"/>
             </a:xfrm>
             <a:prstGeom prst="roundRect">
               <a:avLst>
@@ -6771,9 +6870,16 @@
                 <a:rPr lang="en-US" sz="2900" dirty="0" smtClean="0"/>
                 <a:t>Time </a:t>
               </a:r>
+              <a:br>
+                <a:rPr lang="en-US" sz="2900" dirty="0" smtClean="0"/>
+              </a:br>
+              <a:r>
+                <a:rPr lang="en-US" sz="2900" dirty="0" smtClean="0"/>
+                <a:t>(</a:t>
+              </a:r>
               <a:r>
                 <a:rPr lang="en-US" sz="2900" dirty="0"/>
-                <a:t>(vLambalgen)</a:t>
+                <a:t>vLambalgen)</a:t>
               </a:r>
             </a:p>
           </p:txBody>
@@ -6786,8 +6892,8 @@
           </p:nvSpPr>
           <p:spPr>
             <a:xfrm>
-              <a:off x="18660266" y="7078911"/>
-              <a:ext cx="3013179" cy="2429822"/>
+              <a:off x="17834961" y="7052859"/>
+              <a:ext cx="3350496" cy="2429822"/>
             </a:xfrm>
             <a:prstGeom prst="roundRect">
               <a:avLst>
@@ -6842,7 +6948,22 @@
               </a:r>
               <a:r>
                 <a:rPr lang="en-US" sz="2900" dirty="0"/>
-                <a:t>] Kant, Logic and Cognition (vLambalgen)</a:t>
+                <a:t>] </a:t>
+              </a:r>
+              <a:r>
+                <a:rPr lang="en-US" sz="2900" dirty="0" smtClean="0"/>
+                <a:t/>
+              </a:r>
+              <a:br>
+                <a:rPr lang="en-US" sz="2900" dirty="0" smtClean="0"/>
+              </a:br>
+              <a:r>
+                <a:rPr lang="en-US" sz="2900" dirty="0" smtClean="0"/>
+                <a:t>Kant</a:t>
+              </a:r>
+              <a:r>
+                <a:rPr lang="en-US" sz="2900" dirty="0"/>
+                <a:t>, Logic and Cognition (vLambalgen)</a:t>
               </a:r>
             </a:p>
           </p:txBody>
@@ -6855,8 +6976,8 @@
           </p:nvSpPr>
           <p:spPr>
             <a:xfrm>
-              <a:off x="13152991" y="7140257"/>
-              <a:ext cx="3013179" cy="2429822"/>
+              <a:off x="12939749" y="7186668"/>
+              <a:ext cx="3332470" cy="2429822"/>
             </a:xfrm>
             <a:prstGeom prst="roundRect">
               <a:avLst>
@@ -6911,7 +7032,37 @@
               </a:r>
               <a:r>
                 <a:rPr lang="en-US" sz="2900" dirty="0"/>
-                <a:t>-FGW] Possible Worlds: Logic and Metaphysics (Berto)</a:t>
+                <a:t>-FGW] </a:t>
+              </a:r>
+              <a:r>
+                <a:rPr lang="en-US" sz="2900" dirty="0" smtClean="0"/>
+                <a:t/>
+              </a:r>
+              <a:br>
+                <a:rPr lang="en-US" sz="2900" dirty="0" smtClean="0"/>
+              </a:br>
+              <a:r>
+                <a:rPr lang="en-US" sz="2900" dirty="0" smtClean="0"/>
+                <a:t>Possible </a:t>
+              </a:r>
+              <a:r>
+                <a:rPr lang="en-US" sz="2900" dirty="0"/>
+                <a:t>Worlds: Logic and Metaphysics </a:t>
+              </a:r>
+              <a:r>
+                <a:rPr lang="en-US" sz="2900" dirty="0" smtClean="0"/>
+                <a:t/>
+              </a:r>
+              <a:br>
+                <a:rPr lang="en-US" sz="2900" dirty="0" smtClean="0"/>
+              </a:br>
+              <a:r>
+                <a:rPr lang="en-US" sz="2900" dirty="0" smtClean="0"/>
+                <a:t>(</a:t>
+              </a:r>
+              <a:r>
+                <a:rPr lang="en-US" sz="2900" dirty="0"/>
+                <a:t>Berto)</a:t>
               </a:r>
             </a:p>
           </p:txBody>
@@ -6924,7 +7075,7 @@
           </p:nvSpPr>
           <p:spPr>
             <a:xfrm>
-              <a:off x="6691207" y="710399"/>
+              <a:off x="10098917" y="802539"/>
               <a:ext cx="3013179" cy="2429822"/>
             </a:xfrm>
             <a:prstGeom prst="roundRect">
@@ -7229,9 +7380,9 @@
         <p:grpSpPr>
           <a:xfrm>
             <a:off x="1224738" y="18131055"/>
-            <a:ext cx="19654358" cy="11068405"/>
+            <a:ext cx="19472107" cy="11068403"/>
             <a:chOff x="456496" y="18034804"/>
-            <a:chExt cx="19654358" cy="11068406"/>
+            <a:chExt cx="19472107" cy="11068404"/>
           </a:xfrm>
         </p:grpSpPr>
         <p:sp>
@@ -7487,7 +7638,7 @@
           </p:nvSpPr>
           <p:spPr>
             <a:xfrm>
-              <a:off x="17097675" y="26673389"/>
+              <a:off x="16909854" y="26673387"/>
               <a:ext cx="3013179" cy="2429821"/>
             </a:xfrm>
             <a:prstGeom prst="roundRect">
@@ -7569,8 +7720,8 @@
           </p:nvSpPr>
           <p:spPr>
             <a:xfrm>
-              <a:off x="9245274" y="23155450"/>
-              <a:ext cx="3013179" cy="2398291"/>
+              <a:off x="9245274" y="26655677"/>
+              <a:ext cx="3013179" cy="2378179"/>
             </a:xfrm>
             <a:prstGeom prst="roundRect">
               <a:avLst>
@@ -7745,8 +7896,8 @@
           </p:nvSpPr>
           <p:spPr>
             <a:xfrm>
-              <a:off x="5215351" y="23123920"/>
-              <a:ext cx="3218117" cy="2429822"/>
+              <a:off x="5349644" y="23095116"/>
+              <a:ext cx="3139347" cy="2429822"/>
             </a:xfrm>
             <a:prstGeom prst="roundRect">
               <a:avLst>
@@ -7816,9 +7967,9 @@
           </p:nvGrpSpPr>
           <p:grpSpPr>
             <a:xfrm>
-              <a:off x="9258627" y="26388316"/>
+              <a:off x="9232594" y="22903471"/>
               <a:ext cx="3104517" cy="2683363"/>
-              <a:chOff x="5495523" y="22812449"/>
+              <a:chOff x="5469490" y="19327604"/>
               <a:chExt cx="3104518" cy="2683363"/>
             </a:xfrm>
           </p:grpSpPr>
@@ -7830,7 +7981,7 @@
             </p:nvSpPr>
             <p:spPr>
               <a:xfrm>
-                <a:off x="5495523" y="23065990"/>
+                <a:off x="5469490" y="19581145"/>
                 <a:ext cx="3104518" cy="2429822"/>
               </a:xfrm>
               <a:prstGeom prst="roundRect">
@@ -7920,7 +8071,7 @@
             </p:nvSpPr>
             <p:spPr>
               <a:xfrm>
-                <a:off x="6359534" y="22812449"/>
+                <a:off x="6333501" y="19327604"/>
                 <a:ext cx="1497972" cy="1204325"/>
               </a:xfrm>
               <a:prstGeom prst="rect">
@@ -7965,10 +8116,10 @@
           </p:nvGrpSpPr>
           <p:grpSpPr>
             <a:xfrm>
-              <a:off x="13037154" y="26379901"/>
-              <a:ext cx="3314496" cy="2723309"/>
-              <a:chOff x="5096359" y="25396055"/>
-              <a:chExt cx="3314497" cy="2723309"/>
+              <a:off x="13011121" y="22895056"/>
+              <a:ext cx="3314496" cy="2723308"/>
+              <a:chOff x="5070326" y="21911210"/>
+              <a:chExt cx="3314497" cy="2723308"/>
             </a:xfrm>
           </p:grpSpPr>
           <p:sp>
@@ -7979,7 +8130,7 @@
             </p:nvSpPr>
             <p:spPr>
               <a:xfrm>
-                <a:off x="5096359" y="25689542"/>
+                <a:off x="5070326" y="22204696"/>
                 <a:ext cx="3314497" cy="2429822"/>
               </a:xfrm>
               <a:prstGeom prst="roundRect">
@@ -8109,7 +8260,7 @@
             </p:nvSpPr>
             <p:spPr>
               <a:xfrm>
-                <a:off x="6012901" y="25396055"/>
+                <a:off x="5986868" y="21911210"/>
                 <a:ext cx="1497972" cy="1204325"/>
               </a:xfrm>
               <a:prstGeom prst="rect">
@@ -8280,8 +8431,8 @@
           </p:nvSpPr>
           <p:spPr>
             <a:xfrm>
-              <a:off x="11943962" y="18568495"/>
-              <a:ext cx="6243803" cy="1407027"/>
+              <a:off x="11334879" y="18384433"/>
+              <a:ext cx="3165086" cy="2236959"/>
             </a:xfrm>
             <a:prstGeom prst="rect">
               <a:avLst/>
@@ -8309,6 +8460,15 @@
                 <a:defRPr sz="1800"/>
               </a:pPr>
               <a:r>
+                <a:rPr lang="en-US" sz="3900" b="1" smtClean="0"/>
+                <a:t>Theoretical </a:t>
+              </a:r>
+            </a:p>
+            <a:p>
+              <a:pPr lvl="0" algn="l">
+                <a:defRPr sz="1800"/>
+              </a:pPr>
+              <a:r>
                 <a:rPr lang="en-US" sz="3900" b="1" dirty="0" smtClean="0"/>
                 <a:t>Linguistics</a:t>
               </a:r>
@@ -8325,10 +8485,10 @@
         </p:nvGrpSpPr>
         <p:grpSpPr>
           <a:xfrm>
-            <a:off x="30202390" y="6242935"/>
-            <a:ext cx="11794642" cy="13332822"/>
-            <a:chOff x="30635525" y="6109844"/>
-            <a:chExt cx="11794642" cy="13332821"/>
+            <a:off x="30202390" y="6989651"/>
+            <a:ext cx="11646639" cy="12586106"/>
+            <a:chOff x="30635525" y="6856560"/>
+            <a:chExt cx="11646639" cy="12586105"/>
           </a:xfrm>
         </p:grpSpPr>
         <p:sp>
@@ -8452,7 +8612,7 @@
           </p:nvSpPr>
           <p:spPr>
             <a:xfrm>
-              <a:off x="39416988" y="6823833"/>
+              <a:off x="39268985" y="6856560"/>
               <a:ext cx="3013179" cy="2429822"/>
             </a:xfrm>
             <a:prstGeom prst="roundRect">
@@ -8532,7 +8692,7 @@
           </p:nvSpPr>
           <p:spPr>
             <a:xfrm>
-              <a:off x="35023323" y="6109844"/>
+              <a:off x="34997581" y="10219836"/>
               <a:ext cx="3013179" cy="2706210"/>
             </a:xfrm>
             <a:prstGeom prst="roundRect">
@@ -8738,7 +8898,7 @@
           </p:nvSpPr>
           <p:spPr>
             <a:xfrm>
-              <a:off x="35023323" y="9469505"/>
+              <a:off x="35009768" y="13261566"/>
               <a:ext cx="2988806" cy="2485688"/>
             </a:xfrm>
             <a:prstGeom prst="roundRect">
@@ -8822,7 +8982,7 @@
           </p:nvSpPr>
           <p:spPr>
             <a:xfrm>
-              <a:off x="38863678" y="16125713"/>
+              <a:off x="39268985" y="16160017"/>
               <a:ext cx="3013179" cy="2429822"/>
             </a:xfrm>
             <a:prstGeom prst="roundRect">
@@ -8983,7 +9143,7 @@
           </p:nvSpPr>
           <p:spPr>
             <a:xfrm>
-              <a:off x="38830694" y="12575409"/>
+              <a:off x="39268985" y="13288172"/>
               <a:ext cx="3013179" cy="2429822"/>
             </a:xfrm>
             <a:prstGeom prst="roundRect">
@@ -9065,7 +9225,7 @@
           </p:nvSpPr>
           <p:spPr>
             <a:xfrm>
-              <a:off x="38830696" y="9525371"/>
+              <a:off x="39268987" y="10338829"/>
               <a:ext cx="3013177" cy="2429822"/>
             </a:xfrm>
             <a:prstGeom prst="roundRect">
@@ -9127,54 +9287,6 @@
           </p:txBody>
         </p:sp>
       </p:grpSp>
-      <p:sp>
-        <p:nvSpPr>
-          <p:cNvPr id="161" name="Shape 225"/>
-          <p:cNvSpPr/>
-          <p:nvPr/>
-        </p:nvSpPr>
-        <p:spPr>
-          <a:xfrm flipV="1">
-            <a:off x="3087986" y="33692638"/>
-            <a:ext cx="6015971" cy="118387"/>
-          </a:xfrm>
-          <a:prstGeom prst="line">
-            <a:avLst/>
-          </a:prstGeom>
-          <a:ln>
-            <a:tailEnd type="triangle"/>
-          </a:ln>
-        </p:spPr>
-        <p:style>
-          <a:lnRef idx="3">
-            <a:schemeClr val="dk1"/>
-          </a:lnRef>
-          <a:fillRef idx="0">
-            <a:schemeClr val="dk1"/>
-          </a:fillRef>
-          <a:effectRef idx="2">
-            <a:schemeClr val="dk1"/>
-          </a:effectRef>
-          <a:fontRef idx="minor">
-            <a:schemeClr val="tx1"/>
-          </a:fontRef>
-        </p:style>
-        <p:txBody>
-          <a:bodyPr lIns="0" tIns="0" rIns="0" bIns="0"/>
-          <a:lstStyle/>
-          <a:p>
-            <a:pPr algn="ctr" defTabSz="457097">
-              <a:defRPr sz="1200">
-                <a:latin typeface="+mn-lt"/>
-                <a:ea typeface="+mn-ea"/>
-                <a:cs typeface="+mn-cs"/>
-                <a:sym typeface="Helvetica"/>
-              </a:defRPr>
-            </a:pPr>
-            <a:endParaRPr/>
-          </a:p>
-        </p:txBody>
-      </p:sp>
       <p:sp>
         <p:nvSpPr>
           <p:cNvPr id="2" name="Rounded Rectangle 1"/>
@@ -9376,7 +9488,7 @@
             </a:r>
             <a:r>
               <a:rPr lang="en-US" sz="2000" dirty="0" smtClean="0"/>
-              <a:t>v0.6: </a:t>
+              <a:t>v0.9: </a:t>
             </a:r>
             <a:r>
               <a:rPr lang="en-US" sz="2000" dirty="0">
@@ -9399,8 +9511,8 @@
         </p:nvSpPr>
         <p:spPr>
           <a:xfrm flipV="1">
-            <a:off x="20116800" y="15592521"/>
-            <a:ext cx="1742784" cy="6067"/>
+            <a:off x="21075152" y="15592521"/>
+            <a:ext cx="784431" cy="0"/>
           </a:xfrm>
           <a:prstGeom prst="line">
             <a:avLst/>
@@ -9441,7 +9553,7 @@
         </p:nvSpPr>
         <p:spPr>
           <a:xfrm flipH="1" flipV="1">
-            <a:off x="37040563" y="17948699"/>
+            <a:off x="37328847" y="17997428"/>
             <a:ext cx="755743" cy="0"/>
           </a:xfrm>
           <a:prstGeom prst="line">
@@ -9742,7 +9854,7 @@
         </p:nvSpPr>
         <p:spPr>
           <a:xfrm>
-            <a:off x="35612112" y="19102520"/>
+            <a:off x="35111224" y="19102520"/>
             <a:ext cx="3381912" cy="3383662"/>
           </a:xfrm>
           <a:prstGeom prst="ellipse">
@@ -10003,7 +10115,7 @@
         </p:nvSpPr>
         <p:spPr>
           <a:xfrm>
-            <a:off x="30568187" y="24739150"/>
+            <a:off x="30510766" y="23854506"/>
             <a:ext cx="2778806" cy="1887864"/>
           </a:xfrm>
           <a:prstGeom prst="roundRect">
@@ -10106,8 +10218,8 @@
         </p:nvSpPr>
         <p:spPr>
           <a:xfrm>
-            <a:off x="22145948" y="18034431"/>
-            <a:ext cx="3128147" cy="1887863"/>
+            <a:off x="22016656" y="18135475"/>
+            <a:ext cx="3447404" cy="1887863"/>
           </a:xfrm>
           <a:prstGeom prst="roundRect">
             <a:avLst>
@@ -10159,7 +10271,61 @@
                   <a:srgbClr val="FFFFFF"/>
                 </a:solidFill>
               </a:rPr>
-              <a:t>[RM-Ling] Generative Grammar (</a:t>
+              <a:t>[RM-Ling] </a:t>
+            </a:r>
+            <a:r>
+              <a:rPr lang="en-US" sz="2900" dirty="0" smtClean="0">
+                <a:solidFill>
+                  <a:srgbClr val="FFFFFF"/>
+                </a:solidFill>
+              </a:rPr>
+              <a:t/>
+            </a:r>
+            <a:br>
+              <a:rPr lang="en-US" sz="2900" dirty="0" smtClean="0">
+                <a:solidFill>
+                  <a:srgbClr val="FFFFFF"/>
+                </a:solidFill>
+              </a:rPr>
+            </a:br>
+            <a:r>
+              <a:rPr lang="en-US" sz="2900" dirty="0" smtClean="0">
+                <a:solidFill>
+                  <a:srgbClr val="FFFFFF"/>
+                </a:solidFill>
+              </a:rPr>
+              <a:t>Generative </a:t>
+            </a:r>
+            <a:r>
+              <a:rPr lang="en-US" sz="2900" dirty="0" smtClean="0">
+                <a:solidFill>
+                  <a:srgbClr val="FFFFFF"/>
+                </a:solidFill>
+              </a:rPr>
+              <a:t>Grammar </a:t>
+            </a:r>
+            <a:r>
+              <a:rPr lang="en-US" sz="2900" dirty="0" smtClean="0">
+                <a:solidFill>
+                  <a:srgbClr val="FFFFFF"/>
+                </a:solidFill>
+              </a:rPr>
+              <a:t/>
+            </a:r>
+            <a:br>
+              <a:rPr lang="en-US" sz="2900" dirty="0" smtClean="0">
+                <a:solidFill>
+                  <a:srgbClr val="FFFFFF"/>
+                </a:solidFill>
+              </a:rPr>
+            </a:br>
+            <a:r>
+              <a:rPr lang="en-US" sz="2900" dirty="0" smtClean="0">
+                <a:solidFill>
+                  <a:srgbClr val="FFFFFF"/>
+                </a:solidFill>
+              </a:rPr>
+              <a:t>(</a:t>
             </a:r>
             <a:r>
               <a:rPr lang="en-US" sz="2900" dirty="0" err="1" smtClean="0">
@@ -10193,8 +10359,8 @@
         </p:nvSpPr>
         <p:spPr>
           <a:xfrm>
-            <a:off x="18949076" y="10690304"/>
-            <a:ext cx="3484398" cy="2429822"/>
+            <a:off x="22057455" y="7138534"/>
+            <a:ext cx="3406605" cy="2429822"/>
           </a:xfrm>
           <a:prstGeom prst="roundRect">
             <a:avLst>
@@ -10260,7 +10426,43 @@
             </a:r>
             <a:r>
               <a:rPr lang="en-US" sz="2900" dirty="0"/>
-              <a:t>inference: philosophical theory and modern practice (Schulz)</a:t>
+              <a:t>I</a:t>
+            </a:r>
+            <a:r>
+              <a:rPr lang="en-US" sz="2900" dirty="0" smtClean="0"/>
+              <a:t>nference</a:t>
+            </a:r>
+            <a:r>
+              <a:rPr lang="en-US" sz="2900" dirty="0"/>
+              <a:t>: </a:t>
+            </a:r>
+            <a:r>
+              <a:rPr lang="en-US" sz="2900" dirty="0" smtClean="0"/>
+              <a:t>Philosophical </a:t>
+            </a:r>
+            <a:r>
+              <a:rPr lang="en-US" sz="2900" dirty="0"/>
+              <a:t>T</a:t>
+            </a:r>
+            <a:r>
+              <a:rPr lang="en-US" sz="2900" dirty="0" smtClean="0"/>
+              <a:t>heory </a:t>
+            </a:r>
+            <a:r>
+              <a:rPr lang="en-US" sz="2900" dirty="0"/>
+              <a:t>and </a:t>
+            </a:r>
+            <a:r>
+              <a:rPr lang="en-US" sz="2900" dirty="0"/>
+              <a:t>M</a:t>
+            </a:r>
+            <a:r>
+              <a:rPr lang="en-US" sz="2900" dirty="0" smtClean="0"/>
+              <a:t>odern Practice </a:t>
+            </a:r>
+            <a:r>
+              <a:rPr lang="en-US" sz="2900" dirty="0"/>
+              <a:t>(Schulz)</a:t>
             </a:r>
           </a:p>
         </p:txBody>
@@ -10412,7 +10614,15 @@
             </a:r>
             <a:r>
               <a:rPr lang="en-US" sz="2900" dirty="0"/>
-              <a:t>and epistemology (Russo) </a:t>
+              <a:t>and </a:t>
+            </a:r>
+            <a:r>
+              <a:rPr lang="en-US" sz="2900" dirty="0" smtClean="0"/>
+              <a:t>Epistemology </a:t>
+            </a:r>
+            <a:r>
+              <a:rPr lang="en-US" sz="2900" dirty="0"/>
+              <a:t>(Russo) </a:t>
             </a:r>
           </a:p>
         </p:txBody>
@@ -10425,7 +10635,7 @@
         </p:nvSpPr>
         <p:spPr>
           <a:xfrm>
-            <a:off x="26242283" y="22442771"/>
+            <a:off x="22694168" y="24752608"/>
             <a:ext cx="3013179" cy="2107808"/>
           </a:xfrm>
           <a:prstGeom prst="roundRect">
@@ -10502,7 +10712,7 @@
         </p:nvSpPr>
         <p:spPr>
           <a:xfrm>
-            <a:off x="13879257" y="23369687"/>
+            <a:off x="13879257" y="26785403"/>
             <a:ext cx="3013179" cy="2398291"/>
           </a:xfrm>
           <a:prstGeom prst="roundRect">
@@ -10559,7 +10769,7 @@
                   <a:srgbClr val="FFFFFF"/>
                 </a:solidFill>
               </a:rPr>
-              <a:t>MastMath-UvA</a:t>
+              <a:t>MastMath</a:t>
             </a:r>
             <a:r>
               <a:rPr lang="en-US" sz="2900" dirty="0" smtClean="0">
@@ -10567,7 +10777,7 @@
                   <a:srgbClr val="FFFFFF"/>
                 </a:solidFill>
               </a:rPr>
-              <a:t>] </a:t>
+              <a:t>-RU] </a:t>
             </a:r>
             <a:r>
               <a:rPr lang="en-US" sz="2900" dirty="0">
@@ -10694,8 +10904,8 @@
         </p:nvSpPr>
         <p:spPr>
           <a:xfrm>
-            <a:off x="16892436" y="17725583"/>
-            <a:ext cx="3119923" cy="2509068"/>
+            <a:off x="17235764" y="17682163"/>
+            <a:ext cx="3522617" cy="2509068"/>
           </a:xfrm>
           <a:prstGeom prst="roundRect">
             <a:avLst>
@@ -10752,6 +10962,182 @@
               <a:rPr lang="en-US" sz="2900" dirty="0"/>
               <a:t>)</a:t>
             </a:r>
+          </a:p>
+        </p:txBody>
+      </p:sp>
+      <p:sp>
+        <p:nvSpPr>
+          <p:cNvPr id="131" name="Shape 248"/>
+          <p:cNvSpPr/>
+          <p:nvPr/>
+        </p:nvSpPr>
+        <p:spPr>
+          <a:xfrm>
+            <a:off x="38547722" y="20683339"/>
+            <a:ext cx="626379" cy="1"/>
+          </a:xfrm>
+          <a:prstGeom prst="line">
+            <a:avLst/>
+          </a:prstGeom>
+          <a:ln w="76200">
+            <a:solidFill/>
+            <a:headEnd type="triangle"/>
+          </a:ln>
+          <a:effectLst>
+            <a:outerShdw blurRad="38100" dist="20000" dir="5400000" rotWithShape="0">
+              <a:srgbClr val="000000">
+                <a:alpha val="38000"/>
+              </a:srgbClr>
+            </a:outerShdw>
+          </a:effectLst>
+        </p:spPr>
+        <p:txBody>
+          <a:bodyPr lIns="0" tIns="0" rIns="0" bIns="0"/>
+          <a:lstStyle/>
+          <a:p>
+            <a:pPr algn="ctr" defTabSz="457097">
+              <a:defRPr sz="1200">
+                <a:latin typeface="+mn-lt"/>
+                <a:ea typeface="+mn-ea"/>
+                <a:cs typeface="+mn-cs"/>
+                <a:sym typeface="Helvetica"/>
+              </a:defRPr>
+            </a:pPr>
+            <a:endParaRPr/>
+          </a:p>
+        </p:txBody>
+      </p:sp>
+      <p:sp>
+        <p:nvSpPr>
+          <p:cNvPr id="132" name="Shape 248"/>
+          <p:cNvSpPr/>
+          <p:nvPr/>
+        </p:nvSpPr>
+        <p:spPr>
+          <a:xfrm flipH="1" flipV="1">
+            <a:off x="40481679" y="9666331"/>
+            <a:ext cx="1" cy="650266"/>
+          </a:xfrm>
+          <a:prstGeom prst="line">
+            <a:avLst/>
+          </a:prstGeom>
+          <a:ln w="76200">
+            <a:solidFill/>
+            <a:headEnd type="triangle"/>
+          </a:ln>
+          <a:effectLst>
+            <a:outerShdw blurRad="38100" dist="20000" dir="5400000" rotWithShape="0">
+              <a:srgbClr val="000000">
+                <a:alpha val="38000"/>
+              </a:srgbClr>
+            </a:outerShdw>
+          </a:effectLst>
+        </p:spPr>
+        <p:txBody>
+          <a:bodyPr lIns="0" tIns="0" rIns="0" bIns="0"/>
+          <a:lstStyle/>
+          <a:p>
+            <a:pPr algn="ctr" defTabSz="457097">
+              <a:defRPr sz="1200">
+                <a:latin typeface="+mn-lt"/>
+                <a:ea typeface="+mn-ea"/>
+                <a:cs typeface="+mn-cs"/>
+                <a:sym typeface="Helvetica"/>
+              </a:defRPr>
+            </a:pPr>
+            <a:endParaRPr/>
+          </a:p>
+        </p:txBody>
+      </p:sp>
+      <p:sp>
+        <p:nvSpPr>
+          <p:cNvPr id="161" name="Shape 225"/>
+          <p:cNvSpPr/>
+          <p:nvPr/>
+        </p:nvSpPr>
+        <p:spPr>
+          <a:xfrm flipV="1">
+            <a:off x="3087986" y="33692638"/>
+            <a:ext cx="6015971" cy="118387"/>
+          </a:xfrm>
+          <a:prstGeom prst="line">
+            <a:avLst/>
+          </a:prstGeom>
+          <a:ln>
+            <a:tailEnd type="triangle"/>
+          </a:ln>
+        </p:spPr>
+        <p:style>
+          <a:lnRef idx="3">
+            <a:schemeClr val="dk1"/>
+          </a:lnRef>
+          <a:fillRef idx="0">
+            <a:schemeClr val="dk1"/>
+          </a:fillRef>
+          <a:effectRef idx="2">
+            <a:schemeClr val="dk1"/>
+          </a:effectRef>
+          <a:fontRef idx="minor">
+            <a:schemeClr val="tx1"/>
+          </a:fontRef>
+        </p:style>
+        <p:txBody>
+          <a:bodyPr lIns="0" tIns="0" rIns="0" bIns="0"/>
+          <a:lstStyle/>
+          <a:p>
+            <a:pPr algn="ctr" defTabSz="457097">
+              <a:defRPr sz="1200">
+                <a:latin typeface="+mn-lt"/>
+                <a:ea typeface="+mn-ea"/>
+                <a:cs typeface="+mn-cs"/>
+                <a:sym typeface="Helvetica"/>
+              </a:defRPr>
+            </a:pPr>
+            <a:endParaRPr/>
+          </a:p>
+        </p:txBody>
+      </p:sp>
+      <p:sp>
+        <p:nvSpPr>
+          <p:cNvPr id="177" name="Shape 228"/>
+          <p:cNvSpPr/>
+          <p:nvPr/>
+        </p:nvSpPr>
+        <p:spPr>
+          <a:xfrm>
+            <a:off x="30200402" y="26463973"/>
+            <a:ext cx="4556262" cy="923597"/>
+          </a:xfrm>
+          <a:prstGeom prst="rect">
+            <a:avLst/>
+          </a:prstGeom>
+          <a:ln w="12700">
+            <a:miter lim="400000"/>
+          </a:ln>
+          <a:extLst>
+            <a:ext uri="{C572A759-6A51-4108-AA02-DFA0A04FC94B}">
+              <ma14:wrappingTextBoxFlag xmlns:ma14="http://schemas.microsoft.com/office/mac/drawingml/2011/main" val="1"/>
+            </a:ext>
+          </a:extLst>
+        </p:spPr>
+        <p:txBody>
+          <a:bodyPr lIns="208758" tIns="208758" rIns="208758" bIns="208758" anchor="ctr">
+            <a:normAutofit fontScale="92500" lnSpcReduction="10000"/>
+          </a:bodyPr>
+          <a:lstStyle>
+            <a:lvl1pPr>
+              <a:defRPr sz="4000"/>
+            </a:lvl1pPr>
+          </a:lstStyle>
+          <a:p>
+            <a:pPr lvl="0" algn="r">
+              <a:defRPr sz="1800"/>
+            </a:pPr>
+            <a:r>
+              <a:rPr lang="en-US" sz="3900" b="1" dirty="0" smtClean="0"/>
+              <a:t>Economic Theory</a:t>
+            </a:r>
+            <a:endParaRPr sz="3900" b="1" dirty="0"/>
           </a:p>
         </p:txBody>
       </p:sp>

--- a/MoLOverviewPoster2016.pptx
+++ b/MoLOverviewPoster2016.pptx
@@ -4718,10 +4718,10 @@
           </p:nvGrpSpPr>
           <p:grpSpPr>
             <a:xfrm>
-              <a:off x="35383216" y="22635739"/>
-              <a:ext cx="3243920" cy="2338546"/>
-              <a:chOff x="35468482" y="22605735"/>
-              <a:chExt cx="3243919" cy="2338546"/>
+              <a:off x="35383216" y="22555056"/>
+              <a:ext cx="3243920" cy="2419229"/>
+              <a:chOff x="35468482" y="22525052"/>
+              <a:chExt cx="3243919" cy="2419229"/>
             </a:xfrm>
           </p:grpSpPr>
           <p:sp>
@@ -4807,7 +4807,7 @@
             </p:nvSpPr>
             <p:spPr>
               <a:xfrm>
-                <a:off x="35648103" y="22605735"/>
+                <a:off x="36347347" y="22525052"/>
                 <a:ext cx="1497972" cy="1204325"/>
               </a:xfrm>
               <a:prstGeom prst="rect">
@@ -4852,10 +4852,10 @@
           </p:nvGrpSpPr>
           <p:grpSpPr>
             <a:xfrm>
-              <a:off x="38954600" y="22479171"/>
-              <a:ext cx="3580147" cy="2516135"/>
-              <a:chOff x="46839928" y="28834377"/>
-              <a:chExt cx="3580147" cy="2516135"/>
+              <a:off x="38954600" y="22559853"/>
+              <a:ext cx="3580147" cy="2435453"/>
+              <a:chOff x="46839928" y="28915059"/>
+              <a:chExt cx="3580147" cy="2435453"/>
             </a:xfrm>
           </p:grpSpPr>
           <p:sp>
@@ -4965,7 +4965,7 @@
             </p:nvSpPr>
             <p:spPr>
               <a:xfrm>
-                <a:off x="47365902" y="28834377"/>
+                <a:off x="47849994" y="28915059"/>
                 <a:ext cx="1497972" cy="1204325"/>
               </a:xfrm>
               <a:prstGeom prst="rect">
@@ -5244,7 +5244,7 @@
             </p:nvSpPr>
             <p:spPr>
               <a:xfrm>
-                <a:off x="25130626" y="13892342"/>
+                <a:off x="25318884" y="13892342"/>
                 <a:ext cx="2449136" cy="1204325"/>
               </a:xfrm>
               <a:prstGeom prst="rect">
@@ -5756,7 +5756,7 @@
           </p:nvSpPr>
           <p:spPr>
             <a:xfrm>
-              <a:off x="6473949" y="14384598"/>
+              <a:off x="6527737" y="14384598"/>
               <a:ext cx="3013179" cy="2429822"/>
             </a:xfrm>
             <a:prstGeom prst="roundRect">

--- a/MoLOverviewPoster2016.pptx
+++ b/MoLOverviewPoster2016.pptx
@@ -193,7 +193,7 @@
           <a:p>
             <a:fld id="{B179243D-0E3E-4D4F-90E9-F9F1DBB34143}" type="datetimeFigureOut">
               <a:rPr lang="en-US" smtClean="0"/>
-              <a:t>7/13/16</a:t>
+              <a:t>7/15/16</a:t>
             </a:fld>
             <a:endParaRPr lang="en-US"/>
           </a:p>
@@ -2835,26 +2835,27 @@
         </p:nvGrpSpPr>
         <p:grpSpPr>
           <a:xfrm>
-            <a:off x="508832" y="163685"/>
-            <a:ext cx="41869736" cy="29802015"/>
-            <a:chOff x="1132721" y="-35115"/>
-            <a:chExt cx="41869737" cy="29802014"/>
+            <a:off x="508832" y="163683"/>
+            <a:ext cx="41869737" cy="29802017"/>
+            <a:chOff x="1132721" y="-35117"/>
+            <a:chExt cx="41869738" cy="29802016"/>
           </a:xfrm>
         </p:grpSpPr>
         <p:sp>
           <p:nvSpPr>
-            <p:cNvPr id="8" name="Rounded Rectangle 7"/>
+            <p:cNvPr id="8" name="L-Shape 7"/>
             <p:cNvSpPr/>
             <p:nvPr/>
           </p:nvSpPr>
           <p:spPr>
-            <a:xfrm>
-              <a:off x="6123360" y="-35115"/>
-              <a:ext cx="20865993" cy="13854968"/>
+            <a:xfrm rot="5400000">
+              <a:off x="16015626" y="-9531740"/>
+              <a:ext cx="13137063" cy="32536591"/>
             </a:xfrm>
-            <a:prstGeom prst="roundRect">
+            <a:prstGeom prst="corner">
               <a:avLst>
-                <a:gd name="adj" fmla="val 9410"/>
+                <a:gd name="adj1" fmla="val 158431"/>
+                <a:gd name="adj2" fmla="val 20496"/>
               </a:avLst>
             </a:prstGeom>
             <a:solidFill>
@@ -2864,7 +2865,7 @@
             </a:solidFill>
             <a:ln w="76200">
               <a:solidFill>
-                <a:srgbClr val="00CC5C"/>
+                <a:srgbClr val="9429FF"/>
               </a:solidFill>
             </a:ln>
           </p:spPr>
@@ -2965,13 +2966,13 @@
           </p:nvSpPr>
           <p:spPr>
             <a:xfrm rot="10800000">
-              <a:off x="17223225" y="2555248"/>
-              <a:ext cx="21329322" cy="13750589"/>
+              <a:off x="17223223" y="3261436"/>
+              <a:ext cx="21329322" cy="13044400"/>
             </a:xfrm>
             <a:prstGeom prst="corner">
               <a:avLst>
-                <a:gd name="adj1" fmla="val 52163"/>
-                <a:gd name="adj2" fmla="val 81296"/>
+                <a:gd name="adj1" fmla="val 48906"/>
+                <a:gd name="adj2" fmla="val 85625"/>
               </a:avLst>
             </a:prstGeom>
             <a:solidFill>
@@ -3025,7 +3026,7 @@
           <p:spPr>
             <a:xfrm>
               <a:off x="2094535" y="6555063"/>
-              <a:ext cx="24445276" cy="10638706"/>
+              <a:ext cx="24636538" cy="10638706"/>
             </a:xfrm>
             <a:prstGeom prst="roundRect">
               <a:avLst>
@@ -3193,8 +3194,8 @@
           </p:nvSpPr>
           <p:spPr>
             <a:xfrm rot="16200000">
-              <a:off x="29277655" y="6279762"/>
-              <a:ext cx="14989885" cy="12459721"/>
+              <a:off x="26752757" y="3754864"/>
+              <a:ext cx="20039683" cy="12459721"/>
             </a:xfrm>
             <a:prstGeom prst="corner">
               <a:avLst>
@@ -3255,13 +3256,30 @@
         </p:nvSpPr>
         <p:spPr>
           <a:xfrm>
-            <a:off x="26979344" y="45958"/>
-            <a:ext cx="13005746" cy="1740826"/>
+            <a:off x="27574824" y="4769911"/>
+            <a:ext cx="8252282" cy="4454201"/>
           </a:xfrm>
-          <a:prstGeom prst="rect">
-            <a:avLst/>
+          <a:prstGeom prst="roundRect">
+            <a:avLst>
+              <a:gd name="adj" fmla="val 1358"/>
+            </a:avLst>
           </a:prstGeom>
+          <a:ln w="76200"/>
         </p:spPr>
+        <p:style>
+          <a:lnRef idx="2">
+            <a:schemeClr val="dk1"/>
+          </a:lnRef>
+          <a:fillRef idx="1">
+            <a:schemeClr val="lt1"/>
+          </a:fillRef>
+          <a:effectRef idx="0">
+            <a:schemeClr val="dk1"/>
+          </a:effectRef>
+          <a:fontRef idx="minor">
+            <a:schemeClr val="dk1"/>
+          </a:fontRef>
+        </p:style>
         <p:txBody>
           <a:bodyPr>
             <a:noAutofit/>
@@ -3294,6 +3312,89 @@
             <a:r>
               <a:rPr lang="en-US" sz="9100" dirty="0" smtClean="0"/>
               <a:t>7</a:t>
+            </a:r>
+            <a:r>
+              <a:rPr lang="en-US" sz="9100" smtClean="0"/>
+              <a:t/>
+            </a:r>
+            <a:br>
+              <a:rPr lang="en-US" sz="9100" smtClean="0"/>
+            </a:br>
+            <a:r>
+              <a:rPr lang="en-US" sz="2800" smtClean="0">
+                <a:solidFill>
+                  <a:sysClr val="windowText" lastClr="000000"/>
+                </a:solidFill>
+                <a:latin typeface="Calibri"/>
+                <a:ea typeface="Calibri"/>
+                <a:cs typeface="Calibri"/>
+              </a:rPr>
+              <a:t>v0.9.1: </a:t>
+            </a:r>
+            <a:r>
+              <a:rPr lang="en-US" sz="2800" dirty="0">
+                <a:solidFill>
+                  <a:sysClr val="windowText" lastClr="000000"/>
+                </a:solidFill>
+                <a:latin typeface="Calibri"/>
+                <a:ea typeface="Calibri"/>
+                <a:cs typeface="Calibri"/>
+              </a:rPr>
+              <a:t/>
+            </a:r>
+            <a:br>
+              <a:rPr lang="en-US" sz="2800" dirty="0">
+                <a:solidFill>
+                  <a:sysClr val="windowText" lastClr="000000"/>
+                </a:solidFill>
+                <a:latin typeface="Calibri"/>
+                <a:ea typeface="Calibri"/>
+                <a:cs typeface="Calibri"/>
+              </a:rPr>
+            </a:br>
+            <a:r>
+              <a:rPr lang="en-US" sz="2800" dirty="0">
+                <a:solidFill>
+                  <a:sysClr val="windowText" lastClr="000000"/>
+                </a:solidFill>
+                <a:latin typeface="Calibri"/>
+                <a:ea typeface="Calibri"/>
+                <a:cs typeface="Calibri"/>
+                <a:hlinkClick r:id="rId3"/>
+              </a:rPr>
+              <a:t>https://github.com/cschaffner/MoLOverviewPoster</a:t>
+            </a:r>
+            <a:r>
+              <a:rPr lang="en-US" sz="2800" dirty="0">
+                <a:solidFill>
+                  <a:sysClr val="windowText" lastClr="000000"/>
+                </a:solidFill>
+                <a:latin typeface="Calibri"/>
+                <a:ea typeface="Calibri"/>
+                <a:cs typeface="Calibri"/>
+              </a:rPr>
+              <a:t/>
+            </a:r>
+            <a:br>
+              <a:rPr lang="en-US" sz="2800" dirty="0">
+                <a:solidFill>
+                  <a:sysClr val="windowText" lastClr="000000"/>
+                </a:solidFill>
+                <a:latin typeface="Calibri"/>
+                <a:ea typeface="Calibri"/>
+                <a:cs typeface="Calibri"/>
+              </a:rPr>
+            </a:br>
+            <a:r>
+              <a:rPr lang="en-US" sz="2800" dirty="0">
+                <a:solidFill>
+                  <a:sysClr val="windowText" lastClr="000000"/>
+                </a:solidFill>
+                <a:latin typeface="Calibri"/>
+                <a:ea typeface="Calibri"/>
+                <a:cs typeface="Calibri"/>
+              </a:rPr>
+              <a:t>Suggestions and comments are welcome! </a:t>
             </a:r>
             <a:endParaRPr sz="9100" dirty="0"/>
           </a:p>
@@ -3667,7 +3768,7 @@
         </p:nvSpPr>
         <p:spPr>
           <a:xfrm>
-            <a:off x="1224736" y="27689845"/>
+            <a:off x="624858" y="27873220"/>
             <a:ext cx="3563027" cy="1700895"/>
           </a:xfrm>
           <a:prstGeom prst="rect">
@@ -3763,7 +3864,7 @@
         </p:nvSpPr>
         <p:spPr>
           <a:xfrm>
-            <a:off x="38378200" y="4566967"/>
+            <a:off x="38511884" y="2741188"/>
             <a:ext cx="3866684" cy="2828082"/>
           </a:xfrm>
           <a:prstGeom prst="rect">
@@ -4719,9 +4820,9 @@
           <p:grpSpPr>
             <a:xfrm>
               <a:off x="35383216" y="22555056"/>
-              <a:ext cx="3243920" cy="2419229"/>
+              <a:ext cx="3243920" cy="2440249"/>
               <a:chOff x="35468482" y="22525052"/>
-              <a:chExt cx="3243919" cy="2419229"/>
+              <a:chExt cx="3243919" cy="2440249"/>
             </a:xfrm>
           </p:grpSpPr>
           <p:sp>
@@ -4732,8 +4833,8 @@
             </p:nvSpPr>
             <p:spPr>
               <a:xfrm>
-                <a:off x="35468482" y="22881551"/>
-                <a:ext cx="3243919" cy="2062730"/>
+                <a:off x="35468482" y="22607352"/>
+                <a:ext cx="3243919" cy="2357949"/>
               </a:xfrm>
               <a:prstGeom prst="roundRect">
                 <a:avLst>
@@ -4852,10 +4953,10 @@
           </p:nvGrpSpPr>
           <p:grpSpPr>
             <a:xfrm>
-              <a:off x="38954600" y="22559853"/>
-              <a:ext cx="3580147" cy="2435453"/>
-              <a:chOff x="46839928" y="28915059"/>
-              <a:chExt cx="3580147" cy="2435453"/>
+              <a:off x="38949479" y="22344701"/>
+              <a:ext cx="3200125" cy="2678528"/>
+              <a:chOff x="46834807" y="28699907"/>
+              <a:chExt cx="3200125" cy="2678528"/>
             </a:xfrm>
           </p:grpSpPr>
           <p:sp>
@@ -4866,8 +4967,8 @@
             </p:nvSpPr>
             <p:spPr>
               <a:xfrm>
-                <a:off x="46839928" y="29187385"/>
-                <a:ext cx="3580147" cy="2163127"/>
+                <a:off x="46834807" y="28992562"/>
+                <a:ext cx="3200125" cy="2385873"/>
               </a:xfrm>
               <a:prstGeom prst="roundRect">
                 <a:avLst>
@@ -4952,7 +5053,46 @@
                     <a:ea typeface="Calibri" charset="0"/>
                     <a:cs typeface="Calibri" charset="0"/>
                   </a:rPr>
-                  <a:t>-FNWI] Computational Complexity (Buhrman)</a:t>
+                  <a:t>-FNWI] Computational Complexity </a:t>
+                </a:r>
+                <a:endParaRPr lang="en-US" sz="2900" dirty="0" smtClean="0">
+                  <a:solidFill>
+                    <a:schemeClr val="tx1"/>
+                  </a:solidFill>
+                  <a:latin typeface="Calibri" charset="0"/>
+                  <a:ea typeface="Calibri" charset="0"/>
+                  <a:cs typeface="Calibri" charset="0"/>
+                </a:endParaRPr>
+              </a:p>
+              <a:p>
+                <a:pPr lvl="0" algn="ctr">
+                  <a:defRPr sz="1800">
+                    <a:solidFill>
+                      <a:srgbClr val="000000"/>
+                    </a:solidFill>
+                  </a:defRPr>
+                </a:pPr>
+                <a:r>
+                  <a:rPr lang="en-US" sz="2900" dirty="0" smtClean="0">
+                    <a:solidFill>
+                      <a:schemeClr val="tx1"/>
+                    </a:solidFill>
+                    <a:latin typeface="Calibri" charset="0"/>
+                    <a:ea typeface="Calibri" charset="0"/>
+                    <a:cs typeface="Calibri" charset="0"/>
+                  </a:rPr>
+                  <a:t>(</a:t>
+                </a:r>
+                <a:r>
+                  <a:rPr lang="en-US" sz="2900" dirty="0">
+                    <a:solidFill>
+                      <a:schemeClr val="tx1"/>
+                    </a:solidFill>
+                    <a:latin typeface="Calibri" charset="0"/>
+                    <a:ea typeface="Calibri" charset="0"/>
+                    <a:cs typeface="Calibri" charset="0"/>
+                  </a:rPr>
+                  <a:t>Buhrman)</a:t>
                 </a:r>
               </a:p>
             </p:txBody>
@@ -4965,7 +5105,7 @@
             </p:nvSpPr>
             <p:spPr>
               <a:xfrm>
-                <a:off x="47849994" y="28915059"/>
+                <a:off x="47849994" y="28699907"/>
                 <a:ext cx="1497972" cy="1204325"/>
               </a:xfrm>
               <a:prstGeom prst="rect">
@@ -5006,685 +5146,6 @@
                     <a:schemeClr val="tx1"/>
                   </a:solidFill>
                 </a:endParaRPr>
-              </a:p>
-            </p:txBody>
-          </p:sp>
-        </p:grpSp>
-      </p:grpSp>
-      <p:grpSp>
-        <p:nvGrpSpPr>
-          <p:cNvPr id="25" name="Group 24"/>
-          <p:cNvGrpSpPr/>
-          <p:nvPr/>
-        </p:nvGrpSpPr>
-        <p:grpSpPr>
-          <a:xfrm>
-            <a:off x="12570639" y="10445640"/>
-            <a:ext cx="12893421" cy="6438900"/>
-            <a:chOff x="13003773" y="10349386"/>
-            <a:chExt cx="12893420" cy="6438899"/>
-          </a:xfrm>
-        </p:grpSpPr>
-        <p:sp>
-          <p:nvSpPr>
-            <p:cNvPr id="106" name="Shape 106"/>
-            <p:cNvSpPr/>
-            <p:nvPr/>
-          </p:nvSpPr>
-          <p:spPr>
-            <a:xfrm>
-              <a:off x="17668899" y="14347803"/>
-              <a:ext cx="3522617" cy="2429822"/>
-            </a:xfrm>
-            <a:prstGeom prst="roundRect">
-              <a:avLst>
-                <a:gd name="adj" fmla="val 16667"/>
-              </a:avLst>
-            </a:prstGeom>
-            <a:ln/>
-          </p:spPr>
-          <p:style>
-            <a:lnRef idx="1">
-              <a:schemeClr val="accent1"/>
-            </a:lnRef>
-            <a:fillRef idx="3">
-              <a:schemeClr val="accent1"/>
-            </a:fillRef>
-            <a:effectRef idx="2">
-              <a:schemeClr val="accent1"/>
-            </a:effectRef>
-            <a:fontRef idx="minor">
-              <a:schemeClr val="lt1"/>
-            </a:fontRef>
-          </p:style>
-          <p:txBody>
-            <a:bodyPr wrap="square" lIns="0" tIns="0" rIns="0" bIns="0" numCol="1" anchor="ctr">
-              <a:noAutofit/>
-            </a:bodyPr>
-            <a:lstStyle/>
-            <a:p>
-              <a:pPr lvl="0" algn="ctr">
-                <a:defRPr sz="1800"/>
-              </a:pPr>
-              <a:r>
-                <a:rPr lang="en-US" sz="2900" dirty="0">
-                  <a:latin typeface="Calibri" charset="0"/>
-                  <a:ea typeface="Calibri" charset="0"/>
-                  <a:cs typeface="Calibri" charset="0"/>
-                </a:rPr>
-                <a:t>[</a:t>
-              </a:r>
-              <a:r>
-                <a:rPr lang="en-US" sz="2900" dirty="0" err="1">
-                  <a:latin typeface="Calibri" charset="0"/>
-                  <a:ea typeface="Calibri" charset="0"/>
-                  <a:cs typeface="Calibri" charset="0"/>
-                </a:rPr>
-                <a:t>MoL</a:t>
-              </a:r>
-              <a:r>
-                <a:rPr lang="en-US" sz="2900" dirty="0">
-                  <a:latin typeface="Calibri" charset="0"/>
-                  <a:ea typeface="Calibri" charset="0"/>
-                  <a:cs typeface="Calibri" charset="0"/>
-                </a:rPr>
-                <a:t>-FNWI] </a:t>
-              </a:r>
-              <a:r>
-                <a:rPr lang="en-US" sz="2900" dirty="0" smtClean="0">
-                  <a:latin typeface="Calibri" charset="0"/>
-                  <a:ea typeface="Calibri" charset="0"/>
-                  <a:cs typeface="Calibri" charset="0"/>
-                </a:rPr>
-                <a:t/>
-              </a:r>
-              <a:br>
-                <a:rPr lang="en-US" sz="2900" dirty="0" smtClean="0">
-                  <a:latin typeface="Calibri" charset="0"/>
-                  <a:ea typeface="Calibri" charset="0"/>
-                  <a:cs typeface="Calibri" charset="0"/>
-                </a:rPr>
-              </a:br>
-              <a:r>
-                <a:rPr lang="en-US" sz="2900" dirty="0" smtClean="0">
-                  <a:latin typeface="Calibri" charset="0"/>
-                  <a:ea typeface="Calibri" charset="0"/>
-                  <a:cs typeface="Calibri" charset="0"/>
-                </a:rPr>
-                <a:t>Logic </a:t>
-              </a:r>
-              <a:r>
-                <a:rPr lang="en-US" sz="2900" dirty="0">
-                  <a:latin typeface="Calibri" charset="0"/>
-                  <a:ea typeface="Calibri" charset="0"/>
-                  <a:cs typeface="Calibri" charset="0"/>
-                </a:rPr>
-                <a:t>and Conversation (Roelofsen)</a:t>
-              </a:r>
-            </a:p>
-          </p:txBody>
-        </p:sp>
-        <p:grpSp>
-          <p:nvGrpSpPr>
-            <p:cNvPr id="22" name="Group 21"/>
-            <p:cNvGrpSpPr/>
-            <p:nvPr/>
-          </p:nvGrpSpPr>
-          <p:grpSpPr>
-            <a:xfrm>
-              <a:off x="22564757" y="14102369"/>
-              <a:ext cx="3332436" cy="2685916"/>
-              <a:chOff x="24887357" y="13892342"/>
-              <a:chExt cx="3332436" cy="2685916"/>
-            </a:xfrm>
-          </p:grpSpPr>
-          <p:sp>
-            <p:nvSpPr>
-              <p:cNvPr id="181" name="Shape 181"/>
-              <p:cNvSpPr/>
-              <p:nvPr/>
-            </p:nvSpPr>
-            <p:spPr>
-              <a:xfrm>
-                <a:off x="24887357" y="14148436"/>
-                <a:ext cx="3332436" cy="2429822"/>
-              </a:xfrm>
-              <a:prstGeom prst="roundRect">
-                <a:avLst>
-                  <a:gd name="adj" fmla="val 16667"/>
-                </a:avLst>
-              </a:prstGeom>
-              <a:ln w="76200">
-                <a:solidFill>
-                  <a:schemeClr val="tx1"/>
-                </a:solidFill>
-              </a:ln>
-            </p:spPr>
-            <p:style>
-              <a:lnRef idx="1">
-                <a:schemeClr val="accent4"/>
-              </a:lnRef>
-              <a:fillRef idx="2">
-                <a:schemeClr val="accent4"/>
-              </a:fillRef>
-              <a:effectRef idx="1">
-                <a:schemeClr val="accent4"/>
-              </a:effectRef>
-              <a:fontRef idx="minor">
-                <a:schemeClr val="dk1"/>
-              </a:fontRef>
-            </p:style>
-            <p:txBody>
-              <a:bodyPr wrap="square" lIns="0" tIns="0" rIns="0" bIns="0" numCol="1" anchor="ctr">
-                <a:noAutofit/>
-              </a:bodyPr>
-              <a:lstStyle/>
-              <a:p>
-                <a:pPr lvl="0" algn="ctr">
-                  <a:defRPr sz="1800"/>
-                </a:pPr>
-                <a:endParaRPr lang="en-US" sz="2900" dirty="0" smtClean="0">
-                  <a:latin typeface="Calibri" charset="0"/>
-                  <a:ea typeface="Calibri" charset="0"/>
-                  <a:cs typeface="Calibri" charset="0"/>
-                </a:endParaRPr>
-              </a:p>
-              <a:p>
-                <a:pPr lvl="0" algn="ctr">
-                  <a:defRPr sz="1800"/>
-                </a:pPr>
-                <a:r>
-                  <a:rPr lang="en-US" sz="2900" dirty="0" smtClean="0">
-                    <a:latin typeface="Calibri" charset="0"/>
-                    <a:ea typeface="Calibri" charset="0"/>
-                    <a:cs typeface="Calibri" charset="0"/>
-                  </a:rPr>
-                  <a:t>[</a:t>
-                </a:r>
-                <a:r>
-                  <a:rPr lang="en-US" sz="2900" dirty="0" err="1">
-                    <a:latin typeface="Calibri" charset="0"/>
-                    <a:ea typeface="Calibri" charset="0"/>
-                    <a:cs typeface="Calibri" charset="0"/>
-                  </a:rPr>
-                  <a:t>MoL</a:t>
-                </a:r>
-                <a:r>
-                  <a:rPr lang="en-US" sz="2900" dirty="0">
-                    <a:latin typeface="Calibri" charset="0"/>
-                    <a:ea typeface="Calibri" charset="0"/>
-                    <a:cs typeface="Calibri" charset="0"/>
-                  </a:rPr>
-                  <a:t>-FGW] Structures for Semantics (</a:t>
-                </a:r>
-                <a:r>
-                  <a:rPr lang="en-US" sz="2900" dirty="0" err="1">
-                    <a:latin typeface="Calibri" charset="0"/>
-                    <a:ea typeface="Calibri" charset="0"/>
-                    <a:cs typeface="Calibri" charset="0"/>
-                  </a:rPr>
-                  <a:t>Aloni</a:t>
-                </a:r>
-                <a:r>
-                  <a:rPr lang="en-US" sz="2900" dirty="0">
-                    <a:latin typeface="Calibri" charset="0"/>
-                    <a:ea typeface="Calibri" charset="0"/>
-                    <a:cs typeface="Calibri" charset="0"/>
-                  </a:rPr>
-                  <a:t>)</a:t>
-                </a:r>
-              </a:p>
-            </p:txBody>
-          </p:sp>
-          <p:sp>
-            <p:nvSpPr>
-              <p:cNvPr id="230" name="Shape 230"/>
-              <p:cNvSpPr/>
-              <p:nvPr/>
-            </p:nvSpPr>
-            <p:spPr>
-              <a:xfrm>
-                <a:off x="25318884" y="13892342"/>
-                <a:ext cx="2449136" cy="1204325"/>
-              </a:xfrm>
-              <a:prstGeom prst="rect">
-                <a:avLst/>
-              </a:prstGeom>
-              <a:ln w="12700">
-                <a:miter lim="400000"/>
-              </a:ln>
-              <a:extLst>
-                <a:ext uri="{C572A759-6A51-4108-AA02-DFA0A04FC94B}">
-                  <ma14:wrappingTextBoxFlag xmlns:ma14="http://schemas.microsoft.com/office/mac/drawingml/2011/main" val="1"/>
-                </a:ext>
-              </a:extLst>
-            </p:spPr>
-            <p:txBody>
-              <a:bodyPr lIns="208805" tIns="208805" rIns="208805" bIns="208805" anchor="ctr">
-                <a:normAutofit/>
-              </a:bodyPr>
-              <a:lstStyle>
-                <a:lvl1pPr>
-                  <a:defRPr sz="4000"/>
-                </a:lvl1pPr>
-              </a:lstStyle>
-              <a:p>
-                <a:pPr algn="ctr">
-                  <a:defRPr sz="1800"/>
-                </a:pPr>
-                <a:r>
-                  <a:rPr lang="en-US" sz="3300" b="1" dirty="0"/>
-                  <a:t>L&amp;L</a:t>
-                </a:r>
-                <a:endParaRPr sz="3300" b="1" dirty="0"/>
-              </a:p>
-            </p:txBody>
-          </p:sp>
-        </p:grpSp>
-        <p:grpSp>
-          <p:nvGrpSpPr>
-            <p:cNvPr id="21" name="Group 20"/>
-            <p:cNvGrpSpPr/>
-            <p:nvPr/>
-          </p:nvGrpSpPr>
-          <p:grpSpPr>
-            <a:xfrm>
-              <a:off x="17571866" y="10492426"/>
-              <a:ext cx="3611033" cy="2593755"/>
-              <a:chOff x="19416312" y="10366458"/>
-              <a:chExt cx="3611032" cy="2853101"/>
-            </a:xfrm>
-          </p:grpSpPr>
-          <p:sp>
-            <p:nvSpPr>
-              <p:cNvPr id="70" name="Shape 70"/>
-              <p:cNvSpPr/>
-              <p:nvPr/>
-            </p:nvSpPr>
-            <p:spPr>
-              <a:xfrm>
-                <a:off x="19513345" y="10554772"/>
-                <a:ext cx="3405438" cy="2664787"/>
-              </a:xfrm>
-              <a:prstGeom prst="roundRect">
-                <a:avLst>
-                  <a:gd name="adj" fmla="val 16667"/>
-                </a:avLst>
-              </a:prstGeom>
-              <a:gradFill flip="none" rotWithShape="1">
-                <a:gsLst>
-                  <a:gs pos="0">
-                    <a:srgbClr val="3F80CE"/>
-                  </a:gs>
-                  <a:gs pos="100000">
-                    <a:srgbClr val="A2C3FF"/>
-                  </a:gs>
-                </a:gsLst>
-                <a:lin ang="16200000" scaled="0"/>
-              </a:gradFill>
-              <a:ln w="76200" cap="flat">
-                <a:solidFill>
-                  <a:srgbClr val="000000"/>
-                </a:solidFill>
-                <a:prstDash val="solid"/>
-                <a:bevel/>
-              </a:ln>
-              <a:effectLst>
-                <a:outerShdw blurRad="38100" dist="23000" dir="5400000" rotWithShape="0">
-                  <a:srgbClr val="000000">
-                    <a:alpha val="35000"/>
-                  </a:srgbClr>
-                </a:outerShdw>
-              </a:effectLst>
-            </p:spPr>
-            <p:txBody>
-              <a:bodyPr wrap="square" lIns="0" tIns="0" rIns="0" bIns="0" numCol="1" anchor="ctr">
-                <a:noAutofit/>
-              </a:bodyPr>
-              <a:lstStyle/>
-              <a:p>
-                <a:pPr lvl="0" algn="ctr">
-                  <a:defRPr sz="1800">
-                    <a:solidFill>
-                      <a:srgbClr val="000000"/>
-                    </a:solidFill>
-                  </a:defRPr>
-                </a:pPr>
-                <a:r>
-                  <a:rPr lang="en-US" sz="2800" dirty="0" smtClean="0">
-                    <a:solidFill>
-                      <a:srgbClr val="FFFFFF"/>
-                    </a:solidFill>
-                    <a:latin typeface="Calibri" charset="0"/>
-                    <a:ea typeface="Calibri" charset="0"/>
-                    <a:cs typeface="Calibri" charset="0"/>
-                  </a:rPr>
-                  <a:t/>
-                </a:r>
-                <a:br>
-                  <a:rPr lang="en-US" sz="2800" dirty="0" smtClean="0">
-                    <a:solidFill>
-                      <a:srgbClr val="FFFFFF"/>
-                    </a:solidFill>
-                    <a:latin typeface="Calibri" charset="0"/>
-                    <a:ea typeface="Calibri" charset="0"/>
-                    <a:cs typeface="Calibri" charset="0"/>
-                  </a:rPr>
-                </a:br>
-                <a:r>
-                  <a:rPr lang="en-US" sz="2800" dirty="0" smtClean="0">
-                    <a:solidFill>
-                      <a:srgbClr val="FFFFFF"/>
-                    </a:solidFill>
-                    <a:latin typeface="Calibri" charset="0"/>
-                    <a:ea typeface="Calibri" charset="0"/>
-                    <a:cs typeface="Calibri" charset="0"/>
-                  </a:rPr>
-                  <a:t>[</a:t>
-                </a:r>
-                <a:r>
-                  <a:rPr lang="en-US" sz="2800" dirty="0" err="1">
-                    <a:solidFill>
-                      <a:srgbClr val="FFFFFF"/>
-                    </a:solidFill>
-                    <a:latin typeface="Calibri" charset="0"/>
-                    <a:ea typeface="Calibri" charset="0"/>
-                    <a:cs typeface="Calibri" charset="0"/>
-                  </a:rPr>
-                  <a:t>MoL</a:t>
-                </a:r>
-                <a:r>
-                  <a:rPr lang="en-US" sz="2800" dirty="0">
-                    <a:solidFill>
-                      <a:srgbClr val="FFFFFF"/>
-                    </a:solidFill>
-                    <a:latin typeface="Calibri" charset="0"/>
-                    <a:ea typeface="Calibri" charset="0"/>
-                    <a:cs typeface="Calibri" charset="0"/>
-                  </a:rPr>
-                  <a:t>-FGW] </a:t>
-                </a:r>
-                <a:r>
-                  <a:rPr lang="en-US" sz="2800" dirty="0" smtClean="0">
-                    <a:solidFill>
-                      <a:srgbClr val="FFFFFF"/>
-                    </a:solidFill>
-                    <a:latin typeface="Calibri" charset="0"/>
-                    <a:ea typeface="Calibri" charset="0"/>
-                    <a:cs typeface="Calibri" charset="0"/>
-                  </a:rPr>
-                  <a:t/>
-                </a:r>
-                <a:br>
-                  <a:rPr lang="en-US" sz="2800" dirty="0" smtClean="0">
-                    <a:solidFill>
-                      <a:srgbClr val="FFFFFF"/>
-                    </a:solidFill>
-                    <a:latin typeface="Calibri" charset="0"/>
-                    <a:ea typeface="Calibri" charset="0"/>
-                    <a:cs typeface="Calibri" charset="0"/>
-                  </a:rPr>
-                </a:br>
-                <a:r>
-                  <a:rPr lang="en-US" sz="2800" dirty="0" smtClean="0">
-                    <a:solidFill>
-                      <a:srgbClr val="FFFFFF"/>
-                    </a:solidFill>
-                    <a:latin typeface="Calibri" charset="0"/>
-                    <a:ea typeface="Calibri" charset="0"/>
-                    <a:cs typeface="Calibri" charset="0"/>
-                  </a:rPr>
-                  <a:t>Meaning</a:t>
-                </a:r>
-                <a:r>
-                  <a:rPr lang="en-US" sz="2800" dirty="0">
-                    <a:solidFill>
-                      <a:srgbClr val="FFFFFF"/>
-                    </a:solidFill>
-                    <a:latin typeface="Calibri" charset="0"/>
-                    <a:ea typeface="Calibri" charset="0"/>
-                    <a:cs typeface="Calibri" charset="0"/>
-                  </a:rPr>
-                  <a:t>, Reference and Modality (Dekker)</a:t>
-                </a:r>
-              </a:p>
-            </p:txBody>
-          </p:sp>
-          <p:sp>
-            <p:nvSpPr>
-              <p:cNvPr id="146" name="Shape 230"/>
-              <p:cNvSpPr/>
-              <p:nvPr/>
-            </p:nvSpPr>
-            <p:spPr>
-              <a:xfrm>
-                <a:off x="21529372" y="10366458"/>
-                <a:ext cx="1497972" cy="1204325"/>
-              </a:xfrm>
-              <a:prstGeom prst="rect">
-                <a:avLst/>
-              </a:prstGeom>
-              <a:ln w="12700">
-                <a:miter lim="400000"/>
-              </a:ln>
-              <a:extLst>
-                <a:ext uri="{C572A759-6A51-4108-AA02-DFA0A04FC94B}">
-                  <ma14:wrappingTextBoxFlag xmlns:ma14="http://schemas.microsoft.com/office/mac/drawingml/2011/main" val="1"/>
-                </a:ext>
-              </a:extLst>
-            </p:spPr>
-            <p:txBody>
-              <a:bodyPr lIns="208805" tIns="208805" rIns="208805" bIns="208805" anchor="ctr">
-                <a:normAutofit/>
-              </a:bodyPr>
-              <a:lstStyle>
-                <a:lvl1pPr>
-                  <a:defRPr sz="4000"/>
-                </a:lvl1pPr>
-              </a:lstStyle>
-              <a:p>
-                <a:pPr algn="ctr">
-                  <a:defRPr sz="1800"/>
-                </a:pPr>
-                <a:r>
-                  <a:rPr lang="en-US" sz="3300" b="1" dirty="0">
-                    <a:solidFill>
-                      <a:schemeClr val="bg1"/>
-                    </a:solidFill>
-                  </a:rPr>
-                  <a:t>L&amp;L</a:t>
-                </a:r>
-                <a:endParaRPr sz="3300" b="1" dirty="0">
-                  <a:solidFill>
-                    <a:schemeClr val="bg1"/>
-                  </a:solidFill>
-                </a:endParaRPr>
-              </a:p>
-            </p:txBody>
-          </p:sp>
-          <p:sp>
-            <p:nvSpPr>
-              <p:cNvPr id="147" name="Shape 230"/>
-              <p:cNvSpPr/>
-              <p:nvPr/>
-            </p:nvSpPr>
-            <p:spPr>
-              <a:xfrm>
-                <a:off x="19416312" y="10368380"/>
-                <a:ext cx="1497972" cy="1204325"/>
-              </a:xfrm>
-              <a:prstGeom prst="rect">
-                <a:avLst/>
-              </a:prstGeom>
-              <a:ln w="12700">
-                <a:miter lim="400000"/>
-              </a:ln>
-              <a:extLst>
-                <a:ext uri="{C572A759-6A51-4108-AA02-DFA0A04FC94B}">
-                  <ma14:wrappingTextBoxFlag xmlns:ma14="http://schemas.microsoft.com/office/mac/drawingml/2011/main" val="1"/>
-                </a:ext>
-              </a:extLst>
-            </p:spPr>
-            <p:txBody>
-              <a:bodyPr lIns="208805" tIns="208805" rIns="208805" bIns="208805" anchor="ctr">
-                <a:normAutofit/>
-              </a:bodyPr>
-              <a:lstStyle>
-                <a:lvl1pPr>
-                  <a:defRPr sz="4000"/>
-                </a:lvl1pPr>
-              </a:lstStyle>
-              <a:p>
-                <a:pPr algn="ctr">
-                  <a:defRPr sz="1800"/>
-                </a:pPr>
-                <a:r>
-                  <a:rPr lang="en-US" sz="3300" b="1" dirty="0">
-                    <a:solidFill>
-                      <a:schemeClr val="bg1"/>
-                    </a:solidFill>
-                  </a:rPr>
-                  <a:t>L&amp;P</a:t>
-                </a:r>
-                <a:endParaRPr sz="3300" b="1" dirty="0">
-                  <a:solidFill>
-                    <a:schemeClr val="bg1"/>
-                  </a:solidFill>
-                </a:endParaRPr>
-              </a:p>
-            </p:txBody>
-          </p:sp>
-        </p:grpSp>
-        <p:grpSp>
-          <p:nvGrpSpPr>
-            <p:cNvPr id="23" name="Group 22"/>
-            <p:cNvGrpSpPr/>
-            <p:nvPr/>
-          </p:nvGrpSpPr>
-          <p:grpSpPr>
-            <a:xfrm>
-              <a:off x="13003773" y="10349386"/>
-              <a:ext cx="3314497" cy="2725061"/>
-              <a:chOff x="4266687" y="4924171"/>
-              <a:chExt cx="3314497" cy="2725061"/>
-            </a:xfrm>
-          </p:grpSpPr>
-          <p:sp>
-            <p:nvSpPr>
-              <p:cNvPr id="91" name="Shape 91"/>
-              <p:cNvSpPr/>
-              <p:nvPr/>
-            </p:nvSpPr>
-            <p:spPr>
-              <a:xfrm>
-                <a:off x="4266687" y="5135936"/>
-                <a:ext cx="3314497" cy="2513296"/>
-              </a:xfrm>
-              <a:prstGeom prst="roundRect">
-                <a:avLst>
-                  <a:gd name="adj" fmla="val 16667"/>
-                </a:avLst>
-              </a:prstGeom>
-              <a:gradFill flip="none" rotWithShape="1">
-                <a:gsLst>
-                  <a:gs pos="0">
-                    <a:srgbClr val="DAFEA4"/>
-                  </a:gs>
-                  <a:gs pos="35000">
-                    <a:srgbClr val="E4FDBF"/>
-                  </a:gs>
-                  <a:gs pos="100000">
-                    <a:srgbClr val="F5FFE6"/>
-                  </a:gs>
-                </a:gsLst>
-                <a:lin ang="16200000" scaled="0"/>
-              </a:gradFill>
-              <a:ln w="76200" cap="flat">
-                <a:solidFill>
-                  <a:srgbClr val="000000"/>
-                </a:solidFill>
-                <a:prstDash val="solid"/>
-                <a:bevel/>
-              </a:ln>
-              <a:effectLst>
-                <a:outerShdw blurRad="38100" dist="20000" dir="5400000" rotWithShape="0">
-                  <a:srgbClr val="000000">
-                    <a:alpha val="38000"/>
-                  </a:srgbClr>
-                </a:outerShdw>
-              </a:effectLst>
-            </p:spPr>
-            <p:txBody>
-              <a:bodyPr wrap="square" lIns="0" tIns="0" rIns="0" bIns="0" numCol="1" anchor="ctr">
-                <a:noAutofit/>
-              </a:bodyPr>
-              <a:lstStyle/>
-              <a:p>
-                <a:pPr lvl="0" algn="ctr">
-                  <a:defRPr sz="1800"/>
-                </a:pPr>
-                <a:endParaRPr lang="en-US" sz="2900" dirty="0" smtClean="0"/>
-              </a:p>
-              <a:p>
-                <a:pPr lvl="0" algn="ctr">
-                  <a:defRPr sz="1800"/>
-                </a:pPr>
-                <a:r>
-                  <a:rPr lang="en-US" sz="2900" dirty="0" smtClean="0"/>
-                  <a:t>[</a:t>
-                </a:r>
-                <a:r>
-                  <a:rPr lang="en-US" sz="2900" dirty="0" err="1"/>
-                  <a:t>MoL</a:t>
-                </a:r>
-                <a:r>
-                  <a:rPr lang="en-US" sz="2900" dirty="0"/>
-                  <a:t>-FNWI] Philosophical Logic (vRooij)</a:t>
-                </a:r>
-              </a:p>
-            </p:txBody>
-          </p:sp>
-          <p:sp>
-            <p:nvSpPr>
-              <p:cNvPr id="155" name="Shape 230"/>
-              <p:cNvSpPr/>
-              <p:nvPr/>
-            </p:nvSpPr>
-            <p:spPr>
-              <a:xfrm>
-                <a:off x="5217114" y="4924171"/>
-                <a:ext cx="1497972" cy="1204325"/>
-              </a:xfrm>
-              <a:prstGeom prst="rect">
-                <a:avLst/>
-              </a:prstGeom>
-              <a:ln w="12700">
-                <a:miter lim="400000"/>
-              </a:ln>
-              <a:extLst>
-                <a:ext uri="{C572A759-6A51-4108-AA02-DFA0A04FC94B}">
-                  <ma14:wrappingTextBoxFlag xmlns:ma14="http://schemas.microsoft.com/office/mac/drawingml/2011/main" val="1"/>
-                </a:ext>
-              </a:extLst>
-            </p:spPr>
-            <p:txBody>
-              <a:bodyPr lIns="208805" tIns="208805" rIns="208805" bIns="208805" anchor="ctr">
-                <a:normAutofit/>
-              </a:bodyPr>
-              <a:lstStyle>
-                <a:lvl1pPr>
-                  <a:defRPr sz="4000"/>
-                </a:lvl1pPr>
-              </a:lstStyle>
-              <a:p>
-                <a:pPr algn="ctr">
-                  <a:defRPr sz="1800"/>
-                </a:pPr>
-                <a:r>
-                  <a:rPr lang="en-US" sz="3300" b="1" dirty="0"/>
-                  <a:t>L&amp;P</a:t>
-                </a:r>
-                <a:endParaRPr sz="3300" b="1" dirty="0"/>
               </a:p>
             </p:txBody>
           </p:sp>
@@ -6047,8 +5508,8 @@
         </p:nvSpPr>
         <p:spPr>
           <a:xfrm flipH="1" flipV="1">
-            <a:off x="4377240" y="25859091"/>
-            <a:ext cx="1376579" cy="913789"/>
+            <a:off x="4325761" y="25590754"/>
+            <a:ext cx="1588634" cy="1090496"/>
           </a:xfrm>
           <a:prstGeom prst="line">
             <a:avLst/>
@@ -6089,8 +5550,8 @@
         </p:nvSpPr>
         <p:spPr>
           <a:xfrm flipH="1" flipV="1">
-            <a:off x="4230304" y="21473785"/>
-            <a:ext cx="1523511" cy="1589332"/>
+            <a:off x="4230303" y="21473784"/>
+            <a:ext cx="1684091" cy="1745515"/>
           </a:xfrm>
           <a:prstGeom prst="line">
             <a:avLst/>
@@ -6131,8 +5592,8 @@
         </p:nvSpPr>
         <p:spPr>
           <a:xfrm flipH="1" flipV="1">
-            <a:off x="4820139" y="20172045"/>
-            <a:ext cx="1031399" cy="0"/>
+            <a:off x="4820138" y="20172044"/>
+            <a:ext cx="1098897" cy="384775"/>
           </a:xfrm>
           <a:prstGeom prst="line">
             <a:avLst/>
@@ -6173,8 +5634,8 @@
         </p:nvSpPr>
         <p:spPr>
           <a:xfrm>
-            <a:off x="33758303" y="2397445"/>
-            <a:ext cx="4375668" cy="2074228"/>
+            <a:off x="31125801" y="3172316"/>
+            <a:ext cx="3211107" cy="1256002"/>
           </a:xfrm>
           <a:prstGeom prst="rect">
             <a:avLst/>
@@ -6263,537 +5724,715 @@
       </p:sp>
       <p:grpSp>
         <p:nvGrpSpPr>
-          <p:cNvPr id="6" name="Group 5"/>
+          <p:cNvPr id="14" name="Group 13"/>
           <p:cNvGrpSpPr/>
           <p:nvPr/>
         </p:nvGrpSpPr>
         <p:grpSpPr>
           <a:xfrm>
-            <a:off x="6109761" y="432692"/>
-            <a:ext cx="19354299" cy="12610176"/>
-            <a:chOff x="6542893" y="336437"/>
-            <a:chExt cx="19354299" cy="12610177"/>
+            <a:off x="12570639" y="10445640"/>
+            <a:ext cx="12893421" cy="6438900"/>
+            <a:chOff x="12570639" y="10445640"/>
+            <a:chExt cx="12893421" cy="6438900"/>
           </a:xfrm>
         </p:grpSpPr>
-        <p:sp>
-          <p:nvSpPr>
-            <p:cNvPr id="73" name="Shape 73"/>
-            <p:cNvSpPr/>
+        <p:grpSp>
+          <p:nvGrpSpPr>
+            <p:cNvPr id="25" name="Group 24"/>
+            <p:cNvGrpSpPr/>
             <p:nvPr/>
-          </p:nvSpPr>
-          <p:spPr>
+          </p:nvGrpSpPr>
+          <p:grpSpPr>
             <a:xfrm>
-              <a:off x="17823109" y="3353595"/>
-              <a:ext cx="3362348" cy="2426557"/>
+              <a:off x="12570639" y="10445640"/>
+              <a:ext cx="12893421" cy="6438900"/>
+              <a:chOff x="13003773" y="10349386"/>
+              <a:chExt cx="12893420" cy="6438899"/>
             </a:xfrm>
-            <a:prstGeom prst="roundRect">
-              <a:avLst>
-                <a:gd name="adj" fmla="val 16667"/>
-              </a:avLst>
-            </a:prstGeom>
-            <a:gradFill flip="none" rotWithShape="1">
-              <a:gsLst>
-                <a:gs pos="0">
-                  <a:srgbClr val="3F80CE"/>
-                </a:gs>
-                <a:gs pos="100000">
-                  <a:srgbClr val="A2C3FF"/>
-                </a:gs>
-              </a:gsLst>
-              <a:lin ang="16200000" scaled="0"/>
-            </a:gradFill>
-            <a:ln w="9525" cap="flat">
-              <a:solidFill>
-                <a:srgbClr val="4A7EBB"/>
-              </a:solidFill>
-              <a:prstDash val="solid"/>
-              <a:bevel/>
-            </a:ln>
-            <a:effectLst>
-              <a:outerShdw blurRad="38100" dist="23000" dir="5400000" rotWithShape="0">
-                <a:srgbClr val="000000">
-                  <a:alpha val="35000"/>
-                </a:srgbClr>
-              </a:outerShdw>
-            </a:effectLst>
-          </p:spPr>
-          <p:txBody>
-            <a:bodyPr wrap="square" lIns="0" tIns="0" rIns="0" bIns="0" numCol="1" anchor="ctr">
-              <a:noAutofit/>
-            </a:bodyPr>
-            <a:lstStyle/>
-            <a:p>
-              <a:pPr lvl="0" algn="ctr">
-                <a:defRPr sz="1800">
+          </p:grpSpPr>
+          <p:sp>
+            <p:nvSpPr>
+              <p:cNvPr id="106" name="Shape 106"/>
+              <p:cNvSpPr/>
+              <p:nvPr/>
+            </p:nvSpPr>
+            <p:spPr>
+              <a:xfrm>
+                <a:off x="17668899" y="14347803"/>
+                <a:ext cx="3522617" cy="2429822"/>
+              </a:xfrm>
+              <a:prstGeom prst="roundRect">
+                <a:avLst>
+                  <a:gd name="adj" fmla="val 16667"/>
+                </a:avLst>
+              </a:prstGeom>
+              <a:ln/>
+            </p:spPr>
+            <p:style>
+              <a:lnRef idx="1">
+                <a:schemeClr val="accent1"/>
+              </a:lnRef>
+              <a:fillRef idx="3">
+                <a:schemeClr val="accent1"/>
+              </a:fillRef>
+              <a:effectRef idx="2">
+                <a:schemeClr val="accent1"/>
+              </a:effectRef>
+              <a:fontRef idx="minor">
+                <a:schemeClr val="lt1"/>
+              </a:fontRef>
+            </p:style>
+            <p:txBody>
+              <a:bodyPr wrap="square" lIns="0" tIns="0" rIns="0" bIns="0" numCol="1" anchor="ctr">
+                <a:noAutofit/>
+              </a:bodyPr>
+              <a:lstStyle/>
+              <a:p>
+                <a:pPr lvl="0" algn="ctr">
+                  <a:defRPr sz="1800"/>
+                </a:pPr>
+                <a:r>
+                  <a:rPr lang="en-US" sz="2900" dirty="0">
+                    <a:latin typeface="Calibri" charset="0"/>
+                    <a:ea typeface="Calibri" charset="0"/>
+                    <a:cs typeface="Calibri" charset="0"/>
+                  </a:rPr>
+                  <a:t>[</a:t>
+                </a:r>
+                <a:r>
+                  <a:rPr lang="en-US" sz="2900" dirty="0" err="1">
+                    <a:latin typeface="Calibri" charset="0"/>
+                    <a:ea typeface="Calibri" charset="0"/>
+                    <a:cs typeface="Calibri" charset="0"/>
+                  </a:rPr>
+                  <a:t>MoL</a:t>
+                </a:r>
+                <a:r>
+                  <a:rPr lang="en-US" sz="2900" dirty="0">
+                    <a:latin typeface="Calibri" charset="0"/>
+                    <a:ea typeface="Calibri" charset="0"/>
+                    <a:cs typeface="Calibri" charset="0"/>
+                  </a:rPr>
+                  <a:t>-FNWI] </a:t>
+                </a:r>
+                <a:r>
+                  <a:rPr lang="en-US" sz="2900" dirty="0" smtClean="0">
+                    <a:latin typeface="Calibri" charset="0"/>
+                    <a:ea typeface="Calibri" charset="0"/>
+                    <a:cs typeface="Calibri" charset="0"/>
+                  </a:rPr>
+                  <a:t/>
+                </a:r>
+                <a:br>
+                  <a:rPr lang="en-US" sz="2900" dirty="0" smtClean="0">
+                    <a:latin typeface="Calibri" charset="0"/>
+                    <a:ea typeface="Calibri" charset="0"/>
+                    <a:cs typeface="Calibri" charset="0"/>
+                  </a:rPr>
+                </a:br>
+                <a:r>
+                  <a:rPr lang="en-US" sz="2900" dirty="0" smtClean="0">
+                    <a:latin typeface="Calibri" charset="0"/>
+                    <a:ea typeface="Calibri" charset="0"/>
+                    <a:cs typeface="Calibri" charset="0"/>
+                  </a:rPr>
+                  <a:t>Logic </a:t>
+                </a:r>
+                <a:r>
+                  <a:rPr lang="en-US" sz="2900" dirty="0">
+                    <a:latin typeface="Calibri" charset="0"/>
+                    <a:ea typeface="Calibri" charset="0"/>
+                    <a:cs typeface="Calibri" charset="0"/>
+                  </a:rPr>
+                  <a:t>and Conversation (Roelofsen)</a:t>
+                </a:r>
+              </a:p>
+            </p:txBody>
+          </p:sp>
+          <p:grpSp>
+            <p:nvGrpSpPr>
+              <p:cNvPr id="22" name="Group 21"/>
+              <p:cNvGrpSpPr/>
+              <p:nvPr/>
+            </p:nvGrpSpPr>
+            <p:grpSpPr>
+              <a:xfrm>
+                <a:off x="22564757" y="14102369"/>
+                <a:ext cx="3332436" cy="2685916"/>
+                <a:chOff x="24887357" y="13892342"/>
+                <a:chExt cx="3332436" cy="2685916"/>
+              </a:xfrm>
+            </p:grpSpPr>
+            <p:sp>
+              <p:nvSpPr>
+                <p:cNvPr id="181" name="Shape 181"/>
+                <p:cNvSpPr/>
+                <p:nvPr/>
+              </p:nvSpPr>
+              <p:spPr>
+                <a:xfrm>
+                  <a:off x="24887357" y="14148436"/>
+                  <a:ext cx="3332436" cy="2429822"/>
+                </a:xfrm>
+                <a:prstGeom prst="roundRect">
+                  <a:avLst>
+                    <a:gd name="adj" fmla="val 16667"/>
+                  </a:avLst>
+                </a:prstGeom>
+                <a:ln w="76200">
+                  <a:solidFill>
+                    <a:schemeClr val="tx1"/>
+                  </a:solidFill>
+                </a:ln>
+              </p:spPr>
+              <p:style>
+                <a:lnRef idx="1">
+                  <a:schemeClr val="accent4"/>
+                </a:lnRef>
+                <a:fillRef idx="2">
+                  <a:schemeClr val="accent4"/>
+                </a:fillRef>
+                <a:effectRef idx="1">
+                  <a:schemeClr val="accent4"/>
+                </a:effectRef>
+                <a:fontRef idx="minor">
+                  <a:schemeClr val="dk1"/>
+                </a:fontRef>
+              </p:style>
+              <p:txBody>
+                <a:bodyPr wrap="square" lIns="0" tIns="0" rIns="0" bIns="0" numCol="1" anchor="ctr">
+                  <a:noAutofit/>
+                </a:bodyPr>
+                <a:lstStyle/>
+                <a:p>
+                  <a:pPr lvl="0" algn="ctr">
+                    <a:defRPr sz="1800"/>
+                  </a:pPr>
+                  <a:endParaRPr lang="en-US" sz="2900" dirty="0" smtClean="0">
+                    <a:latin typeface="Calibri" charset="0"/>
+                    <a:ea typeface="Calibri" charset="0"/>
+                    <a:cs typeface="Calibri" charset="0"/>
+                  </a:endParaRPr>
+                </a:p>
+                <a:p>
+                  <a:pPr lvl="0" algn="ctr">
+                    <a:defRPr sz="1800"/>
+                  </a:pPr>
+                  <a:r>
+                    <a:rPr lang="en-US" sz="2900" dirty="0" smtClean="0">
+                      <a:latin typeface="Calibri" charset="0"/>
+                      <a:ea typeface="Calibri" charset="0"/>
+                      <a:cs typeface="Calibri" charset="0"/>
+                    </a:rPr>
+                    <a:t>[</a:t>
+                  </a:r>
+                  <a:r>
+                    <a:rPr lang="en-US" sz="2900" dirty="0" err="1">
+                      <a:latin typeface="Calibri" charset="0"/>
+                      <a:ea typeface="Calibri" charset="0"/>
+                      <a:cs typeface="Calibri" charset="0"/>
+                    </a:rPr>
+                    <a:t>MoL</a:t>
+                  </a:r>
+                  <a:r>
+                    <a:rPr lang="en-US" sz="2900" dirty="0">
+                      <a:latin typeface="Calibri" charset="0"/>
+                      <a:ea typeface="Calibri" charset="0"/>
+                      <a:cs typeface="Calibri" charset="0"/>
+                    </a:rPr>
+                    <a:t>-FGW] Structures for Semantics </a:t>
+                  </a:r>
+                  <a:endParaRPr lang="en-US" sz="2900" dirty="0" smtClean="0">
+                    <a:latin typeface="Calibri" charset="0"/>
+                    <a:ea typeface="Calibri" charset="0"/>
+                    <a:cs typeface="Calibri" charset="0"/>
+                  </a:endParaRPr>
+                </a:p>
+                <a:p>
+                  <a:pPr lvl="0" algn="ctr">
+                    <a:defRPr sz="1800"/>
+                  </a:pPr>
+                  <a:r>
+                    <a:rPr lang="en-US" sz="2900" dirty="0" smtClean="0">
+                      <a:latin typeface="Calibri" charset="0"/>
+                      <a:ea typeface="Calibri" charset="0"/>
+                      <a:cs typeface="Calibri" charset="0"/>
+                    </a:rPr>
+                    <a:t>(</a:t>
+                  </a:r>
+                  <a:r>
+                    <a:rPr lang="en-US" sz="2900" dirty="0" err="1">
+                      <a:latin typeface="Calibri" charset="0"/>
+                      <a:ea typeface="Calibri" charset="0"/>
+                      <a:cs typeface="Calibri" charset="0"/>
+                    </a:rPr>
+                    <a:t>Aloni</a:t>
+                  </a:r>
+                  <a:r>
+                    <a:rPr lang="en-US" sz="2900" dirty="0">
+                      <a:latin typeface="Calibri" charset="0"/>
+                      <a:ea typeface="Calibri" charset="0"/>
+                      <a:cs typeface="Calibri" charset="0"/>
+                    </a:rPr>
+                    <a:t>)</a:t>
+                  </a:r>
+                </a:p>
+              </p:txBody>
+            </p:sp>
+            <p:sp>
+              <p:nvSpPr>
+                <p:cNvPr id="230" name="Shape 230"/>
+                <p:cNvSpPr/>
+                <p:nvPr/>
+              </p:nvSpPr>
+              <p:spPr>
+                <a:xfrm>
+                  <a:off x="25318884" y="13892342"/>
+                  <a:ext cx="2449136" cy="1204325"/>
+                </a:xfrm>
+                <a:prstGeom prst="rect">
+                  <a:avLst/>
+                </a:prstGeom>
+                <a:ln w="12700">
+                  <a:miter lim="400000"/>
+                </a:ln>
+                <a:extLst>
+                  <a:ext uri="{C572A759-6A51-4108-AA02-DFA0A04FC94B}">
+                    <ma14:wrappingTextBoxFlag xmlns:ma14="http://schemas.microsoft.com/office/mac/drawingml/2011/main" val="1"/>
+                  </a:ext>
+                </a:extLst>
+              </p:spPr>
+              <p:txBody>
+                <a:bodyPr lIns="208805" tIns="208805" rIns="208805" bIns="208805" anchor="ctr">
+                  <a:normAutofit/>
+                </a:bodyPr>
+                <a:lstStyle>
+                  <a:lvl1pPr>
+                    <a:defRPr sz="4000"/>
+                  </a:lvl1pPr>
+                </a:lstStyle>
+                <a:p>
+                  <a:pPr algn="ctr">
+                    <a:defRPr sz="1800"/>
+                  </a:pPr>
+                  <a:r>
+                    <a:rPr lang="en-US" sz="3300" b="1" dirty="0"/>
+                    <a:t>L&amp;L</a:t>
+                  </a:r>
+                  <a:endParaRPr sz="3300" b="1" dirty="0"/>
+                </a:p>
+              </p:txBody>
+            </p:sp>
+          </p:grpSp>
+          <p:grpSp>
+            <p:nvGrpSpPr>
+              <p:cNvPr id="21" name="Group 20"/>
+              <p:cNvGrpSpPr/>
+              <p:nvPr/>
+            </p:nvGrpSpPr>
+            <p:grpSpPr>
+              <a:xfrm>
+                <a:off x="17571866" y="10492426"/>
+                <a:ext cx="3611033" cy="2542520"/>
+                <a:chOff x="19416312" y="10366458"/>
+                <a:chExt cx="3611032" cy="2796743"/>
+              </a:xfrm>
+            </p:grpSpPr>
+            <p:sp>
+              <p:nvSpPr>
+                <p:cNvPr id="70" name="Shape 70"/>
+                <p:cNvSpPr/>
+                <p:nvPr/>
+              </p:nvSpPr>
+              <p:spPr>
+                <a:xfrm>
+                  <a:off x="19513345" y="10498414"/>
+                  <a:ext cx="3405438" cy="2664787"/>
+                </a:xfrm>
+                <a:prstGeom prst="roundRect">
+                  <a:avLst>
+                    <a:gd name="adj" fmla="val 16667"/>
+                  </a:avLst>
+                </a:prstGeom>
+                <a:gradFill flip="none" rotWithShape="1">
+                  <a:gsLst>
+                    <a:gs pos="0">
+                      <a:srgbClr val="3F80CE"/>
+                    </a:gs>
+                    <a:gs pos="100000">
+                      <a:srgbClr val="A2C3FF"/>
+                    </a:gs>
+                  </a:gsLst>
+                  <a:lin ang="16200000" scaled="0"/>
+                </a:gradFill>
+                <a:ln w="76200" cap="flat">
                   <a:solidFill>
                     <a:srgbClr val="000000"/>
                   </a:solidFill>
-                </a:defRPr>
-              </a:pPr>
-              <a:r>
-                <a:rPr lang="en-US" sz="2900" dirty="0">
-                  <a:solidFill>
-                    <a:srgbClr val="FFFFFF"/>
-                  </a:solidFill>
-                </a:rPr>
-                <a:t>[MoL-FGW] Rationality, Cognition and Reasoning (</a:t>
-              </a:r>
-              <a:r>
-                <a:rPr lang="en-US" sz="2900" dirty="0" err="1">
-                  <a:solidFill>
-                    <a:srgbClr val="FFFFFF"/>
-                  </a:solidFill>
-                </a:rPr>
-                <a:t>vLambalgen</a:t>
-              </a:r>
-              <a:r>
-                <a:rPr lang="en-US" sz="2900" dirty="0">
-                  <a:solidFill>
-                    <a:srgbClr val="FFFFFF"/>
-                  </a:solidFill>
-                </a:rPr>
-                <a:t>)</a:t>
-              </a:r>
-            </a:p>
-          </p:txBody>
-        </p:sp>
-        <p:sp>
-          <p:nvSpPr>
-            <p:cNvPr id="79" name="Shape 79"/>
-            <p:cNvSpPr/>
-            <p:nvPr/>
-          </p:nvSpPr>
-          <p:spPr>
-            <a:xfrm>
-              <a:off x="13654941" y="336437"/>
-              <a:ext cx="3199763" cy="2970038"/>
-            </a:xfrm>
-            <a:prstGeom prst="ellipse">
-              <a:avLst/>
-            </a:prstGeom>
-            <a:gradFill flip="none" rotWithShape="1">
-              <a:gsLst>
-                <a:gs pos="0">
-                  <a:srgbClr val="3F80CE"/>
-                </a:gs>
-                <a:gs pos="100000">
-                  <a:srgbClr val="A2C3FF"/>
-                </a:gs>
-              </a:gsLst>
-              <a:lin ang="16200000" scaled="0"/>
-            </a:gradFill>
-            <a:ln w="9525" cap="flat">
-              <a:solidFill>
-                <a:schemeClr val="tx1"/>
-              </a:solidFill>
-              <a:prstDash val="solid"/>
-              <a:bevel/>
-            </a:ln>
-            <a:effectLst>
-              <a:outerShdw blurRad="38100" dist="23000" dir="5400000" rotWithShape="0">
-                <a:srgbClr val="000000">
-                  <a:alpha val="35000"/>
-                </a:srgbClr>
-              </a:outerShdw>
-            </a:effectLst>
-          </p:spPr>
-          <p:txBody>
-            <a:bodyPr wrap="square" lIns="0" tIns="0" rIns="0" bIns="0" numCol="1" anchor="ctr">
-              <a:noAutofit/>
-            </a:bodyPr>
-            <a:lstStyle/>
-            <a:p>
-              <a:pPr lvl="0" algn="ctr">
-                <a:defRPr sz="1800">
+                  <a:prstDash val="solid"/>
+                  <a:bevel/>
+                </a:ln>
+                <a:effectLst>
+                  <a:outerShdw blurRad="38100" dist="23000" dir="5400000" rotWithShape="0">
+                    <a:srgbClr val="000000">
+                      <a:alpha val="35000"/>
+                    </a:srgbClr>
+                  </a:outerShdw>
+                </a:effectLst>
+              </p:spPr>
+              <p:txBody>
+                <a:bodyPr wrap="square" lIns="0" tIns="0" rIns="0" bIns="0" numCol="1" anchor="ctr">
+                  <a:noAutofit/>
+                </a:bodyPr>
+                <a:lstStyle/>
+                <a:p>
+                  <a:pPr lvl="0" algn="ctr">
+                    <a:defRPr sz="1800">
+                      <a:solidFill>
+                        <a:srgbClr val="000000"/>
+                      </a:solidFill>
+                    </a:defRPr>
+                  </a:pPr>
+                  <a:r>
+                    <a:rPr lang="en-US" sz="2800" dirty="0" smtClean="0">
+                      <a:solidFill>
+                        <a:srgbClr val="FFFFFF"/>
+                      </a:solidFill>
+                      <a:latin typeface="Calibri" charset="0"/>
+                      <a:ea typeface="Calibri" charset="0"/>
+                      <a:cs typeface="Calibri" charset="0"/>
+                    </a:rPr>
+                    <a:t/>
+                  </a:r>
+                  <a:br>
+                    <a:rPr lang="en-US" sz="2800" dirty="0" smtClean="0">
+                      <a:solidFill>
+                        <a:srgbClr val="FFFFFF"/>
+                      </a:solidFill>
+                      <a:latin typeface="Calibri" charset="0"/>
+                      <a:ea typeface="Calibri" charset="0"/>
+                      <a:cs typeface="Calibri" charset="0"/>
+                    </a:rPr>
+                  </a:br>
+                  <a:r>
+                    <a:rPr lang="en-US" sz="2900" dirty="0" smtClean="0">
+                      <a:solidFill>
+                        <a:srgbClr val="FFFFFF"/>
+                      </a:solidFill>
+                      <a:latin typeface="Calibri" charset="0"/>
+                      <a:ea typeface="Calibri" charset="0"/>
+                      <a:cs typeface="Calibri" charset="0"/>
+                    </a:rPr>
+                    <a:t>[</a:t>
+                  </a:r>
+                  <a:r>
+                    <a:rPr lang="en-US" sz="2900" dirty="0" err="1">
+                      <a:solidFill>
+                        <a:srgbClr val="FFFFFF"/>
+                      </a:solidFill>
+                      <a:latin typeface="Calibri" charset="0"/>
+                      <a:ea typeface="Calibri" charset="0"/>
+                      <a:cs typeface="Calibri" charset="0"/>
+                    </a:rPr>
+                    <a:t>MoL</a:t>
+                  </a:r>
+                  <a:r>
+                    <a:rPr lang="en-US" sz="2900" dirty="0">
+                      <a:solidFill>
+                        <a:srgbClr val="FFFFFF"/>
+                      </a:solidFill>
+                      <a:latin typeface="Calibri" charset="0"/>
+                      <a:ea typeface="Calibri" charset="0"/>
+                      <a:cs typeface="Calibri" charset="0"/>
+                    </a:rPr>
+                    <a:t>-FGW] </a:t>
+                  </a:r>
+                  <a:r>
+                    <a:rPr lang="en-US" sz="2900" dirty="0" smtClean="0">
+                      <a:solidFill>
+                        <a:srgbClr val="FFFFFF"/>
+                      </a:solidFill>
+                      <a:latin typeface="Calibri" charset="0"/>
+                      <a:ea typeface="Calibri" charset="0"/>
+                      <a:cs typeface="Calibri" charset="0"/>
+                    </a:rPr>
+                    <a:t/>
+                  </a:r>
+                  <a:br>
+                    <a:rPr lang="en-US" sz="2900" dirty="0" smtClean="0">
+                      <a:solidFill>
+                        <a:srgbClr val="FFFFFF"/>
+                      </a:solidFill>
+                      <a:latin typeface="Calibri" charset="0"/>
+                      <a:ea typeface="Calibri" charset="0"/>
+                      <a:cs typeface="Calibri" charset="0"/>
+                    </a:rPr>
+                  </a:br>
+                  <a:r>
+                    <a:rPr lang="en-US" sz="2900" dirty="0" smtClean="0">
+                      <a:solidFill>
+                        <a:srgbClr val="FFFFFF"/>
+                      </a:solidFill>
+                      <a:latin typeface="Calibri" charset="0"/>
+                      <a:ea typeface="Calibri" charset="0"/>
+                      <a:cs typeface="Calibri" charset="0"/>
+                    </a:rPr>
+                    <a:t>Meaning</a:t>
+                  </a:r>
+                  <a:r>
+                    <a:rPr lang="en-US" sz="2900" dirty="0">
+                      <a:solidFill>
+                        <a:srgbClr val="FFFFFF"/>
+                      </a:solidFill>
+                      <a:latin typeface="Calibri" charset="0"/>
+                      <a:ea typeface="Calibri" charset="0"/>
+                      <a:cs typeface="Calibri" charset="0"/>
+                    </a:rPr>
+                    <a:t>, Reference and Modality (Dekker)</a:t>
+                  </a:r>
+                </a:p>
+              </p:txBody>
+            </p:sp>
+            <p:sp>
+              <p:nvSpPr>
+                <p:cNvPr id="146" name="Shape 230"/>
+                <p:cNvSpPr/>
+                <p:nvPr/>
+              </p:nvSpPr>
+              <p:spPr>
+                <a:xfrm>
+                  <a:off x="21529372" y="10366458"/>
+                  <a:ext cx="1497972" cy="1204325"/>
+                </a:xfrm>
+                <a:prstGeom prst="rect">
+                  <a:avLst/>
+                </a:prstGeom>
+                <a:ln w="12700">
+                  <a:miter lim="400000"/>
+                </a:ln>
+                <a:extLst>
+                  <a:ext uri="{C572A759-6A51-4108-AA02-DFA0A04FC94B}">
+                    <ma14:wrappingTextBoxFlag xmlns:ma14="http://schemas.microsoft.com/office/mac/drawingml/2011/main" val="1"/>
+                  </a:ext>
+                </a:extLst>
+              </p:spPr>
+              <p:txBody>
+                <a:bodyPr lIns="208805" tIns="208805" rIns="208805" bIns="208805" anchor="ctr">
+                  <a:normAutofit/>
+                </a:bodyPr>
+                <a:lstStyle>
+                  <a:lvl1pPr>
+                    <a:defRPr sz="4000"/>
+                  </a:lvl1pPr>
+                </a:lstStyle>
+                <a:p>
+                  <a:pPr algn="ctr">
+                    <a:defRPr sz="1800"/>
+                  </a:pPr>
+                  <a:r>
+                    <a:rPr lang="en-US" sz="3300" b="1" dirty="0">
+                      <a:solidFill>
+                        <a:schemeClr val="bg1"/>
+                      </a:solidFill>
+                    </a:rPr>
+                    <a:t>L&amp;L</a:t>
+                  </a:r>
+                  <a:endParaRPr sz="3300" b="1" dirty="0">
+                    <a:solidFill>
+                      <a:schemeClr val="bg1"/>
+                    </a:solidFill>
+                  </a:endParaRPr>
+                </a:p>
+              </p:txBody>
+            </p:sp>
+            <p:sp>
+              <p:nvSpPr>
+                <p:cNvPr id="147" name="Shape 230"/>
+                <p:cNvSpPr/>
+                <p:nvPr/>
+              </p:nvSpPr>
+              <p:spPr>
+                <a:xfrm>
+                  <a:off x="19416312" y="10368380"/>
+                  <a:ext cx="1497972" cy="1204325"/>
+                </a:xfrm>
+                <a:prstGeom prst="rect">
+                  <a:avLst/>
+                </a:prstGeom>
+                <a:ln w="12700">
+                  <a:miter lim="400000"/>
+                </a:ln>
+                <a:extLst>
+                  <a:ext uri="{C572A759-6A51-4108-AA02-DFA0A04FC94B}">
+                    <ma14:wrappingTextBoxFlag xmlns:ma14="http://schemas.microsoft.com/office/mac/drawingml/2011/main" val="1"/>
+                  </a:ext>
+                </a:extLst>
+              </p:spPr>
+              <p:txBody>
+                <a:bodyPr lIns="208805" tIns="208805" rIns="208805" bIns="208805" anchor="ctr">
+                  <a:normAutofit/>
+                </a:bodyPr>
+                <a:lstStyle>
+                  <a:lvl1pPr>
+                    <a:defRPr sz="4000"/>
+                  </a:lvl1pPr>
+                </a:lstStyle>
+                <a:p>
+                  <a:pPr algn="ctr">
+                    <a:defRPr sz="1800"/>
+                  </a:pPr>
+                  <a:r>
+                    <a:rPr lang="en-US" sz="3300" b="1" dirty="0">
+                      <a:solidFill>
+                        <a:schemeClr val="bg1"/>
+                      </a:solidFill>
+                    </a:rPr>
+                    <a:t>L&amp;P</a:t>
+                  </a:r>
+                  <a:endParaRPr sz="3300" b="1" dirty="0">
+                    <a:solidFill>
+                      <a:schemeClr val="bg1"/>
+                    </a:solidFill>
+                  </a:endParaRPr>
+                </a:p>
+              </p:txBody>
+            </p:sp>
+          </p:grpSp>
+          <p:grpSp>
+            <p:nvGrpSpPr>
+              <p:cNvPr id="23" name="Group 22"/>
+              <p:cNvGrpSpPr/>
+              <p:nvPr/>
+            </p:nvGrpSpPr>
+            <p:grpSpPr>
+              <a:xfrm>
+                <a:off x="13003773" y="10349386"/>
+                <a:ext cx="3314497" cy="2730928"/>
+                <a:chOff x="4266687" y="4924171"/>
+                <a:chExt cx="3314497" cy="2730928"/>
+              </a:xfrm>
+            </p:grpSpPr>
+            <p:sp>
+              <p:nvSpPr>
+                <p:cNvPr id="91" name="Shape 91"/>
+                <p:cNvSpPr/>
+                <p:nvPr/>
+              </p:nvSpPr>
+              <p:spPr>
+                <a:xfrm>
+                  <a:off x="4266687" y="5141803"/>
+                  <a:ext cx="3314497" cy="2513296"/>
+                </a:xfrm>
+                <a:prstGeom prst="roundRect">
+                  <a:avLst>
+                    <a:gd name="adj" fmla="val 16667"/>
+                  </a:avLst>
+                </a:prstGeom>
+                <a:gradFill flip="none" rotWithShape="1">
+                  <a:gsLst>
+                    <a:gs pos="0">
+                      <a:srgbClr val="DAFEA4"/>
+                    </a:gs>
+                    <a:gs pos="35000">
+                      <a:srgbClr val="E4FDBF"/>
+                    </a:gs>
+                    <a:gs pos="100000">
+                      <a:srgbClr val="F5FFE6"/>
+                    </a:gs>
+                  </a:gsLst>
+                  <a:lin ang="16200000" scaled="0"/>
+                </a:gradFill>
+                <a:ln w="76200" cap="flat">
                   <a:solidFill>
                     <a:srgbClr val="000000"/>
                   </a:solidFill>
-                </a:defRPr>
-              </a:pPr>
-              <a:r>
-                <a:rPr lang="en-US" sz="2900" dirty="0">
-                  <a:solidFill>
-                    <a:srgbClr val="FFFFFF"/>
-                  </a:solidFill>
-                </a:rPr>
-                <a:t>[</a:t>
-              </a:r>
-              <a:r>
-                <a:rPr lang="en-US" sz="2900" dirty="0" err="1">
-                  <a:solidFill>
-                    <a:srgbClr val="FFFFFF"/>
-                  </a:solidFill>
-                </a:rPr>
-                <a:t>GSHum</a:t>
-              </a:r>
-              <a:r>
-                <a:rPr lang="en-US" sz="2900" dirty="0">
-                  <a:solidFill>
-                    <a:srgbClr val="FFFFFF"/>
-                  </a:solidFill>
-                </a:rPr>
-                <a:t>] Introduction to the Philosophy of Language (Brouwer)</a:t>
-              </a:r>
-            </a:p>
-          </p:txBody>
-        </p:sp>
-        <p:sp>
-          <p:nvSpPr>
-            <p:cNvPr id="118" name="Shape 118"/>
-            <p:cNvSpPr/>
-            <p:nvPr/>
-          </p:nvSpPr>
-          <p:spPr>
-            <a:xfrm>
-              <a:off x="22551596" y="3378930"/>
-              <a:ext cx="3345596" cy="2429822"/>
-            </a:xfrm>
-            <a:prstGeom prst="roundRect">
-              <a:avLst>
-                <a:gd name="adj" fmla="val 16667"/>
-              </a:avLst>
-            </a:prstGeom>
-            <a:gradFill flip="none" rotWithShape="1">
-              <a:gsLst>
-                <a:gs pos="0">
-                  <a:srgbClr val="DAFEA4"/>
-                </a:gs>
-                <a:gs pos="35000">
-                  <a:srgbClr val="E4FDBF"/>
-                </a:gs>
-                <a:gs pos="100000">
-                  <a:srgbClr val="F5FFE6"/>
-                </a:gs>
-              </a:gsLst>
-              <a:lin ang="16200000" scaled="0"/>
-            </a:gradFill>
-            <a:ln w="9525" cap="flat">
-              <a:solidFill>
-                <a:srgbClr val="98B955"/>
-              </a:solidFill>
-              <a:prstDash val="solid"/>
-              <a:bevel/>
-            </a:ln>
-            <a:effectLst>
-              <a:outerShdw blurRad="38100" dist="20000" dir="5400000" rotWithShape="0">
-                <a:srgbClr val="000000">
-                  <a:alpha val="38000"/>
-                </a:srgbClr>
-              </a:outerShdw>
-            </a:effectLst>
-          </p:spPr>
-          <p:txBody>
-            <a:bodyPr wrap="square" lIns="0" tIns="0" rIns="0" bIns="0" numCol="1" anchor="ctr">
-              <a:noAutofit/>
-            </a:bodyPr>
-            <a:lstStyle/>
-            <a:p>
-              <a:pPr lvl="0" algn="ctr">
-                <a:defRPr sz="1800"/>
-              </a:pPr>
-              <a:r>
-                <a:rPr lang="en-US" sz="2900" dirty="0"/>
-                <a:t>[</a:t>
-              </a:r>
-              <a:r>
-                <a:rPr lang="en-US" sz="2900" dirty="0" err="1"/>
-                <a:t>MAPhil</a:t>
-              </a:r>
-              <a:r>
-                <a:rPr lang="en-US" sz="2900" dirty="0"/>
-                <a:t>]   Philosophy of </a:t>
-              </a:r>
-              <a:r>
-                <a:rPr lang="en-US" sz="2900" dirty="0" smtClean="0"/>
-                <a:t>Cognition </a:t>
-              </a:r>
-              <a:br>
-                <a:rPr lang="en-US" sz="2900" dirty="0" smtClean="0"/>
-              </a:br>
-              <a:r>
-                <a:rPr lang="en-US" sz="2900" dirty="0" smtClean="0"/>
-                <a:t>(</a:t>
-              </a:r>
-              <a:r>
-                <a:rPr lang="en-US" sz="2900" dirty="0" err="1"/>
-                <a:t>Brouwer</a:t>
-              </a:r>
-              <a:r>
-                <a:rPr lang="en-US" sz="2900" dirty="0" smtClean="0"/>
-                <a:t>)</a:t>
-              </a:r>
-              <a:endParaRPr lang="en-US" sz="2900" dirty="0"/>
-            </a:p>
-          </p:txBody>
-        </p:sp>
-        <p:sp>
-          <p:nvSpPr>
-            <p:cNvPr id="121" name="Shape 121"/>
-            <p:cNvSpPr/>
-            <p:nvPr/>
-          </p:nvSpPr>
-          <p:spPr>
-            <a:xfrm>
-              <a:off x="6542893" y="812779"/>
-              <a:ext cx="3013179" cy="2429822"/>
-            </a:xfrm>
-            <a:prstGeom prst="roundRect">
-              <a:avLst>
-                <a:gd name="adj" fmla="val 16667"/>
-              </a:avLst>
-            </a:prstGeom>
-            <a:gradFill flip="none" rotWithShape="1">
-              <a:gsLst>
-                <a:gs pos="0">
-                  <a:srgbClr val="DAFEA4"/>
-                </a:gs>
-                <a:gs pos="35000">
-                  <a:srgbClr val="E4FDBF"/>
-                </a:gs>
-                <a:gs pos="100000">
-                  <a:srgbClr val="F5FFE6"/>
-                </a:gs>
-              </a:gsLst>
-              <a:lin ang="16200000" scaled="0"/>
-            </a:gradFill>
-            <a:ln w="9525" cap="flat">
-              <a:solidFill>
-                <a:srgbClr val="98B955"/>
-              </a:solidFill>
-              <a:prstDash val="solid"/>
-              <a:bevel/>
-            </a:ln>
-            <a:effectLst>
-              <a:outerShdw blurRad="38100" dist="20000" dir="5400000" rotWithShape="0">
-                <a:srgbClr val="000000">
-                  <a:alpha val="38000"/>
-                </a:srgbClr>
-              </a:outerShdw>
-            </a:effectLst>
-          </p:spPr>
-          <p:txBody>
-            <a:bodyPr wrap="square" lIns="0" tIns="0" rIns="0" bIns="0" numCol="1" anchor="ctr">
-              <a:noAutofit/>
-            </a:bodyPr>
-            <a:lstStyle/>
-            <a:p>
-              <a:pPr lvl="0" algn="ctr">
-                <a:defRPr sz="1800"/>
-              </a:pPr>
-              <a:r>
-                <a:rPr lang="en-US" sz="2900" dirty="0"/>
-                <a:t>[</a:t>
-              </a:r>
-              <a:r>
-                <a:rPr lang="en-US" sz="2900" dirty="0" err="1"/>
-                <a:t>MAPhil</a:t>
-              </a:r>
-              <a:r>
-                <a:rPr lang="en-US" sz="2900" dirty="0"/>
-                <a:t>]   </a:t>
-              </a:r>
-              <a:r>
-                <a:rPr lang="en-US" sz="2900" dirty="0" smtClean="0"/>
-                <a:t/>
-              </a:r>
-              <a:br>
-                <a:rPr lang="en-US" sz="2900" dirty="0" smtClean="0"/>
-              </a:br>
-              <a:r>
-                <a:rPr lang="en-US" sz="2900" dirty="0" smtClean="0"/>
-                <a:t>Early </a:t>
-              </a:r>
-              <a:r>
-                <a:rPr lang="en-US" sz="2900" dirty="0"/>
-                <a:t>M</a:t>
-              </a:r>
-              <a:r>
-                <a:rPr lang="en-US" sz="2900" dirty="0" smtClean="0"/>
-                <a:t>odern </a:t>
-              </a:r>
-              <a:r>
-                <a:rPr lang="en-US" sz="2900" dirty="0"/>
-                <a:t>P</a:t>
-              </a:r>
-              <a:r>
-                <a:rPr lang="en-US" sz="2900" dirty="0" smtClean="0"/>
-                <a:t>hilosophy </a:t>
-              </a:r>
-              <a:r>
-                <a:rPr lang="en-US" sz="2900" dirty="0"/>
-                <a:t>of language (Maat)</a:t>
-              </a:r>
-            </a:p>
-          </p:txBody>
-        </p:sp>
-        <p:sp>
-          <p:nvSpPr>
-            <p:cNvPr id="139" name="Shape 139"/>
-            <p:cNvSpPr/>
-            <p:nvPr/>
-          </p:nvSpPr>
-          <p:spPr>
-            <a:xfrm>
-              <a:off x="6605298" y="7187371"/>
-              <a:ext cx="3013179" cy="2429822"/>
-            </a:xfrm>
-            <a:prstGeom prst="roundRect">
-              <a:avLst>
-                <a:gd name="adj" fmla="val 16667"/>
-              </a:avLst>
-            </a:prstGeom>
-            <a:gradFill flip="none" rotWithShape="1">
-              <a:gsLst>
-                <a:gs pos="0">
-                  <a:srgbClr val="C8B2E9"/>
-                </a:gs>
-                <a:gs pos="35000">
-                  <a:srgbClr val="D8C9EE"/>
-                </a:gs>
-                <a:gs pos="100000">
-                  <a:srgbClr val="F0EAF9"/>
-                </a:gs>
-              </a:gsLst>
-              <a:lin ang="16200000" scaled="0"/>
-            </a:gradFill>
-            <a:ln w="9525" cap="flat">
-              <a:solidFill>
-                <a:srgbClr val="7D60A0"/>
-              </a:solidFill>
-              <a:prstDash val="solid"/>
-              <a:bevel/>
-            </a:ln>
-            <a:effectLst>
-              <a:outerShdw blurRad="38100" dist="20000" dir="5400000" rotWithShape="0">
-                <a:srgbClr val="000000">
-                  <a:alpha val="38000"/>
-                </a:srgbClr>
-              </a:outerShdw>
-            </a:effectLst>
-          </p:spPr>
-          <p:txBody>
-            <a:bodyPr wrap="square" lIns="0" tIns="0" rIns="0" bIns="0" numCol="1" anchor="ctr">
-              <a:noAutofit/>
-            </a:bodyPr>
-            <a:lstStyle/>
-            <a:p>
-              <a:pPr lvl="0" algn="ctr">
-                <a:defRPr sz="1800"/>
-              </a:pPr>
-              <a:r>
-                <a:rPr lang="en-US" sz="2900" dirty="0"/>
-                <a:t>[</a:t>
-              </a:r>
-              <a:r>
-                <a:rPr lang="en-US" sz="2900" dirty="0" err="1"/>
-                <a:t>MoL</a:t>
-              </a:r>
-              <a:r>
-                <a:rPr lang="en-US" sz="2900" dirty="0"/>
-                <a:t>-FNWI] </a:t>
-              </a:r>
-              <a:r>
-                <a:rPr lang="en-US" sz="2900" dirty="0" smtClean="0"/>
-                <a:t/>
-              </a:r>
-              <a:br>
-                <a:rPr lang="en-US" sz="2900" dirty="0" smtClean="0"/>
-              </a:br>
-              <a:r>
-                <a:rPr lang="en-US" sz="2900" dirty="0" smtClean="0"/>
-                <a:t>Logic</a:t>
-              </a:r>
-              <a:r>
-                <a:rPr lang="en-US" sz="2900" dirty="0"/>
-                <a:t>, Knowledge and Science (Smets)</a:t>
-              </a:r>
-            </a:p>
-          </p:txBody>
-        </p:sp>
-        <p:sp>
-          <p:nvSpPr>
-            <p:cNvPr id="145" name="Shape 145"/>
-            <p:cNvSpPr/>
-            <p:nvPr/>
-          </p:nvSpPr>
-          <p:spPr>
-            <a:xfrm>
-              <a:off x="10140755" y="3660938"/>
-              <a:ext cx="3376646" cy="2429822"/>
-            </a:xfrm>
-            <a:prstGeom prst="roundRect">
-              <a:avLst>
-                <a:gd name="adj" fmla="val 16667"/>
-              </a:avLst>
-            </a:prstGeom>
-            <a:gradFill flip="none" rotWithShape="1">
-              <a:gsLst>
-                <a:gs pos="0">
-                  <a:srgbClr val="C8B2E9"/>
-                </a:gs>
-                <a:gs pos="35000">
-                  <a:srgbClr val="D8C9EE"/>
-                </a:gs>
-                <a:gs pos="100000">
-                  <a:srgbClr val="F0EAF9"/>
-                </a:gs>
-              </a:gsLst>
-              <a:lin ang="16200000" scaled="0"/>
-            </a:gradFill>
-            <a:ln w="9525" cap="flat">
-              <a:solidFill>
-                <a:srgbClr val="7D60A0"/>
-              </a:solidFill>
-              <a:prstDash val="solid"/>
-              <a:bevel/>
-            </a:ln>
-            <a:effectLst>
-              <a:outerShdw blurRad="38100" dist="20000" dir="5400000" rotWithShape="0">
-                <a:srgbClr val="000000">
-                  <a:alpha val="38000"/>
-                </a:srgbClr>
-              </a:outerShdw>
-            </a:effectLst>
-          </p:spPr>
-          <p:txBody>
-            <a:bodyPr wrap="square" lIns="0" tIns="0" rIns="0" bIns="0" numCol="1" anchor="ctr">
-              <a:noAutofit/>
-            </a:bodyPr>
-            <a:lstStyle/>
-            <a:p>
-              <a:pPr lvl="0" algn="ctr">
-                <a:defRPr sz="1800"/>
-              </a:pPr>
-              <a:r>
-                <a:rPr lang="en-US" sz="2900" dirty="0"/>
-                <a:t>[</a:t>
-              </a:r>
-              <a:r>
-                <a:rPr lang="en-US" sz="2900" dirty="0" err="1"/>
-                <a:t>MoL</a:t>
-              </a:r>
-              <a:r>
-                <a:rPr lang="en-US" sz="2900" dirty="0"/>
-                <a:t>-FGW] </a:t>
-              </a:r>
-              <a:r>
-                <a:rPr lang="en-US" sz="2900" dirty="0" smtClean="0"/>
-                <a:t/>
-              </a:r>
-              <a:br>
-                <a:rPr lang="en-US" sz="2900" dirty="0" smtClean="0"/>
-              </a:br>
-              <a:r>
-                <a:rPr lang="en-US" sz="2900" dirty="0" smtClean="0"/>
-                <a:t>Ethics</a:t>
-              </a:r>
-              <a:r>
-                <a:rPr lang="en-US" sz="2900" dirty="0"/>
-                <a:t>, Ontology, Life: Wittgenstein's Later Work (Stokhof)</a:t>
-              </a:r>
-            </a:p>
-          </p:txBody>
-        </p:sp>
+                  <a:prstDash val="solid"/>
+                  <a:bevel/>
+                </a:ln>
+                <a:effectLst>
+                  <a:outerShdw blurRad="38100" dist="20000" dir="5400000" rotWithShape="0">
+                    <a:srgbClr val="000000">
+                      <a:alpha val="38000"/>
+                    </a:srgbClr>
+                  </a:outerShdw>
+                </a:effectLst>
+              </p:spPr>
+              <p:txBody>
+                <a:bodyPr wrap="square" lIns="0" tIns="0" rIns="0" bIns="0" numCol="1" anchor="ctr">
+                  <a:noAutofit/>
+                </a:bodyPr>
+                <a:lstStyle/>
+                <a:p>
+                  <a:pPr lvl="0" algn="ctr">
+                    <a:defRPr sz="1800"/>
+                  </a:pPr>
+                  <a:endParaRPr lang="en-US" sz="2900" dirty="0" smtClean="0"/>
+                </a:p>
+                <a:p>
+                  <a:pPr lvl="0" algn="ctr">
+                    <a:defRPr sz="1800"/>
+                  </a:pPr>
+                  <a:r>
+                    <a:rPr lang="en-US" sz="2900" dirty="0" smtClean="0"/>
+                    <a:t>[</a:t>
+                  </a:r>
+                  <a:r>
+                    <a:rPr lang="en-US" sz="2900" dirty="0" err="1"/>
+                    <a:t>MoL</a:t>
+                  </a:r>
+                  <a:r>
+                    <a:rPr lang="en-US" sz="2900" dirty="0"/>
+                    <a:t>-FNWI] Philosophical Logic (vRooij)</a:t>
+                  </a:r>
+                </a:p>
+              </p:txBody>
+            </p:sp>
+            <p:sp>
+              <p:nvSpPr>
+                <p:cNvPr id="155" name="Shape 230"/>
+                <p:cNvSpPr/>
+                <p:nvPr/>
+              </p:nvSpPr>
+              <p:spPr>
+                <a:xfrm>
+                  <a:off x="5217114" y="4924171"/>
+                  <a:ext cx="1497972" cy="1204325"/>
+                </a:xfrm>
+                <a:prstGeom prst="rect">
+                  <a:avLst/>
+                </a:prstGeom>
+                <a:ln w="12700">
+                  <a:miter lim="400000"/>
+                </a:ln>
+                <a:extLst>
+                  <a:ext uri="{C572A759-6A51-4108-AA02-DFA0A04FC94B}">
+                    <ma14:wrappingTextBoxFlag xmlns:ma14="http://schemas.microsoft.com/office/mac/drawingml/2011/main" val="1"/>
+                  </a:ext>
+                </a:extLst>
+              </p:spPr>
+              <p:txBody>
+                <a:bodyPr lIns="208805" tIns="208805" rIns="208805" bIns="208805" anchor="ctr">
+                  <a:normAutofit/>
+                </a:bodyPr>
+                <a:lstStyle>
+                  <a:lvl1pPr>
+                    <a:defRPr sz="4000"/>
+                  </a:lvl1pPr>
+                </a:lstStyle>
+                <a:p>
+                  <a:pPr algn="ctr">
+                    <a:defRPr sz="1800"/>
+                  </a:pPr>
+                  <a:r>
+                    <a:rPr lang="en-US" sz="3300" b="1" dirty="0"/>
+                    <a:t>L&amp;P</a:t>
+                  </a:r>
+                  <a:endParaRPr sz="3300" b="1" dirty="0"/>
+                </a:p>
+              </p:txBody>
+            </p:sp>
+          </p:grpSp>
+        </p:grpSp>
         <p:sp>
           <p:nvSpPr>
             <p:cNvPr id="169" name="Shape 169"/>
@@ -6802,7 +6441,7 @@
           </p:nvSpPr>
           <p:spPr>
             <a:xfrm>
-              <a:off x="22596337" y="10599908"/>
+              <a:off x="22163205" y="10746567"/>
               <a:ext cx="3300855" cy="2346706"/>
             </a:xfrm>
             <a:prstGeom prst="roundRect">
@@ -6884,267 +6523,94 @@
             </a:p>
           </p:txBody>
         </p:sp>
-        <p:sp>
-          <p:nvSpPr>
-            <p:cNvPr id="202" name="Shape 202"/>
-            <p:cNvSpPr/>
-            <p:nvPr/>
-          </p:nvSpPr>
-          <p:spPr>
-            <a:xfrm>
-              <a:off x="17834961" y="7052859"/>
-              <a:ext cx="3350496" cy="2429822"/>
-            </a:xfrm>
-            <a:prstGeom prst="roundRect">
-              <a:avLst>
-                <a:gd name="adj" fmla="val 16667"/>
-              </a:avLst>
-            </a:prstGeom>
-            <a:gradFill flip="none" rotWithShape="1">
-              <a:gsLst>
-                <a:gs pos="0">
-                  <a:srgbClr val="FFD1BB"/>
-                </a:gs>
-                <a:gs pos="35000">
-                  <a:srgbClr val="FFDECF"/>
-                </a:gs>
-                <a:gs pos="100000">
-                  <a:srgbClr val="FFF2ED"/>
-                </a:gs>
-              </a:gsLst>
-              <a:lin ang="16200000" scaled="0"/>
-            </a:gradFill>
-            <a:ln w="9525" cap="flat">
-              <a:solidFill>
-                <a:srgbClr val="F69240"/>
-              </a:solidFill>
-              <a:prstDash val="solid"/>
-              <a:bevel/>
-            </a:ln>
-            <a:effectLst>
-              <a:outerShdw blurRad="38100" dist="20000" dir="5400000" rotWithShape="0">
-                <a:srgbClr val="000000">
-                  <a:alpha val="38000"/>
-                </a:srgbClr>
-              </a:outerShdw>
-            </a:effectLst>
-          </p:spPr>
-          <p:txBody>
-            <a:bodyPr wrap="square" lIns="0" tIns="0" rIns="0" bIns="0" numCol="1" anchor="ctr">
-              <a:noAutofit/>
-            </a:bodyPr>
-            <a:lstStyle/>
-            <a:p>
-              <a:pPr lvl="0" algn="ctr">
-                <a:defRPr sz="1800"/>
-              </a:pPr>
-              <a:r>
-                <a:rPr lang="en-US" sz="2900" dirty="0"/>
-                <a:t>[</a:t>
-              </a:r>
-              <a:r>
-                <a:rPr lang="en-US" sz="2900" dirty="0" err="1"/>
-                <a:t>MAPhil</a:t>
-              </a:r>
-              <a:r>
-                <a:rPr lang="en-US" sz="2900" dirty="0"/>
-                <a:t>] </a:t>
-              </a:r>
-              <a:r>
-                <a:rPr lang="en-US" sz="2900" dirty="0" smtClean="0"/>
-                <a:t/>
-              </a:r>
-              <a:br>
-                <a:rPr lang="en-US" sz="2900" dirty="0" smtClean="0"/>
-              </a:br>
-              <a:r>
-                <a:rPr lang="en-US" sz="2900" dirty="0" smtClean="0"/>
-                <a:t>Kant</a:t>
-              </a:r>
-              <a:r>
-                <a:rPr lang="en-US" sz="2900" dirty="0"/>
-                <a:t>, Logic and Cognition (vLambalgen)</a:t>
-              </a:r>
-            </a:p>
-          </p:txBody>
-        </p:sp>
-        <p:sp>
-          <p:nvSpPr>
-            <p:cNvPr id="205" name="Shape 205"/>
-            <p:cNvSpPr/>
-            <p:nvPr/>
-          </p:nvSpPr>
-          <p:spPr>
-            <a:xfrm>
-              <a:off x="12939749" y="7186668"/>
-              <a:ext cx="3332470" cy="2429822"/>
-            </a:xfrm>
-            <a:prstGeom prst="roundRect">
-              <a:avLst>
-                <a:gd name="adj" fmla="val 16667"/>
-              </a:avLst>
-            </a:prstGeom>
-            <a:gradFill flip="none" rotWithShape="1">
-              <a:gsLst>
-                <a:gs pos="0">
-                  <a:srgbClr val="FFD1BB"/>
-                </a:gs>
-                <a:gs pos="35000">
-                  <a:srgbClr val="FFDECF"/>
-                </a:gs>
-                <a:gs pos="100000">
-                  <a:srgbClr val="FFF2ED"/>
-                </a:gs>
-              </a:gsLst>
-              <a:lin ang="16200000" scaled="0"/>
-            </a:gradFill>
-            <a:ln w="9525" cap="flat">
-              <a:solidFill>
-                <a:srgbClr val="F69240"/>
-              </a:solidFill>
-              <a:prstDash val="solid"/>
-              <a:bevel/>
-            </a:ln>
-            <a:effectLst>
-              <a:outerShdw blurRad="38100" dist="20000" dir="5400000" rotWithShape="0">
-                <a:srgbClr val="000000">
-                  <a:alpha val="38000"/>
-                </a:srgbClr>
-              </a:outerShdw>
-            </a:effectLst>
-          </p:spPr>
-          <p:txBody>
-            <a:bodyPr wrap="square" lIns="0" tIns="0" rIns="0" bIns="0" numCol="1" anchor="ctr">
-              <a:noAutofit/>
-            </a:bodyPr>
-            <a:lstStyle/>
-            <a:p>
-              <a:pPr lvl="0" algn="ctr">
-                <a:defRPr sz="1800"/>
-              </a:pPr>
-              <a:r>
-                <a:rPr lang="en-US" sz="2900" dirty="0"/>
-                <a:t>[</a:t>
-              </a:r>
-              <a:r>
-                <a:rPr lang="en-US" sz="2900" dirty="0" err="1"/>
-                <a:t>MoL</a:t>
-              </a:r>
-              <a:r>
-                <a:rPr lang="en-US" sz="2900" dirty="0"/>
-                <a:t>-FGW] </a:t>
-              </a:r>
-              <a:r>
-                <a:rPr lang="en-US" sz="2900" dirty="0" smtClean="0"/>
-                <a:t/>
-              </a:r>
-              <a:br>
-                <a:rPr lang="en-US" sz="2900" dirty="0" smtClean="0"/>
-              </a:br>
-              <a:r>
-                <a:rPr lang="en-US" sz="2900" dirty="0" smtClean="0"/>
-                <a:t>Possible </a:t>
-              </a:r>
-              <a:r>
-                <a:rPr lang="en-US" sz="2900" dirty="0"/>
-                <a:t>Worlds: Logic and Metaphysics </a:t>
-              </a:r>
-              <a:r>
-                <a:rPr lang="en-US" sz="2900" dirty="0" smtClean="0"/>
-                <a:t/>
-              </a:r>
-              <a:br>
-                <a:rPr lang="en-US" sz="2900" dirty="0" smtClean="0"/>
-              </a:br>
-              <a:r>
-                <a:rPr lang="en-US" sz="2900" dirty="0" smtClean="0"/>
-                <a:t>(</a:t>
-              </a:r>
-              <a:r>
-                <a:rPr lang="en-US" sz="2900" dirty="0"/>
-                <a:t>Berto)</a:t>
-              </a:r>
-            </a:p>
-          </p:txBody>
-        </p:sp>
-        <p:sp>
-          <p:nvSpPr>
-            <p:cNvPr id="178" name="Shape 178"/>
-            <p:cNvSpPr/>
-            <p:nvPr/>
-          </p:nvSpPr>
-          <p:spPr>
-            <a:xfrm>
-              <a:off x="10098917" y="802539"/>
-              <a:ext cx="3013179" cy="2429822"/>
-            </a:xfrm>
-            <a:prstGeom prst="roundRect">
-              <a:avLst>
-                <a:gd name="adj" fmla="val 16667"/>
-              </a:avLst>
-            </a:prstGeom>
-            <a:gradFill flip="none" rotWithShape="1">
-              <a:gsLst>
-                <a:gs pos="0">
-                  <a:srgbClr val="FFD1BB"/>
-                </a:gs>
-                <a:gs pos="35000">
-                  <a:srgbClr val="FFDECF"/>
-                </a:gs>
-                <a:gs pos="100000">
-                  <a:srgbClr val="FFF2ED"/>
-                </a:gs>
-              </a:gsLst>
-              <a:lin ang="16200000" scaled="0"/>
-            </a:gradFill>
-            <a:ln w="9525" cap="flat">
-              <a:solidFill>
-                <a:srgbClr val="F69240"/>
-              </a:solidFill>
-              <a:prstDash val="solid"/>
-              <a:bevel/>
-            </a:ln>
-            <a:effectLst>
-              <a:outerShdw blurRad="38100" dist="20000" dir="5400000" rotWithShape="0">
-                <a:srgbClr val="000000">
-                  <a:alpha val="38000"/>
-                </a:srgbClr>
-              </a:outerShdw>
-            </a:effectLst>
-          </p:spPr>
-          <p:txBody>
-            <a:bodyPr wrap="square" lIns="0" tIns="0" rIns="0" bIns="0" numCol="1" anchor="ctr">
-              <a:noAutofit/>
-            </a:bodyPr>
-            <a:lstStyle/>
-            <a:p>
-              <a:pPr lvl="0" algn="ctr">
-                <a:defRPr sz="1800"/>
-              </a:pPr>
-              <a:r>
-                <a:rPr lang="en-US" sz="2900" dirty="0"/>
-                <a:t>[</a:t>
-              </a:r>
-              <a:r>
-                <a:rPr lang="en-US" sz="2900" dirty="0" err="1"/>
-                <a:t>MoL</a:t>
-              </a:r>
-              <a:r>
-                <a:rPr lang="en-US" sz="2900" dirty="0"/>
-                <a:t>-FGW] Advanced topics in Philosophy of Language (</a:t>
-              </a:r>
-              <a:r>
-                <a:rPr lang="en-US" sz="2900" dirty="0" err="1"/>
-                <a:t>Betti</a:t>
-              </a:r>
-              <a:r>
-                <a:rPr lang="en-US" sz="2900" dirty="0"/>
-                <a:t>)</a:t>
-              </a:r>
-            </a:p>
-          </p:txBody>
-        </p:sp>
       </p:grpSp>
+      <p:sp>
+        <p:nvSpPr>
+          <p:cNvPr id="178" name="Shape 178"/>
+          <p:cNvSpPr/>
+          <p:nvPr/>
+        </p:nvSpPr>
+        <p:spPr>
+          <a:xfrm>
+            <a:off x="34681270" y="493451"/>
+            <a:ext cx="3013179" cy="2429822"/>
+          </a:xfrm>
+          <a:prstGeom prst="roundRect">
+            <a:avLst>
+              <a:gd name="adj" fmla="val 16667"/>
+            </a:avLst>
+          </a:prstGeom>
+          <a:gradFill flip="none" rotWithShape="1">
+            <a:gsLst>
+              <a:gs pos="0">
+                <a:srgbClr val="FFD1BB"/>
+              </a:gs>
+              <a:gs pos="35000">
+                <a:srgbClr val="FFDECF"/>
+              </a:gs>
+              <a:gs pos="100000">
+                <a:srgbClr val="FFF2ED"/>
+              </a:gs>
+            </a:gsLst>
+            <a:lin ang="16200000" scaled="0"/>
+          </a:gradFill>
+          <a:ln w="9525" cap="flat">
+            <a:solidFill>
+              <a:srgbClr val="F69240"/>
+            </a:solidFill>
+            <a:prstDash val="solid"/>
+            <a:bevel/>
+          </a:ln>
+          <a:effectLst>
+            <a:outerShdw blurRad="38100" dist="20000" dir="5400000" rotWithShape="0">
+              <a:srgbClr val="000000">
+                <a:alpha val="38000"/>
+              </a:srgbClr>
+            </a:outerShdw>
+          </a:effectLst>
+        </p:spPr>
+        <p:txBody>
+          <a:bodyPr wrap="square" lIns="0" tIns="0" rIns="0" bIns="0" numCol="1" anchor="ctr">
+            <a:noAutofit/>
+          </a:bodyPr>
+          <a:lstStyle/>
+          <a:p>
+            <a:pPr lvl="0" algn="ctr">
+              <a:defRPr sz="1800"/>
+            </a:pPr>
+            <a:r>
+              <a:rPr lang="en-US" sz="2900" dirty="0"/>
+              <a:t>[</a:t>
+            </a:r>
+            <a:r>
+              <a:rPr lang="en-US" sz="2900" dirty="0" err="1"/>
+              <a:t>MoL</a:t>
+            </a:r>
+            <a:r>
+              <a:rPr lang="en-US" sz="2900" dirty="0"/>
+              <a:t>-FGW] Advanced topics in Philosophy of Language </a:t>
+            </a:r>
+            <a:endParaRPr lang="en-US" sz="2900" dirty="0" smtClean="0"/>
+          </a:p>
+          <a:p>
+            <a:pPr lvl="0" algn="ctr">
+              <a:defRPr sz="1800"/>
+            </a:pPr>
+            <a:r>
+              <a:rPr lang="en-US" sz="2900" dirty="0" smtClean="0"/>
+              <a:t>(</a:t>
+            </a:r>
+            <a:r>
+              <a:rPr lang="en-US" sz="2900" dirty="0" err="1"/>
+              <a:t>Betti</a:t>
+            </a:r>
+            <a:r>
+              <a:rPr lang="en-US" sz="2900" dirty="0"/>
+              <a:t>)</a:t>
+            </a:r>
+          </a:p>
+        </p:txBody>
+      </p:sp>
       <p:sp>
         <p:nvSpPr>
           <p:cNvPr id="49" name="Shape 49"/>
@@ -7335,7 +6801,7 @@
         </p:nvSpPr>
         <p:spPr>
           <a:xfrm>
-            <a:off x="21704564" y="508497"/>
+            <a:off x="20404335" y="366824"/>
             <a:ext cx="4375668" cy="1304418"/>
           </a:xfrm>
           <a:prstGeom prst="rect">
@@ -7371,1112 +6837,6 @@
           </a:p>
         </p:txBody>
       </p:sp>
-      <p:grpSp>
-        <p:nvGrpSpPr>
-          <p:cNvPr id="15" name="Group 14"/>
-          <p:cNvGrpSpPr/>
-          <p:nvPr/>
-        </p:nvGrpSpPr>
-        <p:grpSpPr>
-          <a:xfrm>
-            <a:off x="1224738" y="18131055"/>
-            <a:ext cx="19472107" cy="11068403"/>
-            <a:chOff x="456496" y="18034804"/>
-            <a:chExt cx="19472107" cy="11068404"/>
-          </a:xfrm>
-        </p:grpSpPr>
-        <p:sp>
-          <p:nvSpPr>
-            <p:cNvPr id="52" name="Shape 52"/>
-            <p:cNvSpPr/>
-            <p:nvPr/>
-          </p:nvSpPr>
-          <p:spPr>
-            <a:xfrm>
-              <a:off x="456496" y="18034804"/>
-              <a:ext cx="3378486" cy="3378486"/>
-            </a:xfrm>
-            <a:prstGeom prst="ellipse">
-              <a:avLst/>
-            </a:prstGeom>
-            <a:gradFill flip="none" rotWithShape="1">
-              <a:gsLst>
-                <a:gs pos="0">
-                  <a:schemeClr val="accent3"/>
-                </a:gs>
-                <a:gs pos="100000">
-                  <a:schemeClr val="accent1">
-                    <a:lumMod val="75000"/>
-                  </a:schemeClr>
-                </a:gs>
-              </a:gsLst>
-              <a:lin ang="16200000" scaled="0"/>
-            </a:gradFill>
-            <a:ln w="76200" cap="flat">
-              <a:solidFill>
-                <a:schemeClr val="tx1"/>
-              </a:solidFill>
-              <a:prstDash val="solid"/>
-              <a:bevel/>
-            </a:ln>
-            <a:effectLst>
-              <a:outerShdw blurRad="38100" dist="23000" dir="5400000" rotWithShape="0">
-                <a:srgbClr val="000000">
-                  <a:alpha val="35000"/>
-                </a:srgbClr>
-              </a:outerShdw>
-            </a:effectLst>
-          </p:spPr>
-          <p:txBody>
-            <a:bodyPr wrap="square" lIns="0" tIns="0" rIns="0" bIns="0" numCol="1" anchor="ctr">
-              <a:noAutofit/>
-            </a:bodyPr>
-            <a:lstStyle/>
-            <a:p>
-              <a:pPr lvl="0" algn="ctr">
-                <a:defRPr sz="1800">
-                  <a:solidFill>
-                    <a:srgbClr val="000000"/>
-                  </a:solidFill>
-                </a:defRPr>
-              </a:pPr>
-              <a:endParaRPr lang="en-US" sz="2900" dirty="0">
-                <a:solidFill>
-                  <a:srgbClr val="FFFFFF"/>
-                </a:solidFill>
-              </a:endParaRPr>
-            </a:p>
-            <a:p>
-              <a:pPr lvl="0" algn="ctr">
-                <a:defRPr sz="1800">
-                  <a:solidFill>
-                    <a:srgbClr val="000000"/>
-                  </a:solidFill>
-                </a:defRPr>
-              </a:pPr>
-              <a:r>
-                <a:rPr lang="en-US" sz="2900" dirty="0" smtClean="0">
-                  <a:solidFill>
-                    <a:srgbClr val="FFFFFF"/>
-                  </a:solidFill>
-                </a:rPr>
-                <a:t> </a:t>
-              </a:r>
-              <a:r>
-                <a:rPr lang="en-US" sz="2900" dirty="0">
-                  <a:solidFill>
-                    <a:srgbClr val="FFFFFF"/>
-                  </a:solidFill>
-                </a:rPr>
-                <a:t>[BScWisk] Introduction to Modal Logic (</a:t>
-              </a:r>
-              <a:r>
-                <a:rPr lang="en-US" sz="2900" dirty="0" err="1" smtClean="0">
-                  <a:solidFill>
-                    <a:srgbClr val="FFFFFF"/>
-                  </a:solidFill>
-                </a:rPr>
-                <a:t>Bezhanishvili</a:t>
-              </a:r>
-              <a:r>
-                <a:rPr lang="en-US" sz="2900" dirty="0" smtClean="0">
-                  <a:solidFill>
-                    <a:srgbClr val="FFFFFF"/>
-                  </a:solidFill>
-                </a:rPr>
-                <a:t>, </a:t>
-              </a:r>
-              <a:r>
-                <a:rPr lang="en-US" sz="2900" dirty="0" err="1" smtClean="0">
-                  <a:solidFill>
-                    <a:srgbClr val="FFFFFF"/>
-                  </a:solidFill>
-                </a:rPr>
-                <a:t>Enqvist</a:t>
-              </a:r>
-              <a:r>
-                <a:rPr lang="en-US" sz="2900" dirty="0" smtClean="0">
-                  <a:solidFill>
-                    <a:srgbClr val="FFFFFF"/>
-                  </a:solidFill>
-                </a:rPr>
-                <a:t>)</a:t>
-              </a:r>
-              <a:endParaRPr lang="en-US" sz="2900" dirty="0">
-                <a:solidFill>
-                  <a:srgbClr val="FFFFFF"/>
-                </a:solidFill>
-              </a:endParaRPr>
-            </a:p>
-          </p:txBody>
-        </p:sp>
-        <p:sp>
-          <p:nvSpPr>
-            <p:cNvPr id="100" name="Shape 100"/>
-            <p:cNvSpPr/>
-            <p:nvPr/>
-          </p:nvSpPr>
-          <p:spPr>
-            <a:xfrm>
-              <a:off x="5296469" y="19584893"/>
-              <a:ext cx="3373117" cy="2429822"/>
-            </a:xfrm>
-            <a:prstGeom prst="roundRect">
-              <a:avLst>
-                <a:gd name="adj" fmla="val 16667"/>
-              </a:avLst>
-            </a:prstGeom>
-            <a:gradFill flip="none" rotWithShape="1">
-              <a:gsLst>
-                <a:gs pos="0">
-                  <a:srgbClr val="DAFEA4"/>
-                </a:gs>
-                <a:gs pos="35000">
-                  <a:srgbClr val="E4FDBF"/>
-                </a:gs>
-                <a:gs pos="100000">
-                  <a:srgbClr val="F5FFE6"/>
-                </a:gs>
-              </a:gsLst>
-              <a:lin ang="16200000" scaled="0"/>
-            </a:gradFill>
-            <a:ln w="9525" cap="flat">
-              <a:solidFill>
-                <a:srgbClr val="98B955"/>
-              </a:solidFill>
-              <a:prstDash val="solid"/>
-              <a:bevel/>
-            </a:ln>
-            <a:effectLst>
-              <a:outerShdw blurRad="38100" dist="20000" dir="5400000" rotWithShape="0">
-                <a:srgbClr val="000000">
-                  <a:alpha val="38000"/>
-                </a:srgbClr>
-              </a:outerShdw>
-            </a:effectLst>
-          </p:spPr>
-          <p:txBody>
-            <a:bodyPr wrap="square" lIns="0" tIns="0" rIns="0" bIns="0" numCol="1" anchor="ctr">
-              <a:noAutofit/>
-            </a:bodyPr>
-            <a:lstStyle/>
-            <a:p>
-              <a:pPr lvl="0" algn="ctr">
-                <a:defRPr sz="1800"/>
-              </a:pPr>
-              <a:r>
-                <a:rPr lang="en-US" sz="2900" dirty="0"/>
-                <a:t>[</a:t>
-              </a:r>
-              <a:r>
-                <a:rPr lang="en-US" sz="2900" dirty="0" err="1"/>
-                <a:t>MoL</a:t>
-              </a:r>
-              <a:r>
-                <a:rPr lang="en-US" sz="2900" dirty="0"/>
-                <a:t>-FNWI] </a:t>
-              </a:r>
-              <a:r>
-                <a:rPr lang="en-US" sz="2900" dirty="0" smtClean="0"/>
-                <a:t/>
-              </a:r>
-              <a:br>
-                <a:rPr lang="en-US" sz="2900" dirty="0" smtClean="0"/>
-              </a:br>
-              <a:r>
-                <a:rPr lang="en-US" sz="2900" dirty="0" smtClean="0"/>
-                <a:t>Capita Selecta: </a:t>
-              </a:r>
-              <a:r>
-                <a:rPr lang="en-US" sz="2900" dirty="0"/>
-                <a:t>Modal Logic, Algebra, </a:t>
-              </a:r>
-              <a:r>
-                <a:rPr lang="en-US" sz="2900" dirty="0" err="1"/>
-                <a:t>Coalgebra</a:t>
-              </a:r>
-              <a:r>
-                <a:rPr lang="en-US" sz="2900" dirty="0"/>
-                <a:t> </a:t>
-              </a:r>
-              <a:r>
-                <a:rPr lang="en-US" sz="2900" dirty="0" smtClean="0"/>
-                <a:t/>
-              </a:r>
-              <a:br>
-                <a:rPr lang="en-US" sz="2900" dirty="0" smtClean="0"/>
-              </a:br>
-              <a:r>
-                <a:rPr lang="en-US" sz="2900" dirty="0" smtClean="0"/>
-                <a:t>(</a:t>
-              </a:r>
-              <a:r>
-                <a:rPr lang="en-US" sz="2900" dirty="0" err="1" smtClean="0"/>
-                <a:t>Venema</a:t>
-              </a:r>
-              <a:r>
-                <a:rPr lang="en-US" sz="2900" dirty="0" smtClean="0"/>
-                <a:t>, </a:t>
-              </a:r>
-              <a:r>
-                <a:rPr lang="en-US" sz="2900" dirty="0" err="1" smtClean="0"/>
-                <a:t>Enqvist</a:t>
-              </a:r>
-              <a:r>
-                <a:rPr lang="en-US" sz="2900" dirty="0" smtClean="0"/>
-                <a:t>)</a:t>
-              </a:r>
-              <a:endParaRPr lang="en-US" sz="2900" dirty="0"/>
-            </a:p>
-          </p:txBody>
-        </p:sp>
-        <p:sp>
-          <p:nvSpPr>
-            <p:cNvPr id="133" name="Shape 133"/>
-            <p:cNvSpPr/>
-            <p:nvPr/>
-          </p:nvSpPr>
-          <p:spPr>
-            <a:xfrm>
-              <a:off x="16909854" y="26673387"/>
-              <a:ext cx="3013179" cy="2429821"/>
-            </a:xfrm>
-            <a:prstGeom prst="roundRect">
-              <a:avLst>
-                <a:gd name="adj" fmla="val 16667"/>
-              </a:avLst>
-            </a:prstGeom>
-            <a:ln/>
-          </p:spPr>
-          <p:style>
-            <a:lnRef idx="1">
-              <a:schemeClr val="accent2"/>
-            </a:lnRef>
-            <a:fillRef idx="2">
-              <a:schemeClr val="accent2"/>
-            </a:fillRef>
-            <a:effectRef idx="1">
-              <a:schemeClr val="accent2"/>
-            </a:effectRef>
-            <a:fontRef idx="minor">
-              <a:schemeClr val="dk1"/>
-            </a:fontRef>
-          </p:style>
-          <p:txBody>
-            <a:bodyPr wrap="square" lIns="0" tIns="0" rIns="0" bIns="0" numCol="1" anchor="ctr">
-              <a:noAutofit/>
-            </a:bodyPr>
-            <a:lstStyle/>
-            <a:p>
-              <a:pPr algn="ctr"/>
-              <a:r>
-                <a:rPr lang="en-US" sz="2900" dirty="0">
-                  <a:latin typeface="Calibri" charset="0"/>
-                  <a:ea typeface="Calibri" charset="0"/>
-                  <a:cs typeface="Calibri" charset="0"/>
-                </a:rPr>
-                <a:t>[</a:t>
-              </a:r>
-              <a:r>
-                <a:rPr lang="en-US" sz="2900" dirty="0" err="1">
-                  <a:latin typeface="Calibri" charset="0"/>
-                  <a:ea typeface="Calibri" charset="0"/>
-                  <a:cs typeface="Calibri" charset="0"/>
-                </a:rPr>
-                <a:t>MoL</a:t>
-              </a:r>
-              <a:r>
-                <a:rPr lang="en-US" sz="2900" dirty="0">
-                  <a:latin typeface="Calibri" charset="0"/>
-                  <a:ea typeface="Calibri" charset="0"/>
-                  <a:cs typeface="Calibri" charset="0"/>
-                </a:rPr>
-                <a:t>-FNWI] Category Theory (</a:t>
-              </a:r>
-              <a:r>
-                <a:rPr lang="en-US" sz="2900" dirty="0" err="1">
-                  <a:latin typeface="Calibri" charset="0"/>
-                  <a:ea typeface="Calibri" charset="0"/>
-                  <a:cs typeface="Calibri" charset="0"/>
-                </a:rPr>
-                <a:t>vdBerg</a:t>
-              </a:r>
-              <a:r>
-                <a:rPr lang="en-US" sz="2900" dirty="0">
-                  <a:latin typeface="Calibri" charset="0"/>
-                  <a:ea typeface="Calibri" charset="0"/>
-                  <a:cs typeface="Calibri" charset="0"/>
-                </a:rPr>
-                <a:t>)</a:t>
-              </a:r>
-            </a:p>
-          </p:txBody>
-        </p:sp>
-        <p:sp>
-          <p:nvSpPr>
-            <p:cNvPr id="136" name="Shape 136"/>
-            <p:cNvSpPr/>
-            <p:nvPr/>
-          </p:nvSpPr>
-          <p:spPr>
-            <a:xfrm>
-              <a:off x="9245274" y="26655677"/>
-              <a:ext cx="3013179" cy="2378179"/>
-            </a:xfrm>
-            <a:prstGeom prst="roundRect">
-              <a:avLst>
-                <a:gd name="adj" fmla="val 16667"/>
-              </a:avLst>
-            </a:prstGeom>
-            <a:gradFill flip="none" rotWithShape="1">
-              <a:gsLst>
-                <a:gs pos="0">
-                  <a:schemeClr val="accent3"/>
-                </a:gs>
-                <a:gs pos="100000">
-                  <a:schemeClr val="accent1">
-                    <a:lumMod val="75000"/>
-                  </a:schemeClr>
-                </a:gs>
-              </a:gsLst>
-              <a:lin ang="16200000" scaled="0"/>
-            </a:gradFill>
-            <a:ln w="9525" cap="flat">
-              <a:solidFill>
-                <a:schemeClr val="tx1"/>
-              </a:solidFill>
-              <a:prstDash val="solid"/>
-              <a:bevel/>
-            </a:ln>
-            <a:effectLst>
-              <a:outerShdw blurRad="38100" dist="23000" dir="5400000" rotWithShape="0">
-                <a:srgbClr val="000000">
-                  <a:alpha val="35000"/>
-                </a:srgbClr>
-              </a:outerShdw>
-            </a:effectLst>
-          </p:spPr>
-          <p:txBody>
-            <a:bodyPr wrap="square" lIns="0" tIns="0" rIns="0" bIns="0" numCol="1" anchor="ctr">
-              <a:noAutofit/>
-            </a:bodyPr>
-            <a:lstStyle/>
-            <a:p>
-              <a:pPr algn="ctr"/>
-              <a:r>
-                <a:rPr lang="en-US" sz="2900" dirty="0">
-                  <a:solidFill>
-                    <a:srgbClr val="FFFFFF"/>
-                  </a:solidFill>
-                </a:rPr>
-                <a:t>[</a:t>
-              </a:r>
-              <a:r>
-                <a:rPr lang="en-US" sz="2900" dirty="0" err="1">
-                  <a:solidFill>
-                    <a:srgbClr val="FFFFFF"/>
-                  </a:solidFill>
-                </a:rPr>
-                <a:t>MastMath</a:t>
-              </a:r>
-              <a:r>
-                <a:rPr lang="en-US" sz="2900" dirty="0">
-                  <a:solidFill>
-                    <a:srgbClr val="FFFFFF"/>
-                  </a:solidFill>
-                </a:rPr>
-                <a:t>-VU] Set Theory </a:t>
-              </a:r>
-              <a:r>
-                <a:rPr lang="en-US" sz="2900" dirty="0" smtClean="0">
-                  <a:solidFill>
-                    <a:srgbClr val="FFFFFF"/>
-                  </a:solidFill>
-                </a:rPr>
-                <a:t/>
-              </a:r>
-              <a:br>
-                <a:rPr lang="en-US" sz="2900" dirty="0" smtClean="0">
-                  <a:solidFill>
-                    <a:srgbClr val="FFFFFF"/>
-                  </a:solidFill>
-                </a:rPr>
-              </a:br>
-              <a:r>
-                <a:rPr lang="en-US" sz="2900" dirty="0" smtClean="0">
-                  <a:solidFill>
-                    <a:srgbClr val="FFFFFF"/>
-                  </a:solidFill>
-                </a:rPr>
-                <a:t>(</a:t>
-              </a:r>
-              <a:r>
-                <a:rPr lang="en-US" sz="2900" dirty="0">
-                  <a:solidFill>
-                    <a:srgbClr val="FFFFFF"/>
-                  </a:solidFill>
-                </a:rPr>
-                <a:t>Hart) [8EC]</a:t>
-              </a:r>
-            </a:p>
-          </p:txBody>
-        </p:sp>
-        <p:sp>
-          <p:nvSpPr>
-            <p:cNvPr id="154" name="Shape 154"/>
-            <p:cNvSpPr/>
-            <p:nvPr/>
-          </p:nvSpPr>
-          <p:spPr>
-            <a:xfrm>
-              <a:off x="16915424" y="23322255"/>
-              <a:ext cx="3013179" cy="2429822"/>
-            </a:xfrm>
-            <a:prstGeom prst="roundRect">
-              <a:avLst>
-                <a:gd name="adj" fmla="val 16667"/>
-              </a:avLst>
-            </a:prstGeom>
-            <a:gradFill flip="none" rotWithShape="1">
-              <a:gsLst>
-                <a:gs pos="0">
-                  <a:srgbClr val="DAFEA4"/>
-                </a:gs>
-                <a:gs pos="35000">
-                  <a:srgbClr val="E4FDBF"/>
-                </a:gs>
-                <a:gs pos="100000">
-                  <a:srgbClr val="F5FFE6"/>
-                </a:gs>
-              </a:gsLst>
-              <a:lin ang="16200000" scaled="0"/>
-            </a:gradFill>
-            <a:ln w="9525" cap="flat">
-              <a:solidFill>
-                <a:srgbClr val="98B955"/>
-              </a:solidFill>
-              <a:prstDash val="solid"/>
-              <a:bevel/>
-            </a:ln>
-            <a:effectLst>
-              <a:outerShdw blurRad="38100" dist="20000" dir="5400000" rotWithShape="0">
-                <a:srgbClr val="000000">
-                  <a:alpha val="38000"/>
-                </a:srgbClr>
-              </a:outerShdw>
-            </a:effectLst>
-          </p:spPr>
-          <p:txBody>
-            <a:bodyPr wrap="square" lIns="0" tIns="0" rIns="0" bIns="0" numCol="1" anchor="ctr">
-              <a:noAutofit/>
-            </a:bodyPr>
-            <a:lstStyle/>
-            <a:p>
-              <a:pPr algn="ctr"/>
-              <a:r>
-                <a:rPr lang="en-US" sz="2900" dirty="0"/>
-                <a:t>[</a:t>
-              </a:r>
-              <a:r>
-                <a:rPr lang="en-US" sz="2900" dirty="0" err="1"/>
-                <a:t>MoL</a:t>
-              </a:r>
-              <a:r>
-                <a:rPr lang="en-US" sz="2900" dirty="0"/>
-                <a:t>-FNWI] Seminar Mathematical Logic (Loewe) [3EC]</a:t>
-              </a:r>
-            </a:p>
-          </p:txBody>
-        </p:sp>
-        <p:sp>
-          <p:nvSpPr>
-            <p:cNvPr id="157" name="Shape 157"/>
-            <p:cNvSpPr/>
-            <p:nvPr/>
-          </p:nvSpPr>
-          <p:spPr>
-            <a:xfrm>
-              <a:off x="5349644" y="23095116"/>
-              <a:ext cx="3139347" cy="2429822"/>
-            </a:xfrm>
-            <a:prstGeom prst="roundRect">
-              <a:avLst>
-                <a:gd name="adj" fmla="val 16667"/>
-              </a:avLst>
-            </a:prstGeom>
-            <a:gradFill flip="none" rotWithShape="1">
-              <a:gsLst>
-                <a:gs pos="0">
-                  <a:srgbClr val="C8B2E9"/>
-                </a:gs>
-                <a:gs pos="35000">
-                  <a:srgbClr val="D8C9EE"/>
-                </a:gs>
-                <a:gs pos="100000">
-                  <a:srgbClr val="FFD1BB"/>
-                </a:gs>
-              </a:gsLst>
-              <a:lin ang="5400000" scaled="0"/>
-            </a:gradFill>
-            <a:ln w="9525" cap="flat">
-              <a:solidFill>
-                <a:schemeClr val="tx1"/>
-              </a:solidFill>
-              <a:prstDash val="solid"/>
-              <a:bevel/>
-            </a:ln>
-            <a:effectLst>
-              <a:outerShdw blurRad="38100" dist="20000" dir="5400000" rotWithShape="0">
-                <a:srgbClr val="000000">
-                  <a:alpha val="38000"/>
-                </a:srgbClr>
-              </a:outerShdw>
-            </a:effectLst>
-          </p:spPr>
-          <p:txBody>
-            <a:bodyPr wrap="square" lIns="0" tIns="0" rIns="0" bIns="0" numCol="1" anchor="ctr">
-              <a:noAutofit/>
-            </a:bodyPr>
-            <a:lstStyle/>
-            <a:p>
-              <a:pPr algn="ctr"/>
-              <a:r>
-                <a:rPr lang="en-US" sz="2900" dirty="0"/>
-                <a:t>[</a:t>
-              </a:r>
-              <a:r>
-                <a:rPr lang="en-US" sz="2900" dirty="0" err="1" smtClean="0"/>
-                <a:t>MastMath-UvA</a:t>
-              </a:r>
-              <a:r>
-                <a:rPr lang="en-US" sz="2900" dirty="0" smtClean="0"/>
-                <a:t>] </a:t>
-              </a:r>
-              <a:r>
-                <a:rPr lang="en-US" sz="2900" dirty="0"/>
-                <a:t>Mathematical Structures in Logic (Bezhanishvili)</a:t>
-              </a:r>
-            </a:p>
-          </p:txBody>
-        </p:sp>
-        <p:grpSp>
-          <p:nvGrpSpPr>
-            <p:cNvPr id="19" name="Group 18"/>
-            <p:cNvGrpSpPr/>
-            <p:nvPr/>
-          </p:nvGrpSpPr>
-          <p:grpSpPr>
-            <a:xfrm>
-              <a:off x="9232594" y="22903471"/>
-              <a:ext cx="3104517" cy="2683363"/>
-              <a:chOff x="5469490" y="19327604"/>
-              <a:chExt cx="3104518" cy="2683363"/>
-            </a:xfrm>
-          </p:grpSpPr>
-          <p:sp>
-            <p:nvSpPr>
-              <p:cNvPr id="94" name="Shape 94"/>
-              <p:cNvSpPr/>
-              <p:nvPr/>
-            </p:nvSpPr>
-            <p:spPr>
-              <a:xfrm>
-                <a:off x="5469490" y="19581145"/>
-                <a:ext cx="3104518" cy="2429822"/>
-              </a:xfrm>
-              <a:prstGeom prst="roundRect">
-                <a:avLst>
-                  <a:gd name="adj" fmla="val 16667"/>
-                </a:avLst>
-              </a:prstGeom>
-              <a:gradFill flip="none" rotWithShape="1">
-                <a:gsLst>
-                  <a:gs pos="0">
-                    <a:srgbClr val="DAFEA4"/>
-                  </a:gs>
-                  <a:gs pos="35000">
-                    <a:srgbClr val="E4FDBF"/>
-                  </a:gs>
-                  <a:gs pos="100000">
-                    <a:srgbClr val="F5FFE6"/>
-                  </a:gs>
-                </a:gsLst>
-                <a:lin ang="16200000" scaled="0"/>
-              </a:gradFill>
-              <a:ln w="76200" cap="flat">
-                <a:solidFill>
-                  <a:schemeClr val="tx1"/>
-                </a:solidFill>
-                <a:prstDash val="solid"/>
-                <a:bevel/>
-              </a:ln>
-              <a:effectLst>
-                <a:outerShdw blurRad="38100" dist="20000" dir="5400000" rotWithShape="0">
-                  <a:srgbClr val="000000">
-                    <a:alpha val="38000"/>
-                  </a:srgbClr>
-                </a:outerShdw>
-              </a:effectLst>
-            </p:spPr>
-            <p:txBody>
-              <a:bodyPr wrap="square" lIns="0" tIns="0" rIns="0" bIns="0" numCol="1" anchor="ctr">
-                <a:noAutofit/>
-              </a:bodyPr>
-              <a:lstStyle/>
-              <a:p>
-                <a:pPr lvl="0" algn="ctr">
-                  <a:defRPr sz="1800"/>
-                </a:pPr>
-                <a:endParaRPr lang="en-US" sz="2900" dirty="0" smtClean="0"/>
-              </a:p>
-              <a:p>
-                <a:pPr lvl="0" algn="ctr">
-                  <a:defRPr sz="1800"/>
-                </a:pPr>
-                <a:r>
-                  <a:rPr lang="en-US" sz="2900" dirty="0" smtClean="0"/>
-                  <a:t>[</a:t>
-                </a:r>
-                <a:r>
-                  <a:rPr lang="en-US" sz="2900" dirty="0" err="1"/>
-                  <a:t>MoL</a:t>
-                </a:r>
-                <a:r>
-                  <a:rPr lang="en-US" sz="2900" dirty="0"/>
-                  <a:t>-FNWI] </a:t>
-                </a:r>
-                <a:r>
-                  <a:rPr lang="en-US" sz="2900" dirty="0" smtClean="0"/>
-                  <a:t/>
-                </a:r>
-                <a:br>
-                  <a:rPr lang="en-US" sz="2900" dirty="0" smtClean="0"/>
-                </a:br>
-                <a:r>
-                  <a:rPr lang="en-US" sz="2900" dirty="0" smtClean="0"/>
-                  <a:t>Proof </a:t>
-                </a:r>
-                <a:r>
-                  <a:rPr lang="en-US" sz="2900" dirty="0"/>
-                  <a:t>Theory (vdBerg)</a:t>
-                </a:r>
-              </a:p>
-            </p:txBody>
-          </p:sp>
-          <p:sp>
-            <p:nvSpPr>
-              <p:cNvPr id="149" name="Shape 230"/>
-              <p:cNvSpPr/>
-              <p:nvPr/>
-            </p:nvSpPr>
-            <p:spPr>
-              <a:xfrm>
-                <a:off x="6333501" y="19327604"/>
-                <a:ext cx="1497972" cy="1204325"/>
-              </a:xfrm>
-              <a:prstGeom prst="rect">
-                <a:avLst/>
-              </a:prstGeom>
-              <a:ln w="12700">
-                <a:miter lim="400000"/>
-              </a:ln>
-              <a:extLst>
-                <a:ext uri="{C572A759-6A51-4108-AA02-DFA0A04FC94B}">
-                  <ma14:wrappingTextBoxFlag xmlns:ma14="http://schemas.microsoft.com/office/mac/drawingml/2011/main" val="1"/>
-                </a:ext>
-              </a:extLst>
-            </p:spPr>
-            <p:txBody>
-              <a:bodyPr lIns="208805" tIns="208805" rIns="208805" bIns="208805" anchor="ctr">
-                <a:normAutofit/>
-              </a:bodyPr>
-              <a:lstStyle>
-                <a:lvl1pPr>
-                  <a:defRPr sz="4000"/>
-                </a:lvl1pPr>
-              </a:lstStyle>
-              <a:p>
-                <a:pPr algn="ctr">
-                  <a:defRPr sz="1800"/>
-                </a:pPr>
-                <a:r>
-                  <a:rPr lang="en-US" sz="3300" b="1" dirty="0"/>
-                  <a:t>L&amp;M</a:t>
-                </a:r>
-                <a:endParaRPr sz="3300" b="1" dirty="0"/>
-              </a:p>
-            </p:txBody>
-          </p:sp>
-        </p:grpSp>
-        <p:grpSp>
-          <p:nvGrpSpPr>
-            <p:cNvPr id="20" name="Group 19"/>
-            <p:cNvGrpSpPr/>
-            <p:nvPr/>
-          </p:nvGrpSpPr>
-          <p:grpSpPr>
-            <a:xfrm>
-              <a:off x="13011121" y="22895056"/>
-              <a:ext cx="3314496" cy="2723308"/>
-              <a:chOff x="5070326" y="21911210"/>
-              <a:chExt cx="3314497" cy="2723308"/>
-            </a:xfrm>
-          </p:grpSpPr>
-          <p:sp>
-            <p:nvSpPr>
-              <p:cNvPr id="130" name="Shape 130"/>
-              <p:cNvSpPr/>
-              <p:nvPr/>
-            </p:nvSpPr>
-            <p:spPr>
-              <a:xfrm>
-                <a:off x="5070326" y="22204696"/>
-                <a:ext cx="3314497" cy="2429822"/>
-              </a:xfrm>
-              <a:prstGeom prst="roundRect">
-                <a:avLst>
-                  <a:gd name="adj" fmla="val 16667"/>
-                </a:avLst>
-              </a:prstGeom>
-              <a:ln w="76200">
-                <a:solidFill>
-                  <a:schemeClr val="tx1"/>
-                </a:solidFill>
-              </a:ln>
-            </p:spPr>
-            <p:style>
-              <a:lnRef idx="1">
-                <a:schemeClr val="accent4"/>
-              </a:lnRef>
-              <a:fillRef idx="2">
-                <a:schemeClr val="accent4"/>
-              </a:fillRef>
-              <a:effectRef idx="1">
-                <a:schemeClr val="accent4"/>
-              </a:effectRef>
-              <a:fontRef idx="minor">
-                <a:schemeClr val="dk1"/>
-              </a:fontRef>
-            </p:style>
-            <p:txBody>
-              <a:bodyPr wrap="square" lIns="0" tIns="0" rIns="0" bIns="0" numCol="1" anchor="ctr">
-                <a:noAutofit/>
-              </a:bodyPr>
-              <a:lstStyle/>
-              <a:p>
-                <a:pPr algn="ctr"/>
-                <a:endParaRPr lang="en-US" sz="2900" dirty="0" smtClean="0">
-                  <a:latin typeface="Calibri" charset="0"/>
-                  <a:ea typeface="Calibri" charset="0"/>
-                  <a:cs typeface="Calibri" charset="0"/>
-                </a:endParaRPr>
-              </a:p>
-              <a:p>
-                <a:pPr algn="ctr"/>
-                <a:r>
-                  <a:rPr lang="en-US" sz="2900" dirty="0" smtClean="0">
-                    <a:latin typeface="Calibri" charset="0"/>
-                    <a:ea typeface="Calibri" charset="0"/>
-                    <a:cs typeface="Calibri" charset="0"/>
-                  </a:rPr>
-                  <a:t>[</a:t>
-                </a:r>
-                <a:r>
-                  <a:rPr lang="en-US" sz="3200" dirty="0" err="1">
-                    <a:latin typeface="Calibri" charset="0"/>
-                    <a:ea typeface="Calibri" charset="0"/>
-                    <a:cs typeface="Calibri" charset="0"/>
-                  </a:rPr>
-                  <a:t>MoL</a:t>
-                </a:r>
-                <a:r>
-                  <a:rPr lang="en-US" sz="3200" dirty="0">
-                    <a:latin typeface="Calibri" charset="0"/>
-                    <a:ea typeface="Calibri" charset="0"/>
-                    <a:cs typeface="Calibri" charset="0"/>
-                  </a:rPr>
-                  <a:t>-FNWI</a:t>
-                </a:r>
-                <a:r>
-                  <a:rPr lang="en-US" sz="2900" dirty="0" smtClean="0">
-                    <a:latin typeface="Calibri" charset="0"/>
-                    <a:ea typeface="Calibri" charset="0"/>
-                    <a:cs typeface="Calibri" charset="0"/>
-                  </a:rPr>
-                  <a:t>] </a:t>
-                </a:r>
-                <a:br>
-                  <a:rPr lang="en-US" sz="2900" dirty="0" smtClean="0">
-                    <a:latin typeface="Calibri" charset="0"/>
-                    <a:ea typeface="Calibri" charset="0"/>
-                    <a:cs typeface="Calibri" charset="0"/>
-                  </a:rPr>
-                </a:br>
-                <a:r>
-                  <a:rPr lang="en-US" sz="2900" dirty="0" smtClean="0">
-                    <a:latin typeface="Calibri" charset="0"/>
-                    <a:ea typeface="Calibri" charset="0"/>
-                    <a:cs typeface="Calibri" charset="0"/>
-                  </a:rPr>
-                  <a:t>Model </a:t>
-                </a:r>
-                <a:r>
-                  <a:rPr lang="en-US" sz="2900" dirty="0">
-                    <a:latin typeface="Calibri" charset="0"/>
-                    <a:ea typeface="Calibri" charset="0"/>
-                    <a:cs typeface="Calibri" charset="0"/>
-                  </a:rPr>
-                  <a:t>Theory (</a:t>
-                </a:r>
-                <a:r>
-                  <a:rPr lang="en-US" sz="2900" dirty="0" err="1">
-                    <a:latin typeface="Calibri" charset="0"/>
-                    <a:ea typeface="Calibri" charset="0"/>
-                    <a:cs typeface="Calibri" charset="0"/>
-                  </a:rPr>
-                  <a:t>vdBerg</a:t>
-                </a:r>
-                <a:r>
-                  <a:rPr lang="en-US" sz="2900" dirty="0" smtClean="0">
-                    <a:latin typeface="Calibri" charset="0"/>
-                    <a:ea typeface="Calibri" charset="0"/>
-                    <a:cs typeface="Calibri" charset="0"/>
-                  </a:rPr>
-                  <a:t>)</a:t>
-                </a:r>
-                <a:endParaRPr lang="en-US" sz="2900" dirty="0">
-                  <a:latin typeface="Calibri" charset="0"/>
-                  <a:ea typeface="Calibri" charset="0"/>
-                  <a:cs typeface="Calibri" charset="0"/>
-                </a:endParaRPr>
-              </a:p>
-            </p:txBody>
-          </p:sp>
-          <p:sp>
-            <p:nvSpPr>
-              <p:cNvPr id="150" name="Shape 230"/>
-              <p:cNvSpPr/>
-              <p:nvPr/>
-            </p:nvSpPr>
-            <p:spPr>
-              <a:xfrm>
-                <a:off x="5986868" y="21911210"/>
-                <a:ext cx="1497972" cy="1204325"/>
-              </a:xfrm>
-              <a:prstGeom prst="rect">
-                <a:avLst/>
-              </a:prstGeom>
-              <a:ln w="12700">
-                <a:miter lim="400000"/>
-              </a:ln>
-              <a:extLst>
-                <a:ext uri="{C572A759-6A51-4108-AA02-DFA0A04FC94B}">
-                  <ma14:wrappingTextBoxFlag xmlns:ma14="http://schemas.microsoft.com/office/mac/drawingml/2011/main" val="1"/>
-                </a:ext>
-              </a:extLst>
-            </p:spPr>
-            <p:txBody>
-              <a:bodyPr lIns="208805" tIns="208805" rIns="208805" bIns="208805" anchor="ctr">
-                <a:normAutofit/>
-              </a:bodyPr>
-              <a:lstStyle/>
-              <a:p>
-                <a:pPr algn="ctr"/>
-                <a:r>
-                  <a:rPr lang="en-US" sz="3300" b="1" dirty="0"/>
-                  <a:t>L&amp;M</a:t>
-                </a:r>
-                <a:endParaRPr sz="3300" b="1" dirty="0"/>
-              </a:p>
-            </p:txBody>
-          </p:sp>
-        </p:grpSp>
-        <p:grpSp>
-          <p:nvGrpSpPr>
-            <p:cNvPr id="9" name="Group 8"/>
-            <p:cNvGrpSpPr/>
-            <p:nvPr/>
-          </p:nvGrpSpPr>
-          <p:grpSpPr>
-            <a:xfrm>
-              <a:off x="481687" y="22805874"/>
-              <a:ext cx="3317116" cy="3316369"/>
-              <a:chOff x="481687" y="21281946"/>
-              <a:chExt cx="3317116" cy="3316369"/>
-            </a:xfrm>
-          </p:grpSpPr>
-          <p:sp>
-            <p:nvSpPr>
-              <p:cNvPr id="163" name="Shape 163"/>
-              <p:cNvSpPr/>
-              <p:nvPr/>
-            </p:nvSpPr>
-            <p:spPr>
-              <a:xfrm>
-                <a:off x="481687" y="21387873"/>
-                <a:ext cx="3317116" cy="3210442"/>
-              </a:xfrm>
-              <a:prstGeom prst="ellipse">
-                <a:avLst/>
-              </a:prstGeom>
-              <a:gradFill flip="none" rotWithShape="1">
-                <a:gsLst>
-                  <a:gs pos="0">
-                    <a:srgbClr val="C8B2E9"/>
-                  </a:gs>
-                  <a:gs pos="35000">
-                    <a:srgbClr val="D8C9EE"/>
-                  </a:gs>
-                  <a:gs pos="100000">
-                    <a:srgbClr val="FFD1BB"/>
-                  </a:gs>
-                </a:gsLst>
-                <a:lin ang="5400000" scaled="0"/>
-              </a:gradFill>
-              <a:ln w="76200" cap="flat">
-                <a:solidFill>
-                  <a:schemeClr val="tx1"/>
-                </a:solidFill>
-                <a:prstDash val="solid"/>
-                <a:bevel/>
-              </a:ln>
-              <a:effectLst>
-                <a:outerShdw blurRad="38100" dist="20000" dir="5400000" rotWithShape="0">
-                  <a:srgbClr val="000000">
-                    <a:alpha val="38000"/>
-                  </a:srgbClr>
-                </a:outerShdw>
-              </a:effectLst>
-            </p:spPr>
-            <p:txBody>
-              <a:bodyPr wrap="square" lIns="0" tIns="0" rIns="0" bIns="0" numCol="1" anchor="ctr">
-                <a:noAutofit/>
-              </a:bodyPr>
-              <a:lstStyle/>
-              <a:p>
-                <a:pPr lvl="0" algn="ctr">
-                  <a:defRPr sz="1800"/>
-                </a:pPr>
-                <a:endParaRPr lang="en-US" sz="2900" dirty="0"/>
-              </a:p>
-              <a:p>
-                <a:pPr lvl="0" algn="ctr">
-                  <a:defRPr sz="1800"/>
-                </a:pPr>
-                <a:r>
-                  <a:rPr lang="en-US" sz="2900" dirty="0"/>
-                  <a:t>[</a:t>
-                </a:r>
-                <a:r>
-                  <a:rPr lang="en-US" sz="2900" dirty="0" err="1"/>
-                  <a:t>BScWisk</a:t>
-                </a:r>
-                <a:r>
-                  <a:rPr lang="en-US" sz="2900" dirty="0"/>
-                  <a:t>] Axiomatic Set Theory (Baltag)</a:t>
-                </a:r>
-              </a:p>
-            </p:txBody>
-          </p:sp>
-          <p:sp>
-            <p:nvSpPr>
-              <p:cNvPr id="174" name="Shape 230"/>
-              <p:cNvSpPr/>
-              <p:nvPr/>
-            </p:nvSpPr>
-            <p:spPr>
-              <a:xfrm>
-                <a:off x="1444781" y="21281946"/>
-                <a:ext cx="1497972" cy="1204325"/>
-              </a:xfrm>
-              <a:prstGeom prst="rect">
-                <a:avLst/>
-              </a:prstGeom>
-              <a:ln w="12700">
-                <a:miter lim="400000"/>
-              </a:ln>
-              <a:extLst>
-                <a:ext uri="{C572A759-6A51-4108-AA02-DFA0A04FC94B}">
-                  <ma14:wrappingTextBoxFlag xmlns:ma14="http://schemas.microsoft.com/office/mac/drawingml/2011/main" val="1"/>
-                </a:ext>
-              </a:extLst>
-            </p:spPr>
-            <p:txBody>
-              <a:bodyPr lIns="208805" tIns="208805" rIns="208805" bIns="208805" anchor="ctr">
-                <a:normAutofit/>
-              </a:bodyPr>
-              <a:lstStyle>
-                <a:lvl1pPr>
-                  <a:defRPr sz="4000"/>
-                </a:lvl1pPr>
-              </a:lstStyle>
-              <a:p>
-                <a:pPr algn="ctr">
-                  <a:defRPr sz="1800"/>
-                </a:pPr>
-                <a:r>
-                  <a:rPr lang="en-US" sz="3300" b="1" dirty="0"/>
-                  <a:t>L&amp;M</a:t>
-                </a:r>
-                <a:endParaRPr sz="3300" b="1" dirty="0"/>
-              </a:p>
-            </p:txBody>
-          </p:sp>
-        </p:grpSp>
-        <p:sp>
-          <p:nvSpPr>
-            <p:cNvPr id="143" name="Shape 228"/>
-            <p:cNvSpPr/>
-            <p:nvPr/>
-          </p:nvSpPr>
-          <p:spPr>
-            <a:xfrm>
-              <a:off x="11334879" y="18384433"/>
-              <a:ext cx="3165086" cy="2236959"/>
-            </a:xfrm>
-            <a:prstGeom prst="rect">
-              <a:avLst/>
-            </a:prstGeom>
-            <a:ln w="12700">
-              <a:miter lim="400000"/>
-            </a:ln>
-            <a:extLst>
-              <a:ext uri="{C572A759-6A51-4108-AA02-DFA0A04FC94B}">
-                <ma14:wrappingTextBoxFlag xmlns:ma14="http://schemas.microsoft.com/office/mac/drawingml/2011/main" val="1"/>
-              </a:ext>
-            </a:extLst>
-          </p:spPr>
-          <p:txBody>
-            <a:bodyPr lIns="208805" tIns="208805" rIns="208805" bIns="208805" anchor="ctr">
-              <a:normAutofit/>
-            </a:bodyPr>
-            <a:lstStyle>
-              <a:lvl1pPr>
-                <a:defRPr sz="4000"/>
-              </a:lvl1pPr>
-            </a:lstStyle>
-            <a:p>
-              <a:pPr lvl="0" algn="l">
-                <a:defRPr sz="1800"/>
-              </a:pPr>
-              <a:r>
-                <a:rPr lang="en-US" sz="3900" b="1" smtClean="0"/>
-                <a:t>Theoretical </a:t>
-              </a:r>
-            </a:p>
-            <a:p>
-              <a:pPr lvl="0" algn="l">
-                <a:defRPr sz="1800"/>
-              </a:pPr>
-              <a:r>
-                <a:rPr lang="en-US" sz="3900" b="1" dirty="0" smtClean="0"/>
-                <a:t>Linguistics</a:t>
-              </a:r>
-              <a:endParaRPr sz="3900" b="1" dirty="0"/>
-            </a:p>
-          </p:txBody>
-        </p:sp>
-      </p:grpSp>
       <p:grpSp>
         <p:nvGrpSpPr>
           <p:cNvPr id="24" name="Group 23"/>
@@ -8679,8 +7039,21 @@
               </a:r>
               <a:r>
                 <a:rPr lang="en-US" sz="2900" dirty="0"/>
-                <a:t>Language Processing 1 (Titov)</a:t>
-              </a:r>
+                <a:t>Language Processing 1 </a:t>
+              </a:r>
+              <a:r>
+                <a:rPr lang="en-US" sz="2900" dirty="0" smtClean="0"/>
+                <a:t>(</a:t>
+              </a:r>
+              <a:r>
+                <a:rPr lang="en-US" sz="2900" dirty="0" err="1" smtClean="0"/>
+                <a:t>Deoskar</a:t>
+              </a:r>
+              <a:r>
+                <a:rPr lang="en-US" sz="2900" dirty="0" smtClean="0"/>
+                <a:t>)</a:t>
+              </a:r>
+              <a:endParaRPr lang="en-US" sz="2900" dirty="0"/>
             </a:p>
           </p:txBody>
         </p:sp>
@@ -8748,8 +7121,19 @@
               </a:r>
               <a:r>
                 <a:rPr lang="en-US" sz="2900" dirty="0"/>
-                <a:t>] Foundations of Neural and Cognitive Modelling (Zuidema)</a:t>
-              </a:r>
+                <a:t>] Foundations of Neural and Cognitive Modelling </a:t>
+              </a:r>
+              <a:endParaRPr lang="en-US" sz="2900" dirty="0" smtClean="0"/>
+            </a:p>
+            <a:p>
+              <a:pPr lvl="0" algn="ctr">
+                <a:defRPr sz="1800"/>
+              </a:pPr>
+              <a:r>
+                <a:rPr lang="en-US" sz="2900" dirty="0" smtClean="0"/>
+                <a:t>(TBA)</a:t>
+              </a:r>
+              <a:endParaRPr lang="en-US" sz="2900" dirty="0"/>
             </a:p>
           </p:txBody>
         </p:sp>
@@ -8829,7 +7213,7 @@
           </p:nvSpPr>
           <p:spPr>
             <a:xfrm>
-              <a:off x="30690325" y="13520160"/>
+              <a:off x="30690325" y="13573948"/>
               <a:ext cx="3013179" cy="2429822"/>
             </a:xfrm>
             <a:prstGeom prst="roundRect">
@@ -8885,8 +7269,19 @@
               </a:r>
               <a:r>
                 <a:rPr lang="en-US" sz="2900" dirty="0"/>
-                <a:t>] Cognitive Models of Language and Music (Bod)</a:t>
-              </a:r>
+                <a:t>] Cognitive Models of Language and Music </a:t>
+              </a:r>
+              <a:endParaRPr lang="en-US" sz="2900" dirty="0" smtClean="0"/>
+            </a:p>
+            <a:p>
+              <a:pPr lvl="0" algn="ctr">
+                <a:defRPr sz="1800"/>
+              </a:pPr>
+              <a:r>
+                <a:rPr lang="en-US" sz="2900" dirty="0" smtClean="0"/>
+                <a:t>(TBA)</a:t>
+              </a:r>
+              <a:endParaRPr lang="en-US" sz="2900" dirty="0"/>
             </a:p>
           </p:txBody>
         </p:sp>
@@ -8898,7 +7293,7 @@
           </p:nvSpPr>
           <p:spPr>
             <a:xfrm>
-              <a:off x="35009768" y="13261566"/>
+              <a:off x="35009768" y="13476718"/>
               <a:ext cx="2988806" cy="2485688"/>
             </a:xfrm>
             <a:prstGeom prst="roundRect">
@@ -8982,7 +7377,7 @@
           </p:nvSpPr>
           <p:spPr>
             <a:xfrm>
-              <a:off x="39268985" y="16160017"/>
+              <a:off x="39268985" y="16350643"/>
               <a:ext cx="3013179" cy="2429822"/>
             </a:xfrm>
             <a:prstGeom prst="roundRect">
@@ -9143,7 +7538,7 @@
           </p:nvSpPr>
           <p:spPr>
             <a:xfrm>
-              <a:off x="39268985" y="13288172"/>
+              <a:off x="39268985" y="13476718"/>
               <a:ext cx="3013179" cy="2429822"/>
             </a:xfrm>
             <a:prstGeom prst="roundRect">
@@ -9295,13 +7690,15 @@
         </p:nvSpPr>
         <p:spPr>
           <a:xfrm>
-            <a:off x="38228563" y="2742062"/>
+            <a:off x="38403671" y="472464"/>
             <a:ext cx="4110918" cy="2093607"/>
           </a:xfrm>
           <a:prstGeom prst="roundRect">
             <a:avLst/>
           </a:prstGeom>
-          <a:noFill/>
+          <a:solidFill>
+            <a:schemeClr val="bg1"/>
+          </a:solidFill>
           <a:ln w="76200" cap="flat">
             <a:solidFill>
               <a:srgbClr val="000000"/>
@@ -9371,134 +7768,6 @@
             <a:r>
               <a:rPr lang="en-US" sz="2300" dirty="0"/>
               <a:t>     Logic &amp; Mathematics</a:t>
-            </a:r>
-          </a:p>
-        </p:txBody>
-      </p:sp>
-      <p:sp>
-        <p:nvSpPr>
-          <p:cNvPr id="167" name="Shape 48"/>
-          <p:cNvSpPr txBox="1">
-            <a:spLocks/>
-          </p:cNvSpPr>
-          <p:nvPr/>
-        </p:nvSpPr>
-        <p:spPr>
-          <a:xfrm>
-            <a:off x="27092606" y="1576823"/>
-            <a:ext cx="12249151" cy="644806"/>
-          </a:xfrm>
-          <a:prstGeom prst="rect">
-            <a:avLst/>
-          </a:prstGeom>
-          <a:ln w="12700">
-            <a:miter lim="400000"/>
-          </a:ln>
-          <a:extLst>
-            <a:ext uri="{C572A759-6A51-4108-AA02-DFA0A04FC94B}">
-              <ma14:wrappingTextBoxFlag xmlns:ma14="http://schemas.microsoft.com/office/mac/drawingml/2011/main" val="1"/>
-            </a:ext>
-          </a:extLst>
-        </p:spPr>
-        <p:txBody>
-          <a:bodyPr lIns="208758" tIns="208758" rIns="208758" bIns="208758" anchor="ctr">
-            <a:noAutofit/>
-          </a:bodyPr>
-          <a:lstStyle>
-            <a:lvl1pPr algn="l" defTabSz="2088048">
-              <a:defRPr sz="6000">
-                <a:latin typeface="Calibri"/>
-                <a:ea typeface="Calibri"/>
-                <a:cs typeface="Calibri"/>
-                <a:sym typeface="Calibri"/>
-              </a:defRPr>
-            </a:lvl1pPr>
-            <a:lvl2pPr algn="ctr" defTabSz="2088048">
-              <a:defRPr sz="20100">
-                <a:latin typeface="Calibri"/>
-                <a:ea typeface="Calibri"/>
-                <a:cs typeface="Calibri"/>
-                <a:sym typeface="Calibri"/>
-              </a:defRPr>
-            </a:lvl2pPr>
-            <a:lvl3pPr algn="ctr" defTabSz="2088048">
-              <a:defRPr sz="20100">
-                <a:latin typeface="Calibri"/>
-                <a:ea typeface="Calibri"/>
-                <a:cs typeface="Calibri"/>
-                <a:sym typeface="Calibri"/>
-              </a:defRPr>
-            </a:lvl3pPr>
-            <a:lvl4pPr algn="ctr" defTabSz="2088048">
-              <a:defRPr sz="20100">
-                <a:latin typeface="Calibri"/>
-                <a:ea typeface="Calibri"/>
-                <a:cs typeface="Calibri"/>
-                <a:sym typeface="Calibri"/>
-              </a:defRPr>
-            </a:lvl4pPr>
-            <a:lvl5pPr algn="ctr" defTabSz="2088048">
-              <a:defRPr sz="20100">
-                <a:latin typeface="Calibri"/>
-                <a:ea typeface="Calibri"/>
-                <a:cs typeface="Calibri"/>
-                <a:sym typeface="Calibri"/>
-              </a:defRPr>
-            </a:lvl5pPr>
-            <a:lvl6pPr algn="ctr" defTabSz="2088048">
-              <a:defRPr sz="20100">
-                <a:latin typeface="Calibri"/>
-                <a:ea typeface="Calibri"/>
-                <a:cs typeface="Calibri"/>
-                <a:sym typeface="Calibri"/>
-              </a:defRPr>
-            </a:lvl6pPr>
-            <a:lvl7pPr algn="ctr" defTabSz="2088048">
-              <a:defRPr sz="20100">
-                <a:latin typeface="Calibri"/>
-                <a:ea typeface="Calibri"/>
-                <a:cs typeface="Calibri"/>
-                <a:sym typeface="Calibri"/>
-              </a:defRPr>
-            </a:lvl7pPr>
-            <a:lvl8pPr algn="ctr" defTabSz="2088048">
-              <a:defRPr sz="20100">
-                <a:latin typeface="Calibri"/>
-                <a:ea typeface="Calibri"/>
-                <a:cs typeface="Calibri"/>
-                <a:sym typeface="Calibri"/>
-              </a:defRPr>
-            </a:lvl8pPr>
-            <a:lvl9pPr algn="ctr" defTabSz="2088048">
-              <a:defRPr sz="20100">
-                <a:latin typeface="Calibri"/>
-                <a:ea typeface="Calibri"/>
-                <a:cs typeface="Calibri"/>
-                <a:sym typeface="Calibri"/>
-              </a:defRPr>
-            </a:lvl9pPr>
-          </a:lstStyle>
-          <a:p>
-            <a:pPr>
-              <a:defRPr sz="1800"/>
-            </a:pPr>
-            <a:r>
-              <a:rPr lang="en-US" sz="2000" dirty="0"/>
-              <a:t>   </a:t>
-            </a:r>
-            <a:r>
-              <a:rPr lang="en-US" sz="2000" dirty="0" smtClean="0"/>
-              <a:t>v0.9: </a:t>
-            </a:r>
-            <a:r>
-              <a:rPr lang="en-US" sz="2000" dirty="0">
-                <a:hlinkClick r:id="rId3"/>
-              </a:rPr>
-              <a:t>https://github.com/cschaffner/MoLOverviewPoster</a:t>
-            </a:r>
-            <a:r>
-              <a:rPr lang="en-US" sz="2000" dirty="0"/>
-              <a:t> , suggestions and comments are welcome! </a:t>
             </a:r>
           </a:p>
         </p:txBody>
@@ -9641,211 +7910,6 @@
       </p:sp>
       <p:sp>
         <p:nvSpPr>
-          <p:cNvPr id="12" name="Diagonal Stripe 11"/>
-          <p:cNvSpPr/>
-          <p:nvPr/>
-        </p:nvSpPr>
-        <p:spPr>
-          <a:xfrm rot="5400000">
-            <a:off x="40067693" y="125656"/>
-            <a:ext cx="2261539" cy="2282037"/>
-          </a:xfrm>
-          <a:prstGeom prst="diagStripe">
-            <a:avLst>
-              <a:gd name="adj" fmla="val 69317"/>
-            </a:avLst>
-          </a:prstGeom>
-          <a:effectLst>
-            <a:glow rad="38100">
-              <a:schemeClr val="bg2">
-                <a:alpha val="75000"/>
-              </a:schemeClr>
-            </a:glow>
-          </a:effectLst>
-        </p:spPr>
-        <p:style>
-          <a:lnRef idx="2">
-            <a:schemeClr val="dk1">
-              <a:shade val="50000"/>
-            </a:schemeClr>
-          </a:lnRef>
-          <a:fillRef idx="1">
-            <a:schemeClr val="dk1"/>
-          </a:fillRef>
-          <a:effectRef idx="0">
-            <a:schemeClr val="dk1"/>
-          </a:effectRef>
-          <a:fontRef idx="minor">
-            <a:schemeClr val="lt1"/>
-          </a:fontRef>
-        </p:style>
-        <p:txBody>
-          <a:bodyPr rot="0" spcFirstLastPara="1" vertOverflow="overflow" horzOverflow="overflow" vert="horz" wrap="square" lIns="91418" tIns="45709" rIns="91418" bIns="45709" numCol="1" spcCol="38092" rtlCol="0" anchor="t">
-            <a:noAutofit/>
-          </a:bodyPr>
-          <a:lstStyle/>
-          <a:p>
-            <a:pPr algn="l" defTabSz="914193" rtl="0" latinLnBrk="1" hangingPunct="0"/>
-            <a:endParaRPr lang="en-US" sz="2000" dirty="0">
-              <a:solidFill>
-                <a:srgbClr val="000000"/>
-              </a:solidFill>
-            </a:endParaRPr>
-          </a:p>
-        </p:txBody>
-      </p:sp>
-      <p:sp>
-        <p:nvSpPr>
-          <p:cNvPr id="26" name="TextBox 25"/>
-          <p:cNvSpPr txBox="1"/>
-          <p:nvPr/>
-        </p:nvSpPr>
-        <p:spPr>
-          <a:xfrm rot="2660991">
-            <a:off x="39847370" y="877955"/>
-            <a:ext cx="3092565" cy="400087"/>
-          </a:xfrm>
-          <a:prstGeom prst="rect">
-            <a:avLst/>
-          </a:prstGeom>
-          <a:noFill/>
-          <a:ln w="12700" cap="flat">
-            <a:noFill/>
-            <a:miter lim="400000"/>
-          </a:ln>
-          <a:effectLst/>
-        </p:spPr>
-        <p:style>
-          <a:lnRef idx="0">
-            <a:scrgbClr r="0" g="0" b="0"/>
-          </a:lnRef>
-          <a:fillRef idx="0">
-            <a:scrgbClr r="0" g="0" b="0"/>
-          </a:fillRef>
-          <a:effectRef idx="0">
-            <a:scrgbClr r="0" g="0" b="0"/>
-          </a:effectRef>
-          <a:fontRef idx="none"/>
-        </p:style>
-        <p:txBody>
-          <a:bodyPr rot="0" spcFirstLastPara="1" vertOverflow="overflow" horzOverflow="overflow" vert="horz" wrap="square" lIns="45709" tIns="45709" rIns="45709" bIns="45709" numCol="1" spcCol="38092" rtlCol="0" anchor="t">
-            <a:spAutoFit/>
-          </a:bodyPr>
-          <a:lstStyle/>
-          <a:p>
-            <a:pPr algn="ctr" rtl="0" latinLnBrk="1" hangingPunct="0"/>
-            <a:r>
-              <a:rPr lang="en-US" sz="2000" dirty="0">
-                <a:solidFill>
-                  <a:schemeClr val="bg1"/>
-                </a:solidFill>
-              </a:rPr>
-              <a:t>Fork me on </a:t>
-            </a:r>
-            <a:r>
-              <a:rPr lang="en-US" sz="2000" dirty="0" err="1">
-                <a:solidFill>
-                  <a:schemeClr val="bg1"/>
-                </a:solidFill>
-              </a:rPr>
-              <a:t>GitHub</a:t>
-            </a:r>
-            <a:endParaRPr lang="en-US" sz="2000" dirty="0">
-              <a:solidFill>
-                <a:schemeClr val="bg1"/>
-              </a:solidFill>
-            </a:endParaRPr>
-          </a:p>
-        </p:txBody>
-      </p:sp>
-      <p:cxnSp>
-        <p:nvCxnSpPr>
-          <p:cNvPr id="30" name="Straight Connector 29"/>
-          <p:cNvCxnSpPr/>
-          <p:nvPr/>
-        </p:nvCxnSpPr>
-        <p:spPr>
-          <a:xfrm>
-            <a:off x="40727753" y="135905"/>
-            <a:ext cx="1611726" cy="1611794"/>
-          </a:xfrm>
-          <a:prstGeom prst="line">
-            <a:avLst/>
-          </a:prstGeom>
-          <a:noFill/>
-          <a:ln w="9525" cap="flat" cmpd="sng">
-            <a:solidFill>
-              <a:schemeClr val="bg1"/>
-            </a:solidFill>
-            <a:prstDash val="dash"/>
-            <a:bevel/>
-          </a:ln>
-          <a:effectLst>
-            <a:outerShdw blurRad="38100" dist="20000" dir="5400000" rotWithShape="0">
-              <a:srgbClr val="000000">
-                <a:alpha val="38000"/>
-              </a:srgbClr>
-            </a:outerShdw>
-          </a:effectLst>
-        </p:spPr>
-        <p:style>
-          <a:lnRef idx="0">
-            <a:scrgbClr r="0" g="0" b="0"/>
-          </a:lnRef>
-          <a:fillRef idx="0">
-            <a:scrgbClr r="0" g="0" b="0"/>
-          </a:fillRef>
-          <a:effectRef idx="0">
-            <a:scrgbClr r="0" g="0" b="0"/>
-          </a:effectRef>
-          <a:fontRef idx="none"/>
-        </p:style>
-      </p:cxnSp>
-      <p:cxnSp>
-        <p:nvCxnSpPr>
-          <p:cNvPr id="134" name="Straight Connector 133"/>
-          <p:cNvCxnSpPr/>
-          <p:nvPr/>
-        </p:nvCxnSpPr>
-        <p:spPr>
-          <a:xfrm>
-            <a:off x="40091611" y="135904"/>
-            <a:ext cx="2247868" cy="2247963"/>
-          </a:xfrm>
-          <a:prstGeom prst="line">
-            <a:avLst/>
-          </a:prstGeom>
-          <a:noFill/>
-          <a:ln w="9525" cap="flat" cmpd="sng">
-            <a:solidFill>
-              <a:schemeClr val="bg1"/>
-            </a:solidFill>
-            <a:prstDash val="dash"/>
-            <a:bevel/>
-          </a:ln>
-          <a:effectLst>
-            <a:outerShdw blurRad="38100" dist="20000" dir="5400000" rotWithShape="0">
-              <a:srgbClr val="000000">
-                <a:alpha val="38000"/>
-              </a:srgbClr>
-            </a:outerShdw>
-          </a:effectLst>
-        </p:spPr>
-        <p:style>
-          <a:lnRef idx="0">
-            <a:scrgbClr r="0" g="0" b="0"/>
-          </a:lnRef>
-          <a:fillRef idx="0">
-            <a:scrgbClr r="0" g="0" b="0"/>
-          </a:fillRef>
-          <a:effectRef idx="0">
-            <a:scrgbClr r="0" g="0" b="0"/>
-          </a:effectRef>
-          <a:fontRef idx="none"/>
-        </p:style>
-      </p:cxnSp>
-      <p:sp>
-        <p:nvSpPr>
           <p:cNvPr id="197" name="Shape 61"/>
           <p:cNvSpPr>
             <a:spLocks noChangeAspect="1"/>
@@ -9916,194 +7980,6 @@
               <a:rPr lang="en-US" sz="2900" dirty="0"/>
               <a:t>, Schulz) [3EC]</a:t>
             </a:r>
-          </a:p>
-        </p:txBody>
-      </p:sp>
-      <p:sp>
-        <p:nvSpPr>
-          <p:cNvPr id="198" name="Shape 64"/>
-          <p:cNvSpPr/>
-          <p:nvPr/>
-        </p:nvSpPr>
-        <p:spPr>
-          <a:xfrm>
-            <a:off x="6052152" y="26608629"/>
-            <a:ext cx="3149557" cy="2427776"/>
-          </a:xfrm>
-          <a:prstGeom prst="roundRect">
-            <a:avLst>
-              <a:gd name="adj" fmla="val 16667"/>
-            </a:avLst>
-          </a:prstGeom>
-          <a:gradFill flip="none" rotWithShape="1">
-            <a:gsLst>
-              <a:gs pos="0">
-                <a:srgbClr val="3F80CE"/>
-              </a:gs>
-              <a:gs pos="100000">
-                <a:srgbClr val="A2C3FF"/>
-              </a:gs>
-            </a:gsLst>
-            <a:lin ang="16200000" scaled="0"/>
-          </a:gradFill>
-          <a:ln w="9525" cap="flat">
-            <a:solidFill>
-              <a:srgbClr val="4A7EBB"/>
-            </a:solidFill>
-            <a:prstDash val="solid"/>
-            <a:bevel/>
-          </a:ln>
-          <a:effectLst>
-            <a:outerShdw blurRad="38100" dist="23000" dir="5400000" rotWithShape="0">
-              <a:srgbClr val="000000">
-                <a:alpha val="35000"/>
-              </a:srgbClr>
-            </a:outerShdw>
-          </a:effectLst>
-        </p:spPr>
-        <p:txBody>
-          <a:bodyPr wrap="square" lIns="0" tIns="0" rIns="0" bIns="0" numCol="1" anchor="ctr">
-            <a:noAutofit/>
-          </a:bodyPr>
-          <a:lstStyle/>
-          <a:p>
-            <a:pPr lvl="0" algn="ctr">
-              <a:defRPr sz="1800">
-                <a:solidFill>
-                  <a:srgbClr val="000000"/>
-                </a:solidFill>
-              </a:defRPr>
-            </a:pPr>
-            <a:r>
-              <a:rPr lang="en-US" sz="2900" dirty="0">
-                <a:solidFill>
-                  <a:srgbClr val="FFFFFF"/>
-                </a:solidFill>
-              </a:rPr>
-              <a:t>[</a:t>
-            </a:r>
-            <a:r>
-              <a:rPr lang="en-US" sz="2900" dirty="0" err="1">
-                <a:solidFill>
-                  <a:srgbClr val="FFFFFF"/>
-                </a:solidFill>
-              </a:rPr>
-              <a:t>MoL</a:t>
-            </a:r>
-            <a:r>
-              <a:rPr lang="en-US" sz="2900" dirty="0">
-                <a:solidFill>
-                  <a:srgbClr val="FFFFFF"/>
-                </a:solidFill>
-              </a:rPr>
-              <a:t>-FNWI] </a:t>
-            </a:r>
-            <a:endParaRPr lang="en-US" sz="2900" dirty="0" smtClean="0">
-              <a:solidFill>
-                <a:srgbClr val="FFFFFF"/>
-              </a:solidFill>
-            </a:endParaRPr>
-          </a:p>
-          <a:p>
-            <a:pPr lvl="0" algn="ctr">
-              <a:defRPr sz="1800">
-                <a:solidFill>
-                  <a:srgbClr val="000000"/>
-                </a:solidFill>
-              </a:defRPr>
-            </a:pPr>
-            <a:r>
-              <a:rPr lang="en-US" sz="2900" dirty="0" smtClean="0">
-                <a:solidFill>
-                  <a:srgbClr val="FFFFFF"/>
-                </a:solidFill>
-              </a:rPr>
-              <a:t>Capita </a:t>
-            </a:r>
-            <a:r>
-              <a:rPr lang="en-US" sz="2900" dirty="0" smtClean="0">
-                <a:solidFill>
-                  <a:srgbClr val="FFFFFF"/>
-                </a:solidFill>
-              </a:rPr>
-              <a:t>Selecta</a:t>
-            </a:r>
-            <a:r>
-              <a:rPr lang="en-US" sz="2900" dirty="0" smtClean="0">
-                <a:solidFill>
-                  <a:srgbClr val="FFFFFF"/>
-                </a:solidFill>
-              </a:rPr>
-              <a:t>:</a:t>
-            </a:r>
-          </a:p>
-          <a:p>
-            <a:pPr lvl="0" algn="ctr">
-              <a:defRPr sz="1800">
-                <a:solidFill>
-                  <a:srgbClr val="000000"/>
-                </a:solidFill>
-              </a:defRPr>
-            </a:pPr>
-            <a:r>
-              <a:rPr lang="en-US" sz="2900" dirty="0" smtClean="0">
-                <a:solidFill>
-                  <a:srgbClr val="FFFFFF"/>
-                </a:solidFill>
-              </a:rPr>
-              <a:t> </a:t>
-            </a:r>
-            <a:r>
-              <a:rPr lang="en-US" sz="2900" dirty="0" smtClean="0">
-                <a:solidFill>
-                  <a:srgbClr val="FFFFFF"/>
-                </a:solidFill>
-              </a:rPr>
-              <a:t>Set Theory </a:t>
-            </a:r>
-            <a:endParaRPr lang="en-US" sz="2900" dirty="0" smtClean="0">
-              <a:solidFill>
-                <a:srgbClr val="FFFFFF"/>
-              </a:solidFill>
-            </a:endParaRPr>
-          </a:p>
-          <a:p>
-            <a:pPr lvl="0" algn="ctr">
-              <a:defRPr sz="1800">
-                <a:solidFill>
-                  <a:srgbClr val="000000"/>
-                </a:solidFill>
-              </a:defRPr>
-            </a:pPr>
-            <a:r>
-              <a:rPr lang="en-US" sz="2900" dirty="0" smtClean="0">
-                <a:solidFill>
-                  <a:srgbClr val="FFFFFF"/>
-                </a:solidFill>
-              </a:rPr>
-              <a:t>(</a:t>
-            </a:r>
-            <a:r>
-              <a:rPr lang="en-US" sz="2900" dirty="0" err="1" smtClean="0">
-                <a:solidFill>
-                  <a:srgbClr val="FFFFFF"/>
-                </a:solidFill>
-              </a:rPr>
-              <a:t>Löwe</a:t>
-            </a:r>
-            <a:r>
-              <a:rPr lang="en-US" sz="2900" dirty="0" smtClean="0">
-                <a:solidFill>
-                  <a:srgbClr val="FFFFFF"/>
-                </a:solidFill>
-              </a:rPr>
-              <a:t>)</a:t>
-            </a:r>
-            <a:endParaRPr lang="en-US" sz="2900" dirty="0">
-              <a:solidFill>
-                <a:srgbClr val="FFFFFF"/>
-              </a:solidFill>
-            </a:endParaRPr>
           </a:p>
         </p:txBody>
       </p:sp>
@@ -10273,14 +8149,6 @@
               </a:rPr>
               <a:t>[RM-Ling] </a:t>
             </a:r>
-            <a:r>
-              <a:rPr lang="en-US" sz="2900" dirty="0" smtClean="0">
-                <a:solidFill>
-                  <a:srgbClr val="FFFFFF"/>
-                </a:solidFill>
-              </a:rPr>
-              <a:t/>
-            </a:r>
             <a:br>
               <a:rPr lang="en-US" sz="2900" dirty="0" smtClean="0">
                 <a:solidFill>
@@ -10294,23 +8162,7 @@
                   <a:srgbClr val="FFFFFF"/>
                 </a:solidFill>
               </a:rPr>
-              <a:t>Generative </a:t>
-            </a:r>
-            <a:r>
-              <a:rPr lang="en-US" sz="2900" dirty="0" smtClean="0">
-                <a:solidFill>
-                  <a:srgbClr val="FFFFFF"/>
-                </a:solidFill>
-              </a:rPr>
-              <a:t>Grammar </a:t>
-            </a:r>
-            <a:r>
-              <a:rPr lang="en-US" sz="2900" dirty="0" smtClean="0">
-                <a:solidFill>
-                  <a:srgbClr val="FFFFFF"/>
-                </a:solidFill>
-              </a:rPr>
-              <a:t/>
+              <a:t>Generative Grammar </a:t>
             </a:r>
             <a:br>
               <a:rPr lang="en-US" sz="2900" dirty="0" smtClean="0">
@@ -10348,122 +8200,6 @@
                 <a:srgbClr val="FFFFFF"/>
               </a:solidFill>
             </a:endParaRPr>
-          </a:p>
-        </p:txBody>
-      </p:sp>
-      <p:sp>
-        <p:nvSpPr>
-          <p:cNvPr id="203" name="Shape 121"/>
-          <p:cNvSpPr/>
-          <p:nvPr/>
-        </p:nvSpPr>
-        <p:spPr>
-          <a:xfrm>
-            <a:off x="22057455" y="7138534"/>
-            <a:ext cx="3406605" cy="2429822"/>
-          </a:xfrm>
-          <a:prstGeom prst="roundRect">
-            <a:avLst>
-              <a:gd name="adj" fmla="val 16667"/>
-            </a:avLst>
-          </a:prstGeom>
-          <a:gradFill flip="none" rotWithShape="1">
-            <a:gsLst>
-              <a:gs pos="0">
-                <a:srgbClr val="DAFEA4"/>
-              </a:gs>
-              <a:gs pos="35000">
-                <a:srgbClr val="E4FDBF"/>
-              </a:gs>
-              <a:gs pos="100000">
-                <a:srgbClr val="F5FFE6"/>
-              </a:gs>
-            </a:gsLst>
-            <a:lin ang="16200000" scaled="0"/>
-          </a:gradFill>
-          <a:ln w="9525" cap="flat">
-            <a:solidFill>
-              <a:srgbClr val="98B955"/>
-            </a:solidFill>
-            <a:prstDash val="solid"/>
-            <a:bevel/>
-          </a:ln>
-          <a:effectLst>
-            <a:outerShdw blurRad="38100" dist="20000" dir="5400000" rotWithShape="0">
-              <a:srgbClr val="000000">
-                <a:alpha val="38000"/>
-              </a:srgbClr>
-            </a:outerShdw>
-          </a:effectLst>
-        </p:spPr>
-        <p:txBody>
-          <a:bodyPr wrap="square" lIns="0" tIns="0" rIns="0" bIns="0" numCol="1" anchor="ctr">
-            <a:noAutofit/>
-          </a:bodyPr>
-          <a:lstStyle/>
-          <a:p>
-            <a:pPr lvl="0" algn="ctr">
-              <a:defRPr sz="1800"/>
-            </a:pPr>
-            <a:r>
-              <a:rPr lang="en-US" sz="2900" dirty="0"/>
-              <a:t>[</a:t>
-            </a:r>
-            <a:r>
-              <a:rPr lang="en-US" sz="2900" dirty="0" err="1" smtClean="0"/>
-              <a:t>MAPhil</a:t>
-            </a:r>
-            <a:r>
-              <a:rPr lang="en-US" sz="2900" dirty="0" smtClean="0"/>
-              <a:t>]</a:t>
-            </a:r>
-            <a:br>
-              <a:rPr lang="en-US" sz="2900" dirty="0" smtClean="0"/>
-            </a:br>
-            <a:r>
-              <a:rPr lang="en-US" sz="2900" dirty="0" smtClean="0"/>
-              <a:t>Causal </a:t>
-            </a:r>
-            <a:r>
-              <a:rPr lang="en-US" sz="2900" dirty="0"/>
-              <a:t>I</a:t>
-            </a:r>
-            <a:r>
-              <a:rPr lang="en-US" sz="2900" dirty="0" smtClean="0"/>
-              <a:t>nference</a:t>
-            </a:r>
-            <a:r>
-              <a:rPr lang="en-US" sz="2900" dirty="0"/>
-              <a:t>: </a:t>
-            </a:r>
-            <a:r>
-              <a:rPr lang="en-US" sz="2900" dirty="0" smtClean="0"/>
-              <a:t>Philosophical </a:t>
-            </a:r>
-            <a:r>
-              <a:rPr lang="en-US" sz="2900" dirty="0"/>
-              <a:t>T</a:t>
-            </a:r>
-            <a:r>
-              <a:rPr lang="en-US" sz="2900" dirty="0" smtClean="0"/>
-              <a:t>heory </a:t>
-            </a:r>
-            <a:r>
-              <a:rPr lang="en-US" sz="2900" dirty="0"/>
-              <a:t>and </a:t>
-            </a:r>
-            <a:r>
-              <a:rPr lang="en-US" sz="2900" dirty="0"/>
-              <a:t>M</a:t>
-            </a:r>
-            <a:r>
-              <a:rPr lang="en-US" sz="2900" dirty="0" smtClean="0"/>
-              <a:t>odern Practice </a:t>
-            </a:r>
-            <a:r>
-              <a:rPr lang="en-US" sz="2900" dirty="0"/>
-              <a:t>(Schulz)</a:t>
-            </a:r>
           </a:p>
         </p:txBody>
       </p:sp>
@@ -10536,97 +8272,954 @@
           </a:p>
         </p:txBody>
       </p:sp>
-      <p:sp>
-        <p:nvSpPr>
-          <p:cNvPr id="137" name="Shape 139"/>
-          <p:cNvSpPr/>
+      <p:grpSp>
+        <p:nvGrpSpPr>
+          <p:cNvPr id="13" name="Group 12"/>
+          <p:cNvGrpSpPr/>
           <p:nvPr/>
-        </p:nvSpPr>
-        <p:spPr>
+        </p:nvGrpSpPr>
+        <p:grpSpPr>
           <a:xfrm>
-            <a:off x="6095971" y="3753123"/>
-            <a:ext cx="3013179" cy="2429822"/>
+            <a:off x="6095971" y="432692"/>
+            <a:ext cx="19368089" cy="9280755"/>
+            <a:chOff x="6095971" y="432692"/>
+            <a:chExt cx="19368089" cy="9280755"/>
           </a:xfrm>
-          <a:prstGeom prst="roundRect">
-            <a:avLst>
-              <a:gd name="adj" fmla="val 16667"/>
-            </a:avLst>
-          </a:prstGeom>
-          <a:gradFill flip="none" rotWithShape="1">
-            <a:gsLst>
-              <a:gs pos="0">
-                <a:srgbClr val="C8B2E9"/>
-              </a:gs>
-              <a:gs pos="35000">
-                <a:srgbClr val="D8C9EE"/>
-              </a:gs>
-              <a:gs pos="100000">
-                <a:srgbClr val="F0EAF9"/>
-              </a:gs>
-            </a:gsLst>
-            <a:lin ang="16200000" scaled="0"/>
-          </a:gradFill>
-          <a:ln w="9525" cap="flat">
-            <a:solidFill>
-              <a:srgbClr val="7D60A0"/>
-            </a:solidFill>
-            <a:prstDash val="solid"/>
-            <a:bevel/>
-          </a:ln>
-          <a:effectLst>
-            <a:outerShdw blurRad="38100" dist="20000" dir="5400000" rotWithShape="0">
-              <a:srgbClr val="000000">
-                <a:alpha val="38000"/>
-              </a:srgbClr>
-            </a:outerShdw>
-          </a:effectLst>
-        </p:spPr>
-        <p:txBody>
-          <a:bodyPr wrap="square" lIns="0" tIns="0" rIns="0" bIns="0" numCol="1" anchor="ctr">
-            <a:noAutofit/>
-          </a:bodyPr>
-          <a:lstStyle/>
-          <a:p>
-            <a:pPr lvl="0" algn="ctr">
-              <a:defRPr sz="1800"/>
-            </a:pPr>
-            <a:r>
-              <a:rPr lang="en-US" sz="2900" dirty="0" smtClean="0"/>
-              <a:t>[</a:t>
-            </a:r>
-            <a:r>
-              <a:rPr lang="en-US" sz="2900" dirty="0" err="1" smtClean="0"/>
-              <a:t>MAPhil</a:t>
-            </a:r>
-            <a:r>
-              <a:rPr lang="en-US" sz="2900" dirty="0"/>
-              <a:t>] </a:t>
-            </a:r>
-            <a:endParaRPr lang="en-US" sz="2900" dirty="0" smtClean="0"/>
-          </a:p>
-          <a:p>
-            <a:pPr lvl="0" algn="ctr">
-              <a:defRPr sz="1800"/>
-            </a:pPr>
-            <a:r>
-              <a:rPr lang="en-US" sz="2900" dirty="0" smtClean="0"/>
-              <a:t>Techno-science </a:t>
-            </a:r>
-            <a:r>
-              <a:rPr lang="en-US" sz="2900" dirty="0"/>
-              <a:t>and </a:t>
-            </a:r>
-            <a:r>
-              <a:rPr lang="en-US" sz="2900" dirty="0" smtClean="0"/>
-              <a:t>Epistemology </a:t>
-            </a:r>
-            <a:r>
-              <a:rPr lang="en-US" sz="2900" dirty="0"/>
-              <a:t>(Russo) </a:t>
-            </a:r>
-          </a:p>
-        </p:txBody>
-      </p:sp>
+        </p:grpSpPr>
+        <p:sp>
+          <p:nvSpPr>
+            <p:cNvPr id="73" name="Shape 73"/>
+            <p:cNvSpPr/>
+            <p:nvPr/>
+          </p:nvSpPr>
+          <p:spPr>
+            <a:xfrm>
+              <a:off x="17389977" y="3691896"/>
+              <a:ext cx="3362348" cy="2426557"/>
+            </a:xfrm>
+            <a:prstGeom prst="roundRect">
+              <a:avLst>
+                <a:gd name="adj" fmla="val 16667"/>
+              </a:avLst>
+            </a:prstGeom>
+            <a:gradFill flip="none" rotWithShape="1">
+              <a:gsLst>
+                <a:gs pos="0">
+                  <a:srgbClr val="3F80CE"/>
+                </a:gs>
+                <a:gs pos="100000">
+                  <a:srgbClr val="A2C3FF"/>
+                </a:gs>
+              </a:gsLst>
+              <a:lin ang="16200000" scaled="0"/>
+            </a:gradFill>
+            <a:ln w="9525" cap="flat">
+              <a:solidFill>
+                <a:srgbClr val="4A7EBB"/>
+              </a:solidFill>
+              <a:prstDash val="solid"/>
+              <a:bevel/>
+            </a:ln>
+            <a:effectLst>
+              <a:outerShdw blurRad="38100" dist="23000" dir="5400000" rotWithShape="0">
+                <a:srgbClr val="000000">
+                  <a:alpha val="35000"/>
+                </a:srgbClr>
+              </a:outerShdw>
+            </a:effectLst>
+          </p:spPr>
+          <p:txBody>
+            <a:bodyPr wrap="square" lIns="0" tIns="0" rIns="0" bIns="0" numCol="1" anchor="ctr">
+              <a:noAutofit/>
+            </a:bodyPr>
+            <a:lstStyle/>
+            <a:p>
+              <a:pPr lvl="0" algn="ctr">
+                <a:defRPr sz="1800">
+                  <a:solidFill>
+                    <a:srgbClr val="000000"/>
+                  </a:solidFill>
+                </a:defRPr>
+              </a:pPr>
+              <a:r>
+                <a:rPr lang="en-US" sz="2900" dirty="0">
+                  <a:solidFill>
+                    <a:srgbClr val="FFFFFF"/>
+                  </a:solidFill>
+                </a:rPr>
+                <a:t>[MoL-FGW] Rationality, Cognition and Reasoning (</a:t>
+              </a:r>
+              <a:r>
+                <a:rPr lang="en-US" sz="2900" dirty="0" err="1">
+                  <a:solidFill>
+                    <a:srgbClr val="FFFFFF"/>
+                  </a:solidFill>
+                </a:rPr>
+                <a:t>vLambalgen</a:t>
+              </a:r>
+              <a:r>
+                <a:rPr lang="en-US" sz="2900" dirty="0">
+                  <a:solidFill>
+                    <a:srgbClr val="FFFFFF"/>
+                  </a:solidFill>
+                </a:rPr>
+                <a:t>)</a:t>
+              </a:r>
+            </a:p>
+          </p:txBody>
+        </p:sp>
+        <p:sp>
+          <p:nvSpPr>
+            <p:cNvPr id="79" name="Shape 79"/>
+            <p:cNvSpPr/>
+            <p:nvPr/>
+          </p:nvSpPr>
+          <p:spPr>
+            <a:xfrm>
+              <a:off x="13221809" y="432692"/>
+              <a:ext cx="3199763" cy="2970038"/>
+            </a:xfrm>
+            <a:prstGeom prst="ellipse">
+              <a:avLst/>
+            </a:prstGeom>
+            <a:gradFill flip="none" rotWithShape="1">
+              <a:gsLst>
+                <a:gs pos="0">
+                  <a:srgbClr val="3F80CE"/>
+                </a:gs>
+                <a:gs pos="100000">
+                  <a:srgbClr val="A2C3FF"/>
+                </a:gs>
+              </a:gsLst>
+              <a:lin ang="16200000" scaled="0"/>
+            </a:gradFill>
+            <a:ln w="9525" cap="flat">
+              <a:solidFill>
+                <a:schemeClr val="tx1"/>
+              </a:solidFill>
+              <a:prstDash val="solid"/>
+              <a:bevel/>
+            </a:ln>
+            <a:effectLst>
+              <a:outerShdw blurRad="38100" dist="23000" dir="5400000" rotWithShape="0">
+                <a:srgbClr val="000000">
+                  <a:alpha val="35000"/>
+                </a:srgbClr>
+              </a:outerShdw>
+            </a:effectLst>
+          </p:spPr>
+          <p:txBody>
+            <a:bodyPr wrap="square" lIns="0" tIns="0" rIns="0" bIns="0" numCol="1" anchor="ctr">
+              <a:noAutofit/>
+            </a:bodyPr>
+            <a:lstStyle/>
+            <a:p>
+              <a:pPr lvl="0" algn="ctr">
+                <a:defRPr sz="1800">
+                  <a:solidFill>
+                    <a:srgbClr val="000000"/>
+                  </a:solidFill>
+                </a:defRPr>
+              </a:pPr>
+              <a:r>
+                <a:rPr lang="en-US" sz="2900" dirty="0">
+                  <a:solidFill>
+                    <a:srgbClr val="FFFFFF"/>
+                  </a:solidFill>
+                </a:rPr>
+                <a:t>[</a:t>
+              </a:r>
+              <a:r>
+                <a:rPr lang="en-US" sz="2900" dirty="0" err="1">
+                  <a:solidFill>
+                    <a:srgbClr val="FFFFFF"/>
+                  </a:solidFill>
+                </a:rPr>
+                <a:t>GSHum</a:t>
+              </a:r>
+              <a:r>
+                <a:rPr lang="en-US" sz="2900" dirty="0">
+                  <a:solidFill>
+                    <a:srgbClr val="FFFFFF"/>
+                  </a:solidFill>
+                </a:rPr>
+                <a:t>] Introduction to the Philosophy of Language (Brouwer)</a:t>
+              </a:r>
+            </a:p>
+          </p:txBody>
+        </p:sp>
+        <p:sp>
+          <p:nvSpPr>
+            <p:cNvPr id="118" name="Shape 118"/>
+            <p:cNvSpPr/>
+            <p:nvPr/>
+          </p:nvSpPr>
+          <p:spPr>
+            <a:xfrm>
+              <a:off x="22118464" y="3717231"/>
+              <a:ext cx="3345596" cy="2429822"/>
+            </a:xfrm>
+            <a:prstGeom prst="roundRect">
+              <a:avLst>
+                <a:gd name="adj" fmla="val 16667"/>
+              </a:avLst>
+            </a:prstGeom>
+            <a:gradFill flip="none" rotWithShape="1">
+              <a:gsLst>
+                <a:gs pos="0">
+                  <a:srgbClr val="DAFEA4"/>
+                </a:gs>
+                <a:gs pos="35000">
+                  <a:srgbClr val="E4FDBF"/>
+                </a:gs>
+                <a:gs pos="100000">
+                  <a:srgbClr val="F5FFE6"/>
+                </a:gs>
+              </a:gsLst>
+              <a:lin ang="16200000" scaled="0"/>
+            </a:gradFill>
+            <a:ln w="9525" cap="flat">
+              <a:solidFill>
+                <a:srgbClr val="98B955"/>
+              </a:solidFill>
+              <a:prstDash val="solid"/>
+              <a:bevel/>
+            </a:ln>
+            <a:effectLst>
+              <a:outerShdw blurRad="38100" dist="20000" dir="5400000" rotWithShape="0">
+                <a:srgbClr val="000000">
+                  <a:alpha val="38000"/>
+                </a:srgbClr>
+              </a:outerShdw>
+            </a:effectLst>
+          </p:spPr>
+          <p:txBody>
+            <a:bodyPr wrap="square" lIns="0" tIns="0" rIns="0" bIns="0" numCol="1" anchor="ctr">
+              <a:noAutofit/>
+            </a:bodyPr>
+            <a:lstStyle/>
+            <a:p>
+              <a:pPr lvl="0" algn="ctr">
+                <a:defRPr sz="1800"/>
+              </a:pPr>
+              <a:r>
+                <a:rPr lang="en-US" sz="2900" dirty="0"/>
+                <a:t>[</a:t>
+              </a:r>
+              <a:r>
+                <a:rPr lang="en-US" sz="2900" dirty="0" err="1"/>
+                <a:t>MAPhil</a:t>
+              </a:r>
+              <a:r>
+                <a:rPr lang="en-US" sz="2900" dirty="0"/>
+                <a:t>]   Philosophy of </a:t>
+              </a:r>
+              <a:r>
+                <a:rPr lang="en-US" sz="2900" dirty="0" smtClean="0"/>
+                <a:t>Cognition </a:t>
+              </a:r>
+              <a:br>
+                <a:rPr lang="en-US" sz="2900" dirty="0" smtClean="0"/>
+              </a:br>
+              <a:r>
+                <a:rPr lang="en-US" sz="2900" dirty="0" smtClean="0"/>
+                <a:t>(</a:t>
+              </a:r>
+              <a:r>
+                <a:rPr lang="en-US" sz="2900" dirty="0" err="1"/>
+                <a:t>Brouwer</a:t>
+              </a:r>
+              <a:r>
+                <a:rPr lang="en-US" sz="2900" dirty="0" smtClean="0"/>
+                <a:t>)</a:t>
+              </a:r>
+              <a:endParaRPr lang="en-US" sz="2900" dirty="0"/>
+            </a:p>
+          </p:txBody>
+        </p:sp>
+        <p:sp>
+          <p:nvSpPr>
+            <p:cNvPr id="121" name="Shape 121"/>
+            <p:cNvSpPr/>
+            <p:nvPr/>
+          </p:nvSpPr>
+          <p:spPr>
+            <a:xfrm>
+              <a:off x="6109761" y="909034"/>
+              <a:ext cx="3013179" cy="2429822"/>
+            </a:xfrm>
+            <a:prstGeom prst="roundRect">
+              <a:avLst>
+                <a:gd name="adj" fmla="val 16667"/>
+              </a:avLst>
+            </a:prstGeom>
+            <a:gradFill flip="none" rotWithShape="1">
+              <a:gsLst>
+                <a:gs pos="0">
+                  <a:srgbClr val="DAFEA4"/>
+                </a:gs>
+                <a:gs pos="35000">
+                  <a:srgbClr val="E4FDBF"/>
+                </a:gs>
+                <a:gs pos="100000">
+                  <a:srgbClr val="F5FFE6"/>
+                </a:gs>
+              </a:gsLst>
+              <a:lin ang="16200000" scaled="0"/>
+            </a:gradFill>
+            <a:ln w="9525" cap="flat">
+              <a:solidFill>
+                <a:srgbClr val="98B955"/>
+              </a:solidFill>
+              <a:prstDash val="solid"/>
+              <a:bevel/>
+            </a:ln>
+            <a:effectLst>
+              <a:outerShdw blurRad="38100" dist="20000" dir="5400000" rotWithShape="0">
+                <a:srgbClr val="000000">
+                  <a:alpha val="38000"/>
+                </a:srgbClr>
+              </a:outerShdw>
+            </a:effectLst>
+          </p:spPr>
+          <p:txBody>
+            <a:bodyPr wrap="square" lIns="0" tIns="0" rIns="0" bIns="0" numCol="1" anchor="ctr">
+              <a:noAutofit/>
+            </a:bodyPr>
+            <a:lstStyle/>
+            <a:p>
+              <a:pPr lvl="0" algn="ctr">
+                <a:defRPr sz="1800"/>
+              </a:pPr>
+              <a:r>
+                <a:rPr lang="en-US" sz="2900" dirty="0"/>
+                <a:t>[</a:t>
+              </a:r>
+              <a:r>
+                <a:rPr lang="en-US" sz="2900" dirty="0" err="1"/>
+                <a:t>MAPhil</a:t>
+              </a:r>
+              <a:r>
+                <a:rPr lang="en-US" sz="2900" dirty="0"/>
+                <a:t>]   </a:t>
+              </a:r>
+              <a:r>
+                <a:rPr lang="en-US" sz="2900" dirty="0" smtClean="0"/>
+                <a:t/>
+              </a:r>
+              <a:br>
+                <a:rPr lang="en-US" sz="2900" dirty="0" smtClean="0"/>
+              </a:br>
+              <a:r>
+                <a:rPr lang="en-US" sz="2900" dirty="0" smtClean="0"/>
+                <a:t>Early </a:t>
+              </a:r>
+              <a:r>
+                <a:rPr lang="en-US" sz="2900" dirty="0"/>
+                <a:t>M</a:t>
+              </a:r>
+              <a:r>
+                <a:rPr lang="en-US" sz="2900" dirty="0" smtClean="0"/>
+                <a:t>odern </a:t>
+              </a:r>
+              <a:r>
+                <a:rPr lang="en-US" sz="2900" dirty="0"/>
+                <a:t>P</a:t>
+              </a:r>
+              <a:r>
+                <a:rPr lang="en-US" sz="2900" dirty="0" smtClean="0"/>
+                <a:t>hilosophy </a:t>
+              </a:r>
+              <a:r>
+                <a:rPr lang="en-US" sz="2900" dirty="0"/>
+                <a:t>of language </a:t>
+              </a:r>
+              <a:endParaRPr lang="en-US" sz="2900" dirty="0" smtClean="0"/>
+            </a:p>
+            <a:p>
+              <a:pPr lvl="0" algn="ctr">
+                <a:defRPr sz="1800"/>
+              </a:pPr>
+              <a:r>
+                <a:rPr lang="en-US" sz="2900" dirty="0" smtClean="0"/>
+                <a:t>(</a:t>
+              </a:r>
+              <a:r>
+                <a:rPr lang="en-US" sz="2900" dirty="0"/>
+                <a:t>Maat)</a:t>
+              </a:r>
+            </a:p>
+          </p:txBody>
+        </p:sp>
+        <p:sp>
+          <p:nvSpPr>
+            <p:cNvPr id="139" name="Shape 139"/>
+            <p:cNvSpPr/>
+            <p:nvPr/>
+          </p:nvSpPr>
+          <p:spPr>
+            <a:xfrm>
+              <a:off x="6172166" y="7283625"/>
+              <a:ext cx="3013179" cy="2429822"/>
+            </a:xfrm>
+            <a:prstGeom prst="roundRect">
+              <a:avLst>
+                <a:gd name="adj" fmla="val 16667"/>
+              </a:avLst>
+            </a:prstGeom>
+            <a:gradFill flip="none" rotWithShape="1">
+              <a:gsLst>
+                <a:gs pos="0">
+                  <a:srgbClr val="C8B2E9"/>
+                </a:gs>
+                <a:gs pos="35000">
+                  <a:srgbClr val="D8C9EE"/>
+                </a:gs>
+                <a:gs pos="100000">
+                  <a:srgbClr val="F0EAF9"/>
+                </a:gs>
+              </a:gsLst>
+              <a:lin ang="16200000" scaled="0"/>
+            </a:gradFill>
+            <a:ln w="9525" cap="flat">
+              <a:solidFill>
+                <a:srgbClr val="7D60A0"/>
+              </a:solidFill>
+              <a:prstDash val="solid"/>
+              <a:bevel/>
+            </a:ln>
+            <a:effectLst>
+              <a:outerShdw blurRad="38100" dist="20000" dir="5400000" rotWithShape="0">
+                <a:srgbClr val="000000">
+                  <a:alpha val="38000"/>
+                </a:srgbClr>
+              </a:outerShdw>
+            </a:effectLst>
+          </p:spPr>
+          <p:txBody>
+            <a:bodyPr wrap="square" lIns="0" tIns="0" rIns="0" bIns="0" numCol="1" anchor="ctr">
+              <a:noAutofit/>
+            </a:bodyPr>
+            <a:lstStyle/>
+            <a:p>
+              <a:pPr lvl="0" algn="ctr">
+                <a:defRPr sz="1800"/>
+              </a:pPr>
+              <a:r>
+                <a:rPr lang="en-US" sz="2900" dirty="0"/>
+                <a:t>[</a:t>
+              </a:r>
+              <a:r>
+                <a:rPr lang="en-US" sz="2900" dirty="0" err="1"/>
+                <a:t>MoL</a:t>
+              </a:r>
+              <a:r>
+                <a:rPr lang="en-US" sz="2900" dirty="0"/>
+                <a:t>-FNWI] </a:t>
+              </a:r>
+              <a:r>
+                <a:rPr lang="en-US" sz="2900" dirty="0" smtClean="0"/>
+                <a:t/>
+              </a:r>
+              <a:br>
+                <a:rPr lang="en-US" sz="2900" dirty="0" smtClean="0"/>
+              </a:br>
+              <a:r>
+                <a:rPr lang="en-US" sz="2900" dirty="0" smtClean="0"/>
+                <a:t>Logic</a:t>
+              </a:r>
+              <a:r>
+                <a:rPr lang="en-US" sz="2900" dirty="0"/>
+                <a:t>, Knowledge and Science (Smets)</a:t>
+              </a:r>
+            </a:p>
+          </p:txBody>
+        </p:sp>
+        <p:sp>
+          <p:nvSpPr>
+            <p:cNvPr id="145" name="Shape 145"/>
+            <p:cNvSpPr/>
+            <p:nvPr/>
+          </p:nvSpPr>
+          <p:spPr>
+            <a:xfrm>
+              <a:off x="9707623" y="3757193"/>
+              <a:ext cx="3376646" cy="2429822"/>
+            </a:xfrm>
+            <a:prstGeom prst="roundRect">
+              <a:avLst>
+                <a:gd name="adj" fmla="val 16667"/>
+              </a:avLst>
+            </a:prstGeom>
+            <a:gradFill flip="none" rotWithShape="1">
+              <a:gsLst>
+                <a:gs pos="0">
+                  <a:srgbClr val="C8B2E9"/>
+                </a:gs>
+                <a:gs pos="35000">
+                  <a:srgbClr val="D8C9EE"/>
+                </a:gs>
+                <a:gs pos="100000">
+                  <a:srgbClr val="F0EAF9"/>
+                </a:gs>
+              </a:gsLst>
+              <a:lin ang="16200000" scaled="0"/>
+            </a:gradFill>
+            <a:ln w="9525" cap="flat">
+              <a:solidFill>
+                <a:srgbClr val="7D60A0"/>
+              </a:solidFill>
+              <a:prstDash val="solid"/>
+              <a:bevel/>
+            </a:ln>
+            <a:effectLst>
+              <a:outerShdw blurRad="38100" dist="20000" dir="5400000" rotWithShape="0">
+                <a:srgbClr val="000000">
+                  <a:alpha val="38000"/>
+                </a:srgbClr>
+              </a:outerShdw>
+            </a:effectLst>
+          </p:spPr>
+          <p:txBody>
+            <a:bodyPr wrap="square" lIns="0" tIns="0" rIns="0" bIns="0" numCol="1" anchor="ctr">
+              <a:noAutofit/>
+            </a:bodyPr>
+            <a:lstStyle/>
+            <a:p>
+              <a:pPr lvl="0" algn="ctr">
+                <a:defRPr sz="1800"/>
+              </a:pPr>
+              <a:r>
+                <a:rPr lang="en-US" sz="2900" dirty="0"/>
+                <a:t>[</a:t>
+              </a:r>
+              <a:r>
+                <a:rPr lang="en-US" sz="2900" dirty="0" err="1"/>
+                <a:t>MoL</a:t>
+              </a:r>
+              <a:r>
+                <a:rPr lang="en-US" sz="2900" dirty="0"/>
+                <a:t>-FGW] </a:t>
+              </a:r>
+              <a:r>
+                <a:rPr lang="en-US" sz="2900" dirty="0" smtClean="0"/>
+                <a:t/>
+              </a:r>
+              <a:br>
+                <a:rPr lang="en-US" sz="2900" dirty="0" smtClean="0"/>
+              </a:br>
+              <a:r>
+                <a:rPr lang="en-US" sz="2900" dirty="0" smtClean="0"/>
+                <a:t>Ethics</a:t>
+              </a:r>
+              <a:r>
+                <a:rPr lang="en-US" sz="2900" dirty="0"/>
+                <a:t>, Ontology, Life: Wittgenstein's Later Work </a:t>
+              </a:r>
+              <a:endParaRPr lang="en-US" sz="2900" dirty="0" smtClean="0"/>
+            </a:p>
+            <a:p>
+              <a:pPr lvl="0" algn="ctr">
+                <a:defRPr sz="1800"/>
+              </a:pPr>
+              <a:r>
+                <a:rPr lang="en-US" sz="2900" dirty="0" smtClean="0"/>
+                <a:t>(</a:t>
+              </a:r>
+              <a:r>
+                <a:rPr lang="en-US" sz="2900" dirty="0"/>
+                <a:t>Stokhof)</a:t>
+              </a:r>
+            </a:p>
+          </p:txBody>
+        </p:sp>
+        <p:sp>
+          <p:nvSpPr>
+            <p:cNvPr id="202" name="Shape 202"/>
+            <p:cNvSpPr/>
+            <p:nvPr/>
+          </p:nvSpPr>
+          <p:spPr>
+            <a:xfrm>
+              <a:off x="17401829" y="7149113"/>
+              <a:ext cx="3350496" cy="2429822"/>
+            </a:xfrm>
+            <a:prstGeom prst="roundRect">
+              <a:avLst>
+                <a:gd name="adj" fmla="val 16667"/>
+              </a:avLst>
+            </a:prstGeom>
+            <a:gradFill flip="none" rotWithShape="1">
+              <a:gsLst>
+                <a:gs pos="0">
+                  <a:srgbClr val="FFD1BB"/>
+                </a:gs>
+                <a:gs pos="35000">
+                  <a:srgbClr val="FFDECF"/>
+                </a:gs>
+                <a:gs pos="100000">
+                  <a:srgbClr val="FFF2ED"/>
+                </a:gs>
+              </a:gsLst>
+              <a:lin ang="16200000" scaled="0"/>
+            </a:gradFill>
+            <a:ln w="9525" cap="flat">
+              <a:solidFill>
+                <a:srgbClr val="F69240"/>
+              </a:solidFill>
+              <a:prstDash val="solid"/>
+              <a:bevel/>
+            </a:ln>
+            <a:effectLst>
+              <a:outerShdw blurRad="38100" dist="20000" dir="5400000" rotWithShape="0">
+                <a:srgbClr val="000000">
+                  <a:alpha val="38000"/>
+                </a:srgbClr>
+              </a:outerShdw>
+            </a:effectLst>
+          </p:spPr>
+          <p:txBody>
+            <a:bodyPr wrap="square" lIns="0" tIns="0" rIns="0" bIns="0" numCol="1" anchor="ctr">
+              <a:noAutofit/>
+            </a:bodyPr>
+            <a:lstStyle/>
+            <a:p>
+              <a:pPr lvl="0" algn="ctr">
+                <a:defRPr sz="1800"/>
+              </a:pPr>
+              <a:r>
+                <a:rPr lang="en-US" sz="2900" dirty="0"/>
+                <a:t>[</a:t>
+              </a:r>
+              <a:r>
+                <a:rPr lang="en-US" sz="2900" dirty="0" err="1"/>
+                <a:t>MAPhil</a:t>
+              </a:r>
+              <a:r>
+                <a:rPr lang="en-US" sz="2900" dirty="0"/>
+                <a:t>] </a:t>
+              </a:r>
+              <a:r>
+                <a:rPr lang="en-US" sz="2900" dirty="0" smtClean="0"/>
+                <a:t/>
+              </a:r>
+              <a:br>
+                <a:rPr lang="en-US" sz="2900" dirty="0" smtClean="0"/>
+              </a:br>
+              <a:r>
+                <a:rPr lang="en-US" sz="2900" dirty="0" smtClean="0"/>
+                <a:t>Kant</a:t>
+              </a:r>
+              <a:r>
+                <a:rPr lang="en-US" sz="2900" dirty="0"/>
+                <a:t>, Logic and Cognition (vLambalgen)</a:t>
+              </a:r>
+            </a:p>
+          </p:txBody>
+        </p:sp>
+        <p:sp>
+          <p:nvSpPr>
+            <p:cNvPr id="205" name="Shape 205"/>
+            <p:cNvSpPr/>
+            <p:nvPr/>
+          </p:nvSpPr>
+          <p:spPr>
+            <a:xfrm>
+              <a:off x="12506617" y="7282922"/>
+              <a:ext cx="3332470" cy="2429822"/>
+            </a:xfrm>
+            <a:prstGeom prst="roundRect">
+              <a:avLst>
+                <a:gd name="adj" fmla="val 16667"/>
+              </a:avLst>
+            </a:prstGeom>
+            <a:gradFill flip="none" rotWithShape="1">
+              <a:gsLst>
+                <a:gs pos="0">
+                  <a:srgbClr val="FFD1BB"/>
+                </a:gs>
+                <a:gs pos="35000">
+                  <a:srgbClr val="FFDECF"/>
+                </a:gs>
+                <a:gs pos="100000">
+                  <a:srgbClr val="FFF2ED"/>
+                </a:gs>
+              </a:gsLst>
+              <a:lin ang="16200000" scaled="0"/>
+            </a:gradFill>
+            <a:ln w="9525" cap="flat">
+              <a:solidFill>
+                <a:srgbClr val="F69240"/>
+              </a:solidFill>
+              <a:prstDash val="solid"/>
+              <a:bevel/>
+            </a:ln>
+            <a:effectLst>
+              <a:outerShdw blurRad="38100" dist="20000" dir="5400000" rotWithShape="0">
+                <a:srgbClr val="000000">
+                  <a:alpha val="38000"/>
+                </a:srgbClr>
+              </a:outerShdw>
+            </a:effectLst>
+          </p:spPr>
+          <p:txBody>
+            <a:bodyPr wrap="square" lIns="0" tIns="0" rIns="0" bIns="0" numCol="1" anchor="ctr">
+              <a:noAutofit/>
+            </a:bodyPr>
+            <a:lstStyle/>
+            <a:p>
+              <a:pPr lvl="0" algn="ctr">
+                <a:defRPr sz="1800"/>
+              </a:pPr>
+              <a:r>
+                <a:rPr lang="en-US" sz="2900" dirty="0"/>
+                <a:t>[</a:t>
+              </a:r>
+              <a:r>
+                <a:rPr lang="en-US" sz="2900" dirty="0" err="1"/>
+                <a:t>MoL</a:t>
+              </a:r>
+              <a:r>
+                <a:rPr lang="en-US" sz="2900" dirty="0"/>
+                <a:t>-FGW] </a:t>
+              </a:r>
+              <a:r>
+                <a:rPr lang="en-US" sz="2900" dirty="0" smtClean="0"/>
+                <a:t/>
+              </a:r>
+              <a:br>
+                <a:rPr lang="en-US" sz="2900" dirty="0" smtClean="0"/>
+              </a:br>
+              <a:r>
+                <a:rPr lang="en-US" sz="2900" dirty="0" smtClean="0"/>
+                <a:t>Possible </a:t>
+              </a:r>
+              <a:r>
+                <a:rPr lang="en-US" sz="2900" dirty="0"/>
+                <a:t>Worlds: Logic and Metaphysics </a:t>
+              </a:r>
+              <a:r>
+                <a:rPr lang="en-US" sz="2900" dirty="0" smtClean="0"/>
+                <a:t/>
+              </a:r>
+              <a:br>
+                <a:rPr lang="en-US" sz="2900" dirty="0" smtClean="0"/>
+              </a:br>
+              <a:r>
+                <a:rPr lang="en-US" sz="2900" dirty="0" smtClean="0"/>
+                <a:t>(</a:t>
+              </a:r>
+              <a:r>
+                <a:rPr lang="en-US" sz="2900" dirty="0"/>
+                <a:t>Berto)</a:t>
+              </a:r>
+            </a:p>
+          </p:txBody>
+        </p:sp>
+        <p:sp>
+          <p:nvSpPr>
+            <p:cNvPr id="203" name="Shape 121"/>
+            <p:cNvSpPr/>
+            <p:nvPr/>
+          </p:nvSpPr>
+          <p:spPr>
+            <a:xfrm>
+              <a:off x="22057455" y="7138534"/>
+              <a:ext cx="3406605" cy="2429822"/>
+            </a:xfrm>
+            <a:prstGeom prst="roundRect">
+              <a:avLst>
+                <a:gd name="adj" fmla="val 16667"/>
+              </a:avLst>
+            </a:prstGeom>
+            <a:gradFill flip="none" rotWithShape="1">
+              <a:gsLst>
+                <a:gs pos="0">
+                  <a:srgbClr val="DAFEA4"/>
+                </a:gs>
+                <a:gs pos="35000">
+                  <a:srgbClr val="E4FDBF"/>
+                </a:gs>
+                <a:gs pos="100000">
+                  <a:srgbClr val="F5FFE6"/>
+                </a:gs>
+              </a:gsLst>
+              <a:lin ang="16200000" scaled="0"/>
+            </a:gradFill>
+            <a:ln w="9525" cap="flat">
+              <a:solidFill>
+                <a:srgbClr val="98B955"/>
+              </a:solidFill>
+              <a:prstDash val="solid"/>
+              <a:bevel/>
+            </a:ln>
+            <a:effectLst>
+              <a:outerShdw blurRad="38100" dist="20000" dir="5400000" rotWithShape="0">
+                <a:srgbClr val="000000">
+                  <a:alpha val="38000"/>
+                </a:srgbClr>
+              </a:outerShdw>
+            </a:effectLst>
+          </p:spPr>
+          <p:txBody>
+            <a:bodyPr wrap="square" lIns="0" tIns="0" rIns="0" bIns="0" numCol="1" anchor="ctr">
+              <a:noAutofit/>
+            </a:bodyPr>
+            <a:lstStyle/>
+            <a:p>
+              <a:pPr lvl="0" algn="ctr">
+                <a:defRPr sz="1800"/>
+              </a:pPr>
+              <a:r>
+                <a:rPr lang="en-US" sz="2900" dirty="0"/>
+                <a:t>[</a:t>
+              </a:r>
+              <a:r>
+                <a:rPr lang="en-US" sz="2900" dirty="0" err="1" smtClean="0"/>
+                <a:t>MAPhil</a:t>
+              </a:r>
+              <a:r>
+                <a:rPr lang="en-US" sz="2900" dirty="0" smtClean="0"/>
+                <a:t>]</a:t>
+              </a:r>
+              <a:br>
+                <a:rPr lang="en-US" sz="2900" dirty="0" smtClean="0"/>
+              </a:br>
+              <a:r>
+                <a:rPr lang="en-US" sz="2900" dirty="0" smtClean="0"/>
+                <a:t>Causal </a:t>
+              </a:r>
+              <a:r>
+                <a:rPr lang="en-US" sz="2900" dirty="0"/>
+                <a:t>I</a:t>
+              </a:r>
+              <a:r>
+                <a:rPr lang="en-US" sz="2900" dirty="0" smtClean="0"/>
+                <a:t>nference</a:t>
+              </a:r>
+              <a:r>
+                <a:rPr lang="en-US" sz="2900" dirty="0"/>
+                <a:t>: </a:t>
+              </a:r>
+              <a:r>
+                <a:rPr lang="en-US" sz="2900" dirty="0" smtClean="0"/>
+                <a:t>Philosophical </a:t>
+              </a:r>
+              <a:r>
+                <a:rPr lang="en-US" sz="2900" dirty="0"/>
+                <a:t>T</a:t>
+              </a:r>
+              <a:r>
+                <a:rPr lang="en-US" sz="2900" dirty="0" smtClean="0"/>
+                <a:t>heory </a:t>
+              </a:r>
+              <a:r>
+                <a:rPr lang="en-US" sz="2900" dirty="0"/>
+                <a:t>and M</a:t>
+              </a:r>
+              <a:r>
+                <a:rPr lang="en-US" sz="2900" dirty="0" smtClean="0"/>
+                <a:t>odern Practice </a:t>
+              </a:r>
+              <a:r>
+                <a:rPr lang="en-US" sz="2900" dirty="0"/>
+                <a:t>(Schulz)</a:t>
+              </a:r>
+            </a:p>
+          </p:txBody>
+        </p:sp>
+        <p:sp>
+          <p:nvSpPr>
+            <p:cNvPr id="137" name="Shape 139"/>
+            <p:cNvSpPr/>
+            <p:nvPr/>
+          </p:nvSpPr>
+          <p:spPr>
+            <a:xfrm>
+              <a:off x="6095971" y="3753123"/>
+              <a:ext cx="3013179" cy="2429822"/>
+            </a:xfrm>
+            <a:prstGeom prst="roundRect">
+              <a:avLst>
+                <a:gd name="adj" fmla="val 16667"/>
+              </a:avLst>
+            </a:prstGeom>
+            <a:gradFill flip="none" rotWithShape="1">
+              <a:gsLst>
+                <a:gs pos="0">
+                  <a:srgbClr val="C8B2E9"/>
+                </a:gs>
+                <a:gs pos="35000">
+                  <a:srgbClr val="D8C9EE"/>
+                </a:gs>
+                <a:gs pos="100000">
+                  <a:srgbClr val="F0EAF9"/>
+                </a:gs>
+              </a:gsLst>
+              <a:lin ang="16200000" scaled="0"/>
+            </a:gradFill>
+            <a:ln w="9525" cap="flat">
+              <a:solidFill>
+                <a:srgbClr val="7D60A0"/>
+              </a:solidFill>
+              <a:prstDash val="solid"/>
+              <a:bevel/>
+            </a:ln>
+            <a:effectLst>
+              <a:outerShdw blurRad="38100" dist="20000" dir="5400000" rotWithShape="0">
+                <a:srgbClr val="000000">
+                  <a:alpha val="38000"/>
+                </a:srgbClr>
+              </a:outerShdw>
+            </a:effectLst>
+          </p:spPr>
+          <p:txBody>
+            <a:bodyPr wrap="square" lIns="0" tIns="0" rIns="0" bIns="0" numCol="1" anchor="ctr">
+              <a:noAutofit/>
+            </a:bodyPr>
+            <a:lstStyle/>
+            <a:p>
+              <a:pPr lvl="0" algn="ctr">
+                <a:defRPr sz="1800"/>
+              </a:pPr>
+              <a:r>
+                <a:rPr lang="en-US" sz="2900" dirty="0" smtClean="0"/>
+                <a:t>[</a:t>
+              </a:r>
+              <a:r>
+                <a:rPr lang="en-US" sz="2900" dirty="0" err="1" smtClean="0"/>
+                <a:t>MAPhil</a:t>
+              </a:r>
+              <a:r>
+                <a:rPr lang="en-US" sz="2900" dirty="0"/>
+                <a:t>] </a:t>
+              </a:r>
+              <a:endParaRPr lang="en-US" sz="2900" dirty="0" smtClean="0"/>
+            </a:p>
+            <a:p>
+              <a:pPr lvl="0" algn="ctr">
+                <a:defRPr sz="1800"/>
+              </a:pPr>
+              <a:r>
+                <a:rPr lang="en-US" sz="2900" dirty="0" smtClean="0"/>
+                <a:t>Techno-science </a:t>
+              </a:r>
+              <a:r>
+                <a:rPr lang="en-US" sz="2900" dirty="0"/>
+                <a:t>and </a:t>
+              </a:r>
+              <a:r>
+                <a:rPr lang="en-US" sz="2900" dirty="0" smtClean="0"/>
+                <a:t>Epistemology </a:t>
+              </a:r>
+              <a:r>
+                <a:rPr lang="en-US" sz="2900" dirty="0"/>
+                <a:t>(Russo) </a:t>
+              </a:r>
+            </a:p>
+          </p:txBody>
+        </p:sp>
+      </p:grpSp>
       <p:sp>
         <p:nvSpPr>
           <p:cNvPr id="138" name="Shape 211"/>
@@ -10704,108 +9297,1493 @@
           </a:p>
         </p:txBody>
       </p:sp>
-      <p:sp>
-        <p:nvSpPr>
-          <p:cNvPr id="156" name="Shape 136"/>
-          <p:cNvSpPr/>
+      <p:grpSp>
+        <p:nvGrpSpPr>
+          <p:cNvPr id="5" name="Group 4"/>
+          <p:cNvGrpSpPr/>
           <p:nvPr/>
-        </p:nvSpPr>
-        <p:spPr>
+        </p:nvGrpSpPr>
+        <p:grpSpPr>
           <a:xfrm>
-            <a:off x="13879257" y="26785403"/>
-            <a:ext cx="3013179" cy="2398291"/>
+            <a:off x="1222684" y="18131055"/>
+            <a:ext cx="19474161" cy="10980017"/>
+            <a:chOff x="1222684" y="18131055"/>
+            <a:chExt cx="19474161" cy="10980017"/>
           </a:xfrm>
-          <a:prstGeom prst="roundRect">
-            <a:avLst>
-              <a:gd name="adj" fmla="val 16667"/>
-            </a:avLst>
-          </a:prstGeom>
-          <a:gradFill flip="none" rotWithShape="1">
-            <a:gsLst>
-              <a:gs pos="0">
-                <a:schemeClr val="accent3"/>
-              </a:gs>
-              <a:gs pos="100000">
-                <a:schemeClr val="accent1">
-                  <a:lumMod val="75000"/>
-                </a:schemeClr>
-              </a:gs>
-            </a:gsLst>
-            <a:lin ang="16200000" scaled="0"/>
-          </a:gradFill>
-          <a:ln w="9525" cap="flat">
-            <a:solidFill>
-              <a:schemeClr val="tx1"/>
-            </a:solidFill>
-            <a:prstDash val="solid"/>
-            <a:bevel/>
-          </a:ln>
-          <a:effectLst>
-            <a:outerShdw blurRad="38100" dist="23000" dir="5400000" rotWithShape="0">
-              <a:srgbClr val="000000">
-                <a:alpha val="35000"/>
-              </a:srgbClr>
-            </a:outerShdw>
-          </a:effectLst>
-        </p:spPr>
-        <p:txBody>
-          <a:bodyPr wrap="square" lIns="0" tIns="0" rIns="0" bIns="0" numCol="1" anchor="ctr">
-            <a:noAutofit/>
-          </a:bodyPr>
-          <a:lstStyle/>
-          <a:p>
-            <a:pPr algn="ctr"/>
-            <a:r>
-              <a:rPr lang="en-US" sz="2900" dirty="0">
+        </p:grpSpPr>
+        <p:grpSp>
+          <p:nvGrpSpPr>
+            <p:cNvPr id="3" name="Group 2"/>
+            <p:cNvGrpSpPr/>
+            <p:nvPr/>
+          </p:nvGrpSpPr>
+          <p:grpSpPr>
+            <a:xfrm>
+              <a:off x="1222684" y="18131055"/>
+              <a:ext cx="19474161" cy="10980017"/>
+              <a:chOff x="1222684" y="18131055"/>
+              <a:chExt cx="19474161" cy="10980017"/>
+            </a:xfrm>
+          </p:grpSpPr>
+          <p:grpSp>
+            <p:nvGrpSpPr>
+              <p:cNvPr id="15" name="Group 14"/>
+              <p:cNvGrpSpPr/>
+              <p:nvPr/>
+            </p:nvGrpSpPr>
+            <p:grpSpPr>
+              <a:xfrm>
+                <a:off x="1222684" y="18131055"/>
+                <a:ext cx="19474161" cy="10980017"/>
+                <a:chOff x="454442" y="18034804"/>
+                <a:chExt cx="19474161" cy="10980018"/>
+              </a:xfrm>
+            </p:grpSpPr>
+            <p:sp>
+              <p:nvSpPr>
+                <p:cNvPr id="52" name="Shape 52"/>
+                <p:cNvSpPr/>
+                <p:nvPr/>
+              </p:nvSpPr>
+              <p:spPr>
+                <a:xfrm>
+                  <a:off x="456496" y="18034804"/>
+                  <a:ext cx="3378486" cy="3378486"/>
+                </a:xfrm>
+                <a:prstGeom prst="ellipse">
+                  <a:avLst/>
+                </a:prstGeom>
+                <a:gradFill flip="none" rotWithShape="1">
+                  <a:gsLst>
+                    <a:gs pos="0">
+                      <a:schemeClr val="accent3"/>
+                    </a:gs>
+                    <a:gs pos="100000">
+                      <a:schemeClr val="accent1">
+                        <a:lumMod val="75000"/>
+                      </a:schemeClr>
+                    </a:gs>
+                  </a:gsLst>
+                  <a:lin ang="16200000" scaled="0"/>
+                </a:gradFill>
+                <a:ln w="76200" cap="flat">
+                  <a:solidFill>
+                    <a:schemeClr val="tx1"/>
+                  </a:solidFill>
+                  <a:prstDash val="solid"/>
+                  <a:bevel/>
+                </a:ln>
+                <a:effectLst>
+                  <a:outerShdw blurRad="38100" dist="23000" dir="5400000" rotWithShape="0">
+                    <a:srgbClr val="000000">
+                      <a:alpha val="35000"/>
+                    </a:srgbClr>
+                  </a:outerShdw>
+                </a:effectLst>
+              </p:spPr>
+              <p:txBody>
+                <a:bodyPr wrap="square" lIns="0" tIns="0" rIns="0" bIns="0" numCol="1" anchor="ctr">
+                  <a:noAutofit/>
+                </a:bodyPr>
+                <a:lstStyle/>
+                <a:p>
+                  <a:pPr lvl="0" algn="ctr">
+                    <a:defRPr sz="1800">
+                      <a:solidFill>
+                        <a:srgbClr val="000000"/>
+                      </a:solidFill>
+                    </a:defRPr>
+                  </a:pPr>
+                  <a:endParaRPr lang="en-US" sz="2900" dirty="0">
+                    <a:solidFill>
+                      <a:srgbClr val="FFFFFF"/>
+                    </a:solidFill>
+                  </a:endParaRPr>
+                </a:p>
+                <a:p>
+                  <a:pPr lvl="0" algn="ctr">
+                    <a:defRPr sz="1800">
+                      <a:solidFill>
+                        <a:srgbClr val="000000"/>
+                      </a:solidFill>
+                    </a:defRPr>
+                  </a:pPr>
+                  <a:r>
+                    <a:rPr lang="en-US" sz="2900" dirty="0" smtClean="0">
+                      <a:solidFill>
+                        <a:srgbClr val="FFFFFF"/>
+                      </a:solidFill>
+                    </a:rPr>
+                    <a:t> </a:t>
+                  </a:r>
+                  <a:r>
+                    <a:rPr lang="en-US" sz="2900" dirty="0">
+                      <a:solidFill>
+                        <a:srgbClr val="FFFFFF"/>
+                      </a:solidFill>
+                    </a:rPr>
+                    <a:t>[BScWisk] Introduction to Modal Logic (</a:t>
+                  </a:r>
+                  <a:r>
+                    <a:rPr lang="en-US" sz="2900" dirty="0" err="1" smtClean="0">
+                      <a:solidFill>
+                        <a:srgbClr val="FFFFFF"/>
+                      </a:solidFill>
+                    </a:rPr>
+                    <a:t>Bezhanishvili</a:t>
+                  </a:r>
+                  <a:r>
+                    <a:rPr lang="en-US" sz="2900" dirty="0" smtClean="0">
+                      <a:solidFill>
+                        <a:srgbClr val="FFFFFF"/>
+                      </a:solidFill>
+                    </a:rPr>
+                    <a:t>, </a:t>
+                  </a:r>
+                  <a:r>
+                    <a:rPr lang="en-US" sz="2900" dirty="0" err="1" smtClean="0">
+                      <a:solidFill>
+                        <a:srgbClr val="FFFFFF"/>
+                      </a:solidFill>
+                    </a:rPr>
+                    <a:t>Enqvist</a:t>
+                  </a:r>
+                  <a:r>
+                    <a:rPr lang="en-US" sz="2900" dirty="0" smtClean="0">
+                      <a:solidFill>
+                        <a:srgbClr val="FFFFFF"/>
+                      </a:solidFill>
+                    </a:rPr>
+                    <a:t>)</a:t>
+                  </a:r>
+                  <a:endParaRPr lang="en-US" sz="2900" dirty="0">
+                    <a:solidFill>
+                      <a:srgbClr val="FFFFFF"/>
+                    </a:solidFill>
+                  </a:endParaRPr>
+                </a:p>
+              </p:txBody>
+            </p:sp>
+            <p:sp>
+              <p:nvSpPr>
+                <p:cNvPr id="100" name="Shape 100"/>
+                <p:cNvSpPr/>
+                <p:nvPr/>
+              </p:nvSpPr>
+              <p:spPr>
+                <a:xfrm>
+                  <a:off x="5296469" y="19584893"/>
+                  <a:ext cx="3373117" cy="2429822"/>
+                </a:xfrm>
+                <a:prstGeom prst="roundRect">
+                  <a:avLst>
+                    <a:gd name="adj" fmla="val 16667"/>
+                  </a:avLst>
+                </a:prstGeom>
+                <a:gradFill flip="none" rotWithShape="1">
+                  <a:gsLst>
+                    <a:gs pos="0">
+                      <a:srgbClr val="DAFEA4"/>
+                    </a:gs>
+                    <a:gs pos="35000">
+                      <a:srgbClr val="E4FDBF"/>
+                    </a:gs>
+                    <a:gs pos="100000">
+                      <a:srgbClr val="F5FFE6"/>
+                    </a:gs>
+                  </a:gsLst>
+                  <a:lin ang="16200000" scaled="0"/>
+                </a:gradFill>
+                <a:ln w="9525" cap="flat">
+                  <a:solidFill>
+                    <a:srgbClr val="98B955"/>
+                  </a:solidFill>
+                  <a:prstDash val="solid"/>
+                  <a:bevel/>
+                </a:ln>
+                <a:effectLst>
+                  <a:outerShdw blurRad="38100" dist="20000" dir="5400000" rotWithShape="0">
+                    <a:srgbClr val="000000">
+                      <a:alpha val="38000"/>
+                    </a:srgbClr>
+                  </a:outerShdw>
+                </a:effectLst>
+              </p:spPr>
+              <p:txBody>
+                <a:bodyPr wrap="square" lIns="0" tIns="0" rIns="0" bIns="0" numCol="1" anchor="ctr">
+                  <a:noAutofit/>
+                </a:bodyPr>
+                <a:lstStyle/>
+                <a:p>
+                  <a:pPr lvl="0" algn="ctr">
+                    <a:defRPr sz="1800"/>
+                  </a:pPr>
+                  <a:r>
+                    <a:rPr lang="en-US" sz="2900" dirty="0"/>
+                    <a:t>[</a:t>
+                  </a:r>
+                  <a:r>
+                    <a:rPr lang="en-US" sz="2900" dirty="0" err="1"/>
+                    <a:t>MoL</a:t>
+                  </a:r>
+                  <a:r>
+                    <a:rPr lang="en-US" sz="2900" dirty="0"/>
+                    <a:t>-FNWI] </a:t>
+                  </a:r>
+                  <a:r>
+                    <a:rPr lang="en-US" sz="2900" dirty="0" smtClean="0"/>
+                    <a:t/>
+                  </a:r>
+                  <a:br>
+                    <a:rPr lang="en-US" sz="2900" dirty="0" smtClean="0"/>
+                  </a:br>
+                  <a:r>
+                    <a:rPr lang="en-US" sz="2900" dirty="0" smtClean="0"/>
+                    <a:t>Capita Selecta: </a:t>
+                  </a:r>
+                  <a:r>
+                    <a:rPr lang="en-US" sz="2900" dirty="0"/>
+                    <a:t>Modal Logic, Algebra, </a:t>
+                  </a:r>
+                  <a:r>
+                    <a:rPr lang="en-US" sz="2900" dirty="0" err="1"/>
+                    <a:t>Coalgebra</a:t>
+                  </a:r>
+                  <a:r>
+                    <a:rPr lang="en-US" sz="2900" dirty="0"/>
+                    <a:t> </a:t>
+                  </a:r>
+                  <a:r>
+                    <a:rPr lang="en-US" sz="2900" dirty="0" smtClean="0"/>
+                    <a:t/>
+                  </a:r>
+                  <a:br>
+                    <a:rPr lang="en-US" sz="2900" dirty="0" smtClean="0"/>
+                  </a:br>
+                  <a:r>
+                    <a:rPr lang="en-US" sz="2900" dirty="0" smtClean="0"/>
+                    <a:t>(</a:t>
+                  </a:r>
+                  <a:r>
+                    <a:rPr lang="en-US" sz="2900" dirty="0" err="1" smtClean="0"/>
+                    <a:t>Venema</a:t>
+                  </a:r>
+                  <a:r>
+                    <a:rPr lang="en-US" sz="2900" dirty="0" smtClean="0"/>
+                    <a:t>, </a:t>
+                  </a:r>
+                  <a:r>
+                    <a:rPr lang="en-US" sz="2900" dirty="0" err="1" smtClean="0"/>
+                    <a:t>Enqvist</a:t>
+                  </a:r>
+                  <a:r>
+                    <a:rPr lang="en-US" sz="2900" dirty="0" smtClean="0"/>
+                    <a:t>)</a:t>
+                  </a:r>
+                  <a:endParaRPr lang="en-US" sz="2900" dirty="0"/>
+                </a:p>
+              </p:txBody>
+            </p:sp>
+            <p:sp>
+              <p:nvSpPr>
+                <p:cNvPr id="133" name="Shape 133"/>
+                <p:cNvSpPr/>
+                <p:nvPr/>
+              </p:nvSpPr>
+              <p:spPr>
+                <a:xfrm>
+                  <a:off x="9265651" y="26585001"/>
+                  <a:ext cx="3013179" cy="2429821"/>
+                </a:xfrm>
+                <a:prstGeom prst="roundRect">
+                  <a:avLst>
+                    <a:gd name="adj" fmla="val 16667"/>
+                  </a:avLst>
+                </a:prstGeom>
+                <a:ln/>
+              </p:spPr>
+              <p:style>
+                <a:lnRef idx="1">
+                  <a:schemeClr val="accent2"/>
+                </a:lnRef>
+                <a:fillRef idx="2">
+                  <a:schemeClr val="accent2"/>
+                </a:fillRef>
+                <a:effectRef idx="1">
+                  <a:schemeClr val="accent2"/>
+                </a:effectRef>
+                <a:fontRef idx="minor">
+                  <a:schemeClr val="dk1"/>
+                </a:fontRef>
+              </p:style>
+              <p:txBody>
+                <a:bodyPr wrap="square" lIns="0" tIns="0" rIns="0" bIns="0" numCol="1" anchor="ctr">
+                  <a:noAutofit/>
+                </a:bodyPr>
+                <a:lstStyle/>
+                <a:p>
+                  <a:pPr algn="ctr"/>
+                  <a:r>
+                    <a:rPr lang="en-US" sz="2900" dirty="0">
+                      <a:latin typeface="Calibri" charset="0"/>
+                      <a:ea typeface="Calibri" charset="0"/>
+                      <a:cs typeface="Calibri" charset="0"/>
+                    </a:rPr>
+                    <a:t>[</a:t>
+                  </a:r>
+                  <a:r>
+                    <a:rPr lang="en-US" sz="2900" dirty="0" err="1">
+                      <a:latin typeface="Calibri" charset="0"/>
+                      <a:ea typeface="Calibri" charset="0"/>
+                      <a:cs typeface="Calibri" charset="0"/>
+                    </a:rPr>
+                    <a:t>MoL</a:t>
+                  </a:r>
+                  <a:r>
+                    <a:rPr lang="en-US" sz="2900" dirty="0">
+                      <a:latin typeface="Calibri" charset="0"/>
+                      <a:ea typeface="Calibri" charset="0"/>
+                      <a:cs typeface="Calibri" charset="0"/>
+                    </a:rPr>
+                    <a:t>-FNWI] Category Theory (</a:t>
+                  </a:r>
+                  <a:r>
+                    <a:rPr lang="en-US" sz="2900" dirty="0" err="1">
+                      <a:latin typeface="Calibri" charset="0"/>
+                      <a:ea typeface="Calibri" charset="0"/>
+                      <a:cs typeface="Calibri" charset="0"/>
+                    </a:rPr>
+                    <a:t>vdBerg</a:t>
+                  </a:r>
+                  <a:r>
+                    <a:rPr lang="en-US" sz="2900" dirty="0">
+                      <a:latin typeface="Calibri" charset="0"/>
+                      <a:ea typeface="Calibri" charset="0"/>
+                      <a:cs typeface="Calibri" charset="0"/>
+                    </a:rPr>
+                    <a:t>)</a:t>
+                  </a:r>
+                </a:p>
+              </p:txBody>
+            </p:sp>
+            <p:sp>
+              <p:nvSpPr>
+                <p:cNvPr id="136" name="Shape 136"/>
+                <p:cNvSpPr/>
+                <p:nvPr/>
+              </p:nvSpPr>
+              <p:spPr>
+                <a:xfrm>
+                  <a:off x="554889" y="25703662"/>
+                  <a:ext cx="3013179" cy="1998705"/>
+                </a:xfrm>
+                <a:prstGeom prst="roundRect">
+                  <a:avLst>
+                    <a:gd name="adj" fmla="val 16667"/>
+                  </a:avLst>
+                </a:prstGeom>
+                <a:gradFill flip="none" rotWithShape="1">
+                  <a:gsLst>
+                    <a:gs pos="0">
+                      <a:schemeClr val="accent3"/>
+                    </a:gs>
+                    <a:gs pos="100000">
+                      <a:schemeClr val="accent1">
+                        <a:lumMod val="75000"/>
+                      </a:schemeClr>
+                    </a:gs>
+                  </a:gsLst>
+                  <a:lin ang="16200000" scaled="0"/>
+                </a:gradFill>
+                <a:ln w="9525" cap="flat">
+                  <a:solidFill>
+                    <a:schemeClr val="tx1"/>
+                  </a:solidFill>
+                  <a:prstDash val="solid"/>
+                  <a:bevel/>
+                </a:ln>
+                <a:effectLst>
+                  <a:outerShdw blurRad="38100" dist="23000" dir="5400000" rotWithShape="0">
+                    <a:srgbClr val="000000">
+                      <a:alpha val="35000"/>
+                    </a:srgbClr>
+                  </a:outerShdw>
+                </a:effectLst>
+              </p:spPr>
+              <p:txBody>
+                <a:bodyPr wrap="square" lIns="0" tIns="0" rIns="0" bIns="0" numCol="1" anchor="ctr">
+                  <a:noAutofit/>
+                </a:bodyPr>
+                <a:lstStyle/>
+                <a:p>
+                  <a:pPr algn="ctr"/>
+                  <a:r>
+                    <a:rPr lang="en-US" sz="2900" dirty="0">
+                      <a:solidFill>
+                        <a:srgbClr val="FFFFFF"/>
+                      </a:solidFill>
+                    </a:rPr>
+                    <a:t>[</a:t>
+                  </a:r>
+                  <a:r>
+                    <a:rPr lang="en-US" sz="2900" dirty="0" err="1" smtClean="0">
+                      <a:solidFill>
+                        <a:srgbClr val="FFFFFF"/>
+                      </a:solidFill>
+                    </a:rPr>
+                    <a:t>MastMath-UvA</a:t>
+                  </a:r>
+                  <a:r>
+                    <a:rPr lang="en-US" sz="2900" dirty="0" smtClean="0">
+                      <a:solidFill>
+                        <a:srgbClr val="FFFFFF"/>
+                      </a:solidFill>
+                    </a:rPr>
+                    <a:t>] </a:t>
+                  </a:r>
+                  <a:r>
+                    <a:rPr lang="en-US" sz="2900" dirty="0">
+                      <a:solidFill>
+                        <a:srgbClr val="FFFFFF"/>
+                      </a:solidFill>
+                    </a:rPr>
+                    <a:t>Set Theory </a:t>
+                  </a:r>
+                  <a:r>
+                    <a:rPr lang="en-US" sz="2900" dirty="0" smtClean="0">
+                      <a:solidFill>
+                        <a:srgbClr val="FFFFFF"/>
+                      </a:solidFill>
+                    </a:rPr>
+                    <a:t/>
+                  </a:r>
+                  <a:br>
+                    <a:rPr lang="en-US" sz="2900" dirty="0" smtClean="0">
+                      <a:solidFill>
+                        <a:srgbClr val="FFFFFF"/>
+                      </a:solidFill>
+                    </a:rPr>
+                  </a:br>
+                  <a:r>
+                    <a:rPr lang="en-US" sz="2900" dirty="0" smtClean="0">
+                      <a:solidFill>
+                        <a:srgbClr val="FFFFFF"/>
+                      </a:solidFill>
+                    </a:rPr>
+                    <a:t>(</a:t>
+                  </a:r>
+                  <a:r>
+                    <a:rPr lang="en-US" sz="2900" dirty="0">
+                      <a:solidFill>
+                        <a:srgbClr val="FFFFFF"/>
+                      </a:solidFill>
+                    </a:rPr>
+                    <a:t>Hart) [8EC]</a:t>
+                  </a:r>
+                </a:p>
+              </p:txBody>
+            </p:sp>
+            <p:sp>
+              <p:nvSpPr>
+                <p:cNvPr id="154" name="Shape 154"/>
+                <p:cNvSpPr/>
+                <p:nvPr/>
+              </p:nvSpPr>
+              <p:spPr>
+                <a:xfrm>
+                  <a:off x="16915424" y="23208685"/>
+                  <a:ext cx="3013179" cy="2429822"/>
+                </a:xfrm>
+                <a:prstGeom prst="roundRect">
+                  <a:avLst>
+                    <a:gd name="adj" fmla="val 16667"/>
+                  </a:avLst>
+                </a:prstGeom>
+                <a:gradFill flip="none" rotWithShape="1">
+                  <a:gsLst>
+                    <a:gs pos="0">
+                      <a:srgbClr val="DAFEA4"/>
+                    </a:gs>
+                    <a:gs pos="35000">
+                      <a:srgbClr val="E4FDBF"/>
+                    </a:gs>
+                    <a:gs pos="100000">
+                      <a:srgbClr val="F5FFE6"/>
+                    </a:gs>
+                  </a:gsLst>
+                  <a:lin ang="16200000" scaled="0"/>
+                </a:gradFill>
+                <a:ln w="9525" cap="flat">
+                  <a:solidFill>
+                    <a:srgbClr val="98B955"/>
+                  </a:solidFill>
+                  <a:prstDash val="solid"/>
+                  <a:bevel/>
+                </a:ln>
+                <a:effectLst>
+                  <a:outerShdw blurRad="38100" dist="20000" dir="5400000" rotWithShape="0">
+                    <a:srgbClr val="000000">
+                      <a:alpha val="38000"/>
+                    </a:srgbClr>
+                  </a:outerShdw>
+                </a:effectLst>
+              </p:spPr>
+              <p:txBody>
+                <a:bodyPr wrap="square" lIns="0" tIns="0" rIns="0" bIns="0" numCol="1" anchor="ctr">
+                  <a:noAutofit/>
+                </a:bodyPr>
+                <a:lstStyle/>
+                <a:p>
+                  <a:pPr algn="ctr"/>
+                  <a:r>
+                    <a:rPr lang="en-US" sz="2900" dirty="0"/>
+                    <a:t>[</a:t>
+                  </a:r>
+                  <a:r>
+                    <a:rPr lang="en-US" sz="2900" dirty="0" err="1"/>
+                    <a:t>MoL</a:t>
+                  </a:r>
+                  <a:r>
+                    <a:rPr lang="en-US" sz="2900" dirty="0"/>
+                    <a:t>-FNWI] Seminar Mathematical Logic </a:t>
+                  </a:r>
+                  <a:endParaRPr lang="en-US" sz="2900" dirty="0" smtClean="0"/>
+                </a:p>
+                <a:p>
+                  <a:pPr algn="ctr"/>
+                  <a:r>
+                    <a:rPr lang="en-US" sz="2900" dirty="0" smtClean="0"/>
+                    <a:t>(</a:t>
+                  </a:r>
+                  <a:r>
+                    <a:rPr lang="en-US" sz="2900" dirty="0" err="1" smtClean="0"/>
+                    <a:t>Löwe</a:t>
+                  </a:r>
+                  <a:r>
+                    <a:rPr lang="en-US" sz="2900" dirty="0"/>
+                    <a:t>) [3EC]</a:t>
+                  </a:r>
+                </a:p>
+              </p:txBody>
+            </p:sp>
+            <p:sp>
+              <p:nvSpPr>
+                <p:cNvPr id="157" name="Shape 157"/>
+                <p:cNvSpPr/>
+                <p:nvPr/>
+              </p:nvSpPr>
+              <p:spPr>
+                <a:xfrm>
+                  <a:off x="5349644" y="23208685"/>
+                  <a:ext cx="3139347" cy="2429822"/>
+                </a:xfrm>
+                <a:prstGeom prst="roundRect">
+                  <a:avLst>
+                    <a:gd name="adj" fmla="val 16667"/>
+                  </a:avLst>
+                </a:prstGeom>
+                <a:gradFill flip="none" rotWithShape="1">
+                  <a:gsLst>
+                    <a:gs pos="0">
+                      <a:srgbClr val="C8B2E9"/>
+                    </a:gs>
+                    <a:gs pos="35000">
+                      <a:srgbClr val="D8C9EE"/>
+                    </a:gs>
+                    <a:gs pos="100000">
+                      <a:srgbClr val="FFD1BB"/>
+                    </a:gs>
+                  </a:gsLst>
+                  <a:lin ang="5400000" scaled="0"/>
+                </a:gradFill>
+                <a:ln w="9525" cap="flat">
+                  <a:solidFill>
+                    <a:schemeClr val="tx1"/>
+                  </a:solidFill>
+                  <a:prstDash val="solid"/>
+                  <a:bevel/>
+                </a:ln>
+                <a:effectLst>
+                  <a:outerShdw blurRad="38100" dist="20000" dir="5400000" rotWithShape="0">
+                    <a:srgbClr val="000000">
+                      <a:alpha val="38000"/>
+                    </a:srgbClr>
+                  </a:outerShdw>
+                </a:effectLst>
+              </p:spPr>
+              <p:txBody>
+                <a:bodyPr wrap="square" lIns="0" tIns="0" rIns="0" bIns="0" numCol="1" anchor="ctr">
+                  <a:noAutofit/>
+                </a:bodyPr>
+                <a:lstStyle/>
+                <a:p>
+                  <a:pPr algn="ctr"/>
+                  <a:r>
+                    <a:rPr lang="en-US" sz="2900" dirty="0"/>
+                    <a:t>[</a:t>
+                  </a:r>
+                  <a:r>
+                    <a:rPr lang="en-US" sz="2900" dirty="0" err="1" smtClean="0"/>
+                    <a:t>MastMath-UvA</a:t>
+                  </a:r>
+                  <a:r>
+                    <a:rPr lang="en-US" sz="2900" dirty="0" smtClean="0"/>
+                    <a:t>] </a:t>
+                  </a:r>
+                  <a:r>
+                    <a:rPr lang="en-US" sz="2900" dirty="0"/>
+                    <a:t>Mathematical Structures in Logic (Bezhanishvili)</a:t>
+                  </a:r>
+                </a:p>
+              </p:txBody>
+            </p:sp>
+            <p:grpSp>
+              <p:nvGrpSpPr>
+                <p:cNvPr id="19" name="Group 18"/>
+                <p:cNvGrpSpPr/>
+                <p:nvPr/>
+              </p:nvGrpSpPr>
+              <p:grpSpPr>
+                <a:xfrm>
+                  <a:off x="9232594" y="22903471"/>
+                  <a:ext cx="3104517" cy="2735036"/>
+                  <a:chOff x="5469490" y="19327604"/>
+                  <a:chExt cx="3104518" cy="2735036"/>
+                </a:xfrm>
+              </p:grpSpPr>
+              <p:sp>
+                <p:nvSpPr>
+                  <p:cNvPr id="94" name="Shape 94"/>
+                  <p:cNvSpPr/>
+                  <p:nvPr/>
+                </p:nvSpPr>
+                <p:spPr>
+                  <a:xfrm>
+                    <a:off x="5469490" y="19632818"/>
+                    <a:ext cx="3104518" cy="2429822"/>
+                  </a:xfrm>
+                  <a:prstGeom prst="roundRect">
+                    <a:avLst>
+                      <a:gd name="adj" fmla="val 16667"/>
+                    </a:avLst>
+                  </a:prstGeom>
+                  <a:gradFill flip="none" rotWithShape="1">
+                    <a:gsLst>
+                      <a:gs pos="0">
+                        <a:srgbClr val="DAFEA4"/>
+                      </a:gs>
+                      <a:gs pos="35000">
+                        <a:srgbClr val="E4FDBF"/>
+                      </a:gs>
+                      <a:gs pos="100000">
+                        <a:srgbClr val="F5FFE6"/>
+                      </a:gs>
+                    </a:gsLst>
+                    <a:lin ang="16200000" scaled="0"/>
+                  </a:gradFill>
+                  <a:ln w="76200" cap="flat">
+                    <a:solidFill>
+                      <a:schemeClr val="tx1"/>
+                    </a:solidFill>
+                    <a:prstDash val="solid"/>
+                    <a:bevel/>
+                  </a:ln>
+                  <a:effectLst>
+                    <a:outerShdw blurRad="38100" dist="20000" dir="5400000" rotWithShape="0">
+                      <a:srgbClr val="000000">
+                        <a:alpha val="38000"/>
+                      </a:srgbClr>
+                    </a:outerShdw>
+                  </a:effectLst>
+                </p:spPr>
+                <p:txBody>
+                  <a:bodyPr wrap="square" lIns="0" tIns="0" rIns="0" bIns="0" numCol="1" anchor="ctr">
+                    <a:noAutofit/>
+                  </a:bodyPr>
+                  <a:lstStyle/>
+                  <a:p>
+                    <a:pPr lvl="0" algn="ctr">
+                      <a:defRPr sz="1800"/>
+                    </a:pPr>
+                    <a:endParaRPr lang="en-US" sz="2900" dirty="0" smtClean="0"/>
+                  </a:p>
+                  <a:p>
+                    <a:pPr lvl="0" algn="ctr">
+                      <a:defRPr sz="1800"/>
+                    </a:pPr>
+                    <a:r>
+                      <a:rPr lang="en-US" sz="2900" dirty="0" smtClean="0"/>
+                      <a:t>[</a:t>
+                    </a:r>
+                    <a:r>
+                      <a:rPr lang="en-US" sz="2900" dirty="0" err="1"/>
+                      <a:t>MoL</a:t>
+                    </a:r>
+                    <a:r>
+                      <a:rPr lang="en-US" sz="2900" dirty="0"/>
+                      <a:t>-FNWI] </a:t>
+                    </a:r>
+                    <a:r>
+                      <a:rPr lang="en-US" sz="2900" dirty="0" smtClean="0"/>
+                      <a:t/>
+                    </a:r>
+                    <a:br>
+                      <a:rPr lang="en-US" sz="2900" dirty="0" smtClean="0"/>
+                    </a:br>
+                    <a:r>
+                      <a:rPr lang="en-US" sz="2900" dirty="0" smtClean="0"/>
+                      <a:t>Proof </a:t>
+                    </a:r>
+                    <a:r>
+                      <a:rPr lang="en-US" sz="2900" dirty="0"/>
+                      <a:t>Theory (vdBerg)</a:t>
+                    </a:r>
+                  </a:p>
+                </p:txBody>
+              </p:sp>
+              <p:sp>
+                <p:nvSpPr>
+                  <p:cNvPr id="149" name="Shape 230"/>
+                  <p:cNvSpPr/>
+                  <p:nvPr/>
+                </p:nvSpPr>
+                <p:spPr>
+                  <a:xfrm>
+                    <a:off x="6333501" y="19327604"/>
+                    <a:ext cx="1497972" cy="1204325"/>
+                  </a:xfrm>
+                  <a:prstGeom prst="rect">
+                    <a:avLst/>
+                  </a:prstGeom>
+                  <a:ln w="12700">
+                    <a:miter lim="400000"/>
+                  </a:ln>
+                  <a:extLst>
+                    <a:ext uri="{C572A759-6A51-4108-AA02-DFA0A04FC94B}">
+                      <ma14:wrappingTextBoxFlag xmlns:ma14="http://schemas.microsoft.com/office/mac/drawingml/2011/main" val="1"/>
+                    </a:ext>
+                  </a:extLst>
+                </p:spPr>
+                <p:txBody>
+                  <a:bodyPr lIns="208805" tIns="208805" rIns="208805" bIns="208805" anchor="ctr">
+                    <a:normAutofit/>
+                  </a:bodyPr>
+                  <a:lstStyle>
+                    <a:lvl1pPr>
+                      <a:defRPr sz="4000"/>
+                    </a:lvl1pPr>
+                  </a:lstStyle>
+                  <a:p>
+                    <a:pPr algn="ctr">
+                      <a:defRPr sz="1800"/>
+                    </a:pPr>
+                    <a:r>
+                      <a:rPr lang="en-US" sz="3300" b="1" dirty="0"/>
+                      <a:t>L&amp;M</a:t>
+                    </a:r>
+                    <a:endParaRPr sz="3300" b="1" dirty="0"/>
+                  </a:p>
+                </p:txBody>
+              </p:sp>
+            </p:grpSp>
+            <p:grpSp>
+              <p:nvGrpSpPr>
+                <p:cNvPr id="20" name="Group 19"/>
+                <p:cNvGrpSpPr/>
+                <p:nvPr/>
+              </p:nvGrpSpPr>
+              <p:grpSpPr>
+                <a:xfrm>
+                  <a:off x="13011121" y="22895056"/>
+                  <a:ext cx="3314496" cy="2743451"/>
+                  <a:chOff x="5070326" y="21911210"/>
+                  <a:chExt cx="3314497" cy="2743451"/>
+                </a:xfrm>
+              </p:grpSpPr>
+              <p:sp>
+                <p:nvSpPr>
+                  <p:cNvPr id="130" name="Shape 130"/>
+                  <p:cNvSpPr/>
+                  <p:nvPr/>
+                </p:nvSpPr>
+                <p:spPr>
+                  <a:xfrm>
+                    <a:off x="5070326" y="22224839"/>
+                    <a:ext cx="3314497" cy="2429822"/>
+                  </a:xfrm>
+                  <a:prstGeom prst="roundRect">
+                    <a:avLst>
+                      <a:gd name="adj" fmla="val 16667"/>
+                    </a:avLst>
+                  </a:prstGeom>
+                  <a:ln w="76200">
+                    <a:solidFill>
+                      <a:schemeClr val="tx1"/>
+                    </a:solidFill>
+                  </a:ln>
+                </p:spPr>
+                <p:style>
+                  <a:lnRef idx="1">
+                    <a:schemeClr val="accent4"/>
+                  </a:lnRef>
+                  <a:fillRef idx="2">
+                    <a:schemeClr val="accent4"/>
+                  </a:fillRef>
+                  <a:effectRef idx="1">
+                    <a:schemeClr val="accent4"/>
+                  </a:effectRef>
+                  <a:fontRef idx="minor">
+                    <a:schemeClr val="dk1"/>
+                  </a:fontRef>
+                </p:style>
+                <p:txBody>
+                  <a:bodyPr wrap="square" lIns="0" tIns="0" rIns="0" bIns="0" numCol="1" anchor="ctr">
+                    <a:noAutofit/>
+                  </a:bodyPr>
+                  <a:lstStyle/>
+                  <a:p>
+                    <a:pPr algn="ctr"/>
+                    <a:endParaRPr lang="en-US" sz="2900" dirty="0" smtClean="0">
+                      <a:latin typeface="Calibri" charset="0"/>
+                      <a:ea typeface="Calibri" charset="0"/>
+                      <a:cs typeface="Calibri" charset="0"/>
+                    </a:endParaRPr>
+                  </a:p>
+                  <a:p>
+                    <a:pPr algn="ctr"/>
+                    <a:r>
+                      <a:rPr lang="en-US" sz="2900" dirty="0" smtClean="0">
+                        <a:latin typeface="Calibri" charset="0"/>
+                        <a:ea typeface="Calibri" charset="0"/>
+                        <a:cs typeface="Calibri" charset="0"/>
+                      </a:rPr>
+                      <a:t>[</a:t>
+                    </a:r>
+                    <a:r>
+                      <a:rPr lang="en-US" sz="3200" dirty="0" err="1">
+                        <a:latin typeface="Calibri" charset="0"/>
+                        <a:ea typeface="Calibri" charset="0"/>
+                        <a:cs typeface="Calibri" charset="0"/>
+                      </a:rPr>
+                      <a:t>MoL</a:t>
+                    </a:r>
+                    <a:r>
+                      <a:rPr lang="en-US" sz="3200" dirty="0">
+                        <a:latin typeface="Calibri" charset="0"/>
+                        <a:ea typeface="Calibri" charset="0"/>
+                        <a:cs typeface="Calibri" charset="0"/>
+                      </a:rPr>
+                      <a:t>-FNWI</a:t>
+                    </a:r>
+                    <a:r>
+                      <a:rPr lang="en-US" sz="2900" dirty="0" smtClean="0">
+                        <a:latin typeface="Calibri" charset="0"/>
+                        <a:ea typeface="Calibri" charset="0"/>
+                        <a:cs typeface="Calibri" charset="0"/>
+                      </a:rPr>
+                      <a:t>] </a:t>
+                    </a:r>
+                    <a:br>
+                      <a:rPr lang="en-US" sz="2900" dirty="0" smtClean="0">
+                        <a:latin typeface="Calibri" charset="0"/>
+                        <a:ea typeface="Calibri" charset="0"/>
+                        <a:cs typeface="Calibri" charset="0"/>
+                      </a:rPr>
+                    </a:br>
+                    <a:r>
+                      <a:rPr lang="en-US" sz="2900" dirty="0" smtClean="0">
+                        <a:latin typeface="Calibri" charset="0"/>
+                        <a:ea typeface="Calibri" charset="0"/>
+                        <a:cs typeface="Calibri" charset="0"/>
+                      </a:rPr>
+                      <a:t>Model </a:t>
+                    </a:r>
+                    <a:r>
+                      <a:rPr lang="en-US" sz="2900" dirty="0">
+                        <a:latin typeface="Calibri" charset="0"/>
+                        <a:ea typeface="Calibri" charset="0"/>
+                        <a:cs typeface="Calibri" charset="0"/>
+                      </a:rPr>
+                      <a:t>Theory (</a:t>
+                    </a:r>
+                    <a:r>
+                      <a:rPr lang="en-US" sz="2900" dirty="0" err="1">
+                        <a:latin typeface="Calibri" charset="0"/>
+                        <a:ea typeface="Calibri" charset="0"/>
+                        <a:cs typeface="Calibri" charset="0"/>
+                      </a:rPr>
+                      <a:t>vdBerg</a:t>
+                    </a:r>
+                    <a:r>
+                      <a:rPr lang="en-US" sz="2900" dirty="0" smtClean="0">
+                        <a:latin typeface="Calibri" charset="0"/>
+                        <a:ea typeface="Calibri" charset="0"/>
+                        <a:cs typeface="Calibri" charset="0"/>
+                      </a:rPr>
+                      <a:t>)</a:t>
+                    </a:r>
+                    <a:endParaRPr lang="en-US" sz="2900" dirty="0">
+                      <a:latin typeface="Calibri" charset="0"/>
+                      <a:ea typeface="Calibri" charset="0"/>
+                      <a:cs typeface="Calibri" charset="0"/>
+                    </a:endParaRPr>
+                  </a:p>
+                </p:txBody>
+              </p:sp>
+              <p:sp>
+                <p:nvSpPr>
+                  <p:cNvPr id="150" name="Shape 230"/>
+                  <p:cNvSpPr/>
+                  <p:nvPr/>
+                </p:nvSpPr>
+                <p:spPr>
+                  <a:xfrm>
+                    <a:off x="5986868" y="21911210"/>
+                    <a:ext cx="1497972" cy="1204325"/>
+                  </a:xfrm>
+                  <a:prstGeom prst="rect">
+                    <a:avLst/>
+                  </a:prstGeom>
+                  <a:ln w="12700">
+                    <a:miter lim="400000"/>
+                  </a:ln>
+                  <a:extLst>
+                    <a:ext uri="{C572A759-6A51-4108-AA02-DFA0A04FC94B}">
+                      <ma14:wrappingTextBoxFlag xmlns:ma14="http://schemas.microsoft.com/office/mac/drawingml/2011/main" val="1"/>
+                    </a:ext>
+                  </a:extLst>
+                </p:spPr>
+                <p:txBody>
+                  <a:bodyPr lIns="208805" tIns="208805" rIns="208805" bIns="208805" anchor="ctr">
+                    <a:normAutofit/>
+                  </a:bodyPr>
+                  <a:lstStyle/>
+                  <a:p>
+                    <a:pPr algn="ctr"/>
+                    <a:r>
+                      <a:rPr lang="en-US" sz="3300" b="1" dirty="0"/>
+                      <a:t>L&amp;M</a:t>
+                    </a:r>
+                    <a:endParaRPr sz="3300" b="1" dirty="0"/>
+                  </a:p>
+                </p:txBody>
+              </p:sp>
+            </p:grpSp>
+            <p:grpSp>
+              <p:nvGrpSpPr>
+                <p:cNvPr id="9" name="Group 8"/>
+                <p:cNvGrpSpPr/>
+                <p:nvPr/>
+              </p:nvGrpSpPr>
+              <p:grpSpPr>
+                <a:xfrm>
+                  <a:off x="454442" y="21918724"/>
+                  <a:ext cx="3317116" cy="4112624"/>
+                  <a:chOff x="454442" y="20394796"/>
+                  <a:chExt cx="3317116" cy="4112624"/>
+                </a:xfrm>
+              </p:grpSpPr>
+              <p:sp>
+                <p:nvSpPr>
+                  <p:cNvPr id="163" name="Shape 163"/>
+                  <p:cNvSpPr/>
+                  <p:nvPr/>
+                </p:nvSpPr>
+                <p:spPr>
+                  <a:xfrm>
+                    <a:off x="454442" y="20445546"/>
+                    <a:ext cx="3317116" cy="3210442"/>
+                  </a:xfrm>
+                  <a:prstGeom prst="ellipse">
+                    <a:avLst/>
+                  </a:prstGeom>
+                  <a:gradFill flip="none" rotWithShape="1">
+                    <a:gsLst>
+                      <a:gs pos="0">
+                        <a:srgbClr val="C8B2E9"/>
+                      </a:gs>
+                      <a:gs pos="35000">
+                        <a:srgbClr val="D8C9EE"/>
+                      </a:gs>
+                      <a:gs pos="100000">
+                        <a:srgbClr val="FFD1BB"/>
+                      </a:gs>
+                    </a:gsLst>
+                    <a:lin ang="5400000" scaled="0"/>
+                  </a:gradFill>
+                  <a:ln w="76200" cap="flat">
+                    <a:solidFill>
+                      <a:schemeClr val="tx1"/>
+                    </a:solidFill>
+                    <a:prstDash val="solid"/>
+                    <a:bevel/>
+                  </a:ln>
+                  <a:effectLst>
+                    <a:outerShdw blurRad="38100" dist="20000" dir="5400000" rotWithShape="0">
+                      <a:srgbClr val="000000">
+                        <a:alpha val="38000"/>
+                      </a:srgbClr>
+                    </a:outerShdw>
+                  </a:effectLst>
+                </p:spPr>
+                <p:txBody>
+                  <a:bodyPr wrap="square" lIns="0" tIns="0" rIns="0" bIns="0" numCol="1" anchor="ctr">
+                    <a:noAutofit/>
+                  </a:bodyPr>
+                  <a:lstStyle/>
+                  <a:p>
+                    <a:pPr lvl="0" algn="ctr">
+                      <a:defRPr sz="1800"/>
+                    </a:pPr>
+                    <a:endParaRPr lang="en-US" sz="2900" dirty="0"/>
+                  </a:p>
+                  <a:p>
+                    <a:pPr lvl="0" algn="ctr">
+                      <a:defRPr sz="1800"/>
+                    </a:pPr>
+                    <a:r>
+                      <a:rPr lang="en-US" sz="2900" dirty="0"/>
+                      <a:t>[</a:t>
+                    </a:r>
+                    <a:r>
+                      <a:rPr lang="en-US" sz="2900" dirty="0" err="1"/>
+                      <a:t>BScWisk</a:t>
+                    </a:r>
+                    <a:r>
+                      <a:rPr lang="en-US" sz="2900" dirty="0"/>
+                      <a:t>] Axiomatic Set Theory </a:t>
+                    </a:r>
+                    <a:endParaRPr lang="en-US" sz="2900" dirty="0" smtClean="0"/>
+                  </a:p>
+                  <a:p>
+                    <a:pPr lvl="0" algn="ctr">
+                      <a:defRPr sz="1800"/>
+                    </a:pPr>
+                    <a:r>
+                      <a:rPr lang="en-US" sz="2900" dirty="0" smtClean="0"/>
+                      <a:t>(</a:t>
+                    </a:r>
+                    <a:r>
+                      <a:rPr lang="en-US" sz="2900" dirty="0"/>
+                      <a:t>Baltag)</a:t>
+                    </a:r>
+                  </a:p>
+                </p:txBody>
+              </p:sp>
+              <p:sp>
+                <p:nvSpPr>
+                  <p:cNvPr id="174" name="Shape 230"/>
+                  <p:cNvSpPr/>
+                  <p:nvPr/>
+                </p:nvSpPr>
+                <p:spPr>
+                  <a:xfrm>
+                    <a:off x="1389731" y="20394796"/>
+                    <a:ext cx="1497972" cy="1204325"/>
+                  </a:xfrm>
+                  <a:prstGeom prst="rect">
+                    <a:avLst/>
+                  </a:prstGeom>
+                  <a:ln w="12700">
+                    <a:miter lim="400000"/>
+                  </a:ln>
+                  <a:extLst>
+                    <a:ext uri="{C572A759-6A51-4108-AA02-DFA0A04FC94B}">
+                      <ma14:wrappingTextBoxFlag xmlns:ma14="http://schemas.microsoft.com/office/mac/drawingml/2011/main" val="1"/>
+                    </a:ext>
+                  </a:extLst>
+                </p:spPr>
+                <p:txBody>
+                  <a:bodyPr lIns="208805" tIns="208805" rIns="208805" bIns="208805" anchor="ctr">
+                    <a:normAutofit/>
+                  </a:bodyPr>
+                  <a:lstStyle>
+                    <a:lvl1pPr>
+                      <a:defRPr sz="4000"/>
+                    </a:lvl1pPr>
+                  </a:lstStyle>
+                  <a:p>
+                    <a:pPr algn="ctr">
+                      <a:defRPr sz="1800"/>
+                    </a:pPr>
+                    <a:r>
+                      <a:rPr lang="en-US" sz="3300" b="1" dirty="0"/>
+                      <a:t>L&amp;M</a:t>
+                    </a:r>
+                    <a:endParaRPr sz="3300" b="1" dirty="0"/>
+                  </a:p>
+                </p:txBody>
+              </p:sp>
+              <p:sp>
+                <p:nvSpPr>
+                  <p:cNvPr id="148" name="Shape 230"/>
+                  <p:cNvSpPr/>
+                  <p:nvPr/>
+                </p:nvSpPr>
+                <p:spPr>
+                  <a:xfrm>
+                    <a:off x="692767" y="23303095"/>
+                    <a:ext cx="2726876" cy="1204325"/>
+                  </a:xfrm>
+                  <a:prstGeom prst="rect">
+                    <a:avLst/>
+                  </a:prstGeom>
+                  <a:ln w="12700">
+                    <a:miter lim="400000"/>
+                  </a:ln>
+                  <a:extLst>
+                    <a:ext uri="{C572A759-6A51-4108-AA02-DFA0A04FC94B}">
+                      <ma14:wrappingTextBoxFlag xmlns:ma14="http://schemas.microsoft.com/office/mac/drawingml/2011/main" val="1"/>
+                    </a:ext>
+                  </a:extLst>
+                </p:spPr>
+                <p:txBody>
+                  <a:bodyPr lIns="208805" tIns="208805" rIns="208805" bIns="208805" anchor="ctr">
+                    <a:normAutofit/>
+                  </a:bodyPr>
+                  <a:lstStyle>
+                    <a:lvl1pPr>
+                      <a:defRPr sz="4000"/>
+                    </a:lvl1pPr>
+                  </a:lstStyle>
+                  <a:p>
+                    <a:pPr algn="ctr">
+                      <a:defRPr sz="1800"/>
+                    </a:pPr>
+                    <a:r>
+                      <a:rPr lang="en-US" sz="3300" b="1" dirty="0"/>
+                      <a:t>e</a:t>
+                    </a:r>
+                    <a:r>
+                      <a:rPr lang="en-US" sz="3300" b="1" dirty="0" smtClean="0"/>
+                      <a:t>xclusive </a:t>
+                    </a:r>
+                    <a:r>
+                      <a:rPr lang="en-US" sz="3300" b="1" dirty="0" smtClean="0"/>
+                      <a:t>or</a:t>
+                    </a:r>
+                    <a:endParaRPr sz="3300" b="1" dirty="0"/>
+                  </a:p>
+                </p:txBody>
+              </p:sp>
+            </p:grpSp>
+            <p:sp>
+              <p:nvSpPr>
+                <p:cNvPr id="143" name="Shape 228"/>
+                <p:cNvSpPr/>
+                <p:nvPr/>
+              </p:nvSpPr>
+              <p:spPr>
+                <a:xfrm>
+                  <a:off x="11334879" y="18384433"/>
+                  <a:ext cx="3165086" cy="2236959"/>
+                </a:xfrm>
+                <a:prstGeom prst="rect">
+                  <a:avLst/>
+                </a:prstGeom>
+                <a:ln w="12700">
+                  <a:miter lim="400000"/>
+                </a:ln>
+                <a:extLst>
+                  <a:ext uri="{C572A759-6A51-4108-AA02-DFA0A04FC94B}">
+                    <ma14:wrappingTextBoxFlag xmlns:ma14="http://schemas.microsoft.com/office/mac/drawingml/2011/main" val="1"/>
+                  </a:ext>
+                </a:extLst>
+              </p:spPr>
+              <p:txBody>
+                <a:bodyPr lIns="208805" tIns="208805" rIns="208805" bIns="208805" anchor="ctr">
+                  <a:normAutofit/>
+                </a:bodyPr>
+                <a:lstStyle>
+                  <a:lvl1pPr>
+                    <a:defRPr sz="4000"/>
+                  </a:lvl1pPr>
+                </a:lstStyle>
+                <a:p>
+                  <a:pPr lvl="0" algn="l">
+                    <a:defRPr sz="1800"/>
+                  </a:pPr>
+                  <a:r>
+                    <a:rPr lang="en-US" sz="3900" b="1" smtClean="0"/>
+                    <a:t>Theoretical </a:t>
+                  </a:r>
+                </a:p>
+                <a:p>
+                  <a:pPr lvl="0" algn="l">
+                    <a:defRPr sz="1800"/>
+                  </a:pPr>
+                  <a:r>
+                    <a:rPr lang="en-US" sz="3900" b="1" dirty="0" smtClean="0"/>
+                    <a:t>Linguistics</a:t>
+                  </a:r>
+                  <a:endParaRPr sz="3900" b="1" dirty="0"/>
+                </a:p>
+              </p:txBody>
+            </p:sp>
+          </p:grpSp>
+          <p:sp>
+            <p:nvSpPr>
+              <p:cNvPr id="198" name="Shape 64"/>
+              <p:cNvSpPr/>
+              <p:nvPr/>
+            </p:nvSpPr>
+            <p:spPr>
+              <a:xfrm>
+                <a:off x="6052152" y="26682273"/>
+                <a:ext cx="3149557" cy="2427776"/>
+              </a:xfrm>
+              <a:prstGeom prst="roundRect">
+                <a:avLst>
+                  <a:gd name="adj" fmla="val 16667"/>
+                </a:avLst>
+              </a:prstGeom>
+              <a:gradFill flip="none" rotWithShape="1">
+                <a:gsLst>
+                  <a:gs pos="0">
+                    <a:srgbClr val="3F80CE"/>
+                  </a:gs>
+                  <a:gs pos="100000">
+                    <a:srgbClr val="A2C3FF"/>
+                  </a:gs>
+                </a:gsLst>
+                <a:lin ang="16200000" scaled="0"/>
+              </a:gradFill>
+              <a:ln w="9525" cap="flat">
                 <a:solidFill>
-                  <a:srgbClr val="FFFFFF"/>
+                  <a:srgbClr val="4A7EBB"/>
                 </a:solidFill>
-              </a:rPr>
-              <a:t>[</a:t>
-            </a:r>
-            <a:r>
-              <a:rPr lang="en-US" sz="2900" dirty="0" err="1" smtClean="0">
-                <a:solidFill>
-                  <a:srgbClr val="FFFFFF"/>
-                </a:solidFill>
-              </a:rPr>
-              <a:t>MastMath</a:t>
-            </a:r>
-            <a:r>
-              <a:rPr lang="en-US" sz="2900" dirty="0" smtClean="0">
-                <a:solidFill>
-                  <a:srgbClr val="FFFFFF"/>
-                </a:solidFill>
-              </a:rPr>
-              <a:t>-RU] </a:t>
-            </a:r>
-            <a:r>
-              <a:rPr lang="en-US" sz="2900" dirty="0">
-                <a:solidFill>
-                  <a:srgbClr val="FFFFFF"/>
-                </a:solidFill>
-              </a:rPr>
-              <a:t>Intuitionistic Mathematics (</a:t>
-            </a:r>
-            <a:r>
-              <a:rPr lang="en-US" sz="2900" dirty="0" err="1">
-                <a:solidFill>
-                  <a:srgbClr val="FFFFFF"/>
-                </a:solidFill>
-              </a:rPr>
-              <a:t>Veldman</a:t>
-            </a:r>
-            <a:r>
-              <a:rPr lang="en-US" sz="2900" dirty="0">
-                <a:solidFill>
-                  <a:srgbClr val="FFFFFF"/>
-                </a:solidFill>
-              </a:rPr>
-              <a:t>) [8EC]</a:t>
-            </a:r>
-          </a:p>
-        </p:txBody>
-      </p:sp>
+                <a:prstDash val="solid"/>
+                <a:bevel/>
+              </a:ln>
+              <a:effectLst>
+                <a:outerShdw blurRad="38100" dist="23000" dir="5400000" rotWithShape="0">
+                  <a:srgbClr val="000000">
+                    <a:alpha val="35000"/>
+                  </a:srgbClr>
+                </a:outerShdw>
+              </a:effectLst>
+            </p:spPr>
+            <p:txBody>
+              <a:bodyPr wrap="square" lIns="0" tIns="0" rIns="0" bIns="0" numCol="1" anchor="ctr">
+                <a:noAutofit/>
+              </a:bodyPr>
+              <a:lstStyle/>
+              <a:p>
+                <a:pPr lvl="0" algn="ctr">
+                  <a:defRPr sz="1800">
+                    <a:solidFill>
+                      <a:srgbClr val="000000"/>
+                    </a:solidFill>
+                  </a:defRPr>
+                </a:pPr>
+                <a:r>
+                  <a:rPr lang="en-US" sz="2900" dirty="0">
+                    <a:solidFill>
+                      <a:srgbClr val="FFFFFF"/>
+                    </a:solidFill>
+                  </a:rPr>
+                  <a:t>[</a:t>
+                </a:r>
+                <a:r>
+                  <a:rPr lang="en-US" sz="2900" dirty="0" err="1">
+                    <a:solidFill>
+                      <a:srgbClr val="FFFFFF"/>
+                    </a:solidFill>
+                  </a:rPr>
+                  <a:t>MoL</a:t>
+                </a:r>
+                <a:r>
+                  <a:rPr lang="en-US" sz="2900" dirty="0">
+                    <a:solidFill>
+                      <a:srgbClr val="FFFFFF"/>
+                    </a:solidFill>
+                  </a:rPr>
+                  <a:t>-FNWI] </a:t>
+                </a:r>
+                <a:endParaRPr lang="en-US" sz="2900" dirty="0" smtClean="0">
+                  <a:solidFill>
+                    <a:srgbClr val="FFFFFF"/>
+                  </a:solidFill>
+                </a:endParaRPr>
+              </a:p>
+              <a:p>
+                <a:pPr lvl="0" algn="ctr">
+                  <a:defRPr sz="1800">
+                    <a:solidFill>
+                      <a:srgbClr val="000000"/>
+                    </a:solidFill>
+                  </a:defRPr>
+                </a:pPr>
+                <a:r>
+                  <a:rPr lang="en-US" sz="2900" dirty="0" smtClean="0">
+                    <a:solidFill>
+                      <a:srgbClr val="FFFFFF"/>
+                    </a:solidFill>
+                  </a:rPr>
+                  <a:t>Capita Selecta:</a:t>
+                </a:r>
+              </a:p>
+              <a:p>
+                <a:pPr lvl="0" algn="ctr">
+                  <a:defRPr sz="1800">
+                    <a:solidFill>
+                      <a:srgbClr val="000000"/>
+                    </a:solidFill>
+                  </a:defRPr>
+                </a:pPr>
+                <a:r>
+                  <a:rPr lang="en-US" sz="2900" dirty="0" smtClean="0">
+                    <a:solidFill>
+                      <a:srgbClr val="FFFFFF"/>
+                    </a:solidFill>
+                  </a:rPr>
+                  <a:t> Set Theory </a:t>
+                </a:r>
+              </a:p>
+              <a:p>
+                <a:pPr lvl="0" algn="ctr">
+                  <a:defRPr sz="1800">
+                    <a:solidFill>
+                      <a:srgbClr val="000000"/>
+                    </a:solidFill>
+                  </a:defRPr>
+                </a:pPr>
+                <a:r>
+                  <a:rPr lang="en-US" sz="2900" dirty="0" smtClean="0">
+                    <a:solidFill>
+                      <a:srgbClr val="FFFFFF"/>
+                    </a:solidFill>
+                  </a:rPr>
+                  <a:t>(</a:t>
+                </a:r>
+                <a:r>
+                  <a:rPr lang="en-US" sz="2900" dirty="0" err="1" smtClean="0">
+                    <a:solidFill>
+                      <a:srgbClr val="FFFFFF"/>
+                    </a:solidFill>
+                  </a:rPr>
+                  <a:t>Löwe</a:t>
+                </a:r>
+                <a:r>
+                  <a:rPr lang="en-US" sz="2900" dirty="0" smtClean="0">
+                    <a:solidFill>
+                      <a:srgbClr val="FFFFFF"/>
+                    </a:solidFill>
+                  </a:rPr>
+                  <a:t>)</a:t>
+                </a:r>
+                <a:endParaRPr lang="en-US" sz="2900" dirty="0">
+                  <a:solidFill>
+                    <a:srgbClr val="FFFFFF"/>
+                  </a:solidFill>
+                </a:endParaRPr>
+              </a:p>
+            </p:txBody>
+          </p:sp>
+        </p:grpSp>
+        <p:sp>
+          <p:nvSpPr>
+            <p:cNvPr id="156" name="Shape 136"/>
+            <p:cNvSpPr/>
+            <p:nvPr/>
+          </p:nvSpPr>
+          <p:spPr>
+            <a:xfrm>
+              <a:off x="13879257" y="26697016"/>
+              <a:ext cx="3013179" cy="2398291"/>
+            </a:xfrm>
+            <a:prstGeom prst="roundRect">
+              <a:avLst>
+                <a:gd name="adj" fmla="val 16667"/>
+              </a:avLst>
+            </a:prstGeom>
+            <a:gradFill flip="none" rotWithShape="1">
+              <a:gsLst>
+                <a:gs pos="0">
+                  <a:schemeClr val="accent3"/>
+                </a:gs>
+                <a:gs pos="100000">
+                  <a:schemeClr val="accent1">
+                    <a:lumMod val="75000"/>
+                  </a:schemeClr>
+                </a:gs>
+              </a:gsLst>
+              <a:lin ang="16200000" scaled="0"/>
+            </a:gradFill>
+            <a:ln w="9525" cap="flat">
+              <a:solidFill>
+                <a:schemeClr val="tx1"/>
+              </a:solidFill>
+              <a:prstDash val="solid"/>
+              <a:bevel/>
+            </a:ln>
+            <a:effectLst>
+              <a:outerShdw blurRad="38100" dist="23000" dir="5400000" rotWithShape="0">
+                <a:srgbClr val="000000">
+                  <a:alpha val="35000"/>
+                </a:srgbClr>
+              </a:outerShdw>
+            </a:effectLst>
+          </p:spPr>
+          <p:txBody>
+            <a:bodyPr wrap="square" lIns="0" tIns="0" rIns="0" bIns="0" numCol="1" anchor="ctr">
+              <a:noAutofit/>
+            </a:bodyPr>
+            <a:lstStyle/>
+            <a:p>
+              <a:pPr algn="ctr"/>
+              <a:r>
+                <a:rPr lang="en-US" sz="2900" dirty="0">
+                  <a:solidFill>
+                    <a:srgbClr val="FFFFFF"/>
+                  </a:solidFill>
+                </a:rPr>
+                <a:t>[</a:t>
+              </a:r>
+              <a:r>
+                <a:rPr lang="en-US" sz="2900" dirty="0" err="1" smtClean="0">
+                  <a:solidFill>
+                    <a:srgbClr val="FFFFFF"/>
+                  </a:solidFill>
+                </a:rPr>
+                <a:t>MastMath</a:t>
+              </a:r>
+              <a:r>
+                <a:rPr lang="en-US" sz="2900" dirty="0" smtClean="0">
+                  <a:solidFill>
+                    <a:srgbClr val="FFFFFF"/>
+                  </a:solidFill>
+                </a:rPr>
+                <a:t>-RU] </a:t>
+              </a:r>
+              <a:r>
+                <a:rPr lang="en-US" sz="2900" dirty="0">
+                  <a:solidFill>
+                    <a:srgbClr val="FFFFFF"/>
+                  </a:solidFill>
+                </a:rPr>
+                <a:t>Intuitionistic Mathematics (</a:t>
+              </a:r>
+              <a:r>
+                <a:rPr lang="en-US" sz="2900" dirty="0" err="1">
+                  <a:solidFill>
+                    <a:srgbClr val="FFFFFF"/>
+                  </a:solidFill>
+                </a:rPr>
+                <a:t>Veldman</a:t>
+              </a:r>
+              <a:r>
+                <a:rPr lang="en-US" sz="2900" dirty="0">
+                  <a:solidFill>
+                    <a:srgbClr val="FFFFFF"/>
+                  </a:solidFill>
+                </a:rPr>
+                <a:t>) [8EC]</a:t>
+              </a:r>
+            </a:p>
+          </p:txBody>
+        </p:sp>
+      </p:grpSp>
       <p:sp>
         <p:nvSpPr>
           <p:cNvPr id="128" name="Shape 172"/>

--- a/MoLOverviewPoster2016.pptx
+++ b/MoLOverviewPoster2016.pptx
@@ -3313,15 +3313,11 @@
               <a:rPr lang="en-US" sz="9100" dirty="0" smtClean="0"/>
               <a:t>7</a:t>
             </a:r>
-            <a:r>
-              <a:rPr lang="en-US" sz="9100" smtClean="0"/>
-              <a:t/>
-            </a:r>
             <a:br>
-              <a:rPr lang="en-US" sz="9100" smtClean="0"/>
+              <a:rPr lang="en-US" sz="9100" dirty="0" smtClean="0"/>
             </a:br>
             <a:r>
-              <a:rPr lang="en-US" sz="2800" smtClean="0">
+              <a:rPr lang="en-US" sz="2800" dirty="0" smtClean="0">
                 <a:solidFill>
                   <a:sysClr val="windowText" lastClr="000000"/>
                 </a:solidFill>
@@ -4819,10 +4815,10 @@
           </p:nvGrpSpPr>
           <p:grpSpPr>
             <a:xfrm>
-              <a:off x="35383216" y="22555056"/>
-              <a:ext cx="3243920" cy="2440249"/>
-              <a:chOff x="35468482" y="22525052"/>
-              <a:chExt cx="3243919" cy="2440249"/>
+              <a:off x="35383216" y="22393692"/>
+              <a:ext cx="3243920" cy="2601613"/>
+              <a:chOff x="35468482" y="22363688"/>
+              <a:chExt cx="3243919" cy="2601613"/>
             </a:xfrm>
           </p:grpSpPr>
           <p:sp>
@@ -4908,7 +4904,7 @@
             </p:nvSpPr>
             <p:spPr>
               <a:xfrm>
-                <a:off x="36347347" y="22525052"/>
+                <a:off x="36347347" y="22363688"/>
                 <a:ext cx="1497972" cy="1204325"/>
               </a:xfrm>
               <a:prstGeom prst="rect">
@@ -4953,10 +4949,10 @@
           </p:nvGrpSpPr>
           <p:grpSpPr>
             <a:xfrm>
-              <a:off x="38949479" y="22344701"/>
-              <a:ext cx="3200125" cy="2678528"/>
-              <a:chOff x="46834807" y="28699907"/>
-              <a:chExt cx="3200125" cy="2678528"/>
+              <a:off x="38949479" y="22370369"/>
+              <a:ext cx="3200125" cy="2652860"/>
+              <a:chOff x="46834807" y="28725575"/>
+              <a:chExt cx="3200125" cy="2652860"/>
             </a:xfrm>
           </p:grpSpPr>
           <p:sp>
@@ -5105,7 +5101,7 @@
             </p:nvSpPr>
             <p:spPr>
               <a:xfrm>
-                <a:off x="47849994" y="28699907"/>
+                <a:off x="47540315" y="28725575"/>
                 <a:ext cx="1497972" cy="1204325"/>
               </a:xfrm>
               <a:prstGeom prst="rect">
@@ -5857,10 +5853,10 @@
             </p:nvGrpSpPr>
             <p:grpSpPr>
               <a:xfrm>
-                <a:off x="22564757" y="14102369"/>
-                <a:ext cx="3332436" cy="2685916"/>
-                <a:chOff x="24887357" y="13892342"/>
-                <a:chExt cx="3332436" cy="2685916"/>
+                <a:off x="22564757" y="14048581"/>
+                <a:ext cx="3332436" cy="2739704"/>
+                <a:chOff x="24887357" y="13838554"/>
+                <a:chExt cx="3332436" cy="2739704"/>
               </a:xfrm>
             </p:grpSpPr>
             <p:sp>
@@ -5987,7 +5983,7 @@
               </p:nvSpPr>
               <p:spPr>
                 <a:xfrm>
-                  <a:off x="25318884" y="13892342"/>
+                  <a:off x="25318884" y="13838554"/>
                   <a:ext cx="2449136" cy="1204325"/>
                 </a:xfrm>
                 <a:prstGeom prst="rect">
@@ -6032,10 +6028,10 @@
             </p:nvGrpSpPr>
             <p:grpSpPr>
               <a:xfrm>
-                <a:off x="17571866" y="10492426"/>
-                <a:ext cx="3611033" cy="2542520"/>
-                <a:chOff x="19416312" y="10366458"/>
-                <a:chExt cx="3611032" cy="2796743"/>
+                <a:off x="17571866" y="10384854"/>
+                <a:ext cx="3611033" cy="2650096"/>
+                <a:chOff x="19416312" y="10248126"/>
+                <a:chExt cx="3611032" cy="2915075"/>
               </a:xfrm>
             </p:grpSpPr>
             <p:sp>
@@ -6201,8 +6197,8 @@
               </p:nvSpPr>
               <p:spPr>
                 <a:xfrm>
-                  <a:off x="21529372" y="10366458"/>
-                  <a:ext cx="1497972" cy="1204325"/>
+                  <a:off x="21529372" y="10248126"/>
+                  <a:ext cx="1497972" cy="1204324"/>
                 </a:xfrm>
                 <a:prstGeom prst="rect">
                   <a:avLst/>
@@ -6253,7 +6249,7 @@
               </p:nvSpPr>
               <p:spPr>
                 <a:xfrm>
-                  <a:off x="19416312" y="10368380"/>
+                  <a:off x="19416312" y="10250048"/>
                   <a:ext cx="1497972" cy="1204325"/>
                 </a:xfrm>
                 <a:prstGeom prst="rect">
@@ -9945,10 +9941,10 @@
               </p:nvGrpSpPr>
               <p:grpSpPr>
                 <a:xfrm>
-                  <a:off x="9232594" y="22903471"/>
-                  <a:ext cx="3104517" cy="2735036"/>
-                  <a:chOff x="5469490" y="19327604"/>
-                  <a:chExt cx="3104518" cy="2735036"/>
+                  <a:off x="9232594" y="22984153"/>
+                  <a:ext cx="3104517" cy="2654354"/>
+                  <a:chOff x="5469490" y="19408286"/>
+                  <a:chExt cx="3104518" cy="2654354"/>
                 </a:xfrm>
               </p:grpSpPr>
               <p:sp>
@@ -10049,7 +10045,7 @@
                 </p:nvSpPr>
                 <p:spPr>
                   <a:xfrm>
-                    <a:off x="6333501" y="19327604"/>
+                    <a:off x="6252819" y="19408286"/>
                     <a:ext cx="1497972" cy="1204325"/>
                   </a:xfrm>
                   <a:prstGeom prst="rect">
@@ -10094,10 +10090,10 @@
               </p:nvGrpSpPr>
               <p:grpSpPr>
                 <a:xfrm>
-                  <a:off x="13011121" y="22895056"/>
-                  <a:ext cx="3314496" cy="2743451"/>
-                  <a:chOff x="5070326" y="21911210"/>
-                  <a:chExt cx="3314497" cy="2743451"/>
+                  <a:off x="13011121" y="23029526"/>
+                  <a:ext cx="3314496" cy="2608981"/>
+                  <a:chOff x="5070326" y="22045680"/>
+                  <a:chExt cx="3314497" cy="2608981"/>
                 </a:xfrm>
               </p:grpSpPr>
               <p:sp>
@@ -10238,7 +10234,7 @@
                 </p:nvSpPr>
                 <p:spPr>
                   <a:xfrm>
-                    <a:off x="5986868" y="21911210"/>
+                    <a:off x="5986868" y="22045680"/>
                     <a:ext cx="1497972" cy="1204325"/>
                   </a:xfrm>
                   <a:prstGeom prst="rect">

--- a/MoLOverviewPoster2016.pptx
+++ b/MoLOverviewPoster2016.pptx
@@ -97,7 +97,7 @@
             <a:srgbClr val="A4A3A4"/>
           </p15:clr>
         </p15:guide>
-        <p15:guide id="2" pos="7287">
+        <p15:guide id="2" pos="23758" userDrawn="1">
           <p15:clr>
             <a:srgbClr val="A4A3A4"/>
           </p15:clr>
@@ -193,7 +193,7 @@
           <a:p>
             <a:fld id="{B179243D-0E3E-4D4F-90E9-F9F1DBB34143}" type="datetimeFigureOut">
               <a:rPr lang="en-US" smtClean="0"/>
-              <a:t>7/15/16</a:t>
+              <a:t>7/28/16</a:t>
             </a:fld>
             <a:endParaRPr lang="en-US"/>
           </a:p>
@@ -2835,10 +2835,10 @@
         </p:nvGrpSpPr>
         <p:grpSpPr>
           <a:xfrm>
-            <a:off x="508832" y="163683"/>
-            <a:ext cx="41869737" cy="29802017"/>
-            <a:chOff x="1132721" y="-35117"/>
-            <a:chExt cx="41869738" cy="29802016"/>
+            <a:off x="508832" y="213671"/>
+            <a:ext cx="41869739" cy="29752028"/>
+            <a:chOff x="1132721" y="14871"/>
+            <a:chExt cx="41869740" cy="29752027"/>
           </a:xfrm>
         </p:grpSpPr>
         <p:sp>
@@ -3081,8 +3081,8 @@
           </p:nvSpPr>
           <p:spPr>
             <a:xfrm>
-              <a:off x="22578386" y="20798047"/>
-              <a:ext cx="20424072" cy="8968852"/>
+              <a:off x="21857537" y="21688165"/>
+              <a:ext cx="21144921" cy="8078733"/>
             </a:xfrm>
             <a:prstGeom prst="roundRect">
               <a:avLst>
@@ -3137,13 +3137,13 @@
           </p:nvSpPr>
           <p:spPr>
             <a:xfrm rot="10800000">
-              <a:off x="11843901" y="9976142"/>
-              <a:ext cx="22314864" cy="13269622"/>
+              <a:off x="11843900" y="9976142"/>
+              <a:ext cx="22314864" cy="13960396"/>
             </a:xfrm>
             <a:prstGeom prst="corner">
               <a:avLst>
                 <a:gd name="adj1" fmla="val 78276"/>
-                <a:gd name="adj2" fmla="val 25315"/>
+                <a:gd name="adj2" fmla="val 24223"/>
               </a:avLst>
             </a:prstGeom>
             <a:solidFill>
@@ -3194,13 +3194,13 @@
           </p:nvSpPr>
           <p:spPr>
             <a:xfrm rot="16200000">
-              <a:off x="26752757" y="3754864"/>
-              <a:ext cx="20039683" cy="12459721"/>
+              <a:off x="25719816" y="1948559"/>
+              <a:ext cx="19216333" cy="15348957"/>
             </a:xfrm>
             <a:prstGeom prst="corner">
               <a:avLst>
-                <a:gd name="adj1" fmla="val 65315"/>
-                <a:gd name="adj2" fmla="val 54333"/>
+                <a:gd name="adj1" fmla="val 54023"/>
+                <a:gd name="adj2" fmla="val 39553"/>
               </a:avLst>
             </a:prstGeom>
             <a:solidFill>
@@ -3325,7 +3325,7 @@
                 <a:ea typeface="Calibri"/>
                 <a:cs typeface="Calibri"/>
               </a:rPr>
-              <a:t>v0.9.1: </a:t>
+              <a:t>v0.9.2: </a:t>
             </a:r>
             <a:r>
               <a:rPr lang="en-US" sz="2800" dirty="0">
@@ -3404,8 +3404,8 @@
         </p:nvSpPr>
         <p:spPr>
           <a:xfrm>
-            <a:off x="26233428" y="26484565"/>
-            <a:ext cx="8534034" cy="2879171"/>
+            <a:off x="32003555" y="16728636"/>
+            <a:ext cx="6079134" cy="4984556"/>
           </a:xfrm>
           <a:prstGeom prst="roundRect">
             <a:avLst>
@@ -3860,7 +3860,7 @@
         </p:nvSpPr>
         <p:spPr>
           <a:xfrm>
-            <a:off x="38511884" y="2741188"/>
+            <a:off x="38511884" y="2095732"/>
             <a:ext cx="3866684" cy="2828082"/>
           </a:xfrm>
           <a:prstGeom prst="rect">
@@ -3920,10 +3920,10 @@
         </p:nvGrpSpPr>
         <p:grpSpPr>
           <a:xfrm>
-            <a:off x="22680855" y="19036439"/>
-            <a:ext cx="19969752" cy="10167311"/>
-            <a:chOff x="23113988" y="18940187"/>
-            <a:chExt cx="19969751" cy="10167312"/>
+            <a:off x="22051798" y="21910756"/>
+            <a:ext cx="20552979" cy="7691288"/>
+            <a:chOff x="22484931" y="21814504"/>
+            <a:chExt cx="20552978" cy="7691289"/>
           </a:xfrm>
         </p:grpSpPr>
         <p:sp>
@@ -3936,8 +3936,8 @@
           </p:nvSpPr>
           <p:spPr>
             <a:xfrm>
-              <a:off x="39701827" y="18940187"/>
-              <a:ext cx="3381912" cy="3383662"/>
+              <a:off x="39797909" y="23214076"/>
+              <a:ext cx="3240000" cy="3241677"/>
             </a:xfrm>
             <a:prstGeom prst="ellipse">
               <a:avLst/>
@@ -4056,8 +4056,8 @@
           </p:nvSpPr>
           <p:spPr>
             <a:xfrm>
-              <a:off x="23118387" y="21988828"/>
-              <a:ext cx="2778806" cy="2427776"/>
+              <a:off x="22484931" y="21988828"/>
+              <a:ext cx="3412262" cy="2427776"/>
             </a:xfrm>
             <a:prstGeom prst="roundRect">
               <a:avLst>
@@ -4138,7 +4138,7 @@
           </p:nvSpPr>
           <p:spPr>
             <a:xfrm>
-              <a:off x="26888746" y="24200436"/>
+              <a:off x="26814490" y="23517654"/>
               <a:ext cx="2751934" cy="1887864"/>
             </a:xfrm>
             <a:prstGeom prst="roundRect">
@@ -4236,7 +4236,7 @@
           </p:nvSpPr>
           <p:spPr>
             <a:xfrm>
-              <a:off x="26861874" y="22097462"/>
+              <a:off x="26787618" y="26079151"/>
               <a:ext cx="2778806" cy="1887863"/>
             </a:xfrm>
             <a:prstGeom prst="roundRect">
@@ -4303,8 +4303,8 @@
           </p:nvSpPr>
           <p:spPr>
             <a:xfrm>
-              <a:off x="23113988" y="26974552"/>
-              <a:ext cx="3013179" cy="2132947"/>
+              <a:off x="22484931" y="26974552"/>
+              <a:ext cx="3412261" cy="2132947"/>
             </a:xfrm>
             <a:prstGeom prst="roundRect">
               <a:avLst>
@@ -4372,8 +4372,8 @@
           </p:nvSpPr>
           <p:spPr>
             <a:xfrm>
-              <a:off x="39177159" y="25315775"/>
-              <a:ext cx="3013177" cy="2794095"/>
+              <a:off x="30959542" y="26683768"/>
+              <a:ext cx="2807018" cy="2794095"/>
             </a:xfrm>
             <a:prstGeom prst="roundRect">
               <a:avLst>
@@ -4463,8 +4463,8 @@
           </p:nvSpPr>
           <p:spPr>
             <a:xfrm>
-              <a:off x="30766947" y="21164787"/>
-              <a:ext cx="3013179" cy="1825561"/>
+              <a:off x="31037919" y="22014713"/>
+              <a:ext cx="2630140" cy="1825561"/>
             </a:xfrm>
             <a:prstGeom prst="roundRect">
               <a:avLst>
@@ -4532,8 +4532,8 @@
           </p:nvSpPr>
           <p:spPr>
             <a:xfrm>
-              <a:off x="35561128" y="25752077"/>
-              <a:ext cx="3013179" cy="1921870"/>
+              <a:off x="34980308" y="27583923"/>
+              <a:ext cx="3168650" cy="1921870"/>
             </a:xfrm>
             <a:prstGeom prst="roundRect">
               <a:avLst>
@@ -4593,220 +4593,6 @@
             </a:p>
           </p:txBody>
         </p:sp>
-        <p:sp>
-          <p:nvSpPr>
-            <p:cNvPr id="193" name="Shape 193"/>
-            <p:cNvSpPr/>
-            <p:nvPr/>
-          </p:nvSpPr>
-          <p:spPr>
-            <a:xfrm>
-              <a:off x="31197684" y="27295832"/>
-              <a:ext cx="3013179" cy="1630659"/>
-            </a:xfrm>
-            <a:prstGeom prst="roundRect">
-              <a:avLst>
-                <a:gd name="adj" fmla="val 16667"/>
-              </a:avLst>
-            </a:prstGeom>
-            <a:ln/>
-          </p:spPr>
-          <p:style>
-            <a:lnRef idx="1">
-              <a:schemeClr val="accent4"/>
-            </a:lnRef>
-            <a:fillRef idx="2">
-              <a:schemeClr val="accent4"/>
-            </a:fillRef>
-            <a:effectRef idx="1">
-              <a:schemeClr val="accent4"/>
-            </a:effectRef>
-            <a:fontRef idx="minor">
-              <a:schemeClr val="dk1"/>
-            </a:fontRef>
-          </p:style>
-          <p:txBody>
-            <a:bodyPr wrap="square" lIns="0" tIns="0" rIns="0" bIns="0" numCol="1" anchor="ctr">
-              <a:noAutofit/>
-            </a:bodyPr>
-            <a:lstStyle/>
-            <a:p>
-              <a:pPr lvl="0" algn="ctr">
-                <a:defRPr sz="1800"/>
-              </a:pPr>
-              <a:r>
-                <a:rPr lang="en-US" sz="2900" dirty="0">
-                  <a:latin typeface="Calibri" charset="0"/>
-                  <a:ea typeface="Calibri" charset="0"/>
-                  <a:cs typeface="Calibri" charset="0"/>
-                </a:rPr>
-                <a:t>[</a:t>
-              </a:r>
-              <a:r>
-                <a:rPr lang="en-US" sz="2900" dirty="0" err="1">
-                  <a:latin typeface="Calibri" charset="0"/>
-                  <a:ea typeface="Calibri" charset="0"/>
-                  <a:cs typeface="Calibri" charset="0"/>
-                </a:rPr>
-                <a:t>MoL</a:t>
-              </a:r>
-              <a:r>
-                <a:rPr lang="en-US" sz="2900" dirty="0">
-                  <a:latin typeface="Calibri" charset="0"/>
-                  <a:ea typeface="Calibri" charset="0"/>
-                  <a:cs typeface="Calibri" charset="0"/>
-                </a:rPr>
-                <a:t>-FNWI] </a:t>
-              </a:r>
-              <a:r>
-                <a:rPr lang="en-US" sz="2900" dirty="0" smtClean="0">
-                  <a:latin typeface="Calibri" charset="0"/>
-                  <a:ea typeface="Calibri" charset="0"/>
-                  <a:cs typeface="Calibri" charset="0"/>
-                </a:rPr>
-                <a:t/>
-              </a:r>
-              <a:br>
-                <a:rPr lang="en-US" sz="2900" dirty="0" smtClean="0">
-                  <a:latin typeface="Calibri" charset="0"/>
-                  <a:ea typeface="Calibri" charset="0"/>
-                  <a:cs typeface="Calibri" charset="0"/>
-                </a:rPr>
-              </a:br>
-              <a:r>
-                <a:rPr lang="en-US" sz="2900" dirty="0">
-                  <a:latin typeface="Calibri" charset="0"/>
-                  <a:ea typeface="Calibri" charset="0"/>
-                  <a:cs typeface="Calibri" charset="0"/>
-                </a:rPr>
-                <a:t>Game</a:t>
-              </a:r>
-              <a:r>
-                <a:rPr lang="en-US" sz="2900" dirty="0" smtClean="0">
-                  <a:latin typeface="Calibri" charset="0"/>
-                  <a:ea typeface="Calibri" charset="0"/>
-                  <a:cs typeface="Calibri" charset="0"/>
-                </a:rPr>
-                <a:t> </a:t>
-              </a:r>
-              <a:r>
-                <a:rPr lang="en-US" sz="2900" dirty="0">
-                  <a:latin typeface="Calibri" charset="0"/>
-                  <a:ea typeface="Calibri" charset="0"/>
-                  <a:cs typeface="Calibri" charset="0"/>
-                </a:rPr>
-                <a:t>Theory </a:t>
-              </a:r>
-              <a:r>
-                <a:rPr lang="en-US" sz="2900" dirty="0" smtClean="0">
-                  <a:latin typeface="Calibri" charset="0"/>
-                  <a:ea typeface="Calibri" charset="0"/>
-                  <a:cs typeface="Calibri" charset="0"/>
-                </a:rPr>
-                <a:t>(</a:t>
-              </a:r>
-              <a:r>
-                <a:rPr lang="en-US" sz="2900" dirty="0" err="1" smtClean="0">
-                  <a:latin typeface="Calibri" charset="0"/>
-                  <a:ea typeface="Calibri" charset="0"/>
-                  <a:cs typeface="Calibri" charset="0"/>
-                </a:rPr>
-                <a:t>Endriss</a:t>
-              </a:r>
-              <a:r>
-                <a:rPr lang="en-US" sz="2900" dirty="0" smtClean="0">
-                  <a:latin typeface="Calibri" charset="0"/>
-                  <a:ea typeface="Calibri" charset="0"/>
-                  <a:cs typeface="Calibri" charset="0"/>
-                </a:rPr>
-                <a:t>)</a:t>
-              </a:r>
-              <a:endParaRPr lang="en-US" sz="2900" dirty="0">
-                <a:latin typeface="Calibri" charset="0"/>
-                <a:ea typeface="Calibri" charset="0"/>
-                <a:cs typeface="Calibri" charset="0"/>
-              </a:endParaRPr>
-            </a:p>
-          </p:txBody>
-        </p:sp>
-        <p:sp>
-          <p:nvSpPr>
-            <p:cNvPr id="211" name="Shape 211"/>
-            <p:cNvSpPr/>
-            <p:nvPr/>
-          </p:nvSpPr>
-          <p:spPr>
-            <a:xfrm>
-              <a:off x="27090553" y="26818683"/>
-              <a:ext cx="3013179" cy="2107808"/>
-            </a:xfrm>
-            <a:prstGeom prst="roundRect">
-              <a:avLst>
-                <a:gd name="adj" fmla="val 16667"/>
-              </a:avLst>
-            </a:prstGeom>
-            <a:gradFill flip="none" rotWithShape="1">
-              <a:gsLst>
-                <a:gs pos="0">
-                  <a:srgbClr val="FFD1BB"/>
-                </a:gs>
-                <a:gs pos="35000">
-                  <a:srgbClr val="FFDECF"/>
-                </a:gs>
-                <a:gs pos="100000">
-                  <a:srgbClr val="FFF2ED"/>
-                </a:gs>
-              </a:gsLst>
-              <a:lin ang="16200000" scaled="0"/>
-            </a:gradFill>
-            <a:ln w="9525" cap="flat">
-              <a:solidFill>
-                <a:srgbClr val="F69240"/>
-              </a:solidFill>
-              <a:prstDash val="solid"/>
-              <a:bevel/>
-            </a:ln>
-            <a:effectLst>
-              <a:outerShdw blurRad="38100" dist="20000" dir="5400000" rotWithShape="0">
-                <a:srgbClr val="000000">
-                  <a:alpha val="38000"/>
-                </a:srgbClr>
-              </a:outerShdw>
-            </a:effectLst>
-          </p:spPr>
-          <p:txBody>
-            <a:bodyPr wrap="square" lIns="0" tIns="0" rIns="0" bIns="0" numCol="1" anchor="ctr">
-              <a:noAutofit/>
-            </a:bodyPr>
-            <a:lstStyle/>
-            <a:p>
-              <a:pPr lvl="0" algn="ctr">
-                <a:defRPr sz="1800"/>
-              </a:pPr>
-              <a:r>
-                <a:rPr lang="en-US" sz="2900" dirty="0"/>
-                <a:t>[</a:t>
-              </a:r>
-              <a:r>
-                <a:rPr lang="en-US" sz="2900" dirty="0" err="1"/>
-                <a:t>MoL</a:t>
-              </a:r>
-              <a:r>
-                <a:rPr lang="en-US" sz="2900" dirty="0"/>
-                <a:t>-FNWI] Computational Social Choice (</a:t>
-              </a:r>
-              <a:r>
-                <a:rPr lang="en-US" sz="2900" dirty="0" err="1"/>
-                <a:t>Endriss</a:t>
-              </a:r>
-              <a:r>
-                <a:rPr lang="en-US" sz="2900" dirty="0" smtClean="0"/>
-                <a:t>)</a:t>
-              </a:r>
-              <a:endParaRPr lang="en-US" sz="2900" dirty="0"/>
-            </a:p>
-          </p:txBody>
-        </p:sp>
         <p:grpSp>
           <p:nvGrpSpPr>
             <p:cNvPr id="18" name="Group 17"/>
@@ -4815,10 +4601,10 @@
           </p:nvGrpSpPr>
           <p:grpSpPr>
             <a:xfrm>
-              <a:off x="35383216" y="22393692"/>
-              <a:ext cx="3243920" cy="2601613"/>
-              <a:chOff x="35468482" y="22363688"/>
-              <a:chExt cx="3243919" cy="2601613"/>
+              <a:off x="34991224" y="21814504"/>
+              <a:ext cx="3157733" cy="2601613"/>
+              <a:chOff x="35076490" y="21784500"/>
+              <a:chExt cx="3157732" cy="2601613"/>
             </a:xfrm>
           </p:grpSpPr>
           <p:sp>
@@ -4829,8 +4615,8 @@
             </p:nvSpPr>
             <p:spPr>
               <a:xfrm>
-                <a:off x="35468482" y="22607352"/>
-                <a:ext cx="3243919" cy="2357949"/>
+                <a:off x="35076490" y="22028164"/>
+                <a:ext cx="3157732" cy="2357949"/>
               </a:xfrm>
               <a:prstGeom prst="roundRect">
                 <a:avLst>
@@ -4904,7 +4690,7 @@
             </p:nvSpPr>
             <p:spPr>
               <a:xfrm>
-                <a:off x="36347347" y="22363688"/>
+                <a:off x="35985835" y="21784500"/>
                 <a:ext cx="1497972" cy="1204325"/>
               </a:xfrm>
               <a:prstGeom prst="rect">
@@ -4949,10 +4735,10 @@
           </p:nvGrpSpPr>
           <p:grpSpPr>
             <a:xfrm>
-              <a:off x="38949479" y="22370369"/>
-              <a:ext cx="3200125" cy="2652860"/>
-              <a:chOff x="46834807" y="28725575"/>
-              <a:chExt cx="3200125" cy="2652860"/>
+              <a:off x="35058348" y="24515970"/>
+              <a:ext cx="3090610" cy="2652860"/>
+              <a:chOff x="42943676" y="30871176"/>
+              <a:chExt cx="3090610" cy="2652860"/>
             </a:xfrm>
           </p:grpSpPr>
           <p:sp>
@@ -4963,8 +4749,8 @@
             </p:nvSpPr>
             <p:spPr>
               <a:xfrm>
-                <a:off x="46834807" y="28992562"/>
-                <a:ext cx="3200125" cy="2385873"/>
+                <a:off x="42943676" y="31138163"/>
+                <a:ext cx="3090610" cy="2385873"/>
               </a:xfrm>
               <a:prstGeom prst="roundRect">
                 <a:avLst>
@@ -5101,7 +4887,7 @@
             </p:nvSpPr>
             <p:spPr>
               <a:xfrm>
-                <a:off x="47540315" y="28725575"/>
+                <a:off x="43679663" y="30871176"/>
                 <a:ext cx="1497972" cy="1204325"/>
               </a:xfrm>
               <a:prstGeom prst="rect">
@@ -5727,9 +5513,9 @@
         <p:grpSpPr>
           <a:xfrm>
             <a:off x="12570639" y="10445640"/>
-            <a:ext cx="12893421" cy="6438900"/>
+            <a:ext cx="12893422" cy="6438900"/>
             <a:chOff x="12570639" y="10445640"/>
-            <a:chExt cx="12893421" cy="6438900"/>
+            <a:chExt cx="12893422" cy="6438900"/>
           </a:xfrm>
         </p:grpSpPr>
         <p:grpSp>
@@ -5754,8 +5540,8 @@
             </p:nvSpPr>
             <p:spPr>
               <a:xfrm>
-                <a:off x="17668899" y="14347803"/>
-                <a:ext cx="3522617" cy="2429822"/>
+                <a:off x="17799529" y="14347803"/>
+                <a:ext cx="3391987" cy="2429822"/>
               </a:xfrm>
               <a:prstGeom prst="roundRect">
                 <a:avLst>
@@ -5853,10 +5639,10 @@
             </p:nvGrpSpPr>
             <p:grpSpPr>
               <a:xfrm>
-                <a:off x="22564757" y="14048581"/>
-                <a:ext cx="3332436" cy="2739704"/>
-                <a:chOff x="24887357" y="13838554"/>
-                <a:chExt cx="3332436" cy="2739704"/>
+                <a:off x="22486683" y="14048581"/>
+                <a:ext cx="3410510" cy="2739704"/>
+                <a:chOff x="24809283" y="13838554"/>
+                <a:chExt cx="3410510" cy="2739704"/>
               </a:xfrm>
             </p:grpSpPr>
             <p:sp>
@@ -5867,8 +5653,8 @@
               </p:nvSpPr>
               <p:spPr>
                 <a:xfrm>
-                  <a:off x="24887357" y="14148436"/>
-                  <a:ext cx="3332436" cy="2429822"/>
+                  <a:off x="24809283" y="14148436"/>
+                  <a:ext cx="3410510" cy="2429822"/>
                 </a:xfrm>
                 <a:prstGeom prst="roundRect">
                   <a:avLst>
@@ -6028,9 +5814,9 @@
             </p:nvGrpSpPr>
             <p:grpSpPr>
               <a:xfrm>
-                <a:off x="17571866" y="10384854"/>
+                <a:off x="17702496" y="10384854"/>
                 <a:ext cx="3611033" cy="2650096"/>
-                <a:chOff x="19416312" y="10248126"/>
+                <a:chOff x="19546942" y="10248126"/>
                 <a:chExt cx="3611032" cy="2915075"/>
               </a:xfrm>
             </p:grpSpPr>
@@ -6042,7 +5828,7 @@
               </p:nvSpPr>
               <p:spPr>
                 <a:xfrm>
-                  <a:off x="19513345" y="10498414"/>
+                  <a:off x="19643975" y="10498414"/>
                   <a:ext cx="3405438" cy="2664787"/>
                 </a:xfrm>
                 <a:prstGeom prst="roundRect">
@@ -6197,8 +5983,8 @@
               </p:nvSpPr>
               <p:spPr>
                 <a:xfrm>
-                  <a:off x="21529372" y="10248126"/>
-                  <a:ext cx="1497972" cy="1204324"/>
+                  <a:off x="21660002" y="10248126"/>
+                  <a:ext cx="1497972" cy="1204323"/>
                 </a:xfrm>
                 <a:prstGeom prst="rect">
                   <a:avLst/>
@@ -6249,7 +6035,7 @@
               </p:nvSpPr>
               <p:spPr>
                 <a:xfrm>
-                  <a:off x="19416312" y="10250048"/>
+                  <a:off x="19546942" y="10250048"/>
                   <a:ext cx="1497972" cy="1204325"/>
                 </a:xfrm>
                 <a:prstGeom prst="rect">
@@ -6437,8 +6223,8 @@
           </p:nvSpPr>
           <p:spPr>
             <a:xfrm>
-              <a:off x="22163205" y="10746567"/>
-              <a:ext cx="3300855" cy="2346706"/>
+              <a:off x="22053551" y="10746567"/>
+              <a:ext cx="3410510" cy="2346706"/>
             </a:xfrm>
             <a:prstGeom prst="roundRect">
               <a:avLst>
@@ -6528,8 +6314,8 @@
         </p:nvSpPr>
         <p:spPr>
           <a:xfrm>
-            <a:off x="34681270" y="493451"/>
-            <a:ext cx="3013179" cy="2429822"/>
+            <a:off x="34547176" y="493451"/>
+            <a:ext cx="3147274" cy="2350223"/>
           </a:xfrm>
           <a:prstGeom prst="roundRect">
             <a:avLst>
@@ -6841,10 +6627,10 @@
         </p:nvGrpSpPr>
         <p:grpSpPr>
           <a:xfrm>
-            <a:off x="30202390" y="6989651"/>
-            <a:ext cx="11646639" cy="12586106"/>
-            <a:chOff x="30635525" y="6856560"/>
-            <a:chExt cx="11646639" cy="12586105"/>
+            <a:off x="27289993" y="4354032"/>
+            <a:ext cx="14559036" cy="14544682"/>
+            <a:chOff x="27723128" y="4220941"/>
+            <a:chExt cx="14559036" cy="14544681"/>
           </a:xfrm>
         </p:grpSpPr>
         <p:sp>
@@ -6855,8 +6641,8 @@
           </p:nvSpPr>
           <p:spPr>
             <a:xfrm>
-              <a:off x="34274398" y="16756034"/>
-              <a:ext cx="3128147" cy="2138462"/>
+              <a:off x="39268984" y="13210405"/>
+              <a:ext cx="3013179" cy="2138462"/>
             </a:xfrm>
             <a:prstGeom prst="roundRect">
               <a:avLst>
@@ -6968,7 +6754,7 @@
           </p:nvSpPr>
           <p:spPr>
             <a:xfrm>
-              <a:off x="39268985" y="6856560"/>
+              <a:off x="39268985" y="4220941"/>
               <a:ext cx="3013179" cy="2429822"/>
             </a:xfrm>
             <a:prstGeom prst="roundRect">
@@ -7062,7 +6848,7 @@
           <p:spPr>
             <a:xfrm>
               <a:off x="34997581" y="10219836"/>
-              <a:ext cx="3013179" cy="2706210"/>
+              <a:ext cx="3151379" cy="2706210"/>
             </a:xfrm>
             <a:prstGeom prst="roundRect">
               <a:avLst>
@@ -7141,7 +6927,7 @@
           </p:nvSpPr>
           <p:spPr>
             <a:xfrm>
-              <a:off x="30635525" y="10387655"/>
+              <a:off x="30708677" y="10387655"/>
               <a:ext cx="3013179" cy="2429822"/>
             </a:xfrm>
             <a:prstGeom prst="roundRect">
@@ -7209,7 +6995,7 @@
           </p:nvSpPr>
           <p:spPr>
             <a:xfrm>
-              <a:off x="30690325" y="13573948"/>
+              <a:off x="30726901" y="13573948"/>
               <a:ext cx="3013179" cy="2429822"/>
             </a:xfrm>
             <a:prstGeom prst="roundRect">
@@ -7289,8 +7075,8 @@
           </p:nvSpPr>
           <p:spPr>
             <a:xfrm>
-              <a:off x="35009768" y="13476718"/>
-              <a:ext cx="2988806" cy="2485688"/>
+              <a:off x="35009767" y="13476718"/>
+              <a:ext cx="3117817" cy="2485688"/>
             </a:xfrm>
             <a:prstGeom prst="roundRect">
               <a:avLst>
@@ -7373,7 +7159,168 @@
           </p:nvSpPr>
           <p:spPr>
             <a:xfrm>
-              <a:off x="39268985" y="16350643"/>
+              <a:off x="39268984" y="16335800"/>
+              <a:ext cx="3013180" cy="2429822"/>
+            </a:xfrm>
+            <a:prstGeom prst="roundRect">
+              <a:avLst>
+                <a:gd name="adj" fmla="val 16667"/>
+              </a:avLst>
+            </a:prstGeom>
+            <a:gradFill flip="none" rotWithShape="1">
+              <a:gsLst>
+                <a:gs pos="0">
+                  <a:srgbClr val="FFD1BB"/>
+                </a:gs>
+                <a:gs pos="35000">
+                  <a:srgbClr val="FFDECF"/>
+                </a:gs>
+                <a:gs pos="100000">
+                  <a:srgbClr val="FFF2ED"/>
+                </a:gs>
+              </a:gsLst>
+              <a:lin ang="16200000" scaled="0"/>
+            </a:gradFill>
+            <a:ln w="9525" cap="flat">
+              <a:solidFill>
+                <a:srgbClr val="F69240"/>
+              </a:solidFill>
+              <a:prstDash val="solid"/>
+              <a:bevel/>
+            </a:ln>
+            <a:effectLst>
+              <a:outerShdw blurRad="38100" dist="20000" dir="5400000" rotWithShape="0">
+                <a:srgbClr val="000000">
+                  <a:alpha val="38000"/>
+                </a:srgbClr>
+              </a:outerShdw>
+            </a:effectLst>
+          </p:spPr>
+          <p:txBody>
+            <a:bodyPr wrap="square" lIns="0" tIns="0" rIns="0" bIns="0" numCol="1" anchor="ctr">
+              <a:noAutofit/>
+            </a:bodyPr>
+            <a:lstStyle/>
+            <a:p>
+              <a:pPr lvl="0" algn="ctr">
+                <a:defRPr sz="1800"/>
+              </a:pPr>
+              <a:r>
+                <a:rPr lang="en-US" sz="2900" dirty="0"/>
+                <a:t>[</a:t>
+              </a:r>
+              <a:r>
+                <a:rPr lang="en-US" sz="2900" dirty="0" err="1"/>
+                <a:t>MScAI</a:t>
+              </a:r>
+              <a:r>
+                <a:rPr lang="en-US" sz="2900" dirty="0"/>
+                <a:t>] Knowledge Representation for the Web (Schlobach)</a:t>
+              </a:r>
+            </a:p>
+          </p:txBody>
+        </p:sp>
+        <p:sp>
+          <p:nvSpPr>
+            <p:cNvPr id="135" name="Shape 85"/>
+            <p:cNvSpPr/>
+            <p:nvPr/>
+          </p:nvSpPr>
+          <p:spPr>
+            <a:xfrm>
+              <a:off x="27723128" y="13560406"/>
+              <a:ext cx="2778806" cy="2588171"/>
+            </a:xfrm>
+            <a:prstGeom prst="roundRect">
+              <a:avLst>
+                <a:gd name="adj" fmla="val 16667"/>
+              </a:avLst>
+            </a:prstGeom>
+            <a:gradFill flip="none" rotWithShape="1">
+              <a:gsLst>
+                <a:gs pos="0">
+                  <a:srgbClr val="3F80CE"/>
+                </a:gs>
+                <a:gs pos="100000">
+                  <a:srgbClr val="A2C3FF"/>
+                </a:gs>
+              </a:gsLst>
+              <a:lin ang="16200000" scaled="0"/>
+            </a:gradFill>
+            <a:ln w="9525" cap="flat">
+              <a:solidFill>
+                <a:srgbClr val="4A7EBB"/>
+              </a:solidFill>
+              <a:prstDash val="solid"/>
+              <a:bevel/>
+            </a:ln>
+            <a:effectLst>
+              <a:outerShdw blurRad="38100" dist="23000" dir="5400000" rotWithShape="0">
+                <a:srgbClr val="000000">
+                  <a:alpha val="35000"/>
+                </a:srgbClr>
+              </a:outerShdw>
+            </a:effectLst>
+          </p:spPr>
+          <p:txBody>
+            <a:bodyPr wrap="square" lIns="0" tIns="0" rIns="0" bIns="0" numCol="1" anchor="ctr">
+              <a:noAutofit/>
+            </a:bodyPr>
+            <a:lstStyle/>
+            <a:p>
+              <a:pPr algn="ctr"/>
+              <a:r>
+                <a:rPr lang="en-US" sz="2900" dirty="0">
+                  <a:solidFill>
+                    <a:srgbClr val="FFFFFF"/>
+                  </a:solidFill>
+                </a:rPr>
+                <a:t>[</a:t>
+              </a:r>
+              <a:r>
+                <a:rPr lang="en-US" sz="2900" dirty="0" err="1">
+                  <a:solidFill>
+                    <a:srgbClr val="FFFFFF"/>
+                  </a:solidFill>
+                </a:rPr>
+                <a:t>MoL</a:t>
+              </a:r>
+              <a:r>
+                <a:rPr lang="en-US" sz="2900" dirty="0">
+                  <a:solidFill>
+                    <a:srgbClr val="FFFFFF"/>
+                  </a:solidFill>
+                </a:rPr>
+                <a:t>-FNWI] </a:t>
+              </a:r>
+              <a:r>
+                <a:rPr lang="en-US" sz="2900" dirty="0" smtClean="0">
+                  <a:solidFill>
+                    <a:srgbClr val="FFFFFF"/>
+                  </a:solidFill>
+                </a:rPr>
+                <a:t>Computational Semantics and </a:t>
+              </a:r>
+              <a:r>
+                <a:rPr lang="en-US" sz="2900" dirty="0">
+                  <a:solidFill>
+                    <a:srgbClr val="FFFFFF"/>
+                  </a:solidFill>
+                </a:rPr>
+                <a:t>Pragmatics (Fernandez)</a:t>
+              </a:r>
+            </a:p>
+          </p:txBody>
+        </p:sp>
+        <p:sp>
+          <p:nvSpPr>
+            <p:cNvPr id="196" name="Shape 196"/>
+            <p:cNvSpPr/>
+            <p:nvPr/>
+          </p:nvSpPr>
+          <p:spPr>
+            <a:xfrm>
+              <a:off x="39268985" y="10444861"/>
               <a:ext cx="3013179" cy="2429822"/>
             </a:xfrm>
             <a:prstGeom prst="roundRect">
@@ -7429,167 +7376,6 @@
               </a:r>
               <a:r>
                 <a:rPr lang="en-US" sz="2900" dirty="0"/>
-                <a:t>] Knowledge Representation for the Web (Schlobach)</a:t>
-              </a:r>
-            </a:p>
-          </p:txBody>
-        </p:sp>
-        <p:sp>
-          <p:nvSpPr>
-            <p:cNvPr id="135" name="Shape 85"/>
-            <p:cNvSpPr/>
-            <p:nvPr/>
-          </p:nvSpPr>
-          <p:spPr>
-            <a:xfrm>
-              <a:off x="30759171" y="16854494"/>
-              <a:ext cx="2778806" cy="2588171"/>
-            </a:xfrm>
-            <a:prstGeom prst="roundRect">
-              <a:avLst>
-                <a:gd name="adj" fmla="val 16667"/>
-              </a:avLst>
-            </a:prstGeom>
-            <a:gradFill flip="none" rotWithShape="1">
-              <a:gsLst>
-                <a:gs pos="0">
-                  <a:srgbClr val="3F80CE"/>
-                </a:gs>
-                <a:gs pos="100000">
-                  <a:srgbClr val="A2C3FF"/>
-                </a:gs>
-              </a:gsLst>
-              <a:lin ang="16200000" scaled="0"/>
-            </a:gradFill>
-            <a:ln w="9525" cap="flat">
-              <a:solidFill>
-                <a:srgbClr val="4A7EBB"/>
-              </a:solidFill>
-              <a:prstDash val="solid"/>
-              <a:bevel/>
-            </a:ln>
-            <a:effectLst>
-              <a:outerShdw blurRad="38100" dist="23000" dir="5400000" rotWithShape="0">
-                <a:srgbClr val="000000">
-                  <a:alpha val="35000"/>
-                </a:srgbClr>
-              </a:outerShdw>
-            </a:effectLst>
-          </p:spPr>
-          <p:txBody>
-            <a:bodyPr wrap="square" lIns="0" tIns="0" rIns="0" bIns="0" numCol="1" anchor="ctr">
-              <a:noAutofit/>
-            </a:bodyPr>
-            <a:lstStyle/>
-            <a:p>
-              <a:pPr algn="ctr"/>
-              <a:r>
-                <a:rPr lang="en-US" sz="2900" dirty="0">
-                  <a:solidFill>
-                    <a:srgbClr val="FFFFFF"/>
-                  </a:solidFill>
-                </a:rPr>
-                <a:t>[</a:t>
-              </a:r>
-              <a:r>
-                <a:rPr lang="en-US" sz="2900" dirty="0" err="1">
-                  <a:solidFill>
-                    <a:srgbClr val="FFFFFF"/>
-                  </a:solidFill>
-                </a:rPr>
-                <a:t>MoL</a:t>
-              </a:r>
-              <a:r>
-                <a:rPr lang="en-US" sz="2900" dirty="0">
-                  <a:solidFill>
-                    <a:srgbClr val="FFFFFF"/>
-                  </a:solidFill>
-                </a:rPr>
-                <a:t>-FNWI] </a:t>
-              </a:r>
-              <a:r>
-                <a:rPr lang="en-US" sz="2900" dirty="0" smtClean="0">
-                  <a:solidFill>
-                    <a:srgbClr val="FFFFFF"/>
-                  </a:solidFill>
-                </a:rPr>
-                <a:t>Computational Semantics and </a:t>
-              </a:r>
-              <a:r>
-                <a:rPr lang="en-US" sz="2900" dirty="0">
-                  <a:solidFill>
-                    <a:srgbClr val="FFFFFF"/>
-                  </a:solidFill>
-                </a:rPr>
-                <a:t>Pragmatics (Fernandez)</a:t>
-              </a:r>
-            </a:p>
-          </p:txBody>
-        </p:sp>
-        <p:sp>
-          <p:nvSpPr>
-            <p:cNvPr id="196" name="Shape 196"/>
-            <p:cNvSpPr/>
-            <p:nvPr/>
-          </p:nvSpPr>
-          <p:spPr>
-            <a:xfrm>
-              <a:off x="39268985" y="13476718"/>
-              <a:ext cx="3013179" cy="2429822"/>
-            </a:xfrm>
-            <a:prstGeom prst="roundRect">
-              <a:avLst>
-                <a:gd name="adj" fmla="val 16667"/>
-              </a:avLst>
-            </a:prstGeom>
-            <a:gradFill flip="none" rotWithShape="1">
-              <a:gsLst>
-                <a:gs pos="0">
-                  <a:srgbClr val="FFD1BB"/>
-                </a:gs>
-                <a:gs pos="35000">
-                  <a:srgbClr val="FFDECF"/>
-                </a:gs>
-                <a:gs pos="100000">
-                  <a:srgbClr val="FFF2ED"/>
-                </a:gs>
-              </a:gsLst>
-              <a:lin ang="16200000" scaled="0"/>
-            </a:gradFill>
-            <a:ln w="9525" cap="flat">
-              <a:solidFill>
-                <a:srgbClr val="F69240"/>
-              </a:solidFill>
-              <a:prstDash val="solid"/>
-              <a:bevel/>
-            </a:ln>
-            <a:effectLst>
-              <a:outerShdw blurRad="38100" dist="20000" dir="5400000" rotWithShape="0">
-                <a:srgbClr val="000000">
-                  <a:alpha val="38000"/>
-                </a:srgbClr>
-              </a:outerShdw>
-            </a:effectLst>
-          </p:spPr>
-          <p:txBody>
-            <a:bodyPr wrap="square" lIns="0" tIns="0" rIns="0" bIns="0" numCol="1" anchor="ctr">
-              <a:noAutofit/>
-            </a:bodyPr>
-            <a:lstStyle/>
-            <a:p>
-              <a:pPr lvl="0" algn="ctr">
-                <a:defRPr sz="1800"/>
-              </a:pPr>
-              <a:r>
-                <a:rPr lang="en-US" sz="2900" dirty="0"/>
-                <a:t>[</a:t>
-              </a:r>
-              <a:r>
-                <a:rPr lang="en-US" sz="2900" dirty="0" err="1"/>
-                <a:t>MScAI</a:t>
-              </a:r>
-              <a:r>
-                <a:rPr lang="en-US" sz="2900" dirty="0"/>
                 <a:t>] Unsupervised Language Learning </a:t>
               </a:r>
               <a:r>
@@ -7616,7 +7402,7 @@
           </p:nvSpPr>
           <p:spPr>
             <a:xfrm>
-              <a:off x="39268987" y="10338829"/>
+              <a:off x="39268987" y="7642250"/>
               <a:ext cx="3013177" cy="2429822"/>
             </a:xfrm>
             <a:prstGeom prst="roundRect">
@@ -7686,7 +7472,7 @@
         </p:nvSpPr>
         <p:spPr>
           <a:xfrm>
-            <a:off x="38403671" y="472464"/>
+            <a:off x="38476823" y="509040"/>
             <a:ext cx="4110918" cy="2093607"/>
           </a:xfrm>
           <a:prstGeom prst="roundRect">
@@ -7765,90 +7551,6 @@
               <a:rPr lang="en-US" sz="2300" dirty="0"/>
               <a:t>     Logic &amp; Mathematics</a:t>
             </a:r>
-          </a:p>
-        </p:txBody>
-      </p:sp>
-      <p:sp>
-        <p:nvSpPr>
-          <p:cNvPr id="173" name="Shape 248"/>
-          <p:cNvSpPr/>
-          <p:nvPr/>
-        </p:nvSpPr>
-        <p:spPr>
-          <a:xfrm flipV="1">
-            <a:off x="21075152" y="15592521"/>
-            <a:ext cx="784431" cy="0"/>
-          </a:xfrm>
-          <a:prstGeom prst="line">
-            <a:avLst/>
-          </a:prstGeom>
-          <a:ln w="76200">
-            <a:solidFill/>
-            <a:headEnd type="triangle"/>
-          </a:ln>
-          <a:effectLst>
-            <a:outerShdw blurRad="38100" dist="20000" dir="5400000" rotWithShape="0">
-              <a:srgbClr val="000000">
-                <a:alpha val="38000"/>
-              </a:srgbClr>
-            </a:outerShdw>
-          </a:effectLst>
-        </p:spPr>
-        <p:txBody>
-          <a:bodyPr lIns="0" tIns="0" rIns="0" bIns="0"/>
-          <a:lstStyle/>
-          <a:p>
-            <a:pPr algn="ctr" defTabSz="457097">
-              <a:defRPr sz="1200">
-                <a:latin typeface="+mn-lt"/>
-                <a:ea typeface="+mn-ea"/>
-                <a:cs typeface="+mn-cs"/>
-                <a:sym typeface="Helvetica"/>
-              </a:defRPr>
-            </a:pPr>
-            <a:endParaRPr/>
-          </a:p>
-        </p:txBody>
-      </p:sp>
-      <p:sp>
-        <p:nvSpPr>
-          <p:cNvPr id="185" name="Shape 248"/>
-          <p:cNvSpPr/>
-          <p:nvPr/>
-        </p:nvSpPr>
-        <p:spPr>
-          <a:xfrm flipH="1" flipV="1">
-            <a:off x="37328847" y="17997428"/>
-            <a:ext cx="755743" cy="0"/>
-          </a:xfrm>
-          <a:prstGeom prst="line">
-            <a:avLst/>
-          </a:prstGeom>
-          <a:ln w="76200">
-            <a:solidFill/>
-            <a:headEnd type="triangle"/>
-          </a:ln>
-          <a:effectLst>
-            <a:outerShdw blurRad="38100" dist="20000" dir="5400000" rotWithShape="0">
-              <a:srgbClr val="000000">
-                <a:alpha val="38000"/>
-              </a:srgbClr>
-            </a:outerShdw>
-          </a:effectLst>
-        </p:spPr>
-        <p:txBody>
-          <a:bodyPr lIns="0" tIns="0" rIns="0" bIns="0"/>
-          <a:lstStyle/>
-          <a:p>
-            <a:pPr algn="ctr" defTabSz="457097">
-              <a:defRPr sz="1200">
-                <a:latin typeface="+mn-lt"/>
-                <a:ea typeface="+mn-ea"/>
-                <a:cs typeface="+mn-cs"/>
-                <a:sym typeface="Helvetica"/>
-              </a:defRPr>
-            </a:pPr>
-            <a:endParaRPr/>
           </a:p>
         </p:txBody>
       </p:sp>
@@ -7914,8 +7616,8 @@
         </p:nvSpPr>
         <p:spPr>
           <a:xfrm>
-            <a:off x="35111224" y="19102520"/>
-            <a:ext cx="3381912" cy="3383662"/>
+            <a:off x="39376108" y="19167813"/>
+            <a:ext cx="3240000" cy="3241677"/>
           </a:xfrm>
           <a:prstGeom prst="ellipse">
             <a:avLst/>
@@ -7987,8 +7689,8 @@
         </p:nvSpPr>
         <p:spPr>
           <a:xfrm>
-            <a:off x="30510766" y="23854506"/>
-            <a:ext cx="2778806" cy="1887864"/>
+            <a:off x="30592855" y="24347909"/>
+            <a:ext cx="2642071" cy="1887864"/>
           </a:xfrm>
           <a:prstGeom prst="roundRect">
             <a:avLst>
@@ -8090,8 +7792,8 @@
         </p:nvSpPr>
         <p:spPr>
           <a:xfrm>
-            <a:off x="22016656" y="18135475"/>
-            <a:ext cx="3447404" cy="1887863"/>
+            <a:off x="22051798" y="18135475"/>
+            <a:ext cx="3412261" cy="1887863"/>
           </a:xfrm>
           <a:prstGeom prst="roundRect">
             <a:avLst>
@@ -8207,7 +7909,7 @@
         </p:nvSpPr>
         <p:spPr>
           <a:xfrm>
-            <a:off x="26956462" y="10495741"/>
+            <a:off x="27029614" y="10495741"/>
             <a:ext cx="3059300" cy="2468661"/>
           </a:xfrm>
           <a:prstGeom prst="roundRect">
@@ -8277,9 +7979,9 @@
         <p:grpSpPr>
           <a:xfrm>
             <a:off x="6095971" y="432692"/>
-            <a:ext cx="19368089" cy="9280755"/>
+            <a:ext cx="19378641" cy="9280755"/>
             <a:chOff x="6095971" y="432692"/>
-            <a:chExt cx="19368089" cy="9280755"/>
+            <a:chExt cx="19378641" cy="9280755"/>
           </a:xfrm>
         </p:grpSpPr>
         <p:sp>
@@ -8290,7 +7992,7 @@
           </p:nvSpPr>
           <p:spPr>
             <a:xfrm>
-              <a:off x="17389977" y="3691896"/>
+              <a:off x="17387417" y="3817287"/>
               <a:ext cx="3362348" cy="2426557"/>
             </a:xfrm>
             <a:prstGeom prst="roundRect">
@@ -8452,8 +8154,8 @@
           </p:nvSpPr>
           <p:spPr>
             <a:xfrm>
-              <a:off x="22118464" y="3717231"/>
-              <a:ext cx="3345596" cy="2429822"/>
+              <a:off x="22053149" y="3790383"/>
+              <a:ext cx="3421463" cy="2429822"/>
             </a:xfrm>
             <a:prstGeom prst="roundRect">
               <a:avLst>
@@ -8837,8 +8539,8 @@
           </p:nvSpPr>
           <p:spPr>
             <a:xfrm>
-              <a:off x="17401829" y="7149113"/>
-              <a:ext cx="3350496" cy="2429822"/>
+              <a:off x="17373600" y="7044328"/>
+              <a:ext cx="3432786" cy="2429822"/>
             </a:xfrm>
             <a:prstGeom prst="roundRect">
               <a:avLst>
@@ -9224,8 +8926,8 @@
         </p:nvSpPr>
         <p:spPr>
           <a:xfrm>
-            <a:off x="22694168" y="24752608"/>
-            <a:ext cx="3013179" cy="2107808"/>
+            <a:off x="22051798" y="24752608"/>
+            <a:ext cx="3422089" cy="2107808"/>
           </a:xfrm>
           <a:prstGeom prst="roundRect">
             <a:avLst>
@@ -9302,9 +9004,9 @@
         <p:grpSpPr>
           <a:xfrm>
             <a:off x="1222684" y="18131055"/>
-            <a:ext cx="19474161" cy="10980017"/>
+            <a:ext cx="19574468" cy="10980017"/>
             <a:chOff x="1222684" y="18131055"/>
-            <a:chExt cx="19474161" cy="10980017"/>
+            <a:chExt cx="19574468" cy="10980017"/>
           </a:xfrm>
         </p:grpSpPr>
         <p:grpSp>
@@ -9316,9 +9018,9 @@
           <p:grpSpPr>
             <a:xfrm>
               <a:off x="1222684" y="18131055"/>
-              <a:ext cx="19474161" cy="10980017"/>
+              <a:ext cx="19574468" cy="10980017"/>
               <a:chOff x="1222684" y="18131055"/>
-              <a:chExt cx="19474161" cy="10980017"/>
+              <a:chExt cx="19574468" cy="10980017"/>
             </a:xfrm>
           </p:grpSpPr>
           <p:grpSp>
@@ -9330,9 +9032,9 @@
             <p:grpSpPr>
               <a:xfrm>
                 <a:off x="1222684" y="18131055"/>
-                <a:ext cx="19474161" cy="10980017"/>
+                <a:ext cx="19574468" cy="10980017"/>
                 <a:chOff x="454442" y="18034804"/>
-                <a:chExt cx="19474161" cy="10980018"/>
+                <a:chExt cx="19574468" cy="10980018"/>
               </a:xfrm>
             </p:grpSpPr>
             <p:sp>
@@ -9787,8 +9489,8 @@
               </p:nvSpPr>
               <p:spPr>
                 <a:xfrm>
-                  <a:off x="16915424" y="23208685"/>
-                  <a:ext cx="3013179" cy="2429822"/>
+                  <a:off x="16605357" y="23208685"/>
+                  <a:ext cx="3423553" cy="2429822"/>
                 </a:xfrm>
                 <a:prstGeom prst="roundRect">
                   <a:avLst>
@@ -10090,9 +9792,9 @@
               </p:nvGrpSpPr>
               <p:grpSpPr>
                 <a:xfrm>
-                  <a:off x="13011121" y="23029526"/>
+                  <a:off x="12854365" y="23029526"/>
                   <a:ext cx="3314496" cy="2608981"/>
-                  <a:chOff x="5070326" y="22045680"/>
+                  <a:chOff x="4913570" y="22045680"/>
                   <a:chExt cx="3314497" cy="2608981"/>
                 </a:xfrm>
               </p:grpSpPr>
@@ -10104,7 +9806,7 @@
                 </p:nvSpPr>
                 <p:spPr>
                   <a:xfrm>
-                    <a:off x="5070326" y="22224839"/>
+                    <a:off x="4913570" y="22224839"/>
                     <a:ext cx="3314497" cy="2429822"/>
                   </a:xfrm>
                   <a:prstGeom prst="roundRect">
@@ -10234,7 +9936,7 @@
                 </p:nvSpPr>
                 <p:spPr>
                   <a:xfrm>
-                    <a:off x="5986868" y="22045680"/>
+                    <a:off x="5803986" y="22045680"/>
                     <a:ext cx="1497972" cy="1204325"/>
                   </a:xfrm>
                   <a:prstGeom prst="rect">
@@ -10452,11 +10154,7 @@
                     </a:r>
                     <a:r>
                       <a:rPr lang="en-US" sz="3300" b="1" dirty="0" smtClean="0"/>
-                      <a:t>xclusive </a:t>
-                    </a:r>
-                    <a:r>
-                      <a:rPr lang="en-US" sz="3300" b="1" dirty="0" smtClean="0"/>
-                      <a:t>or</a:t>
+                      <a:t>xclusive or</a:t>
                     </a:r>
                     <a:endParaRPr sz="3300" b="1" dirty="0"/>
                   </a:p>
@@ -10685,7 +10383,7 @@
           </p:nvSpPr>
           <p:spPr>
             <a:xfrm>
-              <a:off x="13879257" y="26697016"/>
+              <a:off x="13722501" y="26697016"/>
               <a:ext cx="3013179" cy="2398291"/>
             </a:xfrm>
             <a:prstGeom prst="roundRect">
@@ -10878,8 +10576,8 @@
         </p:nvSpPr>
         <p:spPr>
           <a:xfrm>
-            <a:off x="17235764" y="17682163"/>
-            <a:ext cx="3522617" cy="2509068"/>
+            <a:off x="17373599" y="17682163"/>
+            <a:ext cx="3384781" cy="2509068"/>
           </a:xfrm>
           <a:prstGeom prst="roundRect">
             <a:avLst>
@@ -10946,9 +10644,9 @@
           <p:nvPr/>
         </p:nvSpPr>
         <p:spPr>
-          <a:xfrm>
-            <a:off x="38547722" y="20683339"/>
-            <a:ext cx="626379" cy="1"/>
+          <a:xfrm flipH="1">
+            <a:off x="40984777" y="22512918"/>
+            <a:ext cx="0" cy="629159"/>
           </a:xfrm>
           <a:prstGeom prst="line">
             <a:avLst/>
@@ -10989,7 +10687,7 @@
         </p:nvSpPr>
         <p:spPr>
           <a:xfrm flipH="1" flipV="1">
-            <a:off x="40481679" y="9666331"/>
+            <a:off x="40365518" y="7011995"/>
             <a:ext cx="1" cy="650266"/>
           </a:xfrm>
           <a:prstGeom prst="line">
@@ -11079,8 +10777,8 @@
         </p:nvSpPr>
         <p:spPr>
           <a:xfrm>
-            <a:off x="30200402" y="26463973"/>
-            <a:ext cx="4556262" cy="923597"/>
+            <a:off x="32003555" y="19583077"/>
+            <a:ext cx="2414725" cy="2031766"/>
           </a:xfrm>
           <a:prstGeom prst="rect">
             <a:avLst/>
@@ -11096,7 +10794,7 @@
         </p:spPr>
         <p:txBody>
           <a:bodyPr lIns="208758" tIns="208758" rIns="208758" bIns="208758" anchor="ctr">
-            <a:normAutofit fontScale="92500" lnSpcReduction="10000"/>
+            <a:normAutofit/>
           </a:bodyPr>
           <a:lstStyle>
             <a:lvl1pPr>
@@ -11104,14 +10802,280 @@
             </a:lvl1pPr>
           </a:lstStyle>
           <a:p>
-            <a:pPr lvl="0" algn="r">
+            <a:pPr lvl="0" algn="l">
               <a:defRPr sz="1800"/>
             </a:pPr>
             <a:r>
               <a:rPr lang="en-US" sz="3900" b="1" dirty="0" smtClean="0"/>
-              <a:t>Economic Theory</a:t>
+              <a:t>Economic </a:t>
+            </a:r>
+            <a:endParaRPr lang="en-US" sz="3900" b="1" dirty="0" smtClean="0"/>
+          </a:p>
+          <a:p>
+            <a:pPr lvl="0" algn="l">
+              <a:defRPr sz="1800"/>
+            </a:pPr>
+            <a:r>
+              <a:rPr lang="en-US" sz="3900" b="1" dirty="0" smtClean="0"/>
+              <a:t>Theory</a:t>
             </a:r>
             <a:endParaRPr sz="3900" b="1" dirty="0"/>
+          </a:p>
+        </p:txBody>
+      </p:sp>
+      <p:sp>
+        <p:nvSpPr>
+          <p:cNvPr id="134" name="Shape 248"/>
+          <p:cNvSpPr/>
+          <p:nvPr/>
+        </p:nvSpPr>
+        <p:spPr>
+          <a:xfrm flipH="1" flipV="1">
+            <a:off x="40365518" y="15631403"/>
+            <a:ext cx="1" cy="650266"/>
+          </a:xfrm>
+          <a:prstGeom prst="line">
+            <a:avLst/>
+          </a:prstGeom>
+          <a:ln w="76200">
+            <a:solidFill/>
+            <a:headEnd type="triangle"/>
+          </a:ln>
+          <a:effectLst>
+            <a:outerShdw blurRad="38100" dist="20000" dir="5400000" rotWithShape="0">
+              <a:srgbClr val="000000">
+                <a:alpha val="38000"/>
+              </a:srgbClr>
+            </a:outerShdw>
+          </a:effectLst>
+        </p:spPr>
+        <p:txBody>
+          <a:bodyPr lIns="0" tIns="0" rIns="0" bIns="0"/>
+          <a:lstStyle/>
+          <a:p>
+            <a:pPr algn="ctr" defTabSz="457097">
+              <a:defRPr sz="1200">
+                <a:latin typeface="+mn-lt"/>
+                <a:ea typeface="+mn-ea"/>
+                <a:cs typeface="+mn-cs"/>
+                <a:sym typeface="Helvetica"/>
+              </a:defRPr>
+            </a:pPr>
+            <a:endParaRPr/>
+          </a:p>
+        </p:txBody>
+      </p:sp>
+      <p:sp>
+        <p:nvSpPr>
+          <p:cNvPr id="158" name="Shape 193"/>
+          <p:cNvSpPr/>
+          <p:nvPr/>
+        </p:nvSpPr>
+        <p:spPr>
+          <a:xfrm>
+            <a:off x="34553215" y="19681144"/>
+            <a:ext cx="3141234" cy="1630659"/>
+          </a:xfrm>
+          <a:prstGeom prst="roundRect">
+            <a:avLst>
+              <a:gd name="adj" fmla="val 16667"/>
+            </a:avLst>
+          </a:prstGeom>
+          <a:ln/>
+        </p:spPr>
+        <p:style>
+          <a:lnRef idx="1">
+            <a:schemeClr val="accent4"/>
+          </a:lnRef>
+          <a:fillRef idx="2">
+            <a:schemeClr val="accent4"/>
+          </a:fillRef>
+          <a:effectRef idx="1">
+            <a:schemeClr val="accent4"/>
+          </a:effectRef>
+          <a:fontRef idx="minor">
+            <a:schemeClr val="dk1"/>
+          </a:fontRef>
+        </p:style>
+        <p:txBody>
+          <a:bodyPr wrap="square" lIns="0" tIns="0" rIns="0" bIns="0" numCol="1" anchor="ctr">
+            <a:noAutofit/>
+          </a:bodyPr>
+          <a:lstStyle/>
+          <a:p>
+            <a:pPr lvl="0" algn="ctr">
+              <a:defRPr sz="1800"/>
+            </a:pPr>
+            <a:r>
+              <a:rPr lang="en-US" sz="2900" dirty="0">
+                <a:latin typeface="Calibri" charset="0"/>
+                <a:ea typeface="Calibri" charset="0"/>
+                <a:cs typeface="Calibri" charset="0"/>
+              </a:rPr>
+              <a:t>[</a:t>
+            </a:r>
+            <a:r>
+              <a:rPr lang="en-US" sz="2900" dirty="0" err="1">
+                <a:latin typeface="Calibri" charset="0"/>
+                <a:ea typeface="Calibri" charset="0"/>
+                <a:cs typeface="Calibri" charset="0"/>
+              </a:rPr>
+              <a:t>MoL</a:t>
+            </a:r>
+            <a:r>
+              <a:rPr lang="en-US" sz="2900" dirty="0">
+                <a:latin typeface="Calibri" charset="0"/>
+                <a:ea typeface="Calibri" charset="0"/>
+                <a:cs typeface="Calibri" charset="0"/>
+              </a:rPr>
+              <a:t>-FNWI] </a:t>
+            </a:r>
+            <a:r>
+              <a:rPr lang="en-US" sz="2900" dirty="0" smtClean="0">
+                <a:latin typeface="Calibri" charset="0"/>
+                <a:ea typeface="Calibri" charset="0"/>
+                <a:cs typeface="Calibri" charset="0"/>
+              </a:rPr>
+              <a:t/>
+            </a:r>
+            <a:br>
+              <a:rPr lang="en-US" sz="2900" dirty="0" smtClean="0">
+                <a:latin typeface="Calibri" charset="0"/>
+                <a:ea typeface="Calibri" charset="0"/>
+                <a:cs typeface="Calibri" charset="0"/>
+              </a:rPr>
+            </a:br>
+            <a:r>
+              <a:rPr lang="en-US" sz="2900" dirty="0">
+                <a:latin typeface="Calibri" charset="0"/>
+                <a:ea typeface="Calibri" charset="0"/>
+                <a:cs typeface="Calibri" charset="0"/>
+              </a:rPr>
+              <a:t>Game</a:t>
+            </a:r>
+            <a:r>
+              <a:rPr lang="en-US" sz="2900" dirty="0" smtClean="0">
+                <a:latin typeface="Calibri" charset="0"/>
+                <a:ea typeface="Calibri" charset="0"/>
+                <a:cs typeface="Calibri" charset="0"/>
+              </a:rPr>
+              <a:t> </a:t>
+            </a:r>
+            <a:r>
+              <a:rPr lang="en-US" sz="2900" dirty="0">
+                <a:latin typeface="Calibri" charset="0"/>
+                <a:ea typeface="Calibri" charset="0"/>
+                <a:cs typeface="Calibri" charset="0"/>
+              </a:rPr>
+              <a:t>Theory </a:t>
+            </a:r>
+            <a:r>
+              <a:rPr lang="en-US" sz="2900" dirty="0" smtClean="0">
+                <a:latin typeface="Calibri" charset="0"/>
+                <a:ea typeface="Calibri" charset="0"/>
+                <a:cs typeface="Calibri" charset="0"/>
+              </a:rPr>
+              <a:t>(</a:t>
+            </a:r>
+            <a:r>
+              <a:rPr lang="en-US" sz="2900" dirty="0" err="1" smtClean="0">
+                <a:latin typeface="Calibri" charset="0"/>
+                <a:ea typeface="Calibri" charset="0"/>
+                <a:cs typeface="Calibri" charset="0"/>
+              </a:rPr>
+              <a:t>Endriss</a:t>
+            </a:r>
+            <a:r>
+              <a:rPr lang="en-US" sz="2900" dirty="0" smtClean="0">
+                <a:latin typeface="Calibri" charset="0"/>
+                <a:ea typeface="Calibri" charset="0"/>
+                <a:cs typeface="Calibri" charset="0"/>
+              </a:rPr>
+              <a:t>)</a:t>
+            </a:r>
+            <a:endParaRPr lang="en-US" sz="2900" dirty="0">
+              <a:latin typeface="Calibri" charset="0"/>
+              <a:ea typeface="Calibri" charset="0"/>
+              <a:cs typeface="Calibri" charset="0"/>
+            </a:endParaRPr>
+          </a:p>
+        </p:txBody>
+      </p:sp>
+      <p:sp>
+        <p:nvSpPr>
+          <p:cNvPr id="159" name="Shape 211"/>
+          <p:cNvSpPr/>
+          <p:nvPr/>
+        </p:nvSpPr>
+        <p:spPr>
+          <a:xfrm>
+            <a:off x="34564445" y="17009311"/>
+            <a:ext cx="3130004" cy="2107808"/>
+          </a:xfrm>
+          <a:prstGeom prst="roundRect">
+            <a:avLst>
+              <a:gd name="adj" fmla="val 16667"/>
+            </a:avLst>
+          </a:prstGeom>
+          <a:gradFill flip="none" rotWithShape="1">
+            <a:gsLst>
+              <a:gs pos="0">
+                <a:srgbClr val="FFD1BB"/>
+              </a:gs>
+              <a:gs pos="35000">
+                <a:srgbClr val="FFDECF"/>
+              </a:gs>
+              <a:gs pos="100000">
+                <a:srgbClr val="FFF2ED"/>
+              </a:gs>
+            </a:gsLst>
+            <a:lin ang="16200000" scaled="0"/>
+          </a:gradFill>
+          <a:ln w="9525" cap="flat">
+            <a:solidFill>
+              <a:srgbClr val="F69240"/>
+            </a:solidFill>
+            <a:prstDash val="solid"/>
+            <a:bevel/>
+          </a:ln>
+          <a:effectLst>
+            <a:outerShdw blurRad="38100" dist="20000" dir="5400000" rotWithShape="0">
+              <a:srgbClr val="000000">
+                <a:alpha val="38000"/>
+              </a:srgbClr>
+            </a:outerShdw>
+          </a:effectLst>
+        </p:spPr>
+        <p:txBody>
+          <a:bodyPr wrap="square" lIns="0" tIns="0" rIns="0" bIns="0" numCol="1" anchor="ctr">
+            <a:noAutofit/>
+          </a:bodyPr>
+          <a:lstStyle/>
+          <a:p>
+            <a:pPr lvl="0" algn="ctr">
+              <a:defRPr sz="1800"/>
+            </a:pPr>
+            <a:r>
+              <a:rPr lang="en-US" sz="2900" dirty="0"/>
+              <a:t>[</a:t>
+            </a:r>
+            <a:r>
+              <a:rPr lang="en-US" sz="2900" dirty="0" err="1"/>
+              <a:t>MoL</a:t>
+            </a:r>
+            <a:r>
+              <a:rPr lang="en-US" sz="2900" dirty="0"/>
+              <a:t>-FNWI] Computational Social Choice (</a:t>
+            </a:r>
+            <a:r>
+              <a:rPr lang="en-US" sz="2900" dirty="0" err="1"/>
+              <a:t>Endriss</a:t>
+            </a:r>
+            <a:r>
+              <a:rPr lang="en-US" sz="2900" dirty="0" smtClean="0"/>
+              <a:t>)</a:t>
+            </a:r>
+            <a:endParaRPr lang="en-US" sz="2900" dirty="0"/>
           </a:p>
         </p:txBody>
       </p:sp>
